--- a/Machine_Learning_E1_o1.pptx
+++ b/Machine_Learning_E1_o1.pptx
@@ -6,49 +6,50 @@
     <p:sldMasterId id="2147483661" r:id="rId3"/>
     <p:sldMasterId id="2147483674" r:id="rId4"/>
     <p:sldMasterId id="2147483687" r:id="rId5"/>
+    <p:sldMasterId id="2147483700" r:id="rId6"/>
   </p:sldMasterIdLst>
   <p:sldIdLst>
-    <p:sldId id="256" r:id="rId6"/>
-    <p:sldId id="257" r:id="rId7"/>
-    <p:sldId id="258" r:id="rId8"/>
-    <p:sldId id="259" r:id="rId9"/>
-    <p:sldId id="260" r:id="rId10"/>
-    <p:sldId id="261" r:id="rId11"/>
-    <p:sldId id="262" r:id="rId12"/>
-    <p:sldId id="263" r:id="rId13"/>
-    <p:sldId id="264" r:id="rId14"/>
-    <p:sldId id="265" r:id="rId15"/>
-    <p:sldId id="266" r:id="rId16"/>
-    <p:sldId id="267" r:id="rId17"/>
-    <p:sldId id="268" r:id="rId18"/>
-    <p:sldId id="269" r:id="rId19"/>
-    <p:sldId id="270" r:id="rId20"/>
-    <p:sldId id="271" r:id="rId21"/>
-    <p:sldId id="272" r:id="rId22"/>
-    <p:sldId id="273" r:id="rId23"/>
-    <p:sldId id="274" r:id="rId24"/>
-    <p:sldId id="275" r:id="rId25"/>
-    <p:sldId id="276" r:id="rId26"/>
-    <p:sldId id="277" r:id="rId27"/>
-    <p:sldId id="278" r:id="rId28"/>
-    <p:sldId id="279" r:id="rId29"/>
-    <p:sldId id="280" r:id="rId30"/>
-    <p:sldId id="281" r:id="rId31"/>
-    <p:sldId id="282" r:id="rId32"/>
-    <p:sldId id="283" r:id="rId33"/>
-    <p:sldId id="284" r:id="rId34"/>
-    <p:sldId id="285" r:id="rId35"/>
-    <p:sldId id="286" r:id="rId36"/>
-    <p:sldId id="287" r:id="rId37"/>
-    <p:sldId id="288" r:id="rId38"/>
-    <p:sldId id="289" r:id="rId39"/>
-    <p:sldId id="290" r:id="rId40"/>
-    <p:sldId id="291" r:id="rId41"/>
-    <p:sldId id="292" r:id="rId42"/>
-    <p:sldId id="293" r:id="rId43"/>
-    <p:sldId id="294" r:id="rId44"/>
-    <p:sldId id="295" r:id="rId45"/>
-    <p:sldId id="296" r:id="rId46"/>
+    <p:sldId id="256" r:id="rId7"/>
+    <p:sldId id="257" r:id="rId8"/>
+    <p:sldId id="258" r:id="rId9"/>
+    <p:sldId id="259" r:id="rId10"/>
+    <p:sldId id="260" r:id="rId11"/>
+    <p:sldId id="261" r:id="rId12"/>
+    <p:sldId id="262" r:id="rId13"/>
+    <p:sldId id="263" r:id="rId14"/>
+    <p:sldId id="264" r:id="rId15"/>
+    <p:sldId id="265" r:id="rId16"/>
+    <p:sldId id="266" r:id="rId17"/>
+    <p:sldId id="267" r:id="rId18"/>
+    <p:sldId id="268" r:id="rId19"/>
+    <p:sldId id="269" r:id="rId20"/>
+    <p:sldId id="270" r:id="rId21"/>
+    <p:sldId id="271" r:id="rId22"/>
+    <p:sldId id="272" r:id="rId23"/>
+    <p:sldId id="273" r:id="rId24"/>
+    <p:sldId id="274" r:id="rId25"/>
+    <p:sldId id="275" r:id="rId26"/>
+    <p:sldId id="276" r:id="rId27"/>
+    <p:sldId id="277" r:id="rId28"/>
+    <p:sldId id="278" r:id="rId29"/>
+    <p:sldId id="279" r:id="rId30"/>
+    <p:sldId id="280" r:id="rId31"/>
+    <p:sldId id="281" r:id="rId32"/>
+    <p:sldId id="282" r:id="rId33"/>
+    <p:sldId id="283" r:id="rId34"/>
+    <p:sldId id="284" r:id="rId35"/>
+    <p:sldId id="285" r:id="rId36"/>
+    <p:sldId id="286" r:id="rId37"/>
+    <p:sldId id="287" r:id="rId38"/>
+    <p:sldId id="288" r:id="rId39"/>
+    <p:sldId id="289" r:id="rId40"/>
+    <p:sldId id="290" r:id="rId41"/>
+    <p:sldId id="291" r:id="rId42"/>
+    <p:sldId id="292" r:id="rId43"/>
+    <p:sldId id="293" r:id="rId44"/>
+    <p:sldId id="294" r:id="rId45"/>
+    <p:sldId id="295" r:id="rId46"/>
+    <p:sldId id="296" r:id="rId47"/>
   </p:sldIdLst>
   <p:sldSz cx="12192000" cy="6858000"/>
   <p:notesSz cx="7559675" cy="10691812"/>
@@ -2077,7 +2078,7 @@
       </p:grpSpPr>
       <p:sp>
         <p:nvSpPr>
-          <p:cNvPr id="82" name="PlaceHolder 1"/>
+          <p:cNvPr id="81" name="PlaceHolder 1"/>
           <p:cNvSpPr>
             <a:spLocks noGrp="1"/>
           </p:cNvSpPr>
@@ -2108,7 +2109,7 @@
       </p:sp>
       <p:sp>
         <p:nvSpPr>
-          <p:cNvPr id="83" name="PlaceHolder 2"/>
+          <p:cNvPr id="82" name="PlaceHolder 2"/>
           <p:cNvSpPr>
             <a:spLocks noGrp="1"/>
           </p:cNvSpPr>
@@ -2161,7 +2162,7 @@
       </p:grpSpPr>
       <p:sp>
         <p:nvSpPr>
-          <p:cNvPr id="84" name="PlaceHolder 1"/>
+          <p:cNvPr id="83" name="PlaceHolder 1"/>
           <p:cNvSpPr>
             <a:spLocks noGrp="1"/>
           </p:cNvSpPr>
@@ -2192,7 +2193,7 @@
       </p:sp>
       <p:sp>
         <p:nvSpPr>
-          <p:cNvPr id="85" name="PlaceHolder 2"/>
+          <p:cNvPr id="84" name="PlaceHolder 2"/>
           <p:cNvSpPr>
             <a:spLocks noGrp="1"/>
           </p:cNvSpPr>
@@ -2244,7 +2245,7 @@
       </p:grpSpPr>
       <p:sp>
         <p:nvSpPr>
-          <p:cNvPr id="86" name="PlaceHolder 1"/>
+          <p:cNvPr id="85" name="PlaceHolder 1"/>
           <p:cNvSpPr>
             <a:spLocks noGrp="1"/>
           </p:cNvSpPr>
@@ -2275,7 +2276,7 @@
       </p:sp>
       <p:sp>
         <p:nvSpPr>
-          <p:cNvPr id="87" name="PlaceHolder 2"/>
+          <p:cNvPr id="86" name="PlaceHolder 2"/>
           <p:cNvSpPr>
             <a:spLocks noGrp="1"/>
           </p:cNvSpPr>
@@ -2305,7 +2306,7 @@
       </p:sp>
       <p:sp>
         <p:nvSpPr>
-          <p:cNvPr id="88" name="PlaceHolder 3"/>
+          <p:cNvPr id="87" name="PlaceHolder 3"/>
           <p:cNvSpPr>
             <a:spLocks noGrp="1"/>
           </p:cNvSpPr>
@@ -2357,7 +2358,7 @@
       </p:grpSpPr>
       <p:sp>
         <p:nvSpPr>
-          <p:cNvPr id="89" name="PlaceHolder 1"/>
+          <p:cNvPr id="88" name="PlaceHolder 1"/>
           <p:cNvSpPr>
             <a:spLocks noGrp="1"/>
           </p:cNvSpPr>
@@ -2493,7 +2494,7 @@
       </p:grpSpPr>
       <p:sp>
         <p:nvSpPr>
-          <p:cNvPr id="90" name="PlaceHolder 1"/>
+          <p:cNvPr id="89" name="PlaceHolder 1"/>
           <p:cNvSpPr>
             <a:spLocks noGrp="1"/>
           </p:cNvSpPr>
@@ -2546,7 +2547,7 @@
       </p:grpSpPr>
       <p:sp>
         <p:nvSpPr>
-          <p:cNvPr id="91" name="PlaceHolder 1"/>
+          <p:cNvPr id="90" name="PlaceHolder 1"/>
           <p:cNvSpPr>
             <a:spLocks noGrp="1"/>
           </p:cNvSpPr>
@@ -2577,7 +2578,7 @@
       </p:sp>
       <p:sp>
         <p:nvSpPr>
-          <p:cNvPr id="92" name="PlaceHolder 2"/>
+          <p:cNvPr id="91" name="PlaceHolder 2"/>
           <p:cNvSpPr>
             <a:spLocks noGrp="1"/>
           </p:cNvSpPr>
@@ -2607,7 +2608,7 @@
       </p:sp>
       <p:sp>
         <p:nvSpPr>
-          <p:cNvPr id="93" name="PlaceHolder 3"/>
+          <p:cNvPr id="92" name="PlaceHolder 3"/>
           <p:cNvSpPr>
             <a:spLocks noGrp="1"/>
           </p:cNvSpPr>
@@ -2637,7 +2638,7 @@
       </p:sp>
       <p:sp>
         <p:nvSpPr>
-          <p:cNvPr id="94" name="PlaceHolder 4"/>
+          <p:cNvPr id="93" name="PlaceHolder 4"/>
           <p:cNvSpPr>
             <a:spLocks noGrp="1"/>
           </p:cNvSpPr>
@@ -2689,7 +2690,7 @@
       </p:grpSpPr>
       <p:sp>
         <p:nvSpPr>
-          <p:cNvPr id="95" name="PlaceHolder 1"/>
+          <p:cNvPr id="94" name="PlaceHolder 1"/>
           <p:cNvSpPr>
             <a:spLocks noGrp="1"/>
           </p:cNvSpPr>
@@ -2720,7 +2721,7 @@
       </p:sp>
       <p:sp>
         <p:nvSpPr>
-          <p:cNvPr id="96" name="PlaceHolder 2"/>
+          <p:cNvPr id="95" name="PlaceHolder 2"/>
           <p:cNvSpPr>
             <a:spLocks noGrp="1"/>
           </p:cNvSpPr>
@@ -2750,7 +2751,7 @@
       </p:sp>
       <p:sp>
         <p:nvSpPr>
-          <p:cNvPr id="97" name="PlaceHolder 3"/>
+          <p:cNvPr id="96" name="PlaceHolder 3"/>
           <p:cNvSpPr>
             <a:spLocks noGrp="1"/>
           </p:cNvSpPr>
@@ -2780,7 +2781,7 @@
       </p:sp>
       <p:sp>
         <p:nvSpPr>
-          <p:cNvPr id="98" name="PlaceHolder 4"/>
+          <p:cNvPr id="97" name="PlaceHolder 4"/>
           <p:cNvSpPr>
             <a:spLocks noGrp="1"/>
           </p:cNvSpPr>
@@ -2832,7 +2833,7 @@
       </p:grpSpPr>
       <p:sp>
         <p:nvSpPr>
-          <p:cNvPr id="99" name="PlaceHolder 1"/>
+          <p:cNvPr id="98" name="PlaceHolder 1"/>
           <p:cNvSpPr>
             <a:spLocks noGrp="1"/>
           </p:cNvSpPr>
@@ -2863,7 +2864,7 @@
       </p:sp>
       <p:sp>
         <p:nvSpPr>
-          <p:cNvPr id="100" name="PlaceHolder 2"/>
+          <p:cNvPr id="99" name="PlaceHolder 2"/>
           <p:cNvSpPr>
             <a:spLocks noGrp="1"/>
           </p:cNvSpPr>
@@ -2893,7 +2894,7 @@
       </p:sp>
       <p:sp>
         <p:nvSpPr>
-          <p:cNvPr id="101" name="PlaceHolder 3"/>
+          <p:cNvPr id="100" name="PlaceHolder 3"/>
           <p:cNvSpPr>
             <a:spLocks noGrp="1"/>
           </p:cNvSpPr>
@@ -2923,7 +2924,7 @@
       </p:sp>
       <p:sp>
         <p:nvSpPr>
-          <p:cNvPr id="102" name="PlaceHolder 4"/>
+          <p:cNvPr id="101" name="PlaceHolder 4"/>
           <p:cNvSpPr>
             <a:spLocks noGrp="1"/>
           </p:cNvSpPr>
@@ -2975,7 +2976,7 @@
       </p:grpSpPr>
       <p:sp>
         <p:nvSpPr>
-          <p:cNvPr id="103" name="PlaceHolder 1"/>
+          <p:cNvPr id="102" name="PlaceHolder 1"/>
           <p:cNvSpPr>
             <a:spLocks noGrp="1"/>
           </p:cNvSpPr>
@@ -3006,7 +3007,7 @@
       </p:sp>
       <p:sp>
         <p:nvSpPr>
-          <p:cNvPr id="104" name="PlaceHolder 2"/>
+          <p:cNvPr id="103" name="PlaceHolder 2"/>
           <p:cNvSpPr>
             <a:spLocks noGrp="1"/>
           </p:cNvSpPr>
@@ -3036,7 +3037,7 @@
       </p:sp>
       <p:sp>
         <p:nvSpPr>
-          <p:cNvPr id="105" name="PlaceHolder 3"/>
+          <p:cNvPr id="104" name="PlaceHolder 3"/>
           <p:cNvSpPr>
             <a:spLocks noGrp="1"/>
           </p:cNvSpPr>
@@ -3088,7 +3089,7 @@
       </p:grpSpPr>
       <p:sp>
         <p:nvSpPr>
-          <p:cNvPr id="106" name="PlaceHolder 1"/>
+          <p:cNvPr id="105" name="PlaceHolder 1"/>
           <p:cNvSpPr>
             <a:spLocks noGrp="1"/>
           </p:cNvSpPr>
@@ -3119,7 +3120,7 @@
       </p:sp>
       <p:sp>
         <p:nvSpPr>
-          <p:cNvPr id="107" name="PlaceHolder 2"/>
+          <p:cNvPr id="106" name="PlaceHolder 2"/>
           <p:cNvSpPr>
             <a:spLocks noGrp="1"/>
           </p:cNvSpPr>
@@ -3149,7 +3150,7 @@
       </p:sp>
       <p:sp>
         <p:nvSpPr>
-          <p:cNvPr id="108" name="PlaceHolder 3"/>
+          <p:cNvPr id="107" name="PlaceHolder 3"/>
           <p:cNvSpPr>
             <a:spLocks noGrp="1"/>
           </p:cNvSpPr>
@@ -3179,7 +3180,7 @@
       </p:sp>
       <p:sp>
         <p:nvSpPr>
-          <p:cNvPr id="109" name="PlaceHolder 4"/>
+          <p:cNvPr id="108" name="PlaceHolder 4"/>
           <p:cNvSpPr>
             <a:spLocks noGrp="1"/>
           </p:cNvSpPr>
@@ -3209,7 +3210,7 @@
       </p:sp>
       <p:sp>
         <p:nvSpPr>
-          <p:cNvPr id="110" name="PlaceHolder 5"/>
+          <p:cNvPr id="109" name="PlaceHolder 5"/>
           <p:cNvSpPr>
             <a:spLocks noGrp="1"/>
           </p:cNvSpPr>
@@ -3261,7 +3262,7 @@
       </p:grpSpPr>
       <p:sp>
         <p:nvSpPr>
-          <p:cNvPr id="111" name="PlaceHolder 1"/>
+          <p:cNvPr id="110" name="PlaceHolder 1"/>
           <p:cNvSpPr>
             <a:spLocks noGrp="1"/>
           </p:cNvSpPr>
@@ -3292,7 +3293,7 @@
       </p:sp>
       <p:sp>
         <p:nvSpPr>
-          <p:cNvPr id="112" name="PlaceHolder 2"/>
+          <p:cNvPr id="111" name="PlaceHolder 2"/>
           <p:cNvSpPr>
             <a:spLocks noGrp="1"/>
           </p:cNvSpPr>
@@ -3322,7 +3323,7 @@
       </p:sp>
       <p:sp>
         <p:nvSpPr>
-          <p:cNvPr id="113" name="PlaceHolder 3"/>
+          <p:cNvPr id="112" name="PlaceHolder 3"/>
           <p:cNvSpPr>
             <a:spLocks noGrp="1"/>
           </p:cNvSpPr>
@@ -3352,7 +3353,7 @@
       </p:sp>
       <p:sp>
         <p:nvSpPr>
-          <p:cNvPr id="114" name="PlaceHolder 4"/>
+          <p:cNvPr id="113" name="PlaceHolder 4"/>
           <p:cNvSpPr>
             <a:spLocks noGrp="1"/>
           </p:cNvSpPr>
@@ -3382,7 +3383,7 @@
       </p:sp>
       <p:sp>
         <p:nvSpPr>
-          <p:cNvPr id="115" name="PlaceHolder 5"/>
+          <p:cNvPr id="114" name="PlaceHolder 5"/>
           <p:cNvSpPr>
             <a:spLocks noGrp="1"/>
           </p:cNvSpPr>
@@ -3412,7 +3413,7 @@
       </p:sp>
       <p:sp>
         <p:nvSpPr>
-          <p:cNvPr id="116" name="PlaceHolder 6"/>
+          <p:cNvPr id="115" name="PlaceHolder 6"/>
           <p:cNvSpPr>
             <a:spLocks noGrp="1"/>
           </p:cNvSpPr>
@@ -3442,7 +3443,7 @@
       </p:sp>
       <p:sp>
         <p:nvSpPr>
-          <p:cNvPr id="117" name="PlaceHolder 7"/>
+          <p:cNvPr id="116" name="PlaceHolder 7"/>
           <p:cNvSpPr>
             <a:spLocks noGrp="1"/>
           </p:cNvSpPr>
@@ -4944,6 +4945,28 @@
 </p:sldLayout>
 </file>
 
+<file path=ppt/slideLayouts/slideLayout49.xml><?xml version="1.0" encoding="utf-8"?>
+<p:sldLayout xmlns:a="http://schemas.openxmlformats.org/drawingml/2006/main" xmlns:p="http://schemas.openxmlformats.org/presentationml/2006/main" xmlns:r="http://schemas.openxmlformats.org/officeDocument/2006/relationships" xmlns:p14="http://schemas.microsoft.com/office/powerpoint/2010/main" xmlns:p15="http://schemas.microsoft.com/office/powerpoint/2012/main" xmlns:mc="http://schemas.openxmlformats.org/markup-compatibility/2006" type="blank" preserve="1">
+  <p:cSld name="Blank Slide">
+    <p:spTree>
+      <p:nvGrpSpPr>
+        <p:cNvPr id="1" name=""/>
+        <p:cNvGrpSpPr/>
+        <p:nvPr/>
+      </p:nvGrpSpPr>
+      <p:grpSpPr>
+        <a:xfrm>
+          <a:off x="0" y="0"/>
+          <a:ext cx="0" cy="0"/>
+          <a:chOff x="0" y="0"/>
+          <a:chExt cx="0" cy="0"/>
+        </a:xfrm>
+      </p:grpSpPr>
+    </p:spTree>
+  </p:cSld>
+</p:sldLayout>
+</file>
+
 <file path=ppt/slideLayouts/slideLayout5.xml><?xml version="1.0" encoding="utf-8"?>
 <p:sldLayout xmlns:a="http://schemas.openxmlformats.org/drawingml/2006/main" xmlns:p="http://schemas.openxmlformats.org/presentationml/2006/main" xmlns:r="http://schemas.openxmlformats.org/officeDocument/2006/relationships" xmlns:p14="http://schemas.microsoft.com/office/powerpoint/2010/main" xmlns:p15="http://schemas.microsoft.com/office/powerpoint/2012/main" xmlns:mc="http://schemas.openxmlformats.org/markup-compatibility/2006" type="titleOnly" preserve="1">
   <p:cSld name="Title Only">
@@ -4987,6 +5010,1107 @@
           <a:p>
             <a:pPr algn="ctr"/>
             <a:endParaRPr b="0" lang="de-AT" sz="4400" spc="-1" strike="noStrike">
+              <a:latin typeface="Arial"/>
+            </a:endParaRPr>
+          </a:p>
+        </p:txBody>
+      </p:sp>
+    </p:spTree>
+  </p:cSld>
+</p:sldLayout>
+</file>
+
+<file path=ppt/slideLayouts/slideLayout50.xml><?xml version="1.0" encoding="utf-8"?>
+<p:sldLayout xmlns:a="http://schemas.openxmlformats.org/drawingml/2006/main" xmlns:p="http://schemas.openxmlformats.org/presentationml/2006/main" xmlns:r="http://schemas.openxmlformats.org/officeDocument/2006/relationships" xmlns:p14="http://schemas.microsoft.com/office/powerpoint/2010/main" xmlns:p15="http://schemas.microsoft.com/office/powerpoint/2012/main" xmlns:mc="http://schemas.openxmlformats.org/markup-compatibility/2006" type="tx" preserve="1">
+  <p:cSld name="Title Slide">
+    <p:spTree>
+      <p:nvGrpSpPr>
+        <p:cNvPr id="1" name=""/>
+        <p:cNvGrpSpPr/>
+        <p:nvPr/>
+      </p:nvGrpSpPr>
+      <p:grpSpPr>
+        <a:xfrm>
+          <a:off x="0" y="0"/>
+          <a:ext cx="0" cy="0"/>
+          <a:chOff x="0" y="0"/>
+          <a:chExt cx="0" cy="0"/>
+        </a:xfrm>
+      </p:grpSpPr>
+      <p:sp>
+        <p:nvSpPr>
+          <p:cNvPr id="160" name="PlaceHolder 1"/>
+          <p:cNvSpPr>
+            <a:spLocks noGrp="1"/>
+          </p:cNvSpPr>
+          <p:nvPr>
+            <p:ph type="title"/>
+          </p:nvPr>
+        </p:nvSpPr>
+        <p:spPr>
+          <a:xfrm>
+            <a:off x="609480" y="273600"/>
+            <a:ext cx="10972440" cy="1144800"/>
+          </a:xfrm>
+          <a:prstGeom prst="rect">
+            <a:avLst/>
+          </a:prstGeom>
+        </p:spPr>
+        <p:txBody>
+          <a:bodyPr lIns="0" rIns="0" tIns="0" bIns="0" anchor="ctr">
+            <a:spAutoFit/>
+          </a:bodyPr>
+          <a:p>
+            <a:pPr algn="ctr"/>
+            <a:endParaRPr b="0" lang="de-AT" sz="4400" spc="-1" strike="noStrike">
+              <a:latin typeface="Arial"/>
+            </a:endParaRPr>
+          </a:p>
+        </p:txBody>
+      </p:sp>
+      <p:sp>
+        <p:nvSpPr>
+          <p:cNvPr id="161" name="PlaceHolder 2"/>
+          <p:cNvSpPr>
+            <a:spLocks noGrp="1"/>
+          </p:cNvSpPr>
+          <p:nvPr>
+            <p:ph type="subTitle"/>
+          </p:nvPr>
+        </p:nvSpPr>
+        <p:spPr>
+          <a:xfrm>
+            <a:off x="609480" y="1604520"/>
+            <a:ext cx="10972440" cy="3977280"/>
+          </a:xfrm>
+          <a:prstGeom prst="rect">
+            <a:avLst/>
+          </a:prstGeom>
+        </p:spPr>
+        <p:txBody>
+          <a:bodyPr lIns="0" rIns="0" tIns="0" bIns="0" anchor="ctr">
+            <a:spAutoFit/>
+          </a:bodyPr>
+          <a:p>
+            <a:pPr algn="ctr"/>
+            <a:endParaRPr b="0" lang="de-AT" sz="3200" spc="-1" strike="noStrike">
+              <a:latin typeface="Arial"/>
+            </a:endParaRPr>
+          </a:p>
+        </p:txBody>
+      </p:sp>
+    </p:spTree>
+  </p:cSld>
+</p:sldLayout>
+</file>
+
+<file path=ppt/slideLayouts/slideLayout51.xml><?xml version="1.0" encoding="utf-8"?>
+<p:sldLayout xmlns:a="http://schemas.openxmlformats.org/drawingml/2006/main" xmlns:p="http://schemas.openxmlformats.org/presentationml/2006/main" xmlns:r="http://schemas.openxmlformats.org/officeDocument/2006/relationships" xmlns:p14="http://schemas.microsoft.com/office/powerpoint/2010/main" xmlns:p15="http://schemas.microsoft.com/office/powerpoint/2012/main" xmlns:mc="http://schemas.openxmlformats.org/markup-compatibility/2006" type="obj" preserve="1">
+  <p:cSld name="Title, Content">
+    <p:spTree>
+      <p:nvGrpSpPr>
+        <p:cNvPr id="1" name=""/>
+        <p:cNvGrpSpPr/>
+        <p:nvPr/>
+      </p:nvGrpSpPr>
+      <p:grpSpPr>
+        <a:xfrm>
+          <a:off x="0" y="0"/>
+          <a:ext cx="0" cy="0"/>
+          <a:chOff x="0" y="0"/>
+          <a:chExt cx="0" cy="0"/>
+        </a:xfrm>
+      </p:grpSpPr>
+      <p:sp>
+        <p:nvSpPr>
+          <p:cNvPr id="162" name="PlaceHolder 1"/>
+          <p:cNvSpPr>
+            <a:spLocks noGrp="1"/>
+          </p:cNvSpPr>
+          <p:nvPr>
+            <p:ph type="title"/>
+          </p:nvPr>
+        </p:nvSpPr>
+        <p:spPr>
+          <a:xfrm>
+            <a:off x="609480" y="273600"/>
+            <a:ext cx="10972440" cy="1144800"/>
+          </a:xfrm>
+          <a:prstGeom prst="rect">
+            <a:avLst/>
+          </a:prstGeom>
+        </p:spPr>
+        <p:txBody>
+          <a:bodyPr lIns="0" rIns="0" tIns="0" bIns="0" anchor="ctr">
+            <a:spAutoFit/>
+          </a:bodyPr>
+          <a:p>
+            <a:pPr algn="ctr"/>
+            <a:endParaRPr b="0" lang="de-AT" sz="4400" spc="-1" strike="noStrike">
+              <a:latin typeface="Arial"/>
+            </a:endParaRPr>
+          </a:p>
+        </p:txBody>
+      </p:sp>
+      <p:sp>
+        <p:nvSpPr>
+          <p:cNvPr id="163" name="PlaceHolder 2"/>
+          <p:cNvSpPr>
+            <a:spLocks noGrp="1"/>
+          </p:cNvSpPr>
+          <p:nvPr>
+            <p:ph type="body"/>
+          </p:nvPr>
+        </p:nvSpPr>
+        <p:spPr>
+          <a:xfrm>
+            <a:off x="609480" y="1604520"/>
+            <a:ext cx="10972440" cy="3977280"/>
+          </a:xfrm>
+          <a:prstGeom prst="rect">
+            <a:avLst/>
+          </a:prstGeom>
+        </p:spPr>
+        <p:txBody>
+          <a:bodyPr lIns="0" rIns="0" tIns="0" bIns="0">
+            <a:normAutofit/>
+          </a:bodyPr>
+          <a:p>
+            <a:endParaRPr b="0" lang="de-AT" sz="3200" spc="-1" strike="noStrike">
+              <a:latin typeface="Arial"/>
+            </a:endParaRPr>
+          </a:p>
+        </p:txBody>
+      </p:sp>
+    </p:spTree>
+  </p:cSld>
+</p:sldLayout>
+</file>
+
+<file path=ppt/slideLayouts/slideLayout52.xml><?xml version="1.0" encoding="utf-8"?>
+<p:sldLayout xmlns:a="http://schemas.openxmlformats.org/drawingml/2006/main" xmlns:p="http://schemas.openxmlformats.org/presentationml/2006/main" xmlns:r="http://schemas.openxmlformats.org/officeDocument/2006/relationships" xmlns:p14="http://schemas.microsoft.com/office/powerpoint/2010/main" xmlns:p15="http://schemas.microsoft.com/office/powerpoint/2012/main" xmlns:mc="http://schemas.openxmlformats.org/markup-compatibility/2006" type="twoObj" preserve="1">
+  <p:cSld name="Title, 2 Content">
+    <p:spTree>
+      <p:nvGrpSpPr>
+        <p:cNvPr id="1" name=""/>
+        <p:cNvGrpSpPr/>
+        <p:nvPr/>
+      </p:nvGrpSpPr>
+      <p:grpSpPr>
+        <a:xfrm>
+          <a:off x="0" y="0"/>
+          <a:ext cx="0" cy="0"/>
+          <a:chOff x="0" y="0"/>
+          <a:chExt cx="0" cy="0"/>
+        </a:xfrm>
+      </p:grpSpPr>
+      <p:sp>
+        <p:nvSpPr>
+          <p:cNvPr id="164" name="PlaceHolder 1"/>
+          <p:cNvSpPr>
+            <a:spLocks noGrp="1"/>
+          </p:cNvSpPr>
+          <p:nvPr>
+            <p:ph type="title"/>
+          </p:nvPr>
+        </p:nvSpPr>
+        <p:spPr>
+          <a:xfrm>
+            <a:off x="609480" y="273600"/>
+            <a:ext cx="10972440" cy="1144800"/>
+          </a:xfrm>
+          <a:prstGeom prst="rect">
+            <a:avLst/>
+          </a:prstGeom>
+        </p:spPr>
+        <p:txBody>
+          <a:bodyPr lIns="0" rIns="0" tIns="0" bIns="0" anchor="ctr">
+            <a:spAutoFit/>
+          </a:bodyPr>
+          <a:p>
+            <a:pPr algn="ctr"/>
+            <a:endParaRPr b="0" lang="de-AT" sz="4400" spc="-1" strike="noStrike">
+              <a:latin typeface="Arial"/>
+            </a:endParaRPr>
+          </a:p>
+        </p:txBody>
+      </p:sp>
+      <p:sp>
+        <p:nvSpPr>
+          <p:cNvPr id="165" name="PlaceHolder 2"/>
+          <p:cNvSpPr>
+            <a:spLocks noGrp="1"/>
+          </p:cNvSpPr>
+          <p:nvPr>
+            <p:ph type="body"/>
+          </p:nvPr>
+        </p:nvSpPr>
+        <p:spPr>
+          <a:xfrm>
+            <a:off x="609480" y="1604520"/>
+            <a:ext cx="5354280" cy="3977280"/>
+          </a:xfrm>
+          <a:prstGeom prst="rect">
+            <a:avLst/>
+          </a:prstGeom>
+        </p:spPr>
+        <p:txBody>
+          <a:bodyPr lIns="0" rIns="0" tIns="0" bIns="0">
+            <a:normAutofit/>
+          </a:bodyPr>
+          <a:p>
+            <a:endParaRPr b="0" lang="de-AT" sz="3200" spc="-1" strike="noStrike">
+              <a:latin typeface="Arial"/>
+            </a:endParaRPr>
+          </a:p>
+        </p:txBody>
+      </p:sp>
+      <p:sp>
+        <p:nvSpPr>
+          <p:cNvPr id="166" name="PlaceHolder 3"/>
+          <p:cNvSpPr>
+            <a:spLocks noGrp="1"/>
+          </p:cNvSpPr>
+          <p:nvPr>
+            <p:ph type="body"/>
+          </p:nvPr>
+        </p:nvSpPr>
+        <p:spPr>
+          <a:xfrm>
+            <a:off x="6231960" y="1604520"/>
+            <a:ext cx="5354280" cy="3977280"/>
+          </a:xfrm>
+          <a:prstGeom prst="rect">
+            <a:avLst/>
+          </a:prstGeom>
+        </p:spPr>
+        <p:txBody>
+          <a:bodyPr lIns="0" rIns="0" tIns="0" bIns="0">
+            <a:normAutofit/>
+          </a:bodyPr>
+          <a:p>
+            <a:endParaRPr b="0" lang="de-AT" sz="3200" spc="-1" strike="noStrike">
+              <a:latin typeface="Arial"/>
+            </a:endParaRPr>
+          </a:p>
+        </p:txBody>
+      </p:sp>
+    </p:spTree>
+  </p:cSld>
+</p:sldLayout>
+</file>
+
+<file path=ppt/slideLayouts/slideLayout53.xml><?xml version="1.0" encoding="utf-8"?>
+<p:sldLayout xmlns:a="http://schemas.openxmlformats.org/drawingml/2006/main" xmlns:p="http://schemas.openxmlformats.org/presentationml/2006/main" xmlns:r="http://schemas.openxmlformats.org/officeDocument/2006/relationships" xmlns:p14="http://schemas.microsoft.com/office/powerpoint/2010/main" xmlns:p15="http://schemas.microsoft.com/office/powerpoint/2012/main" xmlns:mc="http://schemas.openxmlformats.org/markup-compatibility/2006" type="titleOnly" preserve="1">
+  <p:cSld name="Title Only">
+    <p:spTree>
+      <p:nvGrpSpPr>
+        <p:cNvPr id="1" name=""/>
+        <p:cNvGrpSpPr/>
+        <p:nvPr/>
+      </p:nvGrpSpPr>
+      <p:grpSpPr>
+        <a:xfrm>
+          <a:off x="0" y="0"/>
+          <a:ext cx="0" cy="0"/>
+          <a:chOff x="0" y="0"/>
+          <a:chExt cx="0" cy="0"/>
+        </a:xfrm>
+      </p:grpSpPr>
+      <p:sp>
+        <p:nvSpPr>
+          <p:cNvPr id="167" name="PlaceHolder 1"/>
+          <p:cNvSpPr>
+            <a:spLocks noGrp="1"/>
+          </p:cNvSpPr>
+          <p:nvPr>
+            <p:ph type="title"/>
+          </p:nvPr>
+        </p:nvSpPr>
+        <p:spPr>
+          <a:xfrm>
+            <a:off x="609480" y="273600"/>
+            <a:ext cx="10972440" cy="1144800"/>
+          </a:xfrm>
+          <a:prstGeom prst="rect">
+            <a:avLst/>
+          </a:prstGeom>
+        </p:spPr>
+        <p:txBody>
+          <a:bodyPr lIns="0" rIns="0" tIns="0" bIns="0" anchor="ctr">
+            <a:spAutoFit/>
+          </a:bodyPr>
+          <a:p>
+            <a:pPr algn="ctr"/>
+            <a:endParaRPr b="0" lang="de-AT" sz="4400" spc="-1" strike="noStrike">
+              <a:latin typeface="Arial"/>
+            </a:endParaRPr>
+          </a:p>
+        </p:txBody>
+      </p:sp>
+    </p:spTree>
+  </p:cSld>
+</p:sldLayout>
+</file>
+
+<file path=ppt/slideLayouts/slideLayout54.xml><?xml version="1.0" encoding="utf-8"?>
+<p:sldLayout xmlns:a="http://schemas.openxmlformats.org/drawingml/2006/main" xmlns:p="http://schemas.openxmlformats.org/presentationml/2006/main" xmlns:r="http://schemas.openxmlformats.org/officeDocument/2006/relationships" xmlns:p14="http://schemas.microsoft.com/office/powerpoint/2010/main" xmlns:p15="http://schemas.microsoft.com/office/powerpoint/2012/main" xmlns:mc="http://schemas.openxmlformats.org/markup-compatibility/2006" type="objOnly" preserve="1">
+  <p:cSld name="Centered Text">
+    <p:spTree>
+      <p:nvGrpSpPr>
+        <p:cNvPr id="1" name=""/>
+        <p:cNvGrpSpPr/>
+        <p:nvPr/>
+      </p:nvGrpSpPr>
+      <p:grpSpPr>
+        <a:xfrm>
+          <a:off x="0" y="0"/>
+          <a:ext cx="0" cy="0"/>
+          <a:chOff x="0" y="0"/>
+          <a:chExt cx="0" cy="0"/>
+        </a:xfrm>
+      </p:grpSpPr>
+      <p:sp>
+        <p:nvSpPr>
+          <p:cNvPr id="168" name="PlaceHolder 1"/>
+          <p:cNvSpPr>
+            <a:spLocks noGrp="1"/>
+          </p:cNvSpPr>
+          <p:nvPr>
+            <p:ph type="subTitle"/>
+          </p:nvPr>
+        </p:nvSpPr>
+        <p:spPr>
+          <a:xfrm>
+            <a:off x="609480" y="273600"/>
+            <a:ext cx="10972440" cy="5307840"/>
+          </a:xfrm>
+          <a:prstGeom prst="rect">
+            <a:avLst/>
+          </a:prstGeom>
+        </p:spPr>
+        <p:txBody>
+          <a:bodyPr lIns="0" rIns="0" tIns="0" bIns="0" anchor="ctr">
+            <a:spAutoFit/>
+          </a:bodyPr>
+          <a:p>
+            <a:pPr algn="ctr"/>
+            <a:endParaRPr b="0" lang="de-AT" sz="3200" spc="-1" strike="noStrike">
+              <a:latin typeface="Arial"/>
+            </a:endParaRPr>
+          </a:p>
+        </p:txBody>
+      </p:sp>
+    </p:spTree>
+  </p:cSld>
+</p:sldLayout>
+</file>
+
+<file path=ppt/slideLayouts/slideLayout55.xml><?xml version="1.0" encoding="utf-8"?>
+<p:sldLayout xmlns:a="http://schemas.openxmlformats.org/drawingml/2006/main" xmlns:p="http://schemas.openxmlformats.org/presentationml/2006/main" xmlns:r="http://schemas.openxmlformats.org/officeDocument/2006/relationships" xmlns:p14="http://schemas.microsoft.com/office/powerpoint/2010/main" xmlns:p15="http://schemas.microsoft.com/office/powerpoint/2012/main" xmlns:mc="http://schemas.openxmlformats.org/markup-compatibility/2006" type="twoObjAndObj" preserve="1">
+  <p:cSld name="Title, 2 Content and Content">
+    <p:spTree>
+      <p:nvGrpSpPr>
+        <p:cNvPr id="1" name=""/>
+        <p:cNvGrpSpPr/>
+        <p:nvPr/>
+      </p:nvGrpSpPr>
+      <p:grpSpPr>
+        <a:xfrm>
+          <a:off x="0" y="0"/>
+          <a:ext cx="0" cy="0"/>
+          <a:chOff x="0" y="0"/>
+          <a:chExt cx="0" cy="0"/>
+        </a:xfrm>
+      </p:grpSpPr>
+      <p:sp>
+        <p:nvSpPr>
+          <p:cNvPr id="169" name="PlaceHolder 1"/>
+          <p:cNvSpPr>
+            <a:spLocks noGrp="1"/>
+          </p:cNvSpPr>
+          <p:nvPr>
+            <p:ph type="title"/>
+          </p:nvPr>
+        </p:nvSpPr>
+        <p:spPr>
+          <a:xfrm>
+            <a:off x="609480" y="273600"/>
+            <a:ext cx="10972440" cy="1144800"/>
+          </a:xfrm>
+          <a:prstGeom prst="rect">
+            <a:avLst/>
+          </a:prstGeom>
+        </p:spPr>
+        <p:txBody>
+          <a:bodyPr lIns="0" rIns="0" tIns="0" bIns="0" anchor="ctr">
+            <a:spAutoFit/>
+          </a:bodyPr>
+          <a:p>
+            <a:pPr algn="ctr"/>
+            <a:endParaRPr b="0" lang="de-AT" sz="4400" spc="-1" strike="noStrike">
+              <a:latin typeface="Arial"/>
+            </a:endParaRPr>
+          </a:p>
+        </p:txBody>
+      </p:sp>
+      <p:sp>
+        <p:nvSpPr>
+          <p:cNvPr id="170" name="PlaceHolder 2"/>
+          <p:cNvSpPr>
+            <a:spLocks noGrp="1"/>
+          </p:cNvSpPr>
+          <p:nvPr>
+            <p:ph type="body"/>
+          </p:nvPr>
+        </p:nvSpPr>
+        <p:spPr>
+          <a:xfrm>
+            <a:off x="609480" y="1604520"/>
+            <a:ext cx="5354280" cy="1896840"/>
+          </a:xfrm>
+          <a:prstGeom prst="rect">
+            <a:avLst/>
+          </a:prstGeom>
+        </p:spPr>
+        <p:txBody>
+          <a:bodyPr lIns="0" rIns="0" tIns="0" bIns="0">
+            <a:normAutofit/>
+          </a:bodyPr>
+          <a:p>
+            <a:endParaRPr b="0" lang="de-AT" sz="3200" spc="-1" strike="noStrike">
+              <a:latin typeface="Arial"/>
+            </a:endParaRPr>
+          </a:p>
+        </p:txBody>
+      </p:sp>
+      <p:sp>
+        <p:nvSpPr>
+          <p:cNvPr id="171" name="PlaceHolder 3"/>
+          <p:cNvSpPr>
+            <a:spLocks noGrp="1"/>
+          </p:cNvSpPr>
+          <p:nvPr>
+            <p:ph type="body"/>
+          </p:nvPr>
+        </p:nvSpPr>
+        <p:spPr>
+          <a:xfrm>
+            <a:off x="6231960" y="1604520"/>
+            <a:ext cx="5354280" cy="3977280"/>
+          </a:xfrm>
+          <a:prstGeom prst="rect">
+            <a:avLst/>
+          </a:prstGeom>
+        </p:spPr>
+        <p:txBody>
+          <a:bodyPr lIns="0" rIns="0" tIns="0" bIns="0">
+            <a:normAutofit/>
+          </a:bodyPr>
+          <a:p>
+            <a:endParaRPr b="0" lang="de-AT" sz="3200" spc="-1" strike="noStrike">
+              <a:latin typeface="Arial"/>
+            </a:endParaRPr>
+          </a:p>
+        </p:txBody>
+      </p:sp>
+      <p:sp>
+        <p:nvSpPr>
+          <p:cNvPr id="172" name="PlaceHolder 4"/>
+          <p:cNvSpPr>
+            <a:spLocks noGrp="1"/>
+          </p:cNvSpPr>
+          <p:nvPr>
+            <p:ph type="body"/>
+          </p:nvPr>
+        </p:nvSpPr>
+        <p:spPr>
+          <a:xfrm>
+            <a:off x="609480" y="3682080"/>
+            <a:ext cx="5354280" cy="1896840"/>
+          </a:xfrm>
+          <a:prstGeom prst="rect">
+            <a:avLst/>
+          </a:prstGeom>
+        </p:spPr>
+        <p:txBody>
+          <a:bodyPr lIns="0" rIns="0" tIns="0" bIns="0">
+            <a:normAutofit/>
+          </a:bodyPr>
+          <a:p>
+            <a:endParaRPr b="0" lang="de-AT" sz="3200" spc="-1" strike="noStrike">
+              <a:latin typeface="Arial"/>
+            </a:endParaRPr>
+          </a:p>
+        </p:txBody>
+      </p:sp>
+    </p:spTree>
+  </p:cSld>
+</p:sldLayout>
+</file>
+
+<file path=ppt/slideLayouts/slideLayout56.xml><?xml version="1.0" encoding="utf-8"?>
+<p:sldLayout xmlns:a="http://schemas.openxmlformats.org/drawingml/2006/main" xmlns:p="http://schemas.openxmlformats.org/presentationml/2006/main" xmlns:r="http://schemas.openxmlformats.org/officeDocument/2006/relationships" xmlns:p14="http://schemas.microsoft.com/office/powerpoint/2010/main" xmlns:p15="http://schemas.microsoft.com/office/powerpoint/2012/main" xmlns:mc="http://schemas.openxmlformats.org/markup-compatibility/2006" type="objAndTwoObj" preserve="1">
+  <p:cSld name="Title Content and 2 Content">
+    <p:spTree>
+      <p:nvGrpSpPr>
+        <p:cNvPr id="1" name=""/>
+        <p:cNvGrpSpPr/>
+        <p:nvPr/>
+      </p:nvGrpSpPr>
+      <p:grpSpPr>
+        <a:xfrm>
+          <a:off x="0" y="0"/>
+          <a:ext cx="0" cy="0"/>
+          <a:chOff x="0" y="0"/>
+          <a:chExt cx="0" cy="0"/>
+        </a:xfrm>
+      </p:grpSpPr>
+      <p:sp>
+        <p:nvSpPr>
+          <p:cNvPr id="173" name="PlaceHolder 1"/>
+          <p:cNvSpPr>
+            <a:spLocks noGrp="1"/>
+          </p:cNvSpPr>
+          <p:nvPr>
+            <p:ph type="title"/>
+          </p:nvPr>
+        </p:nvSpPr>
+        <p:spPr>
+          <a:xfrm>
+            <a:off x="609480" y="273600"/>
+            <a:ext cx="10972440" cy="1144800"/>
+          </a:xfrm>
+          <a:prstGeom prst="rect">
+            <a:avLst/>
+          </a:prstGeom>
+        </p:spPr>
+        <p:txBody>
+          <a:bodyPr lIns="0" rIns="0" tIns="0" bIns="0" anchor="ctr">
+            <a:spAutoFit/>
+          </a:bodyPr>
+          <a:p>
+            <a:pPr algn="ctr"/>
+            <a:endParaRPr b="0" lang="de-AT" sz="4400" spc="-1" strike="noStrike">
+              <a:latin typeface="Arial"/>
+            </a:endParaRPr>
+          </a:p>
+        </p:txBody>
+      </p:sp>
+      <p:sp>
+        <p:nvSpPr>
+          <p:cNvPr id="174" name="PlaceHolder 2"/>
+          <p:cNvSpPr>
+            <a:spLocks noGrp="1"/>
+          </p:cNvSpPr>
+          <p:nvPr>
+            <p:ph type="body"/>
+          </p:nvPr>
+        </p:nvSpPr>
+        <p:spPr>
+          <a:xfrm>
+            <a:off x="609480" y="1604520"/>
+            <a:ext cx="5354280" cy="3977280"/>
+          </a:xfrm>
+          <a:prstGeom prst="rect">
+            <a:avLst/>
+          </a:prstGeom>
+        </p:spPr>
+        <p:txBody>
+          <a:bodyPr lIns="0" rIns="0" tIns="0" bIns="0">
+            <a:normAutofit/>
+          </a:bodyPr>
+          <a:p>
+            <a:endParaRPr b="0" lang="de-AT" sz="3200" spc="-1" strike="noStrike">
+              <a:latin typeface="Arial"/>
+            </a:endParaRPr>
+          </a:p>
+        </p:txBody>
+      </p:sp>
+      <p:sp>
+        <p:nvSpPr>
+          <p:cNvPr id="175" name="PlaceHolder 3"/>
+          <p:cNvSpPr>
+            <a:spLocks noGrp="1"/>
+          </p:cNvSpPr>
+          <p:nvPr>
+            <p:ph type="body"/>
+          </p:nvPr>
+        </p:nvSpPr>
+        <p:spPr>
+          <a:xfrm>
+            <a:off x="6231960" y="1604520"/>
+            <a:ext cx="5354280" cy="1896840"/>
+          </a:xfrm>
+          <a:prstGeom prst="rect">
+            <a:avLst/>
+          </a:prstGeom>
+        </p:spPr>
+        <p:txBody>
+          <a:bodyPr lIns="0" rIns="0" tIns="0" bIns="0">
+            <a:normAutofit/>
+          </a:bodyPr>
+          <a:p>
+            <a:endParaRPr b="0" lang="de-AT" sz="3200" spc="-1" strike="noStrike">
+              <a:latin typeface="Arial"/>
+            </a:endParaRPr>
+          </a:p>
+        </p:txBody>
+      </p:sp>
+      <p:sp>
+        <p:nvSpPr>
+          <p:cNvPr id="176" name="PlaceHolder 4"/>
+          <p:cNvSpPr>
+            <a:spLocks noGrp="1"/>
+          </p:cNvSpPr>
+          <p:nvPr>
+            <p:ph type="body"/>
+          </p:nvPr>
+        </p:nvSpPr>
+        <p:spPr>
+          <a:xfrm>
+            <a:off x="6231960" y="3682080"/>
+            <a:ext cx="5354280" cy="1896840"/>
+          </a:xfrm>
+          <a:prstGeom prst="rect">
+            <a:avLst/>
+          </a:prstGeom>
+        </p:spPr>
+        <p:txBody>
+          <a:bodyPr lIns="0" rIns="0" tIns="0" bIns="0">
+            <a:normAutofit/>
+          </a:bodyPr>
+          <a:p>
+            <a:endParaRPr b="0" lang="de-AT" sz="3200" spc="-1" strike="noStrike">
+              <a:latin typeface="Arial"/>
+            </a:endParaRPr>
+          </a:p>
+        </p:txBody>
+      </p:sp>
+    </p:spTree>
+  </p:cSld>
+</p:sldLayout>
+</file>
+
+<file path=ppt/slideLayouts/slideLayout57.xml><?xml version="1.0" encoding="utf-8"?>
+<p:sldLayout xmlns:a="http://schemas.openxmlformats.org/drawingml/2006/main" xmlns:p="http://schemas.openxmlformats.org/presentationml/2006/main" xmlns:r="http://schemas.openxmlformats.org/officeDocument/2006/relationships" xmlns:p14="http://schemas.microsoft.com/office/powerpoint/2010/main" xmlns:p15="http://schemas.microsoft.com/office/powerpoint/2012/main" xmlns:mc="http://schemas.openxmlformats.org/markup-compatibility/2006" type="twoObjOverTx" preserve="1">
+  <p:cSld name="Title, 2 Content over Content">
+    <p:spTree>
+      <p:nvGrpSpPr>
+        <p:cNvPr id="1" name=""/>
+        <p:cNvGrpSpPr/>
+        <p:nvPr/>
+      </p:nvGrpSpPr>
+      <p:grpSpPr>
+        <a:xfrm>
+          <a:off x="0" y="0"/>
+          <a:ext cx="0" cy="0"/>
+          <a:chOff x="0" y="0"/>
+          <a:chExt cx="0" cy="0"/>
+        </a:xfrm>
+      </p:grpSpPr>
+      <p:sp>
+        <p:nvSpPr>
+          <p:cNvPr id="177" name="PlaceHolder 1"/>
+          <p:cNvSpPr>
+            <a:spLocks noGrp="1"/>
+          </p:cNvSpPr>
+          <p:nvPr>
+            <p:ph type="title"/>
+          </p:nvPr>
+        </p:nvSpPr>
+        <p:spPr>
+          <a:xfrm>
+            <a:off x="609480" y="273600"/>
+            <a:ext cx="10972440" cy="1144800"/>
+          </a:xfrm>
+          <a:prstGeom prst="rect">
+            <a:avLst/>
+          </a:prstGeom>
+        </p:spPr>
+        <p:txBody>
+          <a:bodyPr lIns="0" rIns="0" tIns="0" bIns="0" anchor="ctr">
+            <a:spAutoFit/>
+          </a:bodyPr>
+          <a:p>
+            <a:pPr algn="ctr"/>
+            <a:endParaRPr b="0" lang="de-AT" sz="4400" spc="-1" strike="noStrike">
+              <a:latin typeface="Arial"/>
+            </a:endParaRPr>
+          </a:p>
+        </p:txBody>
+      </p:sp>
+      <p:sp>
+        <p:nvSpPr>
+          <p:cNvPr id="178" name="PlaceHolder 2"/>
+          <p:cNvSpPr>
+            <a:spLocks noGrp="1"/>
+          </p:cNvSpPr>
+          <p:nvPr>
+            <p:ph type="body"/>
+          </p:nvPr>
+        </p:nvSpPr>
+        <p:spPr>
+          <a:xfrm>
+            <a:off x="609480" y="1604520"/>
+            <a:ext cx="5354280" cy="1896840"/>
+          </a:xfrm>
+          <a:prstGeom prst="rect">
+            <a:avLst/>
+          </a:prstGeom>
+        </p:spPr>
+        <p:txBody>
+          <a:bodyPr lIns="0" rIns="0" tIns="0" bIns="0">
+            <a:normAutofit/>
+          </a:bodyPr>
+          <a:p>
+            <a:endParaRPr b="0" lang="de-AT" sz="3200" spc="-1" strike="noStrike">
+              <a:latin typeface="Arial"/>
+            </a:endParaRPr>
+          </a:p>
+        </p:txBody>
+      </p:sp>
+      <p:sp>
+        <p:nvSpPr>
+          <p:cNvPr id="179" name="PlaceHolder 3"/>
+          <p:cNvSpPr>
+            <a:spLocks noGrp="1"/>
+          </p:cNvSpPr>
+          <p:nvPr>
+            <p:ph type="body"/>
+          </p:nvPr>
+        </p:nvSpPr>
+        <p:spPr>
+          <a:xfrm>
+            <a:off x="6231960" y="1604520"/>
+            <a:ext cx="5354280" cy="1896840"/>
+          </a:xfrm>
+          <a:prstGeom prst="rect">
+            <a:avLst/>
+          </a:prstGeom>
+        </p:spPr>
+        <p:txBody>
+          <a:bodyPr lIns="0" rIns="0" tIns="0" bIns="0">
+            <a:normAutofit/>
+          </a:bodyPr>
+          <a:p>
+            <a:endParaRPr b="0" lang="de-AT" sz="3200" spc="-1" strike="noStrike">
+              <a:latin typeface="Arial"/>
+            </a:endParaRPr>
+          </a:p>
+        </p:txBody>
+      </p:sp>
+      <p:sp>
+        <p:nvSpPr>
+          <p:cNvPr id="180" name="PlaceHolder 4"/>
+          <p:cNvSpPr>
+            <a:spLocks noGrp="1"/>
+          </p:cNvSpPr>
+          <p:nvPr>
+            <p:ph type="body"/>
+          </p:nvPr>
+        </p:nvSpPr>
+        <p:spPr>
+          <a:xfrm>
+            <a:off x="609480" y="3682080"/>
+            <a:ext cx="10972440" cy="1896840"/>
+          </a:xfrm>
+          <a:prstGeom prst="rect">
+            <a:avLst/>
+          </a:prstGeom>
+        </p:spPr>
+        <p:txBody>
+          <a:bodyPr lIns="0" rIns="0" tIns="0" bIns="0">
+            <a:normAutofit/>
+          </a:bodyPr>
+          <a:p>
+            <a:endParaRPr b="0" lang="de-AT" sz="3200" spc="-1" strike="noStrike">
+              <a:latin typeface="Arial"/>
+            </a:endParaRPr>
+          </a:p>
+        </p:txBody>
+      </p:sp>
+    </p:spTree>
+  </p:cSld>
+</p:sldLayout>
+</file>
+
+<file path=ppt/slideLayouts/slideLayout58.xml><?xml version="1.0" encoding="utf-8"?>
+<p:sldLayout xmlns:a="http://schemas.openxmlformats.org/drawingml/2006/main" xmlns:p="http://schemas.openxmlformats.org/presentationml/2006/main" xmlns:r="http://schemas.openxmlformats.org/officeDocument/2006/relationships" xmlns:p14="http://schemas.microsoft.com/office/powerpoint/2010/main" xmlns:p15="http://schemas.microsoft.com/office/powerpoint/2012/main" xmlns:mc="http://schemas.openxmlformats.org/markup-compatibility/2006" type="objOverTx" preserve="1">
+  <p:cSld name="Title, Content over Content">
+    <p:spTree>
+      <p:nvGrpSpPr>
+        <p:cNvPr id="1" name=""/>
+        <p:cNvGrpSpPr/>
+        <p:nvPr/>
+      </p:nvGrpSpPr>
+      <p:grpSpPr>
+        <a:xfrm>
+          <a:off x="0" y="0"/>
+          <a:ext cx="0" cy="0"/>
+          <a:chOff x="0" y="0"/>
+          <a:chExt cx="0" cy="0"/>
+        </a:xfrm>
+      </p:grpSpPr>
+      <p:sp>
+        <p:nvSpPr>
+          <p:cNvPr id="181" name="PlaceHolder 1"/>
+          <p:cNvSpPr>
+            <a:spLocks noGrp="1"/>
+          </p:cNvSpPr>
+          <p:nvPr>
+            <p:ph type="title"/>
+          </p:nvPr>
+        </p:nvSpPr>
+        <p:spPr>
+          <a:xfrm>
+            <a:off x="609480" y="273600"/>
+            <a:ext cx="10972440" cy="1144800"/>
+          </a:xfrm>
+          <a:prstGeom prst="rect">
+            <a:avLst/>
+          </a:prstGeom>
+        </p:spPr>
+        <p:txBody>
+          <a:bodyPr lIns="0" rIns="0" tIns="0" bIns="0" anchor="ctr">
+            <a:spAutoFit/>
+          </a:bodyPr>
+          <a:p>
+            <a:pPr algn="ctr"/>
+            <a:endParaRPr b="0" lang="de-AT" sz="4400" spc="-1" strike="noStrike">
+              <a:latin typeface="Arial"/>
+            </a:endParaRPr>
+          </a:p>
+        </p:txBody>
+      </p:sp>
+      <p:sp>
+        <p:nvSpPr>
+          <p:cNvPr id="182" name="PlaceHolder 2"/>
+          <p:cNvSpPr>
+            <a:spLocks noGrp="1"/>
+          </p:cNvSpPr>
+          <p:nvPr>
+            <p:ph type="body"/>
+          </p:nvPr>
+        </p:nvSpPr>
+        <p:spPr>
+          <a:xfrm>
+            <a:off x="609480" y="1604520"/>
+            <a:ext cx="10972440" cy="1896840"/>
+          </a:xfrm>
+          <a:prstGeom prst="rect">
+            <a:avLst/>
+          </a:prstGeom>
+        </p:spPr>
+        <p:txBody>
+          <a:bodyPr lIns="0" rIns="0" tIns="0" bIns="0">
+            <a:normAutofit/>
+          </a:bodyPr>
+          <a:p>
+            <a:endParaRPr b="0" lang="de-AT" sz="3200" spc="-1" strike="noStrike">
+              <a:latin typeface="Arial"/>
+            </a:endParaRPr>
+          </a:p>
+        </p:txBody>
+      </p:sp>
+      <p:sp>
+        <p:nvSpPr>
+          <p:cNvPr id="183" name="PlaceHolder 3"/>
+          <p:cNvSpPr>
+            <a:spLocks noGrp="1"/>
+          </p:cNvSpPr>
+          <p:nvPr>
+            <p:ph type="body"/>
+          </p:nvPr>
+        </p:nvSpPr>
+        <p:spPr>
+          <a:xfrm>
+            <a:off x="609480" y="3682080"/>
+            <a:ext cx="10972440" cy="1896840"/>
+          </a:xfrm>
+          <a:prstGeom prst="rect">
+            <a:avLst/>
+          </a:prstGeom>
+        </p:spPr>
+        <p:txBody>
+          <a:bodyPr lIns="0" rIns="0" tIns="0" bIns="0">
+            <a:normAutofit/>
+          </a:bodyPr>
+          <a:p>
+            <a:endParaRPr b="0" lang="de-AT" sz="3200" spc="-1" strike="noStrike">
+              <a:latin typeface="Arial"/>
+            </a:endParaRPr>
+          </a:p>
+        </p:txBody>
+      </p:sp>
+    </p:spTree>
+  </p:cSld>
+</p:sldLayout>
+</file>
+
+<file path=ppt/slideLayouts/slideLayout59.xml><?xml version="1.0" encoding="utf-8"?>
+<p:sldLayout xmlns:a="http://schemas.openxmlformats.org/drawingml/2006/main" xmlns:p="http://schemas.openxmlformats.org/presentationml/2006/main" xmlns:r="http://schemas.openxmlformats.org/officeDocument/2006/relationships" xmlns:p14="http://schemas.microsoft.com/office/powerpoint/2010/main" xmlns:p15="http://schemas.microsoft.com/office/powerpoint/2012/main" xmlns:mc="http://schemas.openxmlformats.org/markup-compatibility/2006" type="fourObj" preserve="1">
+  <p:cSld name="Title, 4 Content">
+    <p:spTree>
+      <p:nvGrpSpPr>
+        <p:cNvPr id="1" name=""/>
+        <p:cNvGrpSpPr/>
+        <p:nvPr/>
+      </p:nvGrpSpPr>
+      <p:grpSpPr>
+        <a:xfrm>
+          <a:off x="0" y="0"/>
+          <a:ext cx="0" cy="0"/>
+          <a:chOff x="0" y="0"/>
+          <a:chExt cx="0" cy="0"/>
+        </a:xfrm>
+      </p:grpSpPr>
+      <p:sp>
+        <p:nvSpPr>
+          <p:cNvPr id="184" name="PlaceHolder 1"/>
+          <p:cNvSpPr>
+            <a:spLocks noGrp="1"/>
+          </p:cNvSpPr>
+          <p:nvPr>
+            <p:ph type="title"/>
+          </p:nvPr>
+        </p:nvSpPr>
+        <p:spPr>
+          <a:xfrm>
+            <a:off x="609480" y="273600"/>
+            <a:ext cx="10972440" cy="1144800"/>
+          </a:xfrm>
+          <a:prstGeom prst="rect">
+            <a:avLst/>
+          </a:prstGeom>
+        </p:spPr>
+        <p:txBody>
+          <a:bodyPr lIns="0" rIns="0" tIns="0" bIns="0" anchor="ctr">
+            <a:spAutoFit/>
+          </a:bodyPr>
+          <a:p>
+            <a:pPr algn="ctr"/>
+            <a:endParaRPr b="0" lang="de-AT" sz="4400" spc="-1" strike="noStrike">
+              <a:latin typeface="Arial"/>
+            </a:endParaRPr>
+          </a:p>
+        </p:txBody>
+      </p:sp>
+      <p:sp>
+        <p:nvSpPr>
+          <p:cNvPr id="185" name="PlaceHolder 2"/>
+          <p:cNvSpPr>
+            <a:spLocks noGrp="1"/>
+          </p:cNvSpPr>
+          <p:nvPr>
+            <p:ph type="body"/>
+          </p:nvPr>
+        </p:nvSpPr>
+        <p:spPr>
+          <a:xfrm>
+            <a:off x="609480" y="1604520"/>
+            <a:ext cx="5354280" cy="1896840"/>
+          </a:xfrm>
+          <a:prstGeom prst="rect">
+            <a:avLst/>
+          </a:prstGeom>
+        </p:spPr>
+        <p:txBody>
+          <a:bodyPr lIns="0" rIns="0" tIns="0" bIns="0">
+            <a:normAutofit/>
+          </a:bodyPr>
+          <a:p>
+            <a:endParaRPr b="0" lang="de-AT" sz="3200" spc="-1" strike="noStrike">
+              <a:latin typeface="Arial"/>
+            </a:endParaRPr>
+          </a:p>
+        </p:txBody>
+      </p:sp>
+      <p:sp>
+        <p:nvSpPr>
+          <p:cNvPr id="186" name="PlaceHolder 3"/>
+          <p:cNvSpPr>
+            <a:spLocks noGrp="1"/>
+          </p:cNvSpPr>
+          <p:nvPr>
+            <p:ph type="body"/>
+          </p:nvPr>
+        </p:nvSpPr>
+        <p:spPr>
+          <a:xfrm>
+            <a:off x="6231960" y="1604520"/>
+            <a:ext cx="5354280" cy="1896840"/>
+          </a:xfrm>
+          <a:prstGeom prst="rect">
+            <a:avLst/>
+          </a:prstGeom>
+        </p:spPr>
+        <p:txBody>
+          <a:bodyPr lIns="0" rIns="0" tIns="0" bIns="0">
+            <a:normAutofit/>
+          </a:bodyPr>
+          <a:p>
+            <a:endParaRPr b="0" lang="de-AT" sz="3200" spc="-1" strike="noStrike">
+              <a:latin typeface="Arial"/>
+            </a:endParaRPr>
+          </a:p>
+        </p:txBody>
+      </p:sp>
+      <p:sp>
+        <p:nvSpPr>
+          <p:cNvPr id="187" name="PlaceHolder 4"/>
+          <p:cNvSpPr>
+            <a:spLocks noGrp="1"/>
+          </p:cNvSpPr>
+          <p:nvPr>
+            <p:ph type="body"/>
+          </p:nvPr>
+        </p:nvSpPr>
+        <p:spPr>
+          <a:xfrm>
+            <a:off x="609480" y="3682080"/>
+            <a:ext cx="5354280" cy="1896840"/>
+          </a:xfrm>
+          <a:prstGeom prst="rect">
+            <a:avLst/>
+          </a:prstGeom>
+        </p:spPr>
+        <p:txBody>
+          <a:bodyPr lIns="0" rIns="0" tIns="0" bIns="0">
+            <a:normAutofit/>
+          </a:bodyPr>
+          <a:p>
+            <a:endParaRPr b="0" lang="de-AT" sz="3200" spc="-1" strike="noStrike">
+              <a:latin typeface="Arial"/>
+            </a:endParaRPr>
+          </a:p>
+        </p:txBody>
+      </p:sp>
+      <p:sp>
+        <p:nvSpPr>
+          <p:cNvPr id="188" name="PlaceHolder 5"/>
+          <p:cNvSpPr>
+            <a:spLocks noGrp="1"/>
+          </p:cNvSpPr>
+          <p:nvPr>
+            <p:ph type="body"/>
+          </p:nvPr>
+        </p:nvSpPr>
+        <p:spPr>
+          <a:xfrm>
+            <a:off x="6231960" y="3682080"/>
+            <a:ext cx="5354280" cy="1896840"/>
+          </a:xfrm>
+          <a:prstGeom prst="rect">
+            <a:avLst/>
+          </a:prstGeom>
+        </p:spPr>
+        <p:txBody>
+          <a:bodyPr lIns="0" rIns="0" tIns="0" bIns="0">
+            <a:normAutofit/>
+          </a:bodyPr>
+          <a:p>
+            <a:endParaRPr b="0" lang="de-AT" sz="3200" spc="-1" strike="noStrike">
               <a:latin typeface="Arial"/>
             </a:endParaRPr>
           </a:p>
@@ -5039,6 +6163,239 @@
           </a:bodyPr>
           <a:p>
             <a:pPr algn="ctr"/>
+            <a:endParaRPr b="0" lang="de-AT" sz="3200" spc="-1" strike="noStrike">
+              <a:latin typeface="Arial"/>
+            </a:endParaRPr>
+          </a:p>
+        </p:txBody>
+      </p:sp>
+    </p:spTree>
+  </p:cSld>
+</p:sldLayout>
+</file>
+
+<file path=ppt/slideLayouts/slideLayout60.xml><?xml version="1.0" encoding="utf-8"?>
+<p:sldLayout xmlns:a="http://schemas.openxmlformats.org/drawingml/2006/main" xmlns:p="http://schemas.openxmlformats.org/presentationml/2006/main" xmlns:r="http://schemas.openxmlformats.org/officeDocument/2006/relationships" xmlns:p14="http://schemas.microsoft.com/office/powerpoint/2010/main" xmlns:p15="http://schemas.microsoft.com/office/powerpoint/2012/main" xmlns:mc="http://schemas.openxmlformats.org/markup-compatibility/2006" type="blank" preserve="1">
+  <p:cSld name="Title, 6 Content">
+    <p:spTree>
+      <p:nvGrpSpPr>
+        <p:cNvPr id="1" name=""/>
+        <p:cNvGrpSpPr/>
+        <p:nvPr/>
+      </p:nvGrpSpPr>
+      <p:grpSpPr>
+        <a:xfrm>
+          <a:off x="0" y="0"/>
+          <a:ext cx="0" cy="0"/>
+          <a:chOff x="0" y="0"/>
+          <a:chExt cx="0" cy="0"/>
+        </a:xfrm>
+      </p:grpSpPr>
+      <p:sp>
+        <p:nvSpPr>
+          <p:cNvPr id="189" name="PlaceHolder 1"/>
+          <p:cNvSpPr>
+            <a:spLocks noGrp="1"/>
+          </p:cNvSpPr>
+          <p:nvPr>
+            <p:ph type="title"/>
+          </p:nvPr>
+        </p:nvSpPr>
+        <p:spPr>
+          <a:xfrm>
+            <a:off x="609480" y="273600"/>
+            <a:ext cx="10972440" cy="1144800"/>
+          </a:xfrm>
+          <a:prstGeom prst="rect">
+            <a:avLst/>
+          </a:prstGeom>
+        </p:spPr>
+        <p:txBody>
+          <a:bodyPr lIns="0" rIns="0" tIns="0" bIns="0" anchor="ctr">
+            <a:spAutoFit/>
+          </a:bodyPr>
+          <a:p>
+            <a:pPr algn="ctr"/>
+            <a:endParaRPr b="0" lang="de-AT" sz="4400" spc="-1" strike="noStrike">
+              <a:latin typeface="Arial"/>
+            </a:endParaRPr>
+          </a:p>
+        </p:txBody>
+      </p:sp>
+      <p:sp>
+        <p:nvSpPr>
+          <p:cNvPr id="190" name="PlaceHolder 2"/>
+          <p:cNvSpPr>
+            <a:spLocks noGrp="1"/>
+          </p:cNvSpPr>
+          <p:nvPr>
+            <p:ph type="body"/>
+          </p:nvPr>
+        </p:nvSpPr>
+        <p:spPr>
+          <a:xfrm>
+            <a:off x="609480" y="1604520"/>
+            <a:ext cx="3533040" cy="1896840"/>
+          </a:xfrm>
+          <a:prstGeom prst="rect">
+            <a:avLst/>
+          </a:prstGeom>
+        </p:spPr>
+        <p:txBody>
+          <a:bodyPr lIns="0" rIns="0" tIns="0" bIns="0">
+            <a:normAutofit/>
+          </a:bodyPr>
+          <a:p>
+            <a:endParaRPr b="0" lang="de-AT" sz="3200" spc="-1" strike="noStrike">
+              <a:latin typeface="Arial"/>
+            </a:endParaRPr>
+          </a:p>
+        </p:txBody>
+      </p:sp>
+      <p:sp>
+        <p:nvSpPr>
+          <p:cNvPr id="191" name="PlaceHolder 3"/>
+          <p:cNvSpPr>
+            <a:spLocks noGrp="1"/>
+          </p:cNvSpPr>
+          <p:nvPr>
+            <p:ph type="body"/>
+          </p:nvPr>
+        </p:nvSpPr>
+        <p:spPr>
+          <a:xfrm>
+            <a:off x="4319640" y="1604520"/>
+            <a:ext cx="3533040" cy="1896840"/>
+          </a:xfrm>
+          <a:prstGeom prst="rect">
+            <a:avLst/>
+          </a:prstGeom>
+        </p:spPr>
+        <p:txBody>
+          <a:bodyPr lIns="0" rIns="0" tIns="0" bIns="0">
+            <a:normAutofit/>
+          </a:bodyPr>
+          <a:p>
+            <a:endParaRPr b="0" lang="de-AT" sz="3200" spc="-1" strike="noStrike">
+              <a:latin typeface="Arial"/>
+            </a:endParaRPr>
+          </a:p>
+        </p:txBody>
+      </p:sp>
+      <p:sp>
+        <p:nvSpPr>
+          <p:cNvPr id="192" name="PlaceHolder 4"/>
+          <p:cNvSpPr>
+            <a:spLocks noGrp="1"/>
+          </p:cNvSpPr>
+          <p:nvPr>
+            <p:ph type="body"/>
+          </p:nvPr>
+        </p:nvSpPr>
+        <p:spPr>
+          <a:xfrm>
+            <a:off x="8029800" y="1604520"/>
+            <a:ext cx="3533040" cy="1896840"/>
+          </a:xfrm>
+          <a:prstGeom prst="rect">
+            <a:avLst/>
+          </a:prstGeom>
+        </p:spPr>
+        <p:txBody>
+          <a:bodyPr lIns="0" rIns="0" tIns="0" bIns="0">
+            <a:normAutofit/>
+          </a:bodyPr>
+          <a:p>
+            <a:endParaRPr b="0" lang="de-AT" sz="3200" spc="-1" strike="noStrike">
+              <a:latin typeface="Arial"/>
+            </a:endParaRPr>
+          </a:p>
+        </p:txBody>
+      </p:sp>
+      <p:sp>
+        <p:nvSpPr>
+          <p:cNvPr id="193" name="PlaceHolder 5"/>
+          <p:cNvSpPr>
+            <a:spLocks noGrp="1"/>
+          </p:cNvSpPr>
+          <p:nvPr>
+            <p:ph type="body"/>
+          </p:nvPr>
+        </p:nvSpPr>
+        <p:spPr>
+          <a:xfrm>
+            <a:off x="609480" y="3682080"/>
+            <a:ext cx="3533040" cy="1896840"/>
+          </a:xfrm>
+          <a:prstGeom prst="rect">
+            <a:avLst/>
+          </a:prstGeom>
+        </p:spPr>
+        <p:txBody>
+          <a:bodyPr lIns="0" rIns="0" tIns="0" bIns="0">
+            <a:normAutofit/>
+          </a:bodyPr>
+          <a:p>
+            <a:endParaRPr b="0" lang="de-AT" sz="3200" spc="-1" strike="noStrike">
+              <a:latin typeface="Arial"/>
+            </a:endParaRPr>
+          </a:p>
+        </p:txBody>
+      </p:sp>
+      <p:sp>
+        <p:nvSpPr>
+          <p:cNvPr id="194" name="PlaceHolder 6"/>
+          <p:cNvSpPr>
+            <a:spLocks noGrp="1"/>
+          </p:cNvSpPr>
+          <p:nvPr>
+            <p:ph type="body"/>
+          </p:nvPr>
+        </p:nvSpPr>
+        <p:spPr>
+          <a:xfrm>
+            <a:off x="4319640" y="3682080"/>
+            <a:ext cx="3533040" cy="1896840"/>
+          </a:xfrm>
+          <a:prstGeom prst="rect">
+            <a:avLst/>
+          </a:prstGeom>
+        </p:spPr>
+        <p:txBody>
+          <a:bodyPr lIns="0" rIns="0" tIns="0" bIns="0">
+            <a:normAutofit/>
+          </a:bodyPr>
+          <a:p>
+            <a:endParaRPr b="0" lang="de-AT" sz="3200" spc="-1" strike="noStrike">
+              <a:latin typeface="Arial"/>
+            </a:endParaRPr>
+          </a:p>
+        </p:txBody>
+      </p:sp>
+      <p:sp>
+        <p:nvSpPr>
+          <p:cNvPr id="195" name="PlaceHolder 7"/>
+          <p:cNvSpPr>
+            <a:spLocks noGrp="1"/>
+          </p:cNvSpPr>
+          <p:nvPr>
+            <p:ph type="body"/>
+          </p:nvPr>
+        </p:nvSpPr>
+        <p:spPr>
+          <a:xfrm>
+            <a:off x="8029800" y="3682080"/>
+            <a:ext cx="3533040" cy="1896840"/>
+          </a:xfrm>
+          <a:prstGeom prst="rect">
+            <a:avLst/>
+          </a:prstGeom>
+        </p:spPr>
+        <p:txBody>
+          <a:bodyPr lIns="0" rIns="0" tIns="0" bIns="0">
+            <a:normAutofit/>
+          </a:bodyPr>
+          <a:p>
             <a:endParaRPr b="0" lang="de-AT" sz="3200" spc="-1" strike="noStrike">
               <a:latin typeface="Arial"/>
             </a:endParaRPr>
@@ -5509,7 +6866,7 @@
         <p:spPr>
           <a:xfrm>
             <a:off x="720" y="360"/>
-            <a:ext cx="12190680" cy="6856560"/>
+            <a:ext cx="12190320" cy="6856200"/>
           </a:xfrm>
           <a:prstGeom prst="rect">
             <a:avLst/>
@@ -5785,7 +7142,7 @@
         <p:spPr>
           <a:xfrm>
             <a:off x="720" y="360"/>
-            <a:ext cx="12190680" cy="6856560"/>
+            <a:ext cx="12190320" cy="6856200"/>
           </a:xfrm>
           <a:prstGeom prst="rect">
             <a:avLst/>
@@ -6061,7 +7418,7 @@
         <p:spPr>
           <a:xfrm>
             <a:off x="720" y="360"/>
-            <a:ext cx="12190680" cy="6856560"/>
+            <a:ext cx="12190320" cy="6856200"/>
           </a:xfrm>
           <a:prstGeom prst="rect">
             <a:avLst/>
@@ -6120,186 +7477,7 @@
         <p:spPr>
           <a:xfrm>
             <a:off x="609480" y="1604520"/>
-            <a:ext cx="5353920" cy="3976920"/>
-          </a:xfrm>
-          <a:prstGeom prst="rect">
-            <a:avLst/>
-          </a:prstGeom>
-        </p:spPr>
-        <p:txBody>
-          <a:bodyPr lIns="0" rIns="0" tIns="0" bIns="0">
-            <a:normAutofit/>
-          </a:bodyPr>
-          <a:p>
-            <a:pPr marL="432000" indent="-324000">
-              <a:spcBef>
-                <a:spcPts val="1417"/>
-              </a:spcBef>
-              <a:buClr>
-                <a:srgbClr val="000000"/>
-              </a:buClr>
-              <a:buSzPct val="45000"/>
-              <a:buFont typeface="Wingdings" charset="2"/>
-              <a:buChar char=""/>
-            </a:pPr>
-            <a:r>
-              <a:rPr b="0" lang="de-AT" sz="1800" spc="-1" strike="noStrike">
-                <a:latin typeface="Arial"/>
-              </a:rPr>
-              <a:t>Format des Gliederungstextes durch Klicken bearbeiten</a:t>
-            </a:r>
-            <a:endParaRPr b="0" lang="de-AT" sz="1800" spc="-1" strike="noStrike">
-              <a:latin typeface="Arial"/>
-            </a:endParaRPr>
-          </a:p>
-          <a:p>
-            <a:pPr lvl="1" marL="864000" indent="-324000">
-              <a:spcBef>
-                <a:spcPts val="1134"/>
-              </a:spcBef>
-              <a:buClr>
-                <a:srgbClr val="000000"/>
-              </a:buClr>
-              <a:buSzPct val="75000"/>
-              <a:buFont typeface="Symbol" charset="2"/>
-              <a:buChar char=""/>
-            </a:pPr>
-            <a:r>
-              <a:rPr b="0" lang="de-AT" sz="1800" spc="-1" strike="noStrike">
-                <a:latin typeface="Arial"/>
-              </a:rPr>
-              <a:t>Zweite Gliederungsebene</a:t>
-            </a:r>
-            <a:endParaRPr b="0" lang="de-AT" sz="1800" spc="-1" strike="noStrike">
-              <a:latin typeface="Arial"/>
-            </a:endParaRPr>
-          </a:p>
-          <a:p>
-            <a:pPr lvl="2" marL="1296000" indent="-288000">
-              <a:spcBef>
-                <a:spcPts val="850"/>
-              </a:spcBef>
-              <a:buClr>
-                <a:srgbClr val="000000"/>
-              </a:buClr>
-              <a:buSzPct val="45000"/>
-              <a:buFont typeface="Wingdings" charset="2"/>
-              <a:buChar char=""/>
-            </a:pPr>
-            <a:r>
-              <a:rPr b="0" lang="de-AT" sz="1800" spc="-1" strike="noStrike">
-                <a:latin typeface="Arial"/>
-              </a:rPr>
-              <a:t>Dritte Gliederungsebene</a:t>
-            </a:r>
-            <a:endParaRPr b="0" lang="de-AT" sz="1800" spc="-1" strike="noStrike">
-              <a:latin typeface="Arial"/>
-            </a:endParaRPr>
-          </a:p>
-          <a:p>
-            <a:pPr lvl="3" marL="1728000" indent="-216000">
-              <a:spcBef>
-                <a:spcPts val="567"/>
-              </a:spcBef>
-              <a:buClr>
-                <a:srgbClr val="000000"/>
-              </a:buClr>
-              <a:buSzPct val="75000"/>
-              <a:buFont typeface="Symbol" charset="2"/>
-              <a:buChar char=""/>
-            </a:pPr>
-            <a:r>
-              <a:rPr b="0" lang="de-AT" sz="1800" spc="-1" strike="noStrike">
-                <a:latin typeface="Arial"/>
-              </a:rPr>
-              <a:t>Vierte Gliederungsebene</a:t>
-            </a:r>
-            <a:endParaRPr b="0" lang="de-AT" sz="1800" spc="-1" strike="noStrike">
-              <a:latin typeface="Arial"/>
-            </a:endParaRPr>
-          </a:p>
-          <a:p>
-            <a:pPr lvl="4" marL="2160000" indent="-216000">
-              <a:spcBef>
-                <a:spcPts val="283"/>
-              </a:spcBef>
-              <a:buClr>
-                <a:srgbClr val="000000"/>
-              </a:buClr>
-              <a:buSzPct val="45000"/>
-              <a:buFont typeface="Wingdings" charset="2"/>
-              <a:buChar char=""/>
-            </a:pPr>
-            <a:r>
-              <a:rPr b="0" lang="de-AT" sz="1800" spc="-1" strike="noStrike">
-                <a:latin typeface="Arial"/>
-              </a:rPr>
-              <a:t>Fünfte Gliederungsebene</a:t>
-            </a:r>
-            <a:endParaRPr b="0" lang="de-AT" sz="1800" spc="-1" strike="noStrike">
-              <a:latin typeface="Arial"/>
-            </a:endParaRPr>
-          </a:p>
-          <a:p>
-            <a:pPr lvl="5" marL="2592000" indent="-216000">
-              <a:spcBef>
-                <a:spcPts val="283"/>
-              </a:spcBef>
-              <a:buClr>
-                <a:srgbClr val="000000"/>
-              </a:buClr>
-              <a:buSzPct val="45000"/>
-              <a:buFont typeface="Wingdings" charset="2"/>
-              <a:buChar char=""/>
-            </a:pPr>
-            <a:r>
-              <a:rPr b="0" lang="de-AT" sz="1800" spc="-1" strike="noStrike">
-                <a:latin typeface="Arial"/>
-              </a:rPr>
-              <a:t>Sechste Gliederungsebene</a:t>
-            </a:r>
-            <a:endParaRPr b="0" lang="de-AT" sz="1800" spc="-1" strike="noStrike">
-              <a:latin typeface="Arial"/>
-            </a:endParaRPr>
-          </a:p>
-          <a:p>
-            <a:pPr lvl="6" marL="3024000" indent="-216000">
-              <a:spcBef>
-                <a:spcPts val="283"/>
-              </a:spcBef>
-              <a:buClr>
-                <a:srgbClr val="000000"/>
-              </a:buClr>
-              <a:buSzPct val="45000"/>
-              <a:buFont typeface="Wingdings" charset="2"/>
-              <a:buChar char=""/>
-            </a:pPr>
-            <a:r>
-              <a:rPr b="0" lang="de-AT" sz="1800" spc="-1" strike="noStrike">
-                <a:latin typeface="Arial"/>
-              </a:rPr>
-              <a:t>Siebte Gliederungsebene</a:t>
-            </a:r>
-            <a:endParaRPr b="0" lang="de-AT" sz="1800" spc="-1" strike="noStrike">
-              <a:latin typeface="Arial"/>
-            </a:endParaRPr>
-          </a:p>
-        </p:txBody>
-      </p:sp>
-      <p:sp>
-        <p:nvSpPr>
-          <p:cNvPr id="81" name="PlaceHolder 3"/>
-          <p:cNvSpPr>
-            <a:spLocks noGrp="1"/>
-          </p:cNvSpPr>
-          <p:nvPr>
-            <p:ph type="body"/>
-          </p:nvPr>
-        </p:nvSpPr>
-        <p:spPr>
-          <a:xfrm>
-            <a:off x="6231960" y="1604520"/>
-            <a:ext cx="5353920" cy="3976920"/>
+            <a:ext cx="10972080" cy="3976920"/>
           </a:xfrm>
           <a:prstGeom prst="rect">
             <a:avLst/>
@@ -6504,7 +7682,7 @@
       </p:grpSpPr>
       <p:pic>
         <p:nvPicPr>
-          <p:cNvPr id="118" name="" descr=""/>
+          <p:cNvPr id="117" name="" descr=""/>
           <p:cNvPicPr/>
           <p:nvPr/>
         </p:nvPicPr>
@@ -6515,7 +7693,7 @@
         <p:spPr>
           <a:xfrm>
             <a:off x="720" y="360"/>
-            <a:ext cx="12190680" cy="6856560"/>
+            <a:ext cx="12190320" cy="6856200"/>
           </a:xfrm>
           <a:prstGeom prst="rect">
             <a:avLst/>
@@ -6527,7 +7705,7 @@
       </p:pic>
       <p:sp>
         <p:nvSpPr>
-          <p:cNvPr id="119" name="PlaceHolder 1"/>
+          <p:cNvPr id="118" name="PlaceHolder 1"/>
           <p:cNvSpPr>
             <a:spLocks noGrp="1"/>
           </p:cNvSpPr>
@@ -6537,8 +7715,8 @@
         </p:nvSpPr>
         <p:spPr>
           <a:xfrm>
-            <a:off x="609480" y="273600"/>
-            <a:ext cx="10972440" cy="1144800"/>
+            <a:off x="609480" y="273240"/>
+            <a:ext cx="10972080" cy="1145160"/>
           </a:xfrm>
           <a:prstGeom prst="rect">
             <a:avLst/>
@@ -6546,25 +7724,24 @@
         </p:spPr>
         <p:txBody>
           <a:bodyPr lIns="0" rIns="0" tIns="0" bIns="0" anchor="ctr">
-            <a:noAutofit/>
-          </a:bodyPr>
-          <a:p>
-            <a:pPr algn="ctr"/>
-            <a:r>
-              <a:rPr b="0" lang="de-AT" sz="4400" spc="-1" strike="noStrike">
+            <a:spAutoFit/>
+          </a:bodyPr>
+          <a:p>
+            <a:r>
+              <a:rPr b="0" lang="de-AT" sz="1800" spc="-1" strike="noStrike">
                 <a:latin typeface="Arial"/>
               </a:rPr>
               <a:t>Format des Titeltextes durch Klicken bearbeiten</a:t>
             </a:r>
-            <a:endParaRPr b="0" lang="de-AT" sz="4400" spc="-1" strike="noStrike">
-              <a:latin typeface="Arial"/>
-            </a:endParaRPr>
-          </a:p>
-        </p:txBody>
-      </p:sp>
-      <p:sp>
-        <p:nvSpPr>
-          <p:cNvPr id="120" name="PlaceHolder 2"/>
+            <a:endParaRPr b="0" lang="de-AT" sz="1800" spc="-1" strike="noStrike">
+              <a:latin typeface="Arial"/>
+            </a:endParaRPr>
+          </a:p>
+        </p:txBody>
+      </p:sp>
+      <p:sp>
+        <p:nvSpPr>
+          <p:cNvPr id="119" name="PlaceHolder 2"/>
           <p:cNvSpPr>
             <a:spLocks noGrp="1"/>
           </p:cNvSpPr>
@@ -6575,7 +7752,7 @@
         <p:spPr>
           <a:xfrm>
             <a:off x="609480" y="1604520"/>
-            <a:ext cx="10972440" cy="3977280"/>
+            <a:ext cx="5353920" cy="3976920"/>
           </a:xfrm>
           <a:prstGeom prst="rect">
             <a:avLst/>
@@ -6598,12 +7775,12 @@
               <a:buChar char=""/>
             </a:pPr>
             <a:r>
-              <a:rPr b="0" lang="de-AT" sz="3200" spc="-1" strike="noStrike">
+              <a:rPr b="0" lang="de-AT" sz="1800" spc="-1" strike="noStrike">
                 <a:latin typeface="Arial"/>
               </a:rPr>
               <a:t>Format des Gliederungstextes durch Klicken bearbeiten</a:t>
             </a:r>
-            <a:endParaRPr b="0" lang="de-AT" sz="3200" spc="-1" strike="noStrike">
+            <a:endParaRPr b="0" lang="de-AT" sz="1800" spc="-1" strike="noStrike">
               <a:latin typeface="Arial"/>
             </a:endParaRPr>
           </a:p>
@@ -6620,12 +7797,12 @@
               <a:buChar char=""/>
             </a:pPr>
             <a:r>
-              <a:rPr b="0" lang="de-AT" sz="2800" spc="-1" strike="noStrike">
+              <a:rPr b="0" lang="de-AT" sz="1800" spc="-1" strike="noStrike">
                 <a:latin typeface="Arial"/>
               </a:rPr>
               <a:t>Zweite Gliederungsebene</a:t>
             </a:r>
-            <a:endParaRPr b="0" lang="de-AT" sz="2800" spc="-1" strike="noStrike">
+            <a:endParaRPr b="0" lang="de-AT" sz="1800" spc="-1" strike="noStrike">
               <a:latin typeface="Arial"/>
             </a:endParaRPr>
           </a:p>
@@ -6642,12 +7819,12 @@
               <a:buChar char=""/>
             </a:pPr>
             <a:r>
-              <a:rPr b="0" lang="de-AT" sz="2400" spc="-1" strike="noStrike">
+              <a:rPr b="0" lang="de-AT" sz="1800" spc="-1" strike="noStrike">
                 <a:latin typeface="Arial"/>
               </a:rPr>
               <a:t>Dritte Gliederungsebene</a:t>
             </a:r>
-            <a:endParaRPr b="0" lang="de-AT" sz="2400" spc="-1" strike="noStrike">
+            <a:endParaRPr b="0" lang="de-AT" sz="1800" spc="-1" strike="noStrike">
               <a:latin typeface="Arial"/>
             </a:endParaRPr>
           </a:p>
@@ -6664,12 +7841,12 @@
               <a:buChar char=""/>
             </a:pPr>
             <a:r>
-              <a:rPr b="0" lang="de-AT" sz="2000" spc="-1" strike="noStrike">
+              <a:rPr b="0" lang="de-AT" sz="1800" spc="-1" strike="noStrike">
                 <a:latin typeface="Arial"/>
               </a:rPr>
               <a:t>Vierte Gliederungsebene</a:t>
             </a:r>
-            <a:endParaRPr b="0" lang="de-AT" sz="2000" spc="-1" strike="noStrike">
+            <a:endParaRPr b="0" lang="de-AT" sz="1800" spc="-1" strike="noStrike">
               <a:latin typeface="Arial"/>
             </a:endParaRPr>
           </a:p>
@@ -6686,12 +7863,12 @@
               <a:buChar char=""/>
             </a:pPr>
             <a:r>
-              <a:rPr b="0" lang="de-AT" sz="2000" spc="-1" strike="noStrike">
+              <a:rPr b="0" lang="de-AT" sz="1800" spc="-1" strike="noStrike">
                 <a:latin typeface="Arial"/>
               </a:rPr>
               <a:t>Fünfte Gliederungsebene</a:t>
             </a:r>
-            <a:endParaRPr b="0" lang="de-AT" sz="2000" spc="-1" strike="noStrike">
+            <a:endParaRPr b="0" lang="de-AT" sz="1800" spc="-1" strike="noStrike">
               <a:latin typeface="Arial"/>
             </a:endParaRPr>
           </a:p>
@@ -6708,12 +7885,12 @@
               <a:buChar char=""/>
             </a:pPr>
             <a:r>
-              <a:rPr b="0" lang="de-AT" sz="2000" spc="-1" strike="noStrike">
+              <a:rPr b="0" lang="de-AT" sz="1800" spc="-1" strike="noStrike">
                 <a:latin typeface="Arial"/>
               </a:rPr>
               <a:t>Sechste Gliederungsebene</a:t>
             </a:r>
-            <a:endParaRPr b="0" lang="de-AT" sz="2000" spc="-1" strike="noStrike">
+            <a:endParaRPr b="0" lang="de-AT" sz="1800" spc="-1" strike="noStrike">
               <a:latin typeface="Arial"/>
             </a:endParaRPr>
           </a:p>
@@ -6730,12 +7907,191 @@
               <a:buChar char=""/>
             </a:pPr>
             <a:r>
-              <a:rPr b="0" lang="de-AT" sz="2000" spc="-1" strike="noStrike">
+              <a:rPr b="0" lang="de-AT" sz="1800" spc="-1" strike="noStrike">
                 <a:latin typeface="Arial"/>
               </a:rPr>
               <a:t>Siebte Gliederungsebene</a:t>
             </a:r>
-            <a:endParaRPr b="0" lang="de-AT" sz="2000" spc="-1" strike="noStrike">
+            <a:endParaRPr b="0" lang="de-AT" sz="1800" spc="-1" strike="noStrike">
+              <a:latin typeface="Arial"/>
+            </a:endParaRPr>
+          </a:p>
+        </p:txBody>
+      </p:sp>
+      <p:sp>
+        <p:nvSpPr>
+          <p:cNvPr id="120" name="PlaceHolder 3"/>
+          <p:cNvSpPr>
+            <a:spLocks noGrp="1"/>
+          </p:cNvSpPr>
+          <p:nvPr>
+            <p:ph type="body"/>
+          </p:nvPr>
+        </p:nvSpPr>
+        <p:spPr>
+          <a:xfrm>
+            <a:off x="6231960" y="1604520"/>
+            <a:ext cx="5353920" cy="3976920"/>
+          </a:xfrm>
+          <a:prstGeom prst="rect">
+            <a:avLst/>
+          </a:prstGeom>
+        </p:spPr>
+        <p:txBody>
+          <a:bodyPr lIns="0" rIns="0" tIns="0" bIns="0">
+            <a:normAutofit/>
+          </a:bodyPr>
+          <a:p>
+            <a:pPr marL="432000" indent="-324000">
+              <a:spcBef>
+                <a:spcPts val="1417"/>
+              </a:spcBef>
+              <a:buClr>
+                <a:srgbClr val="000000"/>
+              </a:buClr>
+              <a:buSzPct val="45000"/>
+              <a:buFont typeface="Wingdings" charset="2"/>
+              <a:buChar char=""/>
+            </a:pPr>
+            <a:r>
+              <a:rPr b="0" lang="de-AT" sz="1800" spc="-1" strike="noStrike">
+                <a:latin typeface="Arial"/>
+              </a:rPr>
+              <a:t>Format des Gliederungstextes durch Klicken bearbeiten</a:t>
+            </a:r>
+            <a:endParaRPr b="0" lang="de-AT" sz="1800" spc="-1" strike="noStrike">
+              <a:latin typeface="Arial"/>
+            </a:endParaRPr>
+          </a:p>
+          <a:p>
+            <a:pPr lvl="1" marL="864000" indent="-324000">
+              <a:spcBef>
+                <a:spcPts val="1134"/>
+              </a:spcBef>
+              <a:buClr>
+                <a:srgbClr val="000000"/>
+              </a:buClr>
+              <a:buSzPct val="75000"/>
+              <a:buFont typeface="Symbol" charset="2"/>
+              <a:buChar char=""/>
+            </a:pPr>
+            <a:r>
+              <a:rPr b="0" lang="de-AT" sz="1800" spc="-1" strike="noStrike">
+                <a:latin typeface="Arial"/>
+              </a:rPr>
+              <a:t>Zweite Gliederungsebene</a:t>
+            </a:r>
+            <a:endParaRPr b="0" lang="de-AT" sz="1800" spc="-1" strike="noStrike">
+              <a:latin typeface="Arial"/>
+            </a:endParaRPr>
+          </a:p>
+          <a:p>
+            <a:pPr lvl="2" marL="1296000" indent="-288000">
+              <a:spcBef>
+                <a:spcPts val="850"/>
+              </a:spcBef>
+              <a:buClr>
+                <a:srgbClr val="000000"/>
+              </a:buClr>
+              <a:buSzPct val="45000"/>
+              <a:buFont typeface="Wingdings" charset="2"/>
+              <a:buChar char=""/>
+            </a:pPr>
+            <a:r>
+              <a:rPr b="0" lang="de-AT" sz="1800" spc="-1" strike="noStrike">
+                <a:latin typeface="Arial"/>
+              </a:rPr>
+              <a:t>Dritte Gliederungsebene</a:t>
+            </a:r>
+            <a:endParaRPr b="0" lang="de-AT" sz="1800" spc="-1" strike="noStrike">
+              <a:latin typeface="Arial"/>
+            </a:endParaRPr>
+          </a:p>
+          <a:p>
+            <a:pPr lvl="3" marL="1728000" indent="-216000">
+              <a:spcBef>
+                <a:spcPts val="567"/>
+              </a:spcBef>
+              <a:buClr>
+                <a:srgbClr val="000000"/>
+              </a:buClr>
+              <a:buSzPct val="75000"/>
+              <a:buFont typeface="Symbol" charset="2"/>
+              <a:buChar char=""/>
+            </a:pPr>
+            <a:r>
+              <a:rPr b="0" lang="de-AT" sz="1800" spc="-1" strike="noStrike">
+                <a:latin typeface="Arial"/>
+              </a:rPr>
+              <a:t>Vierte Gliederungsebene</a:t>
+            </a:r>
+            <a:endParaRPr b="0" lang="de-AT" sz="1800" spc="-1" strike="noStrike">
+              <a:latin typeface="Arial"/>
+            </a:endParaRPr>
+          </a:p>
+          <a:p>
+            <a:pPr lvl="4" marL="2160000" indent="-216000">
+              <a:spcBef>
+                <a:spcPts val="283"/>
+              </a:spcBef>
+              <a:buClr>
+                <a:srgbClr val="000000"/>
+              </a:buClr>
+              <a:buSzPct val="45000"/>
+              <a:buFont typeface="Wingdings" charset="2"/>
+              <a:buChar char=""/>
+            </a:pPr>
+            <a:r>
+              <a:rPr b="0" lang="de-AT" sz="1800" spc="-1" strike="noStrike">
+                <a:latin typeface="Arial"/>
+              </a:rPr>
+              <a:t>Fünfte Gliederungsebene</a:t>
+            </a:r>
+            <a:endParaRPr b="0" lang="de-AT" sz="1800" spc="-1" strike="noStrike">
+              <a:latin typeface="Arial"/>
+            </a:endParaRPr>
+          </a:p>
+          <a:p>
+            <a:pPr lvl="5" marL="2592000" indent="-216000">
+              <a:spcBef>
+                <a:spcPts val="283"/>
+              </a:spcBef>
+              <a:buClr>
+                <a:srgbClr val="000000"/>
+              </a:buClr>
+              <a:buSzPct val="45000"/>
+              <a:buFont typeface="Wingdings" charset="2"/>
+              <a:buChar char=""/>
+            </a:pPr>
+            <a:r>
+              <a:rPr b="0" lang="de-AT" sz="1800" spc="-1" strike="noStrike">
+                <a:latin typeface="Arial"/>
+              </a:rPr>
+              <a:t>Sechste Gliederungsebene</a:t>
+            </a:r>
+            <a:endParaRPr b="0" lang="de-AT" sz="1800" spc="-1" strike="noStrike">
+              <a:latin typeface="Arial"/>
+            </a:endParaRPr>
+          </a:p>
+          <a:p>
+            <a:pPr lvl="6" marL="3024000" indent="-216000">
+              <a:spcBef>
+                <a:spcPts val="283"/>
+              </a:spcBef>
+              <a:buClr>
+                <a:srgbClr val="000000"/>
+              </a:buClr>
+              <a:buSzPct val="45000"/>
+              <a:buFont typeface="Wingdings" charset="2"/>
+              <a:buChar char=""/>
+            </a:pPr>
+            <a:r>
+              <a:rPr b="0" lang="de-AT" sz="1800" spc="-1" strike="noStrike">
+                <a:latin typeface="Arial"/>
+              </a:rPr>
+              <a:t>Siebte Gliederungsebene</a:t>
+            </a:r>
+            <a:endParaRPr b="0" lang="de-AT" sz="1800" spc="-1" strike="noStrike">
               <a:latin typeface="Arial"/>
             </a:endParaRPr>
           </a:p>
@@ -6757,6 +8113,282 @@
     <p:sldLayoutId id="2147483697" r:id="rId12"/>
     <p:sldLayoutId id="2147483698" r:id="rId13"/>
     <p:sldLayoutId id="2147483699" r:id="rId14"/>
+  </p:sldLayoutIdLst>
+</p:sldMaster>
+</file>
+
+<file path=ppt/slideMasters/slideMaster5.xml><?xml version="1.0" encoding="utf-8"?>
+<p:sldMaster xmlns:a="http://schemas.openxmlformats.org/drawingml/2006/main" xmlns:p="http://schemas.openxmlformats.org/presentationml/2006/main" xmlns:r="http://schemas.openxmlformats.org/officeDocument/2006/relationships" xmlns:p14="http://schemas.microsoft.com/office/powerpoint/2010/main" xmlns:p15="http://schemas.microsoft.com/office/powerpoint/2012/main" xmlns:mc="http://schemas.openxmlformats.org/markup-compatibility/2006">
+  <p:cSld>
+    <p:spTree>
+      <p:nvGrpSpPr>
+        <p:cNvPr id="1" name=""/>
+        <p:cNvGrpSpPr/>
+        <p:nvPr/>
+      </p:nvGrpSpPr>
+      <p:grpSpPr>
+        <a:xfrm>
+          <a:off x="0" y="0"/>
+          <a:ext cx="0" cy="0"/>
+          <a:chOff x="0" y="0"/>
+          <a:chExt cx="0" cy="0"/>
+        </a:xfrm>
+      </p:grpSpPr>
+      <p:pic>
+        <p:nvPicPr>
+          <p:cNvPr id="157" name="" descr=""/>
+          <p:cNvPicPr/>
+          <p:nvPr/>
+        </p:nvPicPr>
+        <p:blipFill>
+          <a:blip r:embed="rId2"/>
+          <a:stretch/>
+        </p:blipFill>
+        <p:spPr>
+          <a:xfrm>
+            <a:off x="720" y="360"/>
+            <a:ext cx="12190320" cy="6856200"/>
+          </a:xfrm>
+          <a:prstGeom prst="rect">
+            <a:avLst/>
+          </a:prstGeom>
+          <a:ln>
+            <a:noFill/>
+          </a:ln>
+        </p:spPr>
+      </p:pic>
+      <p:sp>
+        <p:nvSpPr>
+          <p:cNvPr id="158" name="PlaceHolder 1"/>
+          <p:cNvSpPr>
+            <a:spLocks noGrp="1"/>
+          </p:cNvSpPr>
+          <p:nvPr>
+            <p:ph type="title"/>
+          </p:nvPr>
+        </p:nvSpPr>
+        <p:spPr>
+          <a:xfrm>
+            <a:off x="609480" y="273600"/>
+            <a:ext cx="10972440" cy="1144800"/>
+          </a:xfrm>
+          <a:prstGeom prst="rect">
+            <a:avLst/>
+          </a:prstGeom>
+        </p:spPr>
+        <p:txBody>
+          <a:bodyPr lIns="0" rIns="0" tIns="0" bIns="0" anchor="ctr">
+            <a:noAutofit/>
+          </a:bodyPr>
+          <a:p>
+            <a:pPr algn="ctr"/>
+            <a:r>
+              <a:rPr b="0" lang="de-AT" sz="4400" spc="-1" strike="noStrike">
+                <a:latin typeface="Arial"/>
+              </a:rPr>
+              <a:t>Format des Titeltextes durch Klicken bearbeiten</a:t>
+            </a:r>
+            <a:endParaRPr b="0" lang="de-AT" sz="4400" spc="-1" strike="noStrike">
+              <a:latin typeface="Arial"/>
+            </a:endParaRPr>
+          </a:p>
+        </p:txBody>
+      </p:sp>
+      <p:sp>
+        <p:nvSpPr>
+          <p:cNvPr id="159" name="PlaceHolder 2"/>
+          <p:cNvSpPr>
+            <a:spLocks noGrp="1"/>
+          </p:cNvSpPr>
+          <p:nvPr>
+            <p:ph type="body"/>
+          </p:nvPr>
+        </p:nvSpPr>
+        <p:spPr>
+          <a:xfrm>
+            <a:off x="609480" y="1604520"/>
+            <a:ext cx="10972440" cy="3977280"/>
+          </a:xfrm>
+          <a:prstGeom prst="rect">
+            <a:avLst/>
+          </a:prstGeom>
+        </p:spPr>
+        <p:txBody>
+          <a:bodyPr lIns="0" rIns="0" tIns="0" bIns="0">
+            <a:normAutofit/>
+          </a:bodyPr>
+          <a:p>
+            <a:pPr marL="432000" indent="-324000">
+              <a:spcBef>
+                <a:spcPts val="1417"/>
+              </a:spcBef>
+              <a:buClr>
+                <a:srgbClr val="000000"/>
+              </a:buClr>
+              <a:buSzPct val="45000"/>
+              <a:buFont typeface="Wingdings" charset="2"/>
+              <a:buChar char=""/>
+            </a:pPr>
+            <a:r>
+              <a:rPr b="0" lang="de-AT" sz="3200" spc="-1" strike="noStrike">
+                <a:latin typeface="Arial"/>
+              </a:rPr>
+              <a:t>Format des Gliederungstextes durch Klicken bearbeiten</a:t>
+            </a:r>
+            <a:endParaRPr b="0" lang="de-AT" sz="3200" spc="-1" strike="noStrike">
+              <a:latin typeface="Arial"/>
+            </a:endParaRPr>
+          </a:p>
+          <a:p>
+            <a:pPr lvl="1" marL="864000" indent="-324000">
+              <a:spcBef>
+                <a:spcPts val="1134"/>
+              </a:spcBef>
+              <a:buClr>
+                <a:srgbClr val="000000"/>
+              </a:buClr>
+              <a:buSzPct val="75000"/>
+              <a:buFont typeface="Symbol" charset="2"/>
+              <a:buChar char=""/>
+            </a:pPr>
+            <a:r>
+              <a:rPr b="0" lang="de-AT" sz="2800" spc="-1" strike="noStrike">
+                <a:latin typeface="Arial"/>
+              </a:rPr>
+              <a:t>Zweite Gliederungsebene</a:t>
+            </a:r>
+            <a:endParaRPr b="0" lang="de-AT" sz="2800" spc="-1" strike="noStrike">
+              <a:latin typeface="Arial"/>
+            </a:endParaRPr>
+          </a:p>
+          <a:p>
+            <a:pPr lvl="2" marL="1296000" indent="-288000">
+              <a:spcBef>
+                <a:spcPts val="850"/>
+              </a:spcBef>
+              <a:buClr>
+                <a:srgbClr val="000000"/>
+              </a:buClr>
+              <a:buSzPct val="45000"/>
+              <a:buFont typeface="Wingdings" charset="2"/>
+              <a:buChar char=""/>
+            </a:pPr>
+            <a:r>
+              <a:rPr b="0" lang="de-AT" sz="2400" spc="-1" strike="noStrike">
+                <a:latin typeface="Arial"/>
+              </a:rPr>
+              <a:t>Dritte Gliederungsebene</a:t>
+            </a:r>
+            <a:endParaRPr b="0" lang="de-AT" sz="2400" spc="-1" strike="noStrike">
+              <a:latin typeface="Arial"/>
+            </a:endParaRPr>
+          </a:p>
+          <a:p>
+            <a:pPr lvl="3" marL="1728000" indent="-216000">
+              <a:spcBef>
+                <a:spcPts val="567"/>
+              </a:spcBef>
+              <a:buClr>
+                <a:srgbClr val="000000"/>
+              </a:buClr>
+              <a:buSzPct val="75000"/>
+              <a:buFont typeface="Symbol" charset="2"/>
+              <a:buChar char=""/>
+            </a:pPr>
+            <a:r>
+              <a:rPr b="0" lang="de-AT" sz="2000" spc="-1" strike="noStrike">
+                <a:latin typeface="Arial"/>
+              </a:rPr>
+              <a:t>Vierte Gliederungsebene</a:t>
+            </a:r>
+            <a:endParaRPr b="0" lang="de-AT" sz="2000" spc="-1" strike="noStrike">
+              <a:latin typeface="Arial"/>
+            </a:endParaRPr>
+          </a:p>
+          <a:p>
+            <a:pPr lvl="4" marL="2160000" indent="-216000">
+              <a:spcBef>
+                <a:spcPts val="283"/>
+              </a:spcBef>
+              <a:buClr>
+                <a:srgbClr val="000000"/>
+              </a:buClr>
+              <a:buSzPct val="45000"/>
+              <a:buFont typeface="Wingdings" charset="2"/>
+              <a:buChar char=""/>
+            </a:pPr>
+            <a:r>
+              <a:rPr b="0" lang="de-AT" sz="2000" spc="-1" strike="noStrike">
+                <a:latin typeface="Arial"/>
+              </a:rPr>
+              <a:t>Fünfte Gliederungsebene</a:t>
+            </a:r>
+            <a:endParaRPr b="0" lang="de-AT" sz="2000" spc="-1" strike="noStrike">
+              <a:latin typeface="Arial"/>
+            </a:endParaRPr>
+          </a:p>
+          <a:p>
+            <a:pPr lvl="5" marL="2592000" indent="-216000">
+              <a:spcBef>
+                <a:spcPts val="283"/>
+              </a:spcBef>
+              <a:buClr>
+                <a:srgbClr val="000000"/>
+              </a:buClr>
+              <a:buSzPct val="45000"/>
+              <a:buFont typeface="Wingdings" charset="2"/>
+              <a:buChar char=""/>
+            </a:pPr>
+            <a:r>
+              <a:rPr b="0" lang="de-AT" sz="2000" spc="-1" strike="noStrike">
+                <a:latin typeface="Arial"/>
+              </a:rPr>
+              <a:t>Sechste Gliederungsebene</a:t>
+            </a:r>
+            <a:endParaRPr b="0" lang="de-AT" sz="2000" spc="-1" strike="noStrike">
+              <a:latin typeface="Arial"/>
+            </a:endParaRPr>
+          </a:p>
+          <a:p>
+            <a:pPr lvl="6" marL="3024000" indent="-216000">
+              <a:spcBef>
+                <a:spcPts val="283"/>
+              </a:spcBef>
+              <a:buClr>
+                <a:srgbClr val="000000"/>
+              </a:buClr>
+              <a:buSzPct val="45000"/>
+              <a:buFont typeface="Wingdings" charset="2"/>
+              <a:buChar char=""/>
+            </a:pPr>
+            <a:r>
+              <a:rPr b="0" lang="de-AT" sz="2000" spc="-1" strike="noStrike">
+                <a:latin typeface="Arial"/>
+              </a:rPr>
+              <a:t>Siebte Gliederungsebene</a:t>
+            </a:r>
+            <a:endParaRPr b="0" lang="de-AT" sz="2000" spc="-1" strike="noStrike">
+              <a:latin typeface="Arial"/>
+            </a:endParaRPr>
+          </a:p>
+        </p:txBody>
+      </p:sp>
+    </p:spTree>
+  </p:cSld>
+  <p:clrMap bg1="lt1" bg2="lt2" tx1="dk1" tx2="dk2" accent1="accent1" accent2="accent2" accent3="accent3" accent4="accent4" accent5="accent5" accent6="accent6" hlink="hlink" folHlink="folHlink"/>
+  <p:sldLayoutIdLst>
+    <p:sldLayoutId id="2147483701" r:id="rId3"/>
+    <p:sldLayoutId id="2147483702" r:id="rId4"/>
+    <p:sldLayoutId id="2147483703" r:id="rId5"/>
+    <p:sldLayoutId id="2147483704" r:id="rId6"/>
+    <p:sldLayoutId id="2147483705" r:id="rId7"/>
+    <p:sldLayoutId id="2147483706" r:id="rId8"/>
+    <p:sldLayoutId id="2147483707" r:id="rId9"/>
+    <p:sldLayoutId id="2147483708" r:id="rId10"/>
+    <p:sldLayoutId id="2147483709" r:id="rId11"/>
+    <p:sldLayoutId id="2147483710" r:id="rId12"/>
+    <p:sldLayoutId id="2147483711" r:id="rId13"/>
+    <p:sldLayoutId id="2147483712" r:id="rId14"/>
   </p:sldLayoutIdLst>
 </p:sldMaster>
 </file>
@@ -6780,14 +8412,14 @@
       </p:grpSpPr>
       <p:sp>
         <p:nvSpPr>
-          <p:cNvPr id="157" name="CustomShape 1"/>
+          <p:cNvPr id="196" name="CustomShape 1"/>
           <p:cNvSpPr/>
           <p:nvPr/>
         </p:nvSpPr>
         <p:spPr>
           <a:xfrm>
             <a:off x="1523880" y="1122480"/>
-            <a:ext cx="9142200" cy="2131920"/>
+            <a:ext cx="9141840" cy="2131560"/>
           </a:xfrm>
           <a:prstGeom prst="rect">
             <a:avLst/>
@@ -6842,14 +8474,14 @@
       </p:sp>
       <p:sp>
         <p:nvSpPr>
-          <p:cNvPr id="158" name="CustomShape 2"/>
+          <p:cNvPr id="197" name="CustomShape 2"/>
           <p:cNvSpPr/>
           <p:nvPr/>
         </p:nvSpPr>
         <p:spPr>
           <a:xfrm>
             <a:off x="1523880" y="3602160"/>
-            <a:ext cx="9142200" cy="2131920"/>
+            <a:ext cx="9141840" cy="2131560"/>
           </a:xfrm>
           <a:prstGeom prst="rect">
             <a:avLst/>
@@ -7008,14 +8640,14 @@
       </p:grpSpPr>
       <p:sp>
         <p:nvSpPr>
-          <p:cNvPr id="179" name="CustomShape 1"/>
+          <p:cNvPr id="218" name="CustomShape 1"/>
           <p:cNvSpPr/>
           <p:nvPr/>
         </p:nvSpPr>
         <p:spPr>
           <a:xfrm>
             <a:off x="594000" y="234000"/>
-            <a:ext cx="10366920" cy="1258920"/>
+            <a:ext cx="10366560" cy="1258560"/>
           </a:xfrm>
           <a:prstGeom prst="rect">
             <a:avLst/>
@@ -7059,14 +8691,14 @@
       </p:sp>
       <p:sp>
         <p:nvSpPr>
-          <p:cNvPr id="180" name="CustomShape 2"/>
+          <p:cNvPr id="219" name="CustomShape 2"/>
           <p:cNvSpPr/>
           <p:nvPr/>
         </p:nvSpPr>
         <p:spPr>
           <a:xfrm>
             <a:off x="838080" y="1825560"/>
-            <a:ext cx="10513800" cy="4349520"/>
+            <a:ext cx="10513440" cy="4349160"/>
           </a:xfrm>
           <a:prstGeom prst="rect">
             <a:avLst/>
@@ -7087,7 +8719,7 @@
             <a:noAutofit/>
           </a:bodyPr>
           <a:p>
-            <a:pPr marL="228600" indent="-226800">
+            <a:pPr marL="228600" indent="-226440">
               <a:lnSpc>
                 <a:spcPct val="90000"/>
               </a:lnSpc>
@@ -7115,7 +8747,7 @@
             </a:endParaRPr>
           </a:p>
           <a:p>
-            <a:pPr lvl="1" marL="685800" indent="-226800">
+            <a:pPr lvl="1" marL="685800" indent="-226440">
               <a:lnSpc>
                 <a:spcPct val="90000"/>
               </a:lnSpc>
@@ -7143,7 +8775,7 @@
             </a:endParaRPr>
           </a:p>
           <a:p>
-            <a:pPr lvl="1" marL="685800" indent="-226800">
+            <a:pPr lvl="1" marL="685800" indent="-226440">
               <a:lnSpc>
                 <a:spcPct val="90000"/>
               </a:lnSpc>
@@ -7171,7 +8803,7 @@
             </a:endParaRPr>
           </a:p>
           <a:p>
-            <a:pPr marL="228600" indent="-226800">
+            <a:pPr marL="228600" indent="-226440">
               <a:lnSpc>
                 <a:spcPct val="90000"/>
               </a:lnSpc>
@@ -7199,7 +8831,7 @@
             </a:endParaRPr>
           </a:p>
           <a:p>
-            <a:pPr lvl="1" marL="685800" indent="-226800">
+            <a:pPr lvl="1" marL="685800" indent="-226440">
               <a:lnSpc>
                 <a:spcPct val="90000"/>
               </a:lnSpc>
@@ -7227,7 +8859,7 @@
             </a:endParaRPr>
           </a:p>
           <a:p>
-            <a:pPr lvl="1" marL="685800" indent="-226800">
+            <a:pPr lvl="1" marL="685800" indent="-226440">
               <a:lnSpc>
                 <a:spcPct val="90000"/>
               </a:lnSpc>
@@ -7255,7 +8887,7 @@
             </a:endParaRPr>
           </a:p>
           <a:p>
-            <a:pPr lvl="1" marL="685800" indent="-226800">
+            <a:pPr lvl="1" marL="685800" indent="-226440">
               <a:lnSpc>
                 <a:spcPct val="90000"/>
               </a:lnSpc>
@@ -7283,18 +8915,13 @@
             </a:endParaRPr>
           </a:p>
           <a:p>
-            <a:pPr marL="228600" indent="-226800">
+            <a:pPr>
               <a:lnSpc>
                 <a:spcPct val="90000"/>
               </a:lnSpc>
               <a:spcBef>
                 <a:spcPts val="1001"/>
               </a:spcBef>
-              <a:buClr>
-                <a:srgbClr val="000000"/>
-              </a:buClr>
-              <a:buFont typeface="Arial"/>
-              <a:buChar char="•"/>
             </a:pPr>
             <a:endParaRPr b="0" lang="de-AT" sz="2400" spc="-1" strike="noStrike">
               <a:latin typeface="Arial"/>
@@ -7370,14 +8997,14 @@
       </p:grpSpPr>
       <p:sp>
         <p:nvSpPr>
-          <p:cNvPr id="181" name="CustomShape 1"/>
+          <p:cNvPr id="220" name="CustomShape 1"/>
           <p:cNvSpPr/>
           <p:nvPr/>
         </p:nvSpPr>
         <p:spPr>
           <a:xfrm>
             <a:off x="594000" y="234000"/>
-            <a:ext cx="10366920" cy="1258920"/>
+            <a:ext cx="10366560" cy="1258560"/>
           </a:xfrm>
           <a:prstGeom prst="rect">
             <a:avLst/>
@@ -7421,14 +9048,14 @@
       </p:sp>
       <p:sp>
         <p:nvSpPr>
-          <p:cNvPr id="182" name="CustomShape 2"/>
+          <p:cNvPr id="221" name="CustomShape 2"/>
           <p:cNvSpPr/>
           <p:nvPr/>
         </p:nvSpPr>
         <p:spPr>
           <a:xfrm>
             <a:off x="838080" y="1825560"/>
-            <a:ext cx="10513800" cy="4349520"/>
+            <a:ext cx="10513440" cy="4349160"/>
           </a:xfrm>
           <a:prstGeom prst="rect">
             <a:avLst/>
@@ -7449,7 +9076,7 @@
             <a:noAutofit/>
           </a:bodyPr>
           <a:p>
-            <a:pPr marL="228600" indent="-226800">
+            <a:pPr marL="228600" indent="-226440">
               <a:lnSpc>
                 <a:spcPct val="90000"/>
               </a:lnSpc>
@@ -7477,7 +9104,7 @@
             </a:endParaRPr>
           </a:p>
           <a:p>
-            <a:pPr lvl="1" marL="685800" indent="-226800">
+            <a:pPr lvl="1" marL="685800" indent="-226440">
               <a:lnSpc>
                 <a:spcPct val="90000"/>
               </a:lnSpc>
@@ -7505,7 +9132,7 @@
             </a:endParaRPr>
           </a:p>
           <a:p>
-            <a:pPr lvl="1" marL="685800" indent="-226800">
+            <a:pPr lvl="1" marL="685800" indent="-226440">
               <a:lnSpc>
                 <a:spcPct val="90000"/>
               </a:lnSpc>
@@ -7533,7 +9160,7 @@
             </a:endParaRPr>
           </a:p>
           <a:p>
-            <a:pPr lvl="1" marL="685800" indent="-226800">
+            <a:pPr lvl="1" marL="685800" indent="-226440">
               <a:lnSpc>
                 <a:spcPct val="90000"/>
               </a:lnSpc>
@@ -7600,7 +9227,7 @@
       </p:sp>
       <p:pic>
         <p:nvPicPr>
-          <p:cNvPr id="183" name="Grafik 4" descr=""/>
+          <p:cNvPr id="222" name="Grafik 4" descr=""/>
           <p:cNvPicPr/>
           <p:nvPr/>
         </p:nvPicPr>
@@ -7611,7 +9238,7 @@
         <p:spPr>
           <a:xfrm>
             <a:off x="6142680" y="2232000"/>
-            <a:ext cx="4801320" cy="3168000"/>
+            <a:ext cx="4800960" cy="3167640"/>
           </a:xfrm>
           <a:prstGeom prst="rect">
             <a:avLst/>
@@ -7653,14 +9280,14 @@
       </p:grpSpPr>
       <p:sp>
         <p:nvSpPr>
-          <p:cNvPr id="184" name="CustomShape 1"/>
+          <p:cNvPr id="223" name="CustomShape 1"/>
           <p:cNvSpPr/>
           <p:nvPr/>
         </p:nvSpPr>
         <p:spPr>
           <a:xfrm>
             <a:off x="594000" y="234000"/>
-            <a:ext cx="10514520" cy="1258920"/>
+            <a:ext cx="10514160" cy="1258560"/>
           </a:xfrm>
           <a:prstGeom prst="rect">
             <a:avLst/>
@@ -7704,14 +9331,14 @@
       </p:sp>
       <p:sp>
         <p:nvSpPr>
-          <p:cNvPr id="185" name="CustomShape 2"/>
+          <p:cNvPr id="224" name="CustomShape 2"/>
           <p:cNvSpPr/>
           <p:nvPr/>
         </p:nvSpPr>
         <p:spPr>
           <a:xfrm>
             <a:off x="838080" y="1825560"/>
-            <a:ext cx="10513800" cy="4349520"/>
+            <a:ext cx="10513440" cy="4349160"/>
           </a:xfrm>
           <a:prstGeom prst="rect">
             <a:avLst/>
@@ -7732,7 +9359,7 @@
             <a:normAutofit/>
           </a:bodyPr>
           <a:p>
-            <a:pPr marL="228600" indent="-226800">
+            <a:pPr marL="228600" indent="-226440">
               <a:lnSpc>
                 <a:spcPct val="90000"/>
               </a:lnSpc>
@@ -7760,7 +9387,7 @@
             </a:endParaRPr>
           </a:p>
           <a:p>
-            <a:pPr marL="228600" indent="-226800">
+            <a:pPr marL="228600" indent="-226440">
               <a:lnSpc>
                 <a:spcPct val="90000"/>
               </a:lnSpc>
@@ -7788,7 +9415,7 @@
             </a:endParaRPr>
           </a:p>
           <a:p>
-            <a:pPr lvl="1" marL="685800" indent="-226800">
+            <a:pPr lvl="1" marL="685800" indent="-226440">
               <a:lnSpc>
                 <a:spcPct val="90000"/>
               </a:lnSpc>
@@ -7816,7 +9443,7 @@
             </a:endParaRPr>
           </a:p>
           <a:p>
-            <a:pPr lvl="1" marL="685800" indent="-226800">
+            <a:pPr lvl="1" marL="685800" indent="-226440">
               <a:lnSpc>
                 <a:spcPct val="90000"/>
               </a:lnSpc>
@@ -7844,7 +9471,7 @@
             </a:endParaRPr>
           </a:p>
           <a:p>
-            <a:pPr marL="228600" indent="-226800">
+            <a:pPr marL="228600" indent="-226440">
               <a:lnSpc>
                 <a:spcPct val="90000"/>
               </a:lnSpc>
@@ -7872,7 +9499,7 @@
             </a:endParaRPr>
           </a:p>
           <a:p>
-            <a:pPr lvl="1" marL="685800" indent="-226800">
+            <a:pPr lvl="1" marL="685800" indent="-226440">
               <a:lnSpc>
                 <a:spcPct val="90000"/>
               </a:lnSpc>
@@ -7900,7 +9527,7 @@
             </a:endParaRPr>
           </a:p>
           <a:p>
-            <a:pPr lvl="1" marL="685800" indent="-226800">
+            <a:pPr lvl="1" marL="685800" indent="-226440">
               <a:lnSpc>
                 <a:spcPct val="90000"/>
               </a:lnSpc>
@@ -7928,7 +9555,7 @@
             </a:endParaRPr>
           </a:p>
           <a:p>
-            <a:pPr lvl="1" marL="685800" indent="-226800">
+            <a:pPr lvl="1" marL="685800" indent="-226440">
               <a:lnSpc>
                 <a:spcPct val="90000"/>
               </a:lnSpc>
@@ -7956,7 +9583,7 @@
             </a:endParaRPr>
           </a:p>
           <a:p>
-            <a:pPr lvl="1" marL="685800" indent="-226800">
+            <a:pPr lvl="1" marL="685800" indent="-226440">
               <a:lnSpc>
                 <a:spcPct val="90000"/>
               </a:lnSpc>
@@ -7984,7 +9611,7 @@
             </a:endParaRPr>
           </a:p>
           <a:p>
-            <a:pPr marL="228600" indent="-226800">
+            <a:pPr marL="228600" indent="-226440">
               <a:lnSpc>
                 <a:spcPct val="90000"/>
               </a:lnSpc>
@@ -8065,14 +9692,14 @@
       </p:grpSpPr>
       <p:sp>
         <p:nvSpPr>
-          <p:cNvPr id="186" name="CustomShape 1"/>
+          <p:cNvPr id="225" name="CustomShape 1"/>
           <p:cNvSpPr/>
           <p:nvPr/>
         </p:nvSpPr>
         <p:spPr>
           <a:xfrm>
             <a:off x="594000" y="234000"/>
-            <a:ext cx="10514520" cy="1258920"/>
+            <a:ext cx="10514160" cy="1258560"/>
           </a:xfrm>
           <a:prstGeom prst="rect">
             <a:avLst/>
@@ -8116,14 +9743,14 @@
       </p:sp>
       <p:sp>
         <p:nvSpPr>
-          <p:cNvPr id="187" name="CustomShape 2"/>
+          <p:cNvPr id="226" name="CustomShape 2"/>
           <p:cNvSpPr/>
           <p:nvPr/>
         </p:nvSpPr>
         <p:spPr>
           <a:xfrm>
             <a:off x="838080" y="1825560"/>
-            <a:ext cx="10105920" cy="3646440"/>
+            <a:ext cx="10105560" cy="3646080"/>
           </a:xfrm>
           <a:prstGeom prst="rect">
             <a:avLst/>
@@ -8144,7 +9771,7 @@
             <a:normAutofit/>
           </a:bodyPr>
           <a:p>
-            <a:pPr marL="228600" indent="-226800">
+            <a:pPr marL="228600" indent="-226440">
               <a:lnSpc>
                 <a:spcPct val="90000"/>
               </a:lnSpc>
@@ -8182,7 +9809,7 @@
             </a:endParaRPr>
           </a:p>
           <a:p>
-            <a:pPr lvl="1" marL="685800" indent="-226800">
+            <a:pPr lvl="1" marL="685800" indent="-226440">
               <a:lnSpc>
                 <a:spcPct val="90000"/>
               </a:lnSpc>
@@ -8210,7 +9837,7 @@
             </a:endParaRPr>
           </a:p>
           <a:p>
-            <a:pPr lvl="1" marL="685800" indent="-226800">
+            <a:pPr lvl="1" marL="685800" indent="-226440">
               <a:lnSpc>
                 <a:spcPct val="90000"/>
               </a:lnSpc>
@@ -8238,7 +9865,7 @@
             </a:endParaRPr>
           </a:p>
           <a:p>
-            <a:pPr lvl="1" marL="685800" indent="-226800">
+            <a:pPr lvl="1" marL="685800" indent="-226440">
               <a:lnSpc>
                 <a:spcPct val="90000"/>
               </a:lnSpc>
@@ -8266,7 +9893,7 @@
             </a:endParaRPr>
           </a:p>
           <a:p>
-            <a:pPr lvl="1" marL="685800" indent="-226800">
+            <a:pPr lvl="1" marL="685800" indent="-226440">
               <a:lnSpc>
                 <a:spcPct val="90000"/>
               </a:lnSpc>
@@ -8317,7 +9944,7 @@
       </p:sp>
       <p:pic>
         <p:nvPicPr>
-          <p:cNvPr id="188" name="Grafik 4" descr=""/>
+          <p:cNvPr id="227" name="Grafik 4" descr=""/>
           <p:cNvPicPr/>
           <p:nvPr/>
         </p:nvPicPr>
@@ -8328,7 +9955,7 @@
         <p:spPr>
           <a:xfrm>
             <a:off x="7416720" y="2520000"/>
-            <a:ext cx="3167280" cy="2934000"/>
+            <a:ext cx="3166920" cy="2933640"/>
           </a:xfrm>
           <a:prstGeom prst="rect">
             <a:avLst/>
@@ -8370,14 +9997,14 @@
       </p:grpSpPr>
       <p:sp>
         <p:nvSpPr>
-          <p:cNvPr id="189" name="CustomShape 1"/>
+          <p:cNvPr id="228" name="CustomShape 1"/>
           <p:cNvSpPr/>
           <p:nvPr/>
         </p:nvSpPr>
         <p:spPr>
           <a:xfrm>
             <a:off x="594000" y="234000"/>
-            <a:ext cx="10514520" cy="1258920"/>
+            <a:ext cx="10514160" cy="1258560"/>
           </a:xfrm>
           <a:prstGeom prst="rect">
             <a:avLst/>
@@ -8421,14 +10048,14 @@
       </p:sp>
       <p:sp>
         <p:nvSpPr>
-          <p:cNvPr id="190" name="CustomShape 2"/>
+          <p:cNvPr id="229" name="CustomShape 2"/>
           <p:cNvSpPr/>
           <p:nvPr/>
         </p:nvSpPr>
         <p:spPr>
           <a:xfrm>
             <a:off x="838080" y="1825560"/>
-            <a:ext cx="10513800" cy="4349520"/>
+            <a:ext cx="10513440" cy="4349160"/>
           </a:xfrm>
           <a:prstGeom prst="rect">
             <a:avLst/>
@@ -8449,7 +10076,7 @@
             <a:normAutofit/>
           </a:bodyPr>
           <a:p>
-            <a:pPr marL="228600" indent="-226800">
+            <a:pPr marL="228600" indent="-226440">
               <a:lnSpc>
                 <a:spcPct val="90000"/>
               </a:lnSpc>
@@ -8477,7 +10104,7 @@
             </a:endParaRPr>
           </a:p>
           <a:p>
-            <a:pPr lvl="1" marL="685800" indent="-226800">
+            <a:pPr lvl="1" marL="685800" indent="-226440">
               <a:lnSpc>
                 <a:spcPct val="90000"/>
               </a:lnSpc>
@@ -8505,7 +10132,7 @@
             </a:endParaRPr>
           </a:p>
           <a:p>
-            <a:pPr marL="228600" indent="-226800">
+            <a:pPr marL="228600" indent="-226440">
               <a:lnSpc>
                 <a:spcPct val="90000"/>
               </a:lnSpc>
@@ -8533,7 +10160,7 @@
             </a:endParaRPr>
           </a:p>
           <a:p>
-            <a:pPr lvl="1" marL="685800" indent="-226800">
+            <a:pPr lvl="1" marL="685800" indent="-226440">
               <a:lnSpc>
                 <a:spcPct val="90000"/>
               </a:lnSpc>
@@ -8561,7 +10188,7 @@
             </a:endParaRPr>
           </a:p>
           <a:p>
-            <a:pPr marL="228600" indent="-226800">
+            <a:pPr marL="228600" indent="-226440">
               <a:lnSpc>
                 <a:spcPct val="90000"/>
               </a:lnSpc>
@@ -8589,7 +10216,7 @@
             </a:endParaRPr>
           </a:p>
           <a:p>
-            <a:pPr lvl="1" marL="914400" indent="-455400">
+            <a:pPr lvl="1" marL="914400" indent="-455040">
               <a:lnSpc>
                 <a:spcPct val="90000"/>
               </a:lnSpc>
@@ -8617,7 +10244,7 @@
             </a:endParaRPr>
           </a:p>
           <a:p>
-            <a:pPr lvl="1" marL="914400" indent="-455400">
+            <a:pPr lvl="1" marL="914400" indent="-455040">
               <a:lnSpc>
                 <a:spcPct val="90000"/>
               </a:lnSpc>
@@ -8645,7 +10272,7 @@
             </a:endParaRPr>
           </a:p>
           <a:p>
-            <a:pPr lvl="1" marL="914400" indent="-455400">
+            <a:pPr lvl="1" marL="914400" indent="-455040">
               <a:lnSpc>
                 <a:spcPct val="90000"/>
               </a:lnSpc>
@@ -8673,7 +10300,7 @@
             </a:endParaRPr>
           </a:p>
           <a:p>
-            <a:pPr lvl="1" marL="914400" indent="-455400">
+            <a:pPr lvl="1" marL="914400" indent="-455040">
               <a:lnSpc>
                 <a:spcPct val="90000"/>
               </a:lnSpc>
@@ -8701,7 +10328,7 @@
             </a:endParaRPr>
           </a:p>
           <a:p>
-            <a:pPr marL="228600" indent="-226800">
+            <a:pPr marL="228600" indent="-226440">
               <a:lnSpc>
                 <a:spcPct val="90000"/>
               </a:lnSpc>
@@ -8745,7 +10372,7 @@
       </p:sp>
       <p:pic>
         <p:nvPicPr>
-          <p:cNvPr id="191" name="Grafik 6" descr=""/>
+          <p:cNvPr id="230" name="Grafik 6" descr=""/>
           <p:cNvPicPr/>
           <p:nvPr/>
         </p:nvPicPr>
@@ -8756,7 +10383,7 @@
         <p:spPr>
           <a:xfrm>
             <a:off x="7741800" y="2896200"/>
-            <a:ext cx="3489480" cy="3223080"/>
+            <a:ext cx="3489120" cy="3222720"/>
           </a:xfrm>
           <a:prstGeom prst="rect">
             <a:avLst/>
@@ -8798,14 +10425,14 @@
       </p:grpSpPr>
       <p:sp>
         <p:nvSpPr>
-          <p:cNvPr id="192" name="CustomShape 1"/>
+          <p:cNvPr id="231" name="CustomShape 1"/>
           <p:cNvSpPr/>
           <p:nvPr/>
         </p:nvSpPr>
         <p:spPr>
           <a:xfrm>
             <a:off x="594000" y="234000"/>
-            <a:ext cx="10514520" cy="1258920"/>
+            <a:ext cx="10514160" cy="1258560"/>
           </a:xfrm>
           <a:prstGeom prst="rect">
             <a:avLst/>
@@ -8849,14 +10476,14 @@
       </p:sp>
       <p:sp>
         <p:nvSpPr>
-          <p:cNvPr id="193" name="CustomShape 2"/>
+          <p:cNvPr id="232" name="CustomShape 2"/>
           <p:cNvSpPr/>
           <p:nvPr/>
         </p:nvSpPr>
         <p:spPr>
           <a:xfrm>
             <a:off x="838080" y="1825560"/>
-            <a:ext cx="10513800" cy="4349520"/>
+            <a:ext cx="10513440" cy="4349160"/>
           </a:xfrm>
           <a:prstGeom prst="rect">
             <a:avLst/>
@@ -8877,7 +10504,7 @@
             <a:noAutofit/>
           </a:bodyPr>
           <a:p>
-            <a:pPr marL="228600" indent="-226800">
+            <a:pPr marL="228600" indent="-226440">
               <a:lnSpc>
                 <a:spcPct val="90000"/>
               </a:lnSpc>
@@ -8905,7 +10532,7 @@
             </a:endParaRPr>
           </a:p>
           <a:p>
-            <a:pPr lvl="1" marL="685800" indent="-226800">
+            <a:pPr lvl="1" marL="685800" indent="-226440">
               <a:lnSpc>
                 <a:spcPct val="90000"/>
               </a:lnSpc>
@@ -8933,7 +10560,7 @@
             </a:endParaRPr>
           </a:p>
           <a:p>
-            <a:pPr lvl="1" marL="685800" indent="-226800">
+            <a:pPr lvl="1" marL="685800" indent="-226440">
               <a:lnSpc>
                 <a:spcPct val="90000"/>
               </a:lnSpc>
@@ -8961,7 +10588,7 @@
             </a:endParaRPr>
           </a:p>
           <a:p>
-            <a:pPr marL="228600" indent="-226800">
+            <a:pPr marL="228600" indent="-226440">
               <a:lnSpc>
                 <a:spcPct val="90000"/>
               </a:lnSpc>
@@ -8999,7 +10626,7 @@
             </a:endParaRPr>
           </a:p>
           <a:p>
-            <a:pPr lvl="1" marL="914400" indent="-455400">
+            <a:pPr lvl="1" marL="914400" indent="-455040">
               <a:lnSpc>
                 <a:spcPct val="90000"/>
               </a:lnSpc>
@@ -9027,7 +10654,7 @@
             </a:endParaRPr>
           </a:p>
           <a:p>
-            <a:pPr lvl="1" marL="914400" indent="-455400">
+            <a:pPr lvl="1" marL="914400" indent="-455040">
               <a:lnSpc>
                 <a:spcPct val="90000"/>
               </a:lnSpc>
@@ -9055,7 +10682,7 @@
             </a:endParaRPr>
           </a:p>
           <a:p>
-            <a:pPr lvl="1" marL="914400" indent="-455400">
+            <a:pPr lvl="1" marL="914400" indent="-455040">
               <a:lnSpc>
                 <a:spcPct val="90000"/>
               </a:lnSpc>
@@ -9083,7 +10710,7 @@
             </a:endParaRPr>
           </a:p>
           <a:p>
-            <a:pPr lvl="1" marL="914400" indent="-455400">
+            <a:pPr lvl="1" marL="914400" indent="-455040">
               <a:lnSpc>
                 <a:spcPct val="90000"/>
               </a:lnSpc>
@@ -9111,7 +10738,7 @@
             </a:endParaRPr>
           </a:p>
           <a:p>
-            <a:pPr marL="228600" indent="-226800">
+            <a:pPr marL="228600" indent="-226440">
               <a:lnSpc>
                 <a:spcPct val="90000"/>
               </a:lnSpc>
@@ -9139,7 +10766,7 @@
             </a:endParaRPr>
           </a:p>
           <a:p>
-            <a:pPr lvl="1" marL="685800" indent="-226800">
+            <a:pPr lvl="1" marL="685800" indent="-226440">
               <a:lnSpc>
                 <a:spcPct val="90000"/>
               </a:lnSpc>
@@ -9216,7 +10843,7 @@
       </p:sp>
       <p:pic>
         <p:nvPicPr>
-          <p:cNvPr id="194" name="Grafik 4" descr=""/>
+          <p:cNvPr id="233" name="Grafik 4" descr=""/>
           <p:cNvPicPr/>
           <p:nvPr/>
         </p:nvPicPr>
@@ -9227,7 +10854,7 @@
         <p:spPr>
           <a:xfrm>
             <a:off x="7687080" y="2383200"/>
-            <a:ext cx="3256200" cy="2934360"/>
+            <a:ext cx="3255840" cy="2934000"/>
           </a:xfrm>
           <a:prstGeom prst="rect">
             <a:avLst/>
@@ -9269,14 +10896,14 @@
       </p:grpSpPr>
       <p:sp>
         <p:nvSpPr>
-          <p:cNvPr id="195" name="CustomShape 1"/>
+          <p:cNvPr id="234" name="CustomShape 1"/>
           <p:cNvSpPr/>
           <p:nvPr/>
         </p:nvSpPr>
         <p:spPr>
           <a:xfrm>
             <a:off x="594000" y="234000"/>
-            <a:ext cx="10514520" cy="1258920"/>
+            <a:ext cx="10514160" cy="1258560"/>
           </a:xfrm>
           <a:prstGeom prst="rect">
             <a:avLst/>
@@ -9320,14 +10947,14 @@
       </p:sp>
       <p:sp>
         <p:nvSpPr>
-          <p:cNvPr id="196" name="CustomShape 2"/>
+          <p:cNvPr id="235" name="CustomShape 2"/>
           <p:cNvSpPr/>
           <p:nvPr/>
         </p:nvSpPr>
         <p:spPr>
           <a:xfrm>
             <a:off x="892440" y="1743840"/>
-            <a:ext cx="10513800" cy="4349520"/>
+            <a:ext cx="10513440" cy="4349160"/>
           </a:xfrm>
           <a:prstGeom prst="rect">
             <a:avLst/>
@@ -9348,7 +10975,7 @@
             <a:noAutofit/>
           </a:bodyPr>
           <a:p>
-            <a:pPr marL="228600" indent="-226800">
+            <a:pPr marL="228600" indent="-226440">
               <a:lnSpc>
                 <a:spcPct val="90000"/>
               </a:lnSpc>
@@ -9376,7 +11003,7 @@
             </a:endParaRPr>
           </a:p>
           <a:p>
-            <a:pPr lvl="1" marL="685800" indent="-226800">
+            <a:pPr lvl="1" marL="685800" indent="-226440">
               <a:lnSpc>
                 <a:spcPct val="90000"/>
               </a:lnSpc>
@@ -9404,7 +11031,7 @@
             </a:endParaRPr>
           </a:p>
           <a:p>
-            <a:pPr lvl="1" marL="685800" indent="-226800">
+            <a:pPr lvl="1" marL="685800" indent="-226440">
               <a:lnSpc>
                 <a:spcPct val="90000"/>
               </a:lnSpc>
@@ -9432,7 +11059,7 @@
             </a:endParaRPr>
           </a:p>
           <a:p>
-            <a:pPr marL="228600" indent="-226800">
+            <a:pPr marL="228600" indent="-226440">
               <a:lnSpc>
                 <a:spcPct val="90000"/>
               </a:lnSpc>
@@ -9460,7 +11087,7 @@
             </a:endParaRPr>
           </a:p>
           <a:p>
-            <a:pPr lvl="1" marL="685800" indent="-226800">
+            <a:pPr lvl="1" marL="685800" indent="-226440">
               <a:lnSpc>
                 <a:spcPct val="90000"/>
               </a:lnSpc>
@@ -9488,7 +11115,7 @@
             </a:endParaRPr>
           </a:p>
           <a:p>
-            <a:pPr lvl="1" marL="685800" indent="-226800">
+            <a:pPr lvl="1" marL="685800" indent="-226440">
               <a:lnSpc>
                 <a:spcPct val="90000"/>
               </a:lnSpc>
@@ -9516,7 +11143,7 @@
             </a:endParaRPr>
           </a:p>
           <a:p>
-            <a:pPr marL="228600" indent="-226800">
+            <a:pPr marL="228600" indent="-226440">
               <a:lnSpc>
                 <a:spcPct val="90000"/>
               </a:lnSpc>
@@ -9554,7 +11181,7 @@
             </a:endParaRPr>
           </a:p>
           <a:p>
-            <a:pPr lvl="1" marL="685800" indent="-226800">
+            <a:pPr lvl="1" marL="685800" indent="-226440">
               <a:lnSpc>
                 <a:spcPct val="90000"/>
               </a:lnSpc>
@@ -9595,7 +11222,7 @@
       </p:sp>
       <p:pic>
         <p:nvPicPr>
-          <p:cNvPr id="197" name="Grafik 4" descr=""/>
+          <p:cNvPr id="236" name="Grafik 4" descr=""/>
           <p:cNvPicPr/>
           <p:nvPr/>
         </p:nvPicPr>
@@ -9605,8 +11232,8 @@
         </p:blipFill>
         <p:spPr>
           <a:xfrm>
-            <a:off x="5112720" y="4651920"/>
-            <a:ext cx="2158560" cy="1364760"/>
+            <a:off x="7921800" y="2955600"/>
+            <a:ext cx="2158200" cy="1364400"/>
           </a:xfrm>
           <a:prstGeom prst="rect">
             <a:avLst/>
@@ -9648,14 +11275,14 @@
       </p:grpSpPr>
       <p:sp>
         <p:nvSpPr>
-          <p:cNvPr id="198" name="CustomShape 1"/>
+          <p:cNvPr id="237" name="CustomShape 1"/>
           <p:cNvSpPr/>
           <p:nvPr/>
         </p:nvSpPr>
         <p:spPr>
           <a:xfrm>
             <a:off x="594000" y="234000"/>
-            <a:ext cx="10514520" cy="1258920"/>
+            <a:ext cx="10514160" cy="1258560"/>
           </a:xfrm>
           <a:prstGeom prst="rect">
             <a:avLst/>
@@ -9699,14 +11326,14 @@
       </p:sp>
       <p:sp>
         <p:nvSpPr>
-          <p:cNvPr id="199" name="CustomShape 2"/>
+          <p:cNvPr id="238" name="CustomShape 2"/>
           <p:cNvSpPr/>
           <p:nvPr/>
         </p:nvSpPr>
         <p:spPr>
           <a:xfrm>
             <a:off x="838080" y="1825560"/>
-            <a:ext cx="10513800" cy="4349520"/>
+            <a:ext cx="10513440" cy="4349160"/>
           </a:xfrm>
           <a:prstGeom prst="rect">
             <a:avLst/>
@@ -9727,7 +11354,7 @@
             <a:noAutofit/>
           </a:bodyPr>
           <a:p>
-            <a:pPr marL="228600" indent="-226800">
+            <a:pPr marL="228600" indent="-226440">
               <a:lnSpc>
                 <a:spcPct val="90000"/>
               </a:lnSpc>
@@ -9755,7 +11382,7 @@
             </a:endParaRPr>
           </a:p>
           <a:p>
-            <a:pPr lvl="1" marL="914400" indent="-455400">
+            <a:pPr lvl="1" marL="914400" indent="-455040">
               <a:lnSpc>
                 <a:spcPct val="90000"/>
               </a:lnSpc>
@@ -9783,7 +11410,7 @@
             </a:endParaRPr>
           </a:p>
           <a:p>
-            <a:pPr lvl="1" marL="914400" indent="-455400">
+            <a:pPr lvl="1" marL="914400" indent="-455040">
               <a:lnSpc>
                 <a:spcPct val="90000"/>
               </a:lnSpc>
@@ -9811,7 +11438,7 @@
             </a:endParaRPr>
           </a:p>
           <a:p>
-            <a:pPr lvl="1" marL="914400" indent="-455400">
+            <a:pPr lvl="1" marL="914400" indent="-455040">
               <a:lnSpc>
                 <a:spcPct val="90000"/>
               </a:lnSpc>
@@ -9839,7 +11466,7 @@
             </a:endParaRPr>
           </a:p>
           <a:p>
-            <a:pPr lvl="1" marL="914400" indent="-455400">
+            <a:pPr lvl="1" marL="914400" indent="-455040">
               <a:lnSpc>
                 <a:spcPct val="90000"/>
               </a:lnSpc>
@@ -9867,7 +11494,7 @@
             </a:endParaRPr>
           </a:p>
           <a:p>
-            <a:pPr marL="228600" indent="-226800">
+            <a:pPr marL="228600" indent="-226440">
               <a:lnSpc>
                 <a:spcPct val="90000"/>
               </a:lnSpc>
@@ -9895,7 +11522,7 @@
             </a:endParaRPr>
           </a:p>
           <a:p>
-            <a:pPr lvl="1" marL="685800" indent="-226800">
+            <a:pPr lvl="1" marL="685800" indent="-226440">
               <a:lnSpc>
                 <a:spcPct val="90000"/>
               </a:lnSpc>
@@ -9923,7 +11550,7 @@
             </a:endParaRPr>
           </a:p>
           <a:p>
-            <a:pPr lvl="1" marL="685800" indent="-226800">
+            <a:pPr lvl="1" marL="685800" indent="-226440">
               <a:lnSpc>
                 <a:spcPct val="90000"/>
               </a:lnSpc>
@@ -9951,7 +11578,7 @@
             </a:endParaRPr>
           </a:p>
           <a:p>
-            <a:pPr lvl="1" marL="685800" indent="-226800">
+            <a:pPr lvl="1" marL="685800" indent="-226440">
               <a:lnSpc>
                 <a:spcPct val="90000"/>
               </a:lnSpc>
@@ -9979,7 +11606,7 @@
             </a:endParaRPr>
           </a:p>
           <a:p>
-            <a:pPr marL="228600" indent="-226800">
+            <a:pPr marL="228600" indent="-226440">
               <a:lnSpc>
                 <a:spcPct val="90000"/>
               </a:lnSpc>
@@ -10010,7 +11637,7 @@
       </p:sp>
       <p:pic>
         <p:nvPicPr>
-          <p:cNvPr id="200" name="Grafik 4" descr=""/>
+          <p:cNvPr id="239" name="Grafik 4" descr=""/>
           <p:cNvPicPr/>
           <p:nvPr/>
         </p:nvPicPr>
@@ -10021,7 +11648,7 @@
         <p:spPr>
           <a:xfrm>
             <a:off x="7624800" y="1816920"/>
-            <a:ext cx="3632040" cy="3367080"/>
+            <a:ext cx="3631680" cy="3366720"/>
           </a:xfrm>
           <a:prstGeom prst="rect">
             <a:avLst/>
@@ -10063,14 +11690,14 @@
       </p:grpSpPr>
       <p:sp>
         <p:nvSpPr>
-          <p:cNvPr id="201" name="CustomShape 1"/>
+          <p:cNvPr id="240" name="CustomShape 1"/>
           <p:cNvSpPr/>
           <p:nvPr/>
         </p:nvSpPr>
         <p:spPr>
           <a:xfrm>
             <a:off x="576000" y="1800000"/>
-            <a:ext cx="11014560" cy="4754520"/>
+            <a:ext cx="11014200" cy="4754520"/>
           </a:xfrm>
           <a:prstGeom prst="rect">
             <a:avLst/>
@@ -10091,7 +11718,7 @@
             <a:spAutoFit/>
           </a:bodyPr>
           <a:p>
-            <a:pPr marL="228600" indent="-226800">
+            <a:pPr marL="228600" indent="-226440">
               <a:lnSpc>
                 <a:spcPct val="90000"/>
               </a:lnSpc>
@@ -10119,7 +11746,7 @@
             </a:endParaRPr>
           </a:p>
           <a:p>
-            <a:pPr lvl="1" marL="685800" indent="-226800">
+            <a:pPr lvl="1" marL="685800" indent="-226440">
               <a:lnSpc>
                 <a:spcPct val="90000"/>
               </a:lnSpc>
@@ -10147,7 +11774,7 @@
             </a:endParaRPr>
           </a:p>
           <a:p>
-            <a:pPr lvl="1" marL="685800" indent="-226800">
+            <a:pPr lvl="1" marL="685800" indent="-226440">
               <a:lnSpc>
                 <a:spcPct val="90000"/>
               </a:lnSpc>
@@ -10188,7 +11815,7 @@
             </a:endParaRPr>
           </a:p>
           <a:p>
-            <a:pPr marL="228600" indent="-226800">
+            <a:pPr marL="228600" indent="-226440">
               <a:lnSpc>
                 <a:spcPct val="90000"/>
               </a:lnSpc>
@@ -10216,7 +11843,7 @@
             </a:endParaRPr>
           </a:p>
           <a:p>
-            <a:pPr lvl="1" marL="685800" indent="-226800">
+            <a:pPr lvl="1" marL="685800" indent="-226440">
               <a:lnSpc>
                 <a:spcPct val="90000"/>
               </a:lnSpc>
@@ -10244,7 +11871,7 @@
             </a:endParaRPr>
           </a:p>
           <a:p>
-            <a:pPr lvl="1" marL="685800" indent="-226800">
+            <a:pPr lvl="1" marL="685800" indent="-226440">
               <a:lnSpc>
                 <a:spcPct val="90000"/>
               </a:lnSpc>
@@ -10272,7 +11899,7 @@
             </a:endParaRPr>
           </a:p>
           <a:p>
-            <a:pPr lvl="1" marL="685800" indent="-226800">
+            <a:pPr lvl="1" marL="685800" indent="-226440">
               <a:lnSpc>
                 <a:spcPct val="90000"/>
               </a:lnSpc>
@@ -10300,7 +11927,7 @@
             </a:endParaRPr>
           </a:p>
           <a:p>
-            <a:pPr lvl="1" marL="685800" indent="-226800">
+            <a:pPr lvl="1" marL="685800" indent="-226440">
               <a:lnSpc>
                 <a:spcPct val="90000"/>
               </a:lnSpc>
@@ -10328,7 +11955,7 @@
             </a:endParaRPr>
           </a:p>
           <a:p>
-            <a:pPr lvl="1" marL="685800" indent="-226800">
+            <a:pPr lvl="1" marL="685800" indent="-226440">
               <a:lnSpc>
                 <a:spcPct val="90000"/>
               </a:lnSpc>
@@ -10356,7 +11983,7 @@
             </a:endParaRPr>
           </a:p>
           <a:p>
-            <a:pPr lvl="1" marL="685800" indent="-226800">
+            <a:pPr lvl="1" marL="685800" indent="-226440">
               <a:lnSpc>
                 <a:spcPct val="90000"/>
               </a:lnSpc>
@@ -10400,7 +12027,7 @@
       </p:sp>
       <p:pic>
         <p:nvPicPr>
-          <p:cNvPr id="202" name="Grafik 159" descr=""/>
+          <p:cNvPr id="241" name="Grafik 159" descr=""/>
           <p:cNvPicPr/>
           <p:nvPr/>
         </p:nvPicPr>
@@ -10411,7 +12038,7 @@
         <p:spPr>
           <a:xfrm>
             <a:off x="4279680" y="1478520"/>
-            <a:ext cx="3855600" cy="2162880"/>
+            <a:ext cx="3855240" cy="2162520"/>
           </a:xfrm>
           <a:prstGeom prst="rect">
             <a:avLst/>
@@ -10423,7 +12050,7 @@
       </p:pic>
       <p:pic>
         <p:nvPicPr>
-          <p:cNvPr id="203" name="Grafik 2" descr=""/>
+          <p:cNvPr id="242" name="Grafik 2" descr=""/>
           <p:cNvPicPr/>
           <p:nvPr/>
         </p:nvPicPr>
@@ -10434,7 +12061,7 @@
         <p:spPr>
           <a:xfrm>
             <a:off x="8079120" y="1478520"/>
-            <a:ext cx="3656160" cy="2162880"/>
+            <a:ext cx="3655800" cy="2162520"/>
           </a:xfrm>
           <a:prstGeom prst="rect">
             <a:avLst/>
@@ -10448,14 +12075,14 @@
         <mc:Choice xmlns:a14="http://schemas.microsoft.com/office/drawing/2010/main" Requires="a14">
           <p:sp>
             <p:nvSpPr>
-              <p:cNvPr id="204" name="Formula 2"/>
+              <p:cNvPr id="243" name="Formula 2"/>
               <p:cNvSpPr txBox="1"/>
               <p:nvPr/>
             </p:nvSpPr>
             <p:spPr>
               <a:xfrm>
                 <a:off x="3432960" y="1036440"/>
-                <a:ext cx="718560" cy="358560"/>
+                <a:ext cx="718200" cy="358200"/>
               </a:xfrm>
               <a:prstGeom prst="rect">
                 <a:avLst/>
@@ -10475,14 +12102,14 @@
       </mc:AlternateContent>
       <p:sp>
         <p:nvSpPr>
-          <p:cNvPr id="205" name="CustomShape 3"/>
+          <p:cNvPr id="244" name="CustomShape 3"/>
           <p:cNvSpPr/>
           <p:nvPr/>
         </p:nvSpPr>
         <p:spPr>
           <a:xfrm>
             <a:off x="594000" y="234000"/>
-            <a:ext cx="10514520" cy="1258920"/>
+            <a:ext cx="10514160" cy="1258560"/>
           </a:xfrm>
           <a:prstGeom prst="rect">
             <a:avLst/>
@@ -10556,14 +12183,14 @@
       </p:grpSpPr>
       <p:sp>
         <p:nvSpPr>
-          <p:cNvPr id="206" name="CustomShape 1"/>
+          <p:cNvPr id="245" name="CustomShape 1"/>
           <p:cNvSpPr/>
           <p:nvPr/>
         </p:nvSpPr>
         <p:spPr>
           <a:xfrm>
             <a:off x="1063080" y="1708200"/>
-            <a:ext cx="8317080" cy="4645080"/>
+            <a:ext cx="8316720" cy="4645080"/>
           </a:xfrm>
           <a:prstGeom prst="rect">
             <a:avLst/>
@@ -10584,7 +12211,7 @@
             <a:spAutoFit/>
           </a:bodyPr>
           <a:p>
-            <a:pPr marL="343440" indent="-341640">
+            <a:pPr marL="343440" indent="-341280">
               <a:lnSpc>
                 <a:spcPct val="90000"/>
               </a:lnSpc>
@@ -10612,7 +12239,7 @@
             </a:endParaRPr>
           </a:p>
           <a:p>
-            <a:pPr marL="343440" indent="-341640">
+            <a:pPr marL="343440" indent="-341280">
               <a:lnSpc>
                 <a:spcPct val="90000"/>
               </a:lnSpc>
@@ -10640,7 +12267,7 @@
             </a:endParaRPr>
           </a:p>
           <a:p>
-            <a:pPr marL="343440" indent="-341640">
+            <a:pPr marL="343440" indent="-341280">
               <a:lnSpc>
                 <a:spcPct val="90000"/>
               </a:lnSpc>
@@ -10681,7 +12308,7 @@
             </a:endParaRPr>
           </a:p>
           <a:p>
-            <a:pPr marL="343440" indent="-341640">
+            <a:pPr marL="343440" indent="-341280">
               <a:lnSpc>
                 <a:spcPct val="90000"/>
               </a:lnSpc>
@@ -10709,7 +12336,7 @@
             </a:endParaRPr>
           </a:p>
           <a:p>
-            <a:pPr lvl="1" marL="914760" indent="-455760">
+            <a:pPr lvl="1" marL="914760" indent="-455400">
               <a:lnSpc>
                 <a:spcPct val="90000"/>
               </a:lnSpc>
@@ -10737,7 +12364,7 @@
             </a:endParaRPr>
           </a:p>
           <a:p>
-            <a:pPr lvl="1" marL="914760" indent="-455760">
+            <a:pPr lvl="1" marL="914760" indent="-455400">
               <a:lnSpc>
                 <a:spcPct val="90000"/>
               </a:lnSpc>
@@ -10765,7 +12392,7 @@
             </a:endParaRPr>
           </a:p>
           <a:p>
-            <a:pPr lvl="1" marL="914760" indent="-455760">
+            <a:pPr lvl="1" marL="914760" indent="-455400">
               <a:lnSpc>
                 <a:spcPct val="90000"/>
               </a:lnSpc>
@@ -10793,7 +12420,7 @@
             </a:endParaRPr>
           </a:p>
           <a:p>
-            <a:pPr lvl="1" marL="914760" indent="-455760">
+            <a:pPr lvl="1" marL="914760" indent="-455400">
               <a:lnSpc>
                 <a:spcPct val="90000"/>
               </a:lnSpc>
@@ -10821,7 +12448,7 @@
             </a:endParaRPr>
           </a:p>
           <a:p>
-            <a:pPr marL="343440" indent="-341640">
+            <a:pPr marL="343440" indent="-341280">
               <a:lnSpc>
                 <a:spcPct val="90000"/>
               </a:lnSpc>
@@ -10849,7 +12476,7 @@
             </a:endParaRPr>
           </a:p>
           <a:p>
-            <a:pPr lvl="1" marL="800640" indent="-341640">
+            <a:pPr lvl="1" marL="800640" indent="-341280">
               <a:lnSpc>
                 <a:spcPct val="90000"/>
               </a:lnSpc>
@@ -10893,7 +12520,7 @@
       </p:sp>
       <p:pic>
         <p:nvPicPr>
-          <p:cNvPr id="207" name="Grafik 162" descr=""/>
+          <p:cNvPr id="246" name="Grafik 162" descr=""/>
           <p:cNvPicPr/>
           <p:nvPr/>
         </p:nvPicPr>
@@ -10904,7 +12531,7 @@
         <p:spPr>
           <a:xfrm>
             <a:off x="8800200" y="1806840"/>
-            <a:ext cx="2503800" cy="4097160"/>
+            <a:ext cx="2503440" cy="4096800"/>
           </a:xfrm>
           <a:prstGeom prst="rect">
             <a:avLst/>
@@ -10916,14 +12543,14 @@
       </p:pic>
       <p:sp>
         <p:nvSpPr>
-          <p:cNvPr id="208" name="CustomShape 2"/>
+          <p:cNvPr id="247" name="CustomShape 2"/>
           <p:cNvSpPr/>
           <p:nvPr/>
         </p:nvSpPr>
         <p:spPr>
           <a:xfrm>
             <a:off x="594000" y="234000"/>
-            <a:ext cx="10514520" cy="1258920"/>
+            <a:ext cx="10514160" cy="1258560"/>
           </a:xfrm>
           <a:prstGeom prst="rect">
             <a:avLst/>
@@ -10997,14 +12624,14 @@
       </p:grpSpPr>
       <p:sp>
         <p:nvSpPr>
-          <p:cNvPr id="159" name="CustomShape 1"/>
+          <p:cNvPr id="198" name="CustomShape 1"/>
           <p:cNvSpPr/>
           <p:nvPr/>
         </p:nvSpPr>
         <p:spPr>
           <a:xfrm>
             <a:off x="594000" y="234000"/>
-            <a:ext cx="10514520" cy="1258920"/>
+            <a:ext cx="10514160" cy="1258560"/>
           </a:xfrm>
           <a:prstGeom prst="rect">
             <a:avLst/>
@@ -11048,14 +12675,14 @@
       </p:sp>
       <p:sp>
         <p:nvSpPr>
-          <p:cNvPr id="160" name="CustomShape 2"/>
+          <p:cNvPr id="199" name="CustomShape 2"/>
           <p:cNvSpPr/>
           <p:nvPr/>
         </p:nvSpPr>
         <p:spPr>
           <a:xfrm>
             <a:off x="838080" y="1656000"/>
-            <a:ext cx="10670760" cy="4519080"/>
+            <a:ext cx="10670400" cy="4518720"/>
           </a:xfrm>
           <a:prstGeom prst="rect">
             <a:avLst/>
@@ -11076,7 +12703,7 @@
             <a:noAutofit/>
           </a:bodyPr>
           <a:p>
-            <a:pPr marL="228600" indent="-226800">
+            <a:pPr marL="228600" indent="-226440">
               <a:lnSpc>
                 <a:spcPct val="90000"/>
               </a:lnSpc>
@@ -11104,7 +12731,7 @@
             </a:endParaRPr>
           </a:p>
           <a:p>
-            <a:pPr lvl="2" marL="648000" indent="-215280">
+            <a:pPr lvl="2" marL="648000" indent="-214920">
               <a:lnSpc>
                 <a:spcPct val="100000"/>
               </a:lnSpc>
@@ -11130,7 +12757,7 @@
             </a:endParaRPr>
           </a:p>
           <a:p>
-            <a:pPr lvl="2" marL="648000" indent="-215280">
+            <a:pPr lvl="2" marL="648000" indent="-214920">
               <a:lnSpc>
                 <a:spcPct val="100000"/>
               </a:lnSpc>
@@ -11168,7 +12795,7 @@
             </a:endParaRPr>
           </a:p>
           <a:p>
-            <a:pPr lvl="2" marL="648000" indent="-215280">
+            <a:pPr lvl="2" marL="648000" indent="-214920">
               <a:lnSpc>
                 <a:spcPct val="90000"/>
               </a:lnSpc>
@@ -11209,7 +12836,7 @@
             </a:endParaRPr>
           </a:p>
           <a:p>
-            <a:pPr lvl="2" marL="648000" indent="-215280">
+            <a:pPr lvl="2" marL="648000" indent="-214920">
               <a:lnSpc>
                 <a:spcPct val="90000"/>
               </a:lnSpc>
@@ -11238,7 +12865,7 @@
             </a:endParaRPr>
           </a:p>
           <a:p>
-            <a:pPr lvl="2" marL="648000" indent="-215280">
+            <a:pPr lvl="2" marL="648000" indent="-214920">
               <a:lnSpc>
                 <a:spcPct val="90000"/>
               </a:lnSpc>
@@ -11269,7 +12896,7 @@
             </a:endParaRPr>
           </a:p>
           <a:p>
-            <a:pPr lvl="2" marL="648000" indent="-215280">
+            <a:pPr lvl="2" marL="648000" indent="-214920">
               <a:lnSpc>
                 <a:spcPct val="90000"/>
               </a:lnSpc>
@@ -11298,7 +12925,7 @@
             </a:endParaRPr>
           </a:p>
           <a:p>
-            <a:pPr lvl="2" marL="648000" indent="-215280">
+            <a:pPr lvl="2" marL="648000" indent="-214920">
               <a:lnSpc>
                 <a:spcPct val="90000"/>
               </a:lnSpc>
@@ -11329,18 +12956,13 @@
             </a:endParaRPr>
           </a:p>
           <a:p>
-            <a:pPr marL="228600" indent="-226800">
+            <a:pPr>
               <a:lnSpc>
                 <a:spcPct val="90000"/>
               </a:lnSpc>
               <a:spcBef>
                 <a:spcPts val="1001"/>
               </a:spcBef>
-              <a:buClr>
-                <a:srgbClr val="000000"/>
-              </a:buClr>
-              <a:buFont typeface="Arial"/>
-              <a:buChar char="•"/>
             </a:pPr>
             <a:endParaRPr b="0" lang="de-AT" sz="2400" spc="-1" strike="noStrike">
               <a:latin typeface="Arial"/>
@@ -11380,14 +13002,14 @@
       </p:grpSpPr>
       <p:sp>
         <p:nvSpPr>
-          <p:cNvPr id="209" name="CustomShape 1"/>
+          <p:cNvPr id="248" name="CustomShape 1"/>
           <p:cNvSpPr/>
           <p:nvPr/>
         </p:nvSpPr>
         <p:spPr>
           <a:xfrm>
             <a:off x="901800" y="1872000"/>
-            <a:ext cx="6728760" cy="3868920"/>
+            <a:ext cx="6728400" cy="3868920"/>
           </a:xfrm>
           <a:prstGeom prst="rect">
             <a:avLst/>
@@ -11408,7 +13030,7 @@
             <a:spAutoFit/>
           </a:bodyPr>
           <a:p>
-            <a:pPr marL="216000" indent="-214560">
+            <a:pPr marL="216000" indent="-214200">
               <a:lnSpc>
                 <a:spcPct val="100000"/>
               </a:lnSpc>
@@ -11434,7 +13056,7 @@
             </a:endParaRPr>
           </a:p>
           <a:p>
-            <a:pPr lvl="1" marL="432000" indent="-214560">
+            <a:pPr lvl="1" marL="432000" indent="-214200">
               <a:lnSpc>
                 <a:spcPct val="100000"/>
               </a:lnSpc>
@@ -11460,7 +13082,7 @@
             </a:endParaRPr>
           </a:p>
           <a:p>
-            <a:pPr lvl="1" marL="432000" indent="-214560">
+            <a:pPr lvl="1" marL="432000" indent="-214200">
               <a:lnSpc>
                 <a:spcPct val="100000"/>
               </a:lnSpc>
@@ -11506,7 +13128,7 @@
             </a:endParaRPr>
           </a:p>
           <a:p>
-            <a:pPr marL="216000" indent="-214560">
+            <a:pPr marL="216000" indent="-214200">
               <a:lnSpc>
                 <a:spcPct val="100000"/>
               </a:lnSpc>
@@ -11532,7 +13154,7 @@
             </a:endParaRPr>
           </a:p>
           <a:p>
-            <a:pPr lvl="1" marL="432000" indent="-214560">
+            <a:pPr lvl="1" marL="432000" indent="-214200">
               <a:lnSpc>
                 <a:spcPct val="100000"/>
               </a:lnSpc>
@@ -11558,7 +13180,7 @@
             </a:endParaRPr>
           </a:p>
           <a:p>
-            <a:pPr lvl="1" marL="432000" indent="-214560">
+            <a:pPr lvl="1" marL="432000" indent="-214200">
               <a:lnSpc>
                 <a:spcPct val="100000"/>
               </a:lnSpc>
@@ -11584,7 +13206,7 @@
             </a:endParaRPr>
           </a:p>
           <a:p>
-            <a:pPr lvl="1" marL="432000" indent="-214560">
+            <a:pPr lvl="1" marL="432000" indent="-214200">
               <a:lnSpc>
                 <a:spcPct val="100000"/>
               </a:lnSpc>
@@ -11610,7 +13232,7 @@
             </a:endParaRPr>
           </a:p>
           <a:p>
-            <a:pPr lvl="1" marL="432000" indent="-214560">
+            <a:pPr lvl="1" marL="432000" indent="-214200">
               <a:lnSpc>
                 <a:spcPct val="100000"/>
               </a:lnSpc>
@@ -11639,7 +13261,7 @@
       </p:sp>
       <p:pic>
         <p:nvPicPr>
-          <p:cNvPr id="210" name="Grafik 165" descr=""/>
+          <p:cNvPr id="249" name="Grafik 165" descr=""/>
           <p:cNvPicPr/>
           <p:nvPr/>
         </p:nvPicPr>
@@ -11650,7 +13272,7 @@
         <p:spPr>
           <a:xfrm>
             <a:off x="7029720" y="2203200"/>
-            <a:ext cx="4281120" cy="2836800"/>
+            <a:ext cx="4280760" cy="2836440"/>
           </a:xfrm>
           <a:prstGeom prst="rect">
             <a:avLst/>
@@ -11662,14 +13284,14 @@
       </p:pic>
       <p:sp>
         <p:nvSpPr>
-          <p:cNvPr id="211" name="CustomShape 2"/>
+          <p:cNvPr id="250" name="CustomShape 2"/>
           <p:cNvSpPr/>
           <p:nvPr/>
         </p:nvSpPr>
         <p:spPr>
           <a:xfrm>
             <a:off x="594000" y="234000"/>
-            <a:ext cx="10514520" cy="1258920"/>
+            <a:ext cx="10514160" cy="1258560"/>
           </a:xfrm>
           <a:prstGeom prst="rect">
             <a:avLst/>
@@ -11743,14 +13365,14 @@
       </p:grpSpPr>
       <p:sp>
         <p:nvSpPr>
-          <p:cNvPr id="212" name="CustomShape 1"/>
+          <p:cNvPr id="251" name="CustomShape 1"/>
           <p:cNvSpPr/>
           <p:nvPr/>
         </p:nvSpPr>
         <p:spPr>
           <a:xfrm>
             <a:off x="1000800" y="1475280"/>
-            <a:ext cx="10513800" cy="4502160"/>
+            <a:ext cx="10513440" cy="4501800"/>
           </a:xfrm>
           <a:prstGeom prst="rect">
             <a:avLst/>
@@ -11771,7 +13393,7 @@
             <a:noAutofit/>
           </a:bodyPr>
           <a:p>
-            <a:pPr marL="228600" indent="-227160">
+            <a:pPr marL="228600" indent="-226800">
               <a:lnSpc>
                 <a:spcPct val="90000"/>
               </a:lnSpc>
@@ -11799,7 +13421,7 @@
             </a:endParaRPr>
           </a:p>
           <a:p>
-            <a:pPr lvl="4" marL="743040" indent="-284400">
+            <a:pPr lvl="4" marL="743040" indent="-284040">
               <a:lnSpc>
                 <a:spcPct val="90000"/>
               </a:lnSpc>
@@ -11827,7 +13449,7 @@
             </a:endParaRPr>
           </a:p>
           <a:p>
-            <a:pPr lvl="3" marL="743040" indent="-284400">
+            <a:pPr lvl="3" marL="743040" indent="-284040">
               <a:lnSpc>
                 <a:spcPct val="90000"/>
               </a:lnSpc>
@@ -11855,7 +13477,7 @@
             </a:endParaRPr>
           </a:p>
           <a:p>
-            <a:pPr marL="228600" indent="-227160">
+            <a:pPr marL="228600" indent="-226800">
               <a:lnSpc>
                 <a:spcPct val="90000"/>
               </a:lnSpc>
@@ -11883,7 +13505,7 @@
             </a:endParaRPr>
           </a:p>
           <a:p>
-            <a:pPr lvl="2" marL="743040" indent="-284400">
+            <a:pPr lvl="2" marL="743040" indent="-284040">
               <a:lnSpc>
                 <a:spcPct val="90000"/>
               </a:lnSpc>
@@ -11911,7 +13533,7 @@
             </a:endParaRPr>
           </a:p>
           <a:p>
-            <a:pPr lvl="2" marL="743040" indent="-284400">
+            <a:pPr lvl="2" marL="743040" indent="-284040">
               <a:lnSpc>
                 <a:spcPct val="90000"/>
               </a:lnSpc>
@@ -11939,7 +13561,7 @@
             </a:endParaRPr>
           </a:p>
           <a:p>
-            <a:pPr lvl="2" marL="743040" indent="-284400">
+            <a:pPr lvl="2" marL="743040" indent="-284040">
               <a:lnSpc>
                 <a:spcPct val="90000"/>
               </a:lnSpc>
@@ -11967,7 +13589,7 @@
             </a:endParaRPr>
           </a:p>
           <a:p>
-            <a:pPr marL="228600" indent="-227160">
+            <a:pPr marL="228600" indent="-226800">
               <a:lnSpc>
                 <a:spcPct val="90000"/>
               </a:lnSpc>
@@ -12005,7 +13627,7 @@
             </a:endParaRPr>
           </a:p>
           <a:p>
-            <a:pPr lvl="2" marL="743040" indent="-284400">
+            <a:pPr lvl="2" marL="743040" indent="-284040">
               <a:lnSpc>
                 <a:spcPct val="90000"/>
               </a:lnSpc>
@@ -12036,7 +13658,7 @@
       </p:sp>
       <p:pic>
         <p:nvPicPr>
-          <p:cNvPr id="213" name="Grafik 4" descr=""/>
+          <p:cNvPr id="252" name="Grafik 4" descr=""/>
           <p:cNvPicPr/>
           <p:nvPr/>
         </p:nvPicPr>
@@ -12047,7 +13669,7 @@
         <p:spPr>
           <a:xfrm>
             <a:off x="8424000" y="2088000"/>
-            <a:ext cx="3015000" cy="2975040"/>
+            <a:ext cx="3014640" cy="2974680"/>
           </a:xfrm>
           <a:prstGeom prst="rect">
             <a:avLst/>
@@ -12059,14 +13681,14 @@
       </p:pic>
       <p:sp>
         <p:nvSpPr>
-          <p:cNvPr id="214" name="CustomShape 2"/>
+          <p:cNvPr id="253" name="CustomShape 2"/>
           <p:cNvSpPr/>
           <p:nvPr/>
         </p:nvSpPr>
         <p:spPr>
           <a:xfrm>
             <a:off x="594000" y="234000"/>
-            <a:ext cx="10514520" cy="1258920"/>
+            <a:ext cx="10514160" cy="1258560"/>
           </a:xfrm>
           <a:prstGeom prst="rect">
             <a:avLst/>
@@ -12140,14 +13762,14 @@
       </p:grpSpPr>
       <p:sp>
         <p:nvSpPr>
-          <p:cNvPr id="215" name="CustomShape 1"/>
+          <p:cNvPr id="254" name="CustomShape 1"/>
           <p:cNvSpPr/>
           <p:nvPr/>
         </p:nvSpPr>
         <p:spPr>
           <a:xfrm>
             <a:off x="594000" y="234000"/>
-            <a:ext cx="10514520" cy="1258920"/>
+            <a:ext cx="10514160" cy="1258560"/>
           </a:xfrm>
           <a:prstGeom prst="rect">
             <a:avLst/>
@@ -12191,7 +13813,7 @@
       </p:sp>
       <p:pic>
         <p:nvPicPr>
-          <p:cNvPr id="216" name="Grafik 4" descr=""/>
+          <p:cNvPr id="255" name="Grafik 4" descr=""/>
           <p:cNvPicPr/>
           <p:nvPr/>
         </p:nvPicPr>
@@ -12202,7 +13824,7 @@
         <p:spPr>
           <a:xfrm>
             <a:off x="8324280" y="1773720"/>
-            <a:ext cx="3097080" cy="3194280"/>
+            <a:ext cx="3096720" cy="3193920"/>
           </a:xfrm>
           <a:prstGeom prst="rect">
             <a:avLst/>
@@ -12214,14 +13836,14 @@
       </p:pic>
       <p:sp>
         <p:nvSpPr>
-          <p:cNvPr id="217" name="CustomShape 2"/>
+          <p:cNvPr id="256" name="CustomShape 2"/>
           <p:cNvSpPr/>
           <p:nvPr/>
         </p:nvSpPr>
         <p:spPr>
           <a:xfrm>
             <a:off x="955800" y="952200"/>
-            <a:ext cx="10513800" cy="5560200"/>
+            <a:ext cx="10513440" cy="5559840"/>
           </a:xfrm>
           <a:prstGeom prst="rect">
             <a:avLst/>
@@ -12242,7 +13864,7 @@
             <a:noAutofit/>
           </a:bodyPr>
           <a:p>
-            <a:pPr marL="228600" indent="-227160">
+            <a:pPr marL="228600" indent="-226800">
               <a:lnSpc>
                 <a:spcPct val="90000"/>
               </a:lnSpc>
@@ -12270,7 +13892,7 @@
             </a:endParaRPr>
           </a:p>
           <a:p>
-            <a:pPr lvl="1" marL="432000" indent="-215280">
+            <a:pPr lvl="1" marL="432000" indent="-214920">
               <a:lnSpc>
                 <a:spcPct val="90000"/>
               </a:lnSpc>
@@ -12299,7 +13921,7 @@
             </a:endParaRPr>
           </a:p>
           <a:p>
-            <a:pPr lvl="1" marL="432000" indent="-215280">
+            <a:pPr lvl="1" marL="432000" indent="-214920">
               <a:lnSpc>
                 <a:spcPct val="90000"/>
               </a:lnSpc>
@@ -12328,7 +13950,7 @@
             </a:endParaRPr>
           </a:p>
           <a:p>
-            <a:pPr marL="228600" indent="-227160">
+            <a:pPr marL="228600" indent="-226800">
               <a:lnSpc>
                 <a:spcPct val="90000"/>
               </a:lnSpc>
@@ -12356,7 +13978,7 @@
             </a:endParaRPr>
           </a:p>
           <a:p>
-            <a:pPr lvl="1" marL="432000" indent="-215280">
+            <a:pPr lvl="1" marL="432000" indent="-214920">
               <a:lnSpc>
                 <a:spcPct val="90000"/>
               </a:lnSpc>
@@ -12385,7 +14007,7 @@
             </a:endParaRPr>
           </a:p>
           <a:p>
-            <a:pPr lvl="1" marL="432000" indent="-215280">
+            <a:pPr lvl="1" marL="432000" indent="-214920">
               <a:lnSpc>
                 <a:spcPct val="90000"/>
               </a:lnSpc>
@@ -12414,7 +14036,7 @@
             </a:endParaRPr>
           </a:p>
           <a:p>
-            <a:pPr lvl="1" marL="432000" indent="-215280">
+            <a:pPr lvl="1" marL="432000" indent="-214920">
               <a:lnSpc>
                 <a:spcPct val="90000"/>
               </a:lnSpc>
@@ -12443,7 +14065,7 @@
             </a:endParaRPr>
           </a:p>
           <a:p>
-            <a:pPr marL="228600" indent="-227160">
+            <a:pPr marL="228600" indent="-226800">
               <a:lnSpc>
                 <a:spcPct val="90000"/>
               </a:lnSpc>
@@ -12471,7 +14093,7 @@
             </a:endParaRPr>
           </a:p>
           <a:p>
-            <a:pPr lvl="1" marL="432000" indent="-215280">
+            <a:pPr lvl="1" marL="432000" indent="-214920">
               <a:lnSpc>
                 <a:spcPct val="90000"/>
               </a:lnSpc>
@@ -12500,7 +14122,7 @@
             </a:endParaRPr>
           </a:p>
           <a:p>
-            <a:pPr lvl="1" marL="432000" indent="-215280">
+            <a:pPr lvl="1" marL="432000" indent="-214920">
               <a:lnSpc>
                 <a:spcPct val="90000"/>
               </a:lnSpc>
@@ -12562,14 +14184,14 @@
       </p:grpSpPr>
       <p:sp>
         <p:nvSpPr>
-          <p:cNvPr id="218" name="CustomShape 1"/>
+          <p:cNvPr id="257" name="CustomShape 1"/>
           <p:cNvSpPr/>
           <p:nvPr/>
         </p:nvSpPr>
         <p:spPr>
           <a:xfrm>
             <a:off x="594000" y="234000"/>
-            <a:ext cx="10514520" cy="1258920"/>
+            <a:ext cx="10514160" cy="1258560"/>
           </a:xfrm>
           <a:prstGeom prst="rect">
             <a:avLst/>
@@ -12613,14 +14235,14 @@
       </p:sp>
       <p:sp>
         <p:nvSpPr>
-          <p:cNvPr id="219" name="CustomShape 2"/>
+          <p:cNvPr id="258" name="CustomShape 2"/>
           <p:cNvSpPr/>
           <p:nvPr/>
         </p:nvSpPr>
         <p:spPr>
           <a:xfrm>
             <a:off x="838080" y="1825560"/>
-            <a:ext cx="10514160" cy="4349880"/>
+            <a:ext cx="10513800" cy="4349520"/>
           </a:xfrm>
           <a:prstGeom prst="rect">
             <a:avLst/>
@@ -12641,7 +14263,7 @@
             <a:noAutofit/>
           </a:bodyPr>
           <a:p>
-            <a:pPr marL="228600" indent="-227160">
+            <a:pPr marL="228600" indent="-226800">
               <a:lnSpc>
                 <a:spcPct val="90000"/>
               </a:lnSpc>
@@ -12669,7 +14291,7 @@
             </a:endParaRPr>
           </a:p>
           <a:p>
-            <a:pPr lvl="1" marL="685800" indent="-227160">
+            <a:pPr lvl="1" marL="685800" indent="-226800">
               <a:lnSpc>
                 <a:spcPct val="90000"/>
               </a:lnSpc>
@@ -12697,7 +14319,7 @@
             </a:endParaRPr>
           </a:p>
           <a:p>
-            <a:pPr marL="228600" indent="-227160">
+            <a:pPr marL="228600" indent="-226800">
               <a:lnSpc>
                 <a:spcPct val="90000"/>
               </a:lnSpc>
@@ -12725,7 +14347,7 @@
             </a:endParaRPr>
           </a:p>
           <a:p>
-            <a:pPr lvl="1" marL="685800" indent="-227160">
+            <a:pPr lvl="1" marL="685800" indent="-226800">
               <a:lnSpc>
                 <a:spcPct val="90000"/>
               </a:lnSpc>
@@ -12753,7 +14375,7 @@
             </a:endParaRPr>
           </a:p>
           <a:p>
-            <a:pPr lvl="1" marL="685800" indent="-227160">
+            <a:pPr lvl="1" marL="685800" indent="-226800">
               <a:lnSpc>
                 <a:spcPct val="90000"/>
               </a:lnSpc>
@@ -12781,7 +14403,7 @@
             </a:endParaRPr>
           </a:p>
           <a:p>
-            <a:pPr marL="228600" indent="-227160">
+            <a:pPr marL="228600" indent="-226800">
               <a:lnSpc>
                 <a:spcPct val="90000"/>
               </a:lnSpc>
@@ -12819,7 +14441,7 @@
             </a:endParaRPr>
           </a:p>
           <a:p>
-            <a:pPr lvl="1" marL="685800" indent="-227160">
+            <a:pPr lvl="1" marL="685800" indent="-226800">
               <a:lnSpc>
                 <a:spcPct val="90000"/>
               </a:lnSpc>
@@ -12847,7 +14469,7 @@
             </a:endParaRPr>
           </a:p>
           <a:p>
-            <a:pPr lvl="1" marL="685800" indent="-227160">
+            <a:pPr lvl="1" marL="685800" indent="-226800">
               <a:lnSpc>
                 <a:spcPct val="90000"/>
               </a:lnSpc>
@@ -12878,7 +14500,7 @@
       </p:sp>
       <p:pic>
         <p:nvPicPr>
-          <p:cNvPr id="220" name="Grafik 4" descr=""/>
+          <p:cNvPr id="259" name="Grafik 4" descr=""/>
           <p:cNvPicPr/>
           <p:nvPr/>
         </p:nvPicPr>
@@ -12889,7 +14511,7 @@
         <p:spPr>
           <a:xfrm>
             <a:off x="8134560" y="1886760"/>
-            <a:ext cx="3089520" cy="3011760"/>
+            <a:ext cx="3089160" cy="3011400"/>
           </a:xfrm>
           <a:prstGeom prst="rect">
             <a:avLst/>
@@ -12931,14 +14553,14 @@
       </p:grpSpPr>
       <p:sp>
         <p:nvSpPr>
-          <p:cNvPr id="221" name="CustomShape 1"/>
+          <p:cNvPr id="260" name="CustomShape 1"/>
           <p:cNvSpPr/>
           <p:nvPr/>
         </p:nvSpPr>
         <p:spPr>
           <a:xfrm>
             <a:off x="594000" y="234000"/>
-            <a:ext cx="10514520" cy="1258920"/>
+            <a:ext cx="10514160" cy="1258560"/>
           </a:xfrm>
           <a:prstGeom prst="rect">
             <a:avLst/>
@@ -12982,14 +14604,14 @@
       </p:sp>
       <p:sp>
         <p:nvSpPr>
-          <p:cNvPr id="222" name="CustomShape 2"/>
+          <p:cNvPr id="261" name="CustomShape 2"/>
           <p:cNvSpPr/>
           <p:nvPr/>
         </p:nvSpPr>
         <p:spPr>
           <a:xfrm>
             <a:off x="838080" y="1825560"/>
-            <a:ext cx="10514160" cy="4349880"/>
+            <a:ext cx="10513800" cy="4349520"/>
           </a:xfrm>
           <a:prstGeom prst="rect">
             <a:avLst/>
@@ -13010,7 +14632,7 @@
             <a:noAutofit/>
           </a:bodyPr>
           <a:p>
-            <a:pPr marL="228600" indent="-227160">
+            <a:pPr marL="228600" indent="-226800">
               <a:lnSpc>
                 <a:spcPct val="90000"/>
               </a:lnSpc>
@@ -13038,7 +14660,7 @@
             </a:endParaRPr>
           </a:p>
           <a:p>
-            <a:pPr lvl="1" marL="914400" indent="-455760">
+            <a:pPr lvl="1" marL="914400" indent="-455400">
               <a:lnSpc>
                 <a:spcPct val="90000"/>
               </a:lnSpc>
@@ -13066,7 +14688,7 @@
             </a:endParaRPr>
           </a:p>
           <a:p>
-            <a:pPr lvl="1" marL="914400" indent="-455760">
+            <a:pPr lvl="1" marL="914400" indent="-455400">
               <a:lnSpc>
                 <a:spcPct val="90000"/>
               </a:lnSpc>
@@ -13094,7 +14716,7 @@
             </a:endParaRPr>
           </a:p>
           <a:p>
-            <a:pPr lvl="1" marL="914400" indent="-455760">
+            <a:pPr lvl="1" marL="914400" indent="-455400">
               <a:lnSpc>
                 <a:spcPct val="90000"/>
               </a:lnSpc>
@@ -13122,7 +14744,7 @@
             </a:endParaRPr>
           </a:p>
           <a:p>
-            <a:pPr lvl="1" marL="914400" indent="-455760">
+            <a:pPr lvl="1" marL="914400" indent="-455400">
               <a:lnSpc>
                 <a:spcPct val="90000"/>
               </a:lnSpc>
@@ -13150,7 +14772,7 @@
             </a:endParaRPr>
           </a:p>
           <a:p>
-            <a:pPr marL="228600" indent="-227160">
+            <a:pPr marL="228600" indent="-226800">
               <a:lnSpc>
                 <a:spcPct val="90000"/>
               </a:lnSpc>
@@ -13188,7 +14810,7 @@
             </a:endParaRPr>
           </a:p>
           <a:p>
-            <a:pPr lvl="1" marL="685800" indent="-227160">
+            <a:pPr lvl="1" marL="685800" indent="-226800">
               <a:lnSpc>
                 <a:spcPct val="90000"/>
               </a:lnSpc>
@@ -13216,7 +14838,7 @@
             </a:endParaRPr>
           </a:p>
           <a:p>
-            <a:pPr lvl="1" marL="685800" indent="-227160">
+            <a:pPr lvl="1" marL="685800" indent="-226800">
               <a:lnSpc>
                 <a:spcPct val="90000"/>
               </a:lnSpc>
@@ -13244,7 +14866,7 @@
             </a:endParaRPr>
           </a:p>
           <a:p>
-            <a:pPr lvl="1" marL="685800" indent="-227160">
+            <a:pPr lvl="1" marL="685800" indent="-226800">
               <a:lnSpc>
                 <a:spcPct val="90000"/>
               </a:lnSpc>
@@ -13272,7 +14894,7 @@
             </a:endParaRPr>
           </a:p>
           <a:p>
-            <a:pPr lvl="1" marL="685800" indent="-227160">
+            <a:pPr lvl="1" marL="685800" indent="-226800">
               <a:lnSpc>
                 <a:spcPct val="90000"/>
               </a:lnSpc>
@@ -13323,7 +14945,7 @@
       </p:sp>
       <p:pic>
         <p:nvPicPr>
-          <p:cNvPr id="223" name="Grafik 4" descr=""/>
+          <p:cNvPr id="262" name="Grafik 4" descr=""/>
           <p:cNvPicPr/>
           <p:nvPr/>
         </p:nvPicPr>
@@ -13334,7 +14956,7 @@
         <p:spPr>
           <a:xfrm>
             <a:off x="8323560" y="1944000"/>
-            <a:ext cx="3097800" cy="2991240"/>
+            <a:ext cx="3097440" cy="2990880"/>
           </a:xfrm>
           <a:prstGeom prst="rect">
             <a:avLst/>
@@ -13376,14 +14998,14 @@
       </p:grpSpPr>
       <p:sp>
         <p:nvSpPr>
-          <p:cNvPr id="224" name="CustomShape 1"/>
+          <p:cNvPr id="263" name="CustomShape 1"/>
           <p:cNvSpPr/>
           <p:nvPr/>
         </p:nvSpPr>
         <p:spPr>
           <a:xfrm>
             <a:off x="594000" y="234000"/>
-            <a:ext cx="10514520" cy="1258920"/>
+            <a:ext cx="10514160" cy="1258560"/>
           </a:xfrm>
           <a:prstGeom prst="rect">
             <a:avLst/>
@@ -13427,14 +15049,14 @@
       </p:sp>
       <p:sp>
         <p:nvSpPr>
-          <p:cNvPr id="225" name="CustomShape 2"/>
+          <p:cNvPr id="264" name="CustomShape 2"/>
           <p:cNvSpPr/>
           <p:nvPr/>
         </p:nvSpPr>
         <p:spPr>
           <a:xfrm>
             <a:off x="743760" y="1487520"/>
-            <a:ext cx="10023120" cy="4879800"/>
+            <a:ext cx="10022760" cy="4879440"/>
           </a:xfrm>
           <a:prstGeom prst="rect">
             <a:avLst/>
@@ -13455,7 +15077,7 @@
             <a:normAutofit/>
           </a:bodyPr>
           <a:p>
-            <a:pPr marL="457200" indent="-455760">
+            <a:pPr marL="457200" indent="-455400">
               <a:lnSpc>
                 <a:spcPct val="90000"/>
               </a:lnSpc>
@@ -13483,7 +15105,7 @@
             </a:endParaRPr>
           </a:p>
           <a:p>
-            <a:pPr lvl="2" marL="1143000" indent="-227160">
+            <a:pPr lvl="2" marL="1143000" indent="-226800">
               <a:lnSpc>
                 <a:spcPct val="90000"/>
               </a:lnSpc>
@@ -13511,7 +15133,7 @@
             </a:endParaRPr>
           </a:p>
           <a:p>
-            <a:pPr lvl="1" marL="685800" indent="-227160">
+            <a:pPr lvl="1" marL="685800" indent="-226800">
               <a:lnSpc>
                 <a:spcPct val="90000"/>
               </a:lnSpc>
@@ -13539,7 +15161,7 @@
             </a:endParaRPr>
           </a:p>
           <a:p>
-            <a:pPr lvl="1" marL="685800" indent="-227160">
+            <a:pPr lvl="1" marL="685800" indent="-226800">
               <a:lnSpc>
                 <a:spcPct val="90000"/>
               </a:lnSpc>
@@ -13567,7 +15189,7 @@
             </a:endParaRPr>
           </a:p>
           <a:p>
-            <a:pPr lvl="1" marL="685800" indent="-227160">
+            <a:pPr lvl="1" marL="685800" indent="-226800">
               <a:lnSpc>
                 <a:spcPct val="90000"/>
               </a:lnSpc>
@@ -13595,7 +15217,7 @@
             </a:endParaRPr>
           </a:p>
           <a:p>
-            <a:pPr lvl="1" marL="685800" indent="-227160">
+            <a:pPr lvl="1" marL="685800" indent="-226800">
               <a:lnSpc>
                 <a:spcPct val="90000"/>
               </a:lnSpc>
@@ -13633,7 +15255,7 @@
             </a:endParaRPr>
           </a:p>
           <a:p>
-            <a:pPr marL="228600" indent="-227160">
+            <a:pPr marL="228600" indent="-226800">
               <a:lnSpc>
                 <a:spcPct val="90000"/>
               </a:lnSpc>
@@ -13661,7 +15283,7 @@
             </a:endParaRPr>
           </a:p>
           <a:p>
-            <a:pPr lvl="1" marL="685800" indent="-227160">
+            <a:pPr lvl="1" marL="685800" indent="-226800">
               <a:lnSpc>
                 <a:spcPct val="90000"/>
               </a:lnSpc>
@@ -13689,7 +15311,7 @@
             </a:endParaRPr>
           </a:p>
           <a:p>
-            <a:pPr lvl="1" marL="685800" indent="-227160">
+            <a:pPr lvl="1" marL="685800" indent="-226800">
               <a:lnSpc>
                 <a:spcPct val="90000"/>
               </a:lnSpc>
@@ -13717,7 +15339,7 @@
             </a:endParaRPr>
           </a:p>
           <a:p>
-            <a:pPr marL="228600" indent="-227160">
+            <a:pPr marL="228600" indent="-226800">
               <a:lnSpc>
                 <a:spcPct val="90000"/>
               </a:lnSpc>
@@ -13745,7 +15367,7 @@
             </a:endParaRPr>
           </a:p>
           <a:p>
-            <a:pPr marL="228600" indent="-227160">
+            <a:pPr marL="228600" indent="-226800">
               <a:lnSpc>
                 <a:spcPct val="90000"/>
               </a:lnSpc>
@@ -13776,7 +15398,7 @@
       </p:sp>
       <p:pic>
         <p:nvPicPr>
-          <p:cNvPr id="226" name="Grafik 4" descr=""/>
+          <p:cNvPr id="265" name="Grafik 4" descr=""/>
           <p:cNvPicPr/>
           <p:nvPr/>
         </p:nvPicPr>
@@ -13787,7 +15409,7 @@
         <p:spPr>
           <a:xfrm>
             <a:off x="7210440" y="1948680"/>
-            <a:ext cx="4453560" cy="2587320"/>
+            <a:ext cx="4453200" cy="2586960"/>
           </a:xfrm>
           <a:prstGeom prst="rect">
             <a:avLst/>
@@ -13829,14 +15451,14 @@
       </p:grpSpPr>
       <p:sp>
         <p:nvSpPr>
-          <p:cNvPr id="227" name="CustomShape 1"/>
+          <p:cNvPr id="266" name="CustomShape 1"/>
           <p:cNvSpPr/>
           <p:nvPr/>
         </p:nvSpPr>
         <p:spPr>
           <a:xfrm>
             <a:off x="594000" y="234000"/>
-            <a:ext cx="10514520" cy="1258920"/>
+            <a:ext cx="10514160" cy="1258560"/>
           </a:xfrm>
           <a:prstGeom prst="rect">
             <a:avLst/>
@@ -13880,14 +15502,14 @@
       </p:sp>
       <p:sp>
         <p:nvSpPr>
-          <p:cNvPr id="228" name="CustomShape 2"/>
+          <p:cNvPr id="267" name="CustomShape 2"/>
           <p:cNvSpPr/>
           <p:nvPr/>
         </p:nvSpPr>
         <p:spPr>
           <a:xfrm>
             <a:off x="792000" y="1584000"/>
-            <a:ext cx="8054640" cy="3716280"/>
+            <a:ext cx="8054280" cy="3715920"/>
           </a:xfrm>
           <a:prstGeom prst="rect">
             <a:avLst/>
@@ -13908,7 +15530,7 @@
             <a:normAutofit/>
           </a:bodyPr>
           <a:p>
-            <a:pPr marL="228600" indent="-227160">
+            <a:pPr marL="228600" indent="-226800">
               <a:lnSpc>
                 <a:spcPct val="90000"/>
               </a:lnSpc>
@@ -13936,7 +15558,7 @@
             </a:endParaRPr>
           </a:p>
           <a:p>
-            <a:pPr lvl="1" marL="685800" indent="-227160">
+            <a:pPr lvl="1" marL="685800" indent="-226800">
               <a:lnSpc>
                 <a:spcPct val="90000"/>
               </a:lnSpc>
@@ -13964,7 +15586,7 @@
             </a:endParaRPr>
           </a:p>
           <a:p>
-            <a:pPr lvl="1" marL="685800" indent="-227160">
+            <a:pPr lvl="1" marL="685800" indent="-226800">
               <a:lnSpc>
                 <a:spcPct val="90000"/>
               </a:lnSpc>
@@ -13992,7 +15614,7 @@
             </a:endParaRPr>
           </a:p>
           <a:p>
-            <a:pPr lvl="1" marL="685800" indent="-227160">
+            <a:pPr lvl="1" marL="685800" indent="-226800">
               <a:lnSpc>
                 <a:spcPct val="90000"/>
               </a:lnSpc>
@@ -14030,7 +15652,7 @@
             </a:endParaRPr>
           </a:p>
           <a:p>
-            <a:pPr marL="228600" indent="-227160">
+            <a:pPr marL="228600" indent="-226800">
               <a:lnSpc>
                 <a:spcPct val="90000"/>
               </a:lnSpc>
@@ -14058,7 +15680,7 @@
             </a:endParaRPr>
           </a:p>
           <a:p>
-            <a:pPr lvl="1" marL="685800" indent="-227160">
+            <a:pPr lvl="1" marL="685800" indent="-226800">
               <a:lnSpc>
                 <a:spcPct val="90000"/>
               </a:lnSpc>
@@ -14086,7 +15708,7 @@
             </a:endParaRPr>
           </a:p>
           <a:p>
-            <a:pPr lvl="1" marL="685800" indent="-227160">
+            <a:pPr lvl="1" marL="685800" indent="-226800">
               <a:lnSpc>
                 <a:spcPct val="90000"/>
               </a:lnSpc>
@@ -14114,7 +15736,7 @@
             </a:endParaRPr>
           </a:p>
           <a:p>
-            <a:pPr lvl="1" marL="685800" indent="-227160">
+            <a:pPr lvl="1" marL="685800" indent="-226800">
               <a:lnSpc>
                 <a:spcPct val="90000"/>
               </a:lnSpc>
@@ -14142,18 +15764,13 @@
             </a:endParaRPr>
           </a:p>
           <a:p>
-            <a:pPr marL="228600" indent="-227160">
+            <a:pPr>
               <a:lnSpc>
                 <a:spcPct val="90000"/>
               </a:lnSpc>
               <a:spcBef>
                 <a:spcPts val="1001"/>
               </a:spcBef>
-              <a:buClr>
-                <a:srgbClr val="000000"/>
-              </a:buClr>
-              <a:buFont typeface="Arial"/>
-              <a:buChar char="•"/>
             </a:pPr>
             <a:endParaRPr b="0" lang="de-AT" sz="2400" spc="-1" strike="noStrike">
               <a:latin typeface="Arial"/>
@@ -14163,7 +15780,7 @@
       </p:sp>
       <p:pic>
         <p:nvPicPr>
-          <p:cNvPr id="229" name="Grafik 3" descr=""/>
+          <p:cNvPr id="268" name="Grafik 3" descr=""/>
           <p:cNvPicPr/>
           <p:nvPr/>
         </p:nvPicPr>
@@ -14174,7 +15791,7 @@
         <p:spPr>
           <a:xfrm>
             <a:off x="8352720" y="1987920"/>
-            <a:ext cx="2375280" cy="4132080"/>
+            <a:ext cx="2374920" cy="4131720"/>
           </a:xfrm>
           <a:prstGeom prst="rect">
             <a:avLst/>
@@ -14216,14 +15833,14 @@
       </p:grpSpPr>
       <p:sp>
         <p:nvSpPr>
-          <p:cNvPr id="230" name="CustomShape 1"/>
+          <p:cNvPr id="269" name="CustomShape 1"/>
           <p:cNvSpPr/>
           <p:nvPr/>
         </p:nvSpPr>
         <p:spPr>
           <a:xfrm>
             <a:off x="594000" y="234000"/>
-            <a:ext cx="10514520" cy="1258920"/>
+            <a:ext cx="10514160" cy="1258560"/>
           </a:xfrm>
           <a:prstGeom prst="rect">
             <a:avLst/>
@@ -14267,14 +15884,14 @@
       </p:sp>
       <p:sp>
         <p:nvSpPr>
-          <p:cNvPr id="231" name="CustomShape 2"/>
+          <p:cNvPr id="270" name="CustomShape 2"/>
           <p:cNvSpPr/>
           <p:nvPr/>
         </p:nvSpPr>
         <p:spPr>
           <a:xfrm>
             <a:off x="789840" y="1611720"/>
-            <a:ext cx="10514160" cy="3572280"/>
+            <a:ext cx="10513800" cy="3571920"/>
           </a:xfrm>
           <a:prstGeom prst="rect">
             <a:avLst/>
@@ -14295,7 +15912,7 @@
             <a:normAutofit/>
           </a:bodyPr>
           <a:p>
-            <a:pPr marL="228600" indent="-227160">
+            <a:pPr marL="228600" indent="-226800">
               <a:lnSpc>
                 <a:spcPct val="90000"/>
               </a:lnSpc>
@@ -14323,7 +15940,7 @@
             </a:endParaRPr>
           </a:p>
           <a:p>
-            <a:pPr lvl="1" marL="914400" indent="-455760">
+            <a:pPr lvl="1" marL="914400" indent="-455400">
               <a:lnSpc>
                 <a:spcPct val="90000"/>
               </a:lnSpc>
@@ -14351,7 +15968,7 @@
             </a:endParaRPr>
           </a:p>
           <a:p>
-            <a:pPr lvl="1" marL="914400" indent="-455760">
+            <a:pPr lvl="1" marL="914400" indent="-455400">
               <a:lnSpc>
                 <a:spcPct val="90000"/>
               </a:lnSpc>
@@ -14379,7 +15996,7 @@
             </a:endParaRPr>
           </a:p>
           <a:p>
-            <a:pPr lvl="1" marL="914400" indent="-455760">
+            <a:pPr lvl="1" marL="914400" indent="-455400">
               <a:lnSpc>
                 <a:spcPct val="90000"/>
               </a:lnSpc>
@@ -14407,7 +16024,7 @@
             </a:endParaRPr>
           </a:p>
           <a:p>
-            <a:pPr lvl="1" marL="914400" indent="-455760">
+            <a:pPr lvl="1" marL="914400" indent="-455400">
               <a:lnSpc>
                 <a:spcPct val="90000"/>
               </a:lnSpc>
@@ -14435,7 +16052,7 @@
             </a:endParaRPr>
           </a:p>
           <a:p>
-            <a:pPr lvl="1" marL="914400" indent="-455760">
+            <a:pPr lvl="1" marL="914400" indent="-455400">
               <a:lnSpc>
                 <a:spcPct val="90000"/>
               </a:lnSpc>
@@ -14463,7 +16080,7 @@
             </a:endParaRPr>
           </a:p>
           <a:p>
-            <a:pPr marL="228600" indent="-227160">
+            <a:pPr marL="228600" indent="-226800">
               <a:lnSpc>
                 <a:spcPct val="90000"/>
               </a:lnSpc>
@@ -14534,14 +16151,14 @@
       </p:grpSpPr>
       <p:sp>
         <p:nvSpPr>
-          <p:cNvPr id="232" name="CustomShape 1"/>
+          <p:cNvPr id="271" name="CustomShape 1"/>
           <p:cNvSpPr/>
           <p:nvPr/>
         </p:nvSpPr>
         <p:spPr>
           <a:xfrm>
             <a:off x="594000" y="234000"/>
-            <a:ext cx="10514520" cy="1258920"/>
+            <a:ext cx="10514160" cy="1258560"/>
           </a:xfrm>
           <a:prstGeom prst="rect">
             <a:avLst/>
@@ -14585,14 +16202,14 @@
       </p:sp>
       <p:sp>
         <p:nvSpPr>
-          <p:cNvPr id="233" name="CustomShape 2"/>
+          <p:cNvPr id="272" name="CustomShape 2"/>
           <p:cNvSpPr/>
           <p:nvPr/>
         </p:nvSpPr>
         <p:spPr>
           <a:xfrm>
             <a:off x="838080" y="1825560"/>
-            <a:ext cx="10514160" cy="4349880"/>
+            <a:ext cx="10513800" cy="4349520"/>
           </a:xfrm>
           <a:prstGeom prst="rect">
             <a:avLst/>
@@ -14613,7 +16230,7 @@
             <a:noAutofit/>
           </a:bodyPr>
           <a:p>
-            <a:pPr marL="228600" indent="-227160">
+            <a:pPr marL="228600" indent="-226800">
               <a:lnSpc>
                 <a:spcPct val="90000"/>
               </a:lnSpc>
@@ -14641,7 +16258,7 @@
             </a:endParaRPr>
           </a:p>
           <a:p>
-            <a:pPr lvl="1" marL="685800" indent="-227160">
+            <a:pPr lvl="1" marL="685800" indent="-226800">
               <a:lnSpc>
                 <a:spcPct val="90000"/>
               </a:lnSpc>
@@ -14669,7 +16286,7 @@
             </a:endParaRPr>
           </a:p>
           <a:p>
-            <a:pPr lvl="1" marL="685800" indent="-227160">
+            <a:pPr lvl="1" marL="685800" indent="-226800">
               <a:lnSpc>
                 <a:spcPct val="90000"/>
               </a:lnSpc>
@@ -14697,7 +16314,7 @@
             </a:endParaRPr>
           </a:p>
           <a:p>
-            <a:pPr lvl="1" marL="685800" indent="-227160">
+            <a:pPr lvl="1" marL="685800" indent="-226800">
               <a:lnSpc>
                 <a:spcPct val="90000"/>
               </a:lnSpc>
@@ -14738,7 +16355,7 @@
             </a:endParaRPr>
           </a:p>
           <a:p>
-            <a:pPr marL="228600" indent="-227160">
+            <a:pPr marL="228600" indent="-226800">
               <a:lnSpc>
                 <a:spcPct val="90000"/>
               </a:lnSpc>
@@ -14766,7 +16383,7 @@
             </a:endParaRPr>
           </a:p>
           <a:p>
-            <a:pPr lvl="1" marL="685800" indent="-227160">
+            <a:pPr lvl="1" marL="685800" indent="-226800">
               <a:lnSpc>
                 <a:spcPct val="90000"/>
               </a:lnSpc>
@@ -14794,7 +16411,7 @@
             </a:endParaRPr>
           </a:p>
           <a:p>
-            <a:pPr lvl="1" marL="685800" indent="-227160">
+            <a:pPr lvl="1" marL="685800" indent="-226800">
               <a:lnSpc>
                 <a:spcPct val="90000"/>
               </a:lnSpc>
@@ -14822,7 +16439,7 @@
             </a:endParaRPr>
           </a:p>
           <a:p>
-            <a:pPr lvl="1" marL="685800" indent="-227160">
+            <a:pPr lvl="1" marL="685800" indent="-226800">
               <a:lnSpc>
                 <a:spcPct val="90000"/>
               </a:lnSpc>
@@ -14850,7 +16467,7 @@
             </a:endParaRPr>
           </a:p>
           <a:p>
-            <a:pPr lvl="1" marL="685800" indent="-227160">
+            <a:pPr lvl="1" marL="685800" indent="-226800">
               <a:lnSpc>
                 <a:spcPct val="90000"/>
               </a:lnSpc>
@@ -14901,7 +16518,7 @@
       </p:sp>
       <p:pic>
         <p:nvPicPr>
-          <p:cNvPr id="234" name="Grafik 3" descr=""/>
+          <p:cNvPr id="273" name="Grafik 3" descr=""/>
           <p:cNvPicPr/>
           <p:nvPr/>
         </p:nvPicPr>
@@ -14912,7 +16529,7 @@
         <p:spPr>
           <a:xfrm>
             <a:off x="7128000" y="2376000"/>
-            <a:ext cx="3805200" cy="2787120"/>
+            <a:ext cx="3804840" cy="2786760"/>
           </a:xfrm>
           <a:prstGeom prst="rect">
             <a:avLst/>
@@ -14954,14 +16571,14 @@
       </p:grpSpPr>
       <p:sp>
         <p:nvSpPr>
-          <p:cNvPr id="235" name="CustomShape 1"/>
+          <p:cNvPr id="274" name="CustomShape 1"/>
           <p:cNvSpPr/>
           <p:nvPr/>
         </p:nvSpPr>
         <p:spPr>
           <a:xfrm>
             <a:off x="594000" y="234000"/>
-            <a:ext cx="10514520" cy="1258920"/>
+            <a:ext cx="10514160" cy="1258560"/>
           </a:xfrm>
           <a:prstGeom prst="rect">
             <a:avLst/>
@@ -15005,14 +16622,14 @@
       </p:sp>
       <p:sp>
         <p:nvSpPr>
-          <p:cNvPr id="236" name="CustomShape 2"/>
+          <p:cNvPr id="275" name="CustomShape 2"/>
           <p:cNvSpPr/>
           <p:nvPr/>
         </p:nvSpPr>
         <p:spPr>
           <a:xfrm>
             <a:off x="838080" y="1825560"/>
-            <a:ext cx="10514160" cy="4349880"/>
+            <a:ext cx="10513800" cy="4349520"/>
           </a:xfrm>
           <a:prstGeom prst="rect">
             <a:avLst/>
@@ -15033,7 +16650,7 @@
             <a:noAutofit/>
           </a:bodyPr>
           <a:p>
-            <a:pPr marL="228600" indent="-227160">
+            <a:pPr marL="228600" indent="-226800">
               <a:lnSpc>
                 <a:spcPct val="90000"/>
               </a:lnSpc>
@@ -15061,7 +16678,7 @@
             </a:endParaRPr>
           </a:p>
           <a:p>
-            <a:pPr lvl="1" marL="685800" indent="-227160">
+            <a:pPr lvl="1" marL="685800" indent="-226800">
               <a:lnSpc>
                 <a:spcPct val="90000"/>
               </a:lnSpc>
@@ -15089,7 +16706,7 @@
             </a:endParaRPr>
           </a:p>
           <a:p>
-            <a:pPr lvl="1" marL="685800" indent="-227160">
+            <a:pPr lvl="1" marL="685800" indent="-226800">
               <a:lnSpc>
                 <a:spcPct val="90000"/>
               </a:lnSpc>
@@ -15117,7 +16734,7 @@
             </a:endParaRPr>
           </a:p>
           <a:p>
-            <a:pPr marL="228600" indent="-227160">
+            <a:pPr marL="228600" indent="-226800">
               <a:lnSpc>
                 <a:spcPct val="90000"/>
               </a:lnSpc>
@@ -15145,7 +16762,7 @@
             </a:endParaRPr>
           </a:p>
           <a:p>
-            <a:pPr lvl="1" marL="685800" indent="-227160">
+            <a:pPr lvl="1" marL="685800" indent="-226800">
               <a:lnSpc>
                 <a:spcPct val="90000"/>
               </a:lnSpc>
@@ -15173,7 +16790,7 @@
             </a:endParaRPr>
           </a:p>
           <a:p>
-            <a:pPr lvl="1" marL="685800" indent="-227160">
+            <a:pPr lvl="1" marL="685800" indent="-226800">
               <a:lnSpc>
                 <a:spcPct val="90000"/>
               </a:lnSpc>
@@ -15221,7 +16838,7 @@
             </a:endParaRPr>
           </a:p>
           <a:p>
-            <a:pPr lvl="1" marL="685800" indent="-227160">
+            <a:pPr lvl="1" marL="685800" indent="-226800">
               <a:lnSpc>
                 <a:spcPct val="90000"/>
               </a:lnSpc>
@@ -15249,7 +16866,7 @@
             </a:endParaRPr>
           </a:p>
           <a:p>
-            <a:pPr marL="228600" indent="-227160">
+            <a:pPr marL="228600" indent="-226800">
               <a:lnSpc>
                 <a:spcPct val="90000"/>
               </a:lnSpc>
@@ -15277,7 +16894,7 @@
             </a:endParaRPr>
           </a:p>
           <a:p>
-            <a:pPr lvl="1" marL="685800" indent="-227160">
+            <a:pPr lvl="1" marL="685800" indent="-226800">
               <a:lnSpc>
                 <a:spcPct val="90000"/>
               </a:lnSpc>
@@ -15305,7 +16922,7 @@
             </a:endParaRPr>
           </a:p>
           <a:p>
-            <a:pPr lvl="1" marL="685800" indent="-227160">
+            <a:pPr lvl="1" marL="685800" indent="-226800">
               <a:lnSpc>
                 <a:spcPct val="90000"/>
               </a:lnSpc>
@@ -15333,7 +16950,7 @@
             </a:endParaRPr>
           </a:p>
           <a:p>
-            <a:pPr lvl="1" marL="685800" indent="-227160">
+            <a:pPr lvl="1" marL="685800" indent="-226800">
               <a:lnSpc>
                 <a:spcPct val="90000"/>
               </a:lnSpc>
@@ -15364,7 +16981,7 @@
       </p:sp>
       <p:pic>
         <p:nvPicPr>
-          <p:cNvPr id="237" name="Grafik 4" descr=""/>
+          <p:cNvPr id="276" name="Grafik 4" descr=""/>
           <p:cNvPicPr/>
           <p:nvPr/>
         </p:nvPicPr>
@@ -15375,7 +16992,7 @@
         <p:spPr>
           <a:xfrm>
             <a:off x="8496000" y="2376000"/>
-            <a:ext cx="2926800" cy="2996280"/>
+            <a:ext cx="2926440" cy="2995920"/>
           </a:xfrm>
           <a:prstGeom prst="rect">
             <a:avLst/>
@@ -15417,14 +17034,14 @@
       </p:grpSpPr>
       <p:sp>
         <p:nvSpPr>
-          <p:cNvPr id="161" name="TextShape 1"/>
-          <p:cNvSpPr txBox="1"/>
+          <p:cNvPr id="200" name="CustomShape 1"/>
+          <p:cNvSpPr/>
           <p:nvPr/>
         </p:nvSpPr>
         <p:spPr>
           <a:xfrm>
             <a:off x="609480" y="1604520"/>
-            <a:ext cx="10838520" cy="4155480"/>
+            <a:ext cx="10838160" cy="4155120"/>
           </a:xfrm>
           <a:prstGeom prst="rect">
             <a:avLst/>
@@ -15434,12 +17051,18 @@
             <a:noFill/>
           </a:ln>
         </p:spPr>
+        <p:style>
+          <a:lnRef idx="0"/>
+          <a:fillRef idx="0"/>
+          <a:effectRef idx="0"/>
+          <a:fontRef idx="minor"/>
+        </p:style>
         <p:txBody>
           <a:bodyPr lIns="0" rIns="0" tIns="0" bIns="0">
             <a:normAutofit/>
           </a:bodyPr>
           <a:p>
-            <a:pPr marL="432000" indent="-324000">
+            <a:pPr marL="432000" indent="-323640">
               <a:lnSpc>
                 <a:spcPct val="90000"/>
               </a:lnSpc>
@@ -15468,7 +17091,7 @@
             </a:endParaRPr>
           </a:p>
           <a:p>
-            <a:pPr lvl="1" marL="864000" indent="-324000">
+            <a:pPr lvl="1" marL="864000" indent="-323640">
               <a:lnSpc>
                 <a:spcPct val="90000"/>
               </a:lnSpc>
@@ -15479,7 +17102,7 @@
                 <a:srgbClr val="000000"/>
               </a:buClr>
               <a:buSzPct val="75000"/>
-              <a:buFont typeface="Symbol" charset="2"/>
+              <a:buFont typeface="Symbol"/>
               <a:buChar char=""/>
             </a:pPr>
             <a:r>
@@ -15497,7 +17120,7 @@
             </a:endParaRPr>
           </a:p>
           <a:p>
-            <a:pPr lvl="1" marL="864000" indent="-324000">
+            <a:pPr lvl="1" marL="864000" indent="-323640">
               <a:lnSpc>
                 <a:spcPct val="90000"/>
               </a:lnSpc>
@@ -15508,7 +17131,7 @@
                 <a:srgbClr val="000000"/>
               </a:buClr>
               <a:buSzPct val="75000"/>
-              <a:buFont typeface="Symbol" charset="2"/>
+              <a:buFont typeface="Symbol"/>
               <a:buChar char=""/>
             </a:pPr>
             <a:r>
@@ -15526,7 +17149,7 @@
             </a:endParaRPr>
           </a:p>
           <a:p>
-            <a:pPr lvl="1" marL="864000" indent="-324000">
+            <a:pPr lvl="1" marL="864000" indent="-323640">
               <a:lnSpc>
                 <a:spcPct val="90000"/>
               </a:lnSpc>
@@ -15537,7 +17160,7 @@
                 <a:srgbClr val="000000"/>
               </a:buClr>
               <a:buSzPct val="75000"/>
-              <a:buFont typeface="Symbol" charset="2"/>
+              <a:buFont typeface="Symbol"/>
               <a:buChar char=""/>
             </a:pPr>
             <a:r>
@@ -15555,7 +17178,10 @@
             </a:endParaRPr>
           </a:p>
           <a:p>
-            <a:pPr lvl="1" marL="864000" indent="-324000">
+            <a:pPr lvl="1" marL="864000" indent="-323640">
+              <a:lnSpc>
+                <a:spcPct val="100000"/>
+              </a:lnSpc>
               <a:spcBef>
                 <a:spcPts val="1134"/>
               </a:spcBef>
@@ -15563,7 +17189,7 @@
                 <a:srgbClr val="000000"/>
               </a:buClr>
               <a:buSzPct val="75000"/>
-              <a:buFont typeface="Symbol" charset="2"/>
+              <a:buFont typeface="Symbol"/>
               <a:buChar char=""/>
             </a:pPr>
             <a:r>
@@ -15584,14 +17210,14 @@
       </p:sp>
       <p:sp>
         <p:nvSpPr>
-          <p:cNvPr id="162" name="CustomShape 2"/>
+          <p:cNvPr id="201" name="CustomShape 2"/>
           <p:cNvSpPr/>
           <p:nvPr/>
         </p:nvSpPr>
         <p:spPr>
           <a:xfrm>
             <a:off x="594000" y="234000"/>
-            <a:ext cx="10514520" cy="1258920"/>
+            <a:ext cx="10514160" cy="1258560"/>
           </a:xfrm>
           <a:prstGeom prst="rect">
             <a:avLst/>
@@ -15665,14 +17291,14 @@
       </p:grpSpPr>
       <p:sp>
         <p:nvSpPr>
-          <p:cNvPr id="238" name="CustomShape 1"/>
+          <p:cNvPr id="277" name="CustomShape 1"/>
           <p:cNvSpPr/>
           <p:nvPr/>
         </p:nvSpPr>
         <p:spPr>
           <a:xfrm>
             <a:off x="594000" y="234000"/>
-            <a:ext cx="10514520" cy="1258920"/>
+            <a:ext cx="10514160" cy="1258560"/>
           </a:xfrm>
           <a:prstGeom prst="rect">
             <a:avLst/>
@@ -15716,14 +17342,14 @@
       </p:sp>
       <p:sp>
         <p:nvSpPr>
-          <p:cNvPr id="239" name="CustomShape 2"/>
+          <p:cNvPr id="278" name="CustomShape 2"/>
           <p:cNvSpPr/>
           <p:nvPr/>
         </p:nvSpPr>
         <p:spPr>
           <a:xfrm>
             <a:off x="838080" y="1825560"/>
-            <a:ext cx="10514160" cy="4349880"/>
+            <a:ext cx="10513800" cy="4349520"/>
           </a:xfrm>
           <a:prstGeom prst="rect">
             <a:avLst/>
@@ -15744,7 +17370,7 @@
             <a:normAutofit/>
           </a:bodyPr>
           <a:p>
-            <a:pPr marL="228600" indent="-227160">
+            <a:pPr marL="228600" indent="-226800">
               <a:lnSpc>
                 <a:spcPct val="90000"/>
               </a:lnSpc>
@@ -15772,7 +17398,7 @@
             </a:endParaRPr>
           </a:p>
           <a:p>
-            <a:pPr lvl="1" marL="685800" indent="-227160">
+            <a:pPr lvl="1" marL="685800" indent="-226800">
               <a:lnSpc>
                 <a:spcPct val="90000"/>
               </a:lnSpc>
@@ -15800,7 +17426,7 @@
             </a:endParaRPr>
           </a:p>
           <a:p>
-            <a:pPr lvl="1" marL="685800" indent="-227160">
+            <a:pPr lvl="1" marL="685800" indent="-226800">
               <a:lnSpc>
                 <a:spcPct val="90000"/>
               </a:lnSpc>
@@ -15828,7 +17454,7 @@
             </a:endParaRPr>
           </a:p>
           <a:p>
-            <a:pPr lvl="1" marL="685800" indent="-227160">
+            <a:pPr lvl="1" marL="685800" indent="-226800">
               <a:lnSpc>
                 <a:spcPct val="90000"/>
               </a:lnSpc>
@@ -15856,7 +17482,7 @@
             </a:endParaRPr>
           </a:p>
           <a:p>
-            <a:pPr lvl="1" marL="685800" indent="-227160">
+            <a:pPr lvl="1" marL="685800" indent="-226800">
               <a:lnSpc>
                 <a:spcPct val="90000"/>
               </a:lnSpc>
@@ -15884,7 +17510,7 @@
             </a:endParaRPr>
           </a:p>
           <a:p>
-            <a:pPr lvl="2" marL="1143000" indent="-227160">
+            <a:pPr lvl="2" marL="1143000" indent="-226800">
               <a:lnSpc>
                 <a:spcPct val="90000"/>
               </a:lnSpc>
@@ -15912,7 +17538,7 @@
             </a:endParaRPr>
           </a:p>
           <a:p>
-            <a:pPr lvl="2" marL="1143000" indent="-227160">
+            <a:pPr lvl="2" marL="1143000" indent="-226800">
               <a:lnSpc>
                 <a:spcPct val="90000"/>
               </a:lnSpc>
@@ -15940,7 +17566,7 @@
             </a:endParaRPr>
           </a:p>
           <a:p>
-            <a:pPr lvl="2" marL="1143000" indent="-227160">
+            <a:pPr lvl="2" marL="1143000" indent="-226800">
               <a:lnSpc>
                 <a:spcPct val="90000"/>
               </a:lnSpc>
@@ -15978,7 +17604,7 @@
             </a:endParaRPr>
           </a:p>
           <a:p>
-            <a:pPr marL="228600" indent="-227160">
+            <a:pPr marL="228600" indent="-226800">
               <a:lnSpc>
                 <a:spcPct val="90000"/>
               </a:lnSpc>
@@ -16016,7 +17642,7 @@
             </a:endParaRPr>
           </a:p>
           <a:p>
-            <a:pPr lvl="1" marL="685800" indent="-227160">
+            <a:pPr lvl="1" marL="685800" indent="-226800">
               <a:lnSpc>
                 <a:spcPct val="90000"/>
               </a:lnSpc>
@@ -16077,14 +17703,14 @@
       </p:grpSpPr>
       <p:sp>
         <p:nvSpPr>
-          <p:cNvPr id="240" name="CustomShape 1"/>
+          <p:cNvPr id="279" name="CustomShape 1"/>
           <p:cNvSpPr/>
           <p:nvPr/>
         </p:nvSpPr>
         <p:spPr>
           <a:xfrm>
             <a:off x="594000" y="234000"/>
-            <a:ext cx="10514520" cy="1258920"/>
+            <a:ext cx="10514160" cy="1258560"/>
           </a:xfrm>
           <a:prstGeom prst="rect">
             <a:avLst/>
@@ -16118,7 +17744,7 @@
                 <a:latin typeface="Calibri Light"/>
                 <a:ea typeface="DejaVu Sans"/>
               </a:rPr>
-              <a:t>AirQuality  - kNN cont‘d</a:t>
+              <a:t>AirQuality  - kNN</a:t>
             </a:r>
             <a:endParaRPr b="0" lang="de-AT" sz="4400" spc="-1" strike="noStrike">
               <a:latin typeface="Arial"/>
@@ -16128,14 +17754,14 @@
       </p:sp>
       <p:sp>
         <p:nvSpPr>
-          <p:cNvPr id="241" name="CustomShape 2"/>
+          <p:cNvPr id="280" name="CustomShape 2"/>
           <p:cNvSpPr/>
           <p:nvPr/>
         </p:nvSpPr>
         <p:spPr>
           <a:xfrm>
             <a:off x="792720" y="1435320"/>
-            <a:ext cx="10514160" cy="5158800"/>
+            <a:ext cx="10513800" cy="5158440"/>
           </a:xfrm>
           <a:prstGeom prst="rect">
             <a:avLst/>
@@ -16156,7 +17782,7 @@
             <a:normAutofit/>
           </a:bodyPr>
           <a:p>
-            <a:pPr marL="228600" indent="-227160">
+            <a:pPr marL="228600" indent="-226800">
               <a:lnSpc>
                 <a:spcPct val="90000"/>
               </a:lnSpc>
@@ -16194,7 +17820,7 @@
             </a:endParaRPr>
           </a:p>
           <a:p>
-            <a:pPr lvl="1" marL="685800" indent="-227160">
+            <a:pPr lvl="1" marL="685800" indent="-226800">
               <a:lnSpc>
                 <a:spcPct val="90000"/>
               </a:lnSpc>
@@ -16222,7 +17848,7 @@
             </a:endParaRPr>
           </a:p>
           <a:p>
-            <a:pPr lvl="1" marL="685800" indent="-227160">
+            <a:pPr lvl="1" marL="685800" indent="-226800">
               <a:lnSpc>
                 <a:spcPct val="90000"/>
               </a:lnSpc>
@@ -16260,7 +17886,7 @@
             </a:endParaRPr>
           </a:p>
           <a:p>
-            <a:pPr marL="228600" indent="-227160">
+            <a:pPr marL="228600" indent="-226800">
               <a:lnSpc>
                 <a:spcPct val="90000"/>
               </a:lnSpc>
@@ -16298,7 +17924,7 @@
             </a:endParaRPr>
           </a:p>
           <a:p>
-            <a:pPr lvl="1" marL="914400" indent="-455760">
+            <a:pPr lvl="1" marL="914400" indent="-455400">
               <a:lnSpc>
                 <a:spcPct val="90000"/>
               </a:lnSpc>
@@ -16326,7 +17952,7 @@
             </a:endParaRPr>
           </a:p>
           <a:p>
-            <a:pPr lvl="1" marL="914400" indent="-455760">
+            <a:pPr lvl="1" marL="914400" indent="-455400">
               <a:lnSpc>
                 <a:spcPct val="90000"/>
               </a:lnSpc>
@@ -16354,7 +17980,7 @@
             </a:endParaRPr>
           </a:p>
           <a:p>
-            <a:pPr lvl="1" marL="914400" indent="-455760">
+            <a:pPr lvl="1" marL="914400" indent="-455400">
               <a:lnSpc>
                 <a:spcPct val="90000"/>
               </a:lnSpc>
@@ -16382,7 +18008,7 @@
             </a:endParaRPr>
           </a:p>
           <a:p>
-            <a:pPr lvl="1" marL="914400" indent="-455760">
+            <a:pPr lvl="1" marL="914400" indent="-455400">
               <a:lnSpc>
                 <a:spcPct val="90000"/>
               </a:lnSpc>
@@ -16410,7 +18036,7 @@
             </a:endParaRPr>
           </a:p>
           <a:p>
-            <a:pPr marL="228600" indent="-227160">
+            <a:pPr marL="228600" indent="-226800">
               <a:lnSpc>
                 <a:spcPct val="90000"/>
               </a:lnSpc>
@@ -16438,7 +18064,7 @@
             </a:endParaRPr>
           </a:p>
           <a:p>
-            <a:pPr lvl="1" marL="685800" indent="-227160">
+            <a:pPr lvl="1" marL="685800" indent="-226800">
               <a:lnSpc>
                 <a:spcPct val="90000"/>
               </a:lnSpc>
@@ -16466,7 +18092,7 @@
             </a:endParaRPr>
           </a:p>
           <a:p>
-            <a:pPr lvl="1" marL="685800" indent="-227160">
+            <a:pPr lvl="1" marL="685800" indent="-226800">
               <a:lnSpc>
                 <a:spcPct val="90000"/>
               </a:lnSpc>
@@ -16494,7 +18120,7 @@
             </a:endParaRPr>
           </a:p>
           <a:p>
-            <a:pPr lvl="1" marL="685800" indent="-227160">
+            <a:pPr lvl="1" marL="685800" indent="-226800">
               <a:lnSpc>
                 <a:spcPct val="90000"/>
               </a:lnSpc>
@@ -16535,7 +18161,7 @@
       </p:sp>
       <p:pic>
         <p:nvPicPr>
-          <p:cNvPr id="242" name="Grafik 3" descr=""/>
+          <p:cNvPr id="281" name="Grafik 3" descr=""/>
           <p:cNvPicPr/>
           <p:nvPr/>
         </p:nvPicPr>
@@ -16546,7 +18172,7 @@
         <p:spPr>
           <a:xfrm>
             <a:off x="7416000" y="2160000"/>
-            <a:ext cx="3094200" cy="3113280"/>
+            <a:ext cx="3093840" cy="3112920"/>
           </a:xfrm>
           <a:prstGeom prst="rect">
             <a:avLst/>
@@ -16588,14 +18214,14 @@
       </p:grpSpPr>
       <p:sp>
         <p:nvSpPr>
-          <p:cNvPr id="243" name="CustomShape 1"/>
+          <p:cNvPr id="282" name="CustomShape 1"/>
           <p:cNvSpPr/>
           <p:nvPr/>
         </p:nvSpPr>
         <p:spPr>
           <a:xfrm>
             <a:off x="594000" y="234000"/>
-            <a:ext cx="10514520" cy="1258920"/>
+            <a:ext cx="10514160" cy="1258560"/>
           </a:xfrm>
           <a:prstGeom prst="rect">
             <a:avLst/>
@@ -16639,14 +18265,14 @@
       </p:sp>
       <p:sp>
         <p:nvSpPr>
-          <p:cNvPr id="244" name="CustomShape 2"/>
+          <p:cNvPr id="283" name="CustomShape 2"/>
           <p:cNvSpPr/>
           <p:nvPr/>
         </p:nvSpPr>
         <p:spPr>
           <a:xfrm>
             <a:off x="789840" y="1388880"/>
-            <a:ext cx="10514160" cy="4587120"/>
+            <a:ext cx="10513800" cy="4586760"/>
           </a:xfrm>
           <a:prstGeom prst="rect">
             <a:avLst/>
@@ -16667,7 +18293,7 @@
             <a:noAutofit/>
           </a:bodyPr>
           <a:p>
-            <a:pPr marL="228600" indent="-227160">
+            <a:pPr marL="228600" indent="-226800">
               <a:lnSpc>
                 <a:spcPct val="90000"/>
               </a:lnSpc>
@@ -16695,7 +18321,7 @@
             </a:endParaRPr>
           </a:p>
           <a:p>
-            <a:pPr lvl="1" marL="685800" indent="-227160">
+            <a:pPr lvl="1" marL="685800" indent="-226800">
               <a:lnSpc>
                 <a:spcPct val="90000"/>
               </a:lnSpc>
@@ -16723,7 +18349,7 @@
             </a:endParaRPr>
           </a:p>
           <a:p>
-            <a:pPr lvl="1" marL="685800" indent="-227160">
+            <a:pPr lvl="1" marL="685800" indent="-226800">
               <a:lnSpc>
                 <a:spcPct val="90000"/>
               </a:lnSpc>
@@ -16751,25 +18377,20 @@
             </a:endParaRPr>
           </a:p>
           <a:p>
-            <a:pPr lvl="1" marL="685800" indent="-227160">
+            <a:pPr>
               <a:lnSpc>
                 <a:spcPct val="90000"/>
               </a:lnSpc>
               <a:spcBef>
                 <a:spcPts val="499"/>
               </a:spcBef>
-              <a:buClr>
-                <a:srgbClr val="000000"/>
-              </a:buClr>
-              <a:buFont typeface="Arial"/>
-              <a:buChar char="•"/>
-            </a:pPr>
-            <a:endParaRPr b="0" lang="de-AT" sz="2400" spc="-1" strike="noStrike">
-              <a:latin typeface="Arial"/>
-            </a:endParaRPr>
-          </a:p>
-          <a:p>
-            <a:pPr marL="228600" indent="-227160">
+            </a:pPr>
+            <a:endParaRPr b="0" lang="de-AT" sz="2400" spc="-1" strike="noStrike">
+              <a:latin typeface="Arial"/>
+            </a:endParaRPr>
+          </a:p>
+          <a:p>
+            <a:pPr marL="228600" indent="-226800">
               <a:lnSpc>
                 <a:spcPct val="90000"/>
               </a:lnSpc>
@@ -16797,7 +18418,7 @@
             </a:endParaRPr>
           </a:p>
           <a:p>
-            <a:pPr lvl="1" marL="685800" indent="-227160">
+            <a:pPr lvl="1" marL="685800" indent="-226800">
               <a:lnSpc>
                 <a:spcPct val="90000"/>
               </a:lnSpc>
@@ -16825,7 +18446,7 @@
             </a:endParaRPr>
           </a:p>
           <a:p>
-            <a:pPr lvl="1" marL="685800" indent="-227160">
+            <a:pPr lvl="1" marL="685800" indent="-226800">
               <a:lnSpc>
                 <a:spcPct val="90000"/>
               </a:lnSpc>
@@ -16853,7 +18474,7 @@
             </a:endParaRPr>
           </a:p>
           <a:p>
-            <a:pPr lvl="1" marL="685800" indent="-227160">
+            <a:pPr lvl="1" marL="685800" indent="-226800">
               <a:lnSpc>
                 <a:spcPct val="90000"/>
               </a:lnSpc>
@@ -16881,7 +18502,7 @@
             </a:endParaRPr>
           </a:p>
           <a:p>
-            <a:pPr lvl="1" marL="685800" indent="-227160">
+            <a:pPr lvl="1" marL="685800" indent="-226800">
               <a:lnSpc>
                 <a:spcPct val="90000"/>
               </a:lnSpc>
@@ -16909,7 +18530,7 @@
             </a:endParaRPr>
           </a:p>
           <a:p>
-            <a:pPr marL="228600" indent="-227160">
+            <a:pPr marL="228600" indent="-226800">
               <a:lnSpc>
                 <a:spcPct val="90000"/>
               </a:lnSpc>
@@ -16947,7 +18568,7 @@
             </a:endParaRPr>
           </a:p>
           <a:p>
-            <a:pPr lvl="1" marL="685800" indent="-227160">
+            <a:pPr lvl="1" marL="685800" indent="-226800">
               <a:lnSpc>
                 <a:spcPct val="90000"/>
               </a:lnSpc>
@@ -16975,7 +18596,7 @@
             </a:endParaRPr>
           </a:p>
           <a:p>
-            <a:pPr lvl="1" marL="685800" indent="-227160">
+            <a:pPr lvl="1" marL="685800" indent="-226800">
               <a:lnSpc>
                 <a:spcPct val="90000"/>
               </a:lnSpc>
@@ -17006,7 +18627,7 @@
       </p:sp>
       <p:pic>
         <p:nvPicPr>
-          <p:cNvPr id="245" name="Grafik 3" descr=""/>
+          <p:cNvPr id="284" name="Grafik 3" descr=""/>
           <p:cNvPicPr/>
           <p:nvPr/>
         </p:nvPicPr>
@@ -17017,7 +18638,7 @@
         <p:spPr>
           <a:xfrm>
             <a:off x="8049960" y="2160000"/>
-            <a:ext cx="2894040" cy="2961000"/>
+            <a:ext cx="2893680" cy="2960640"/>
           </a:xfrm>
           <a:prstGeom prst="rect">
             <a:avLst/>
@@ -17059,14 +18680,14 @@
       </p:grpSpPr>
       <p:sp>
         <p:nvSpPr>
-          <p:cNvPr id="246" name="CustomShape 1"/>
+          <p:cNvPr id="285" name="CustomShape 1"/>
           <p:cNvSpPr/>
           <p:nvPr/>
         </p:nvSpPr>
         <p:spPr>
           <a:xfrm>
             <a:off x="594000" y="234000"/>
-            <a:ext cx="10514520" cy="1258920"/>
+            <a:ext cx="10514160" cy="1258560"/>
           </a:xfrm>
           <a:prstGeom prst="rect">
             <a:avLst/>
@@ -17110,14 +18731,14 @@
       </p:sp>
       <p:sp>
         <p:nvSpPr>
-          <p:cNvPr id="247" name="CustomShape 2"/>
+          <p:cNvPr id="286" name="CustomShape 2"/>
           <p:cNvSpPr/>
           <p:nvPr/>
         </p:nvSpPr>
         <p:spPr>
           <a:xfrm>
             <a:off x="838080" y="1825560"/>
-            <a:ext cx="10514160" cy="4349880"/>
+            <a:ext cx="10513800" cy="4349520"/>
           </a:xfrm>
           <a:prstGeom prst="rect">
             <a:avLst/>
@@ -17138,7 +18759,7 @@
             <a:noAutofit/>
           </a:bodyPr>
           <a:p>
-            <a:pPr marL="228600" indent="-227160">
+            <a:pPr marL="228600" indent="-226800">
               <a:lnSpc>
                 <a:spcPct val="90000"/>
               </a:lnSpc>
@@ -17166,7 +18787,7 @@
             </a:endParaRPr>
           </a:p>
           <a:p>
-            <a:pPr lvl="1" marL="914400" indent="-455760">
+            <a:pPr lvl="1" marL="914400" indent="-455400">
               <a:lnSpc>
                 <a:spcPct val="90000"/>
               </a:lnSpc>
@@ -17194,7 +18815,7 @@
             </a:endParaRPr>
           </a:p>
           <a:p>
-            <a:pPr lvl="1" marL="914400" indent="-455760">
+            <a:pPr lvl="1" marL="914400" indent="-455400">
               <a:lnSpc>
                 <a:spcPct val="90000"/>
               </a:lnSpc>
@@ -17222,7 +18843,7 @@
             </a:endParaRPr>
           </a:p>
           <a:p>
-            <a:pPr lvl="1" marL="914400" indent="-455760">
+            <a:pPr lvl="1" marL="914400" indent="-455400">
               <a:lnSpc>
                 <a:spcPct val="90000"/>
               </a:lnSpc>
@@ -17250,7 +18871,7 @@
             </a:endParaRPr>
           </a:p>
           <a:p>
-            <a:pPr lvl="1" marL="914400" indent="-455760">
+            <a:pPr lvl="1" marL="914400" indent="-455400">
               <a:lnSpc>
                 <a:spcPct val="90000"/>
               </a:lnSpc>
@@ -17278,7 +18899,7 @@
             </a:endParaRPr>
           </a:p>
           <a:p>
-            <a:pPr lvl="1" marL="914400" indent="-455760">
+            <a:pPr lvl="1" marL="914400" indent="-455400">
               <a:lnSpc>
                 <a:spcPct val="90000"/>
               </a:lnSpc>
@@ -17306,7 +18927,7 @@
             </a:endParaRPr>
           </a:p>
           <a:p>
-            <a:pPr marL="228600" indent="-227160">
+            <a:pPr marL="228600" indent="-226800">
               <a:lnSpc>
                 <a:spcPct val="90000"/>
               </a:lnSpc>
@@ -17334,7 +18955,7 @@
             </a:endParaRPr>
           </a:p>
           <a:p>
-            <a:pPr lvl="1" marL="685800" indent="-227160">
+            <a:pPr lvl="1" marL="685800" indent="-226800">
               <a:lnSpc>
                 <a:spcPct val="90000"/>
               </a:lnSpc>
@@ -17362,7 +18983,7 @@
             </a:endParaRPr>
           </a:p>
           <a:p>
-            <a:pPr lvl="1" marL="685800" indent="-227160">
+            <a:pPr lvl="1" marL="685800" indent="-226800">
               <a:lnSpc>
                 <a:spcPct val="90000"/>
               </a:lnSpc>
@@ -17390,7 +19011,7 @@
             </a:endParaRPr>
           </a:p>
           <a:p>
-            <a:pPr lvl="1" marL="685800" indent="-227160">
+            <a:pPr lvl="1" marL="685800" indent="-226800">
               <a:lnSpc>
                 <a:spcPct val="90000"/>
               </a:lnSpc>
@@ -17418,7 +19039,7 @@
             </a:endParaRPr>
           </a:p>
           <a:p>
-            <a:pPr lvl="1" marL="685800" indent="-227160">
+            <a:pPr lvl="1" marL="685800" indent="-226800">
               <a:lnSpc>
                 <a:spcPct val="90000"/>
               </a:lnSpc>
@@ -17459,7 +19080,7 @@
       </p:sp>
       <p:pic>
         <p:nvPicPr>
-          <p:cNvPr id="248" name="Grafik 3" descr=""/>
+          <p:cNvPr id="287" name="Grafik 3" descr=""/>
           <p:cNvPicPr/>
           <p:nvPr/>
         </p:nvPicPr>
@@ -17470,7 +19091,7 @@
         <p:spPr>
           <a:xfrm>
             <a:off x="8203320" y="2304000"/>
-            <a:ext cx="2884680" cy="2989440"/>
+            <a:ext cx="2884320" cy="2989080"/>
           </a:xfrm>
           <a:prstGeom prst="rect">
             <a:avLst/>
@@ -17512,14 +19133,14 @@
       </p:grpSpPr>
       <p:sp>
         <p:nvSpPr>
-          <p:cNvPr id="249" name="CustomShape 1"/>
+          <p:cNvPr id="288" name="CustomShape 1"/>
           <p:cNvSpPr/>
           <p:nvPr/>
         </p:nvSpPr>
         <p:spPr>
           <a:xfrm>
             <a:off x="594000" y="234000"/>
-            <a:ext cx="10514520" cy="1258920"/>
+            <a:ext cx="10514160" cy="1258560"/>
           </a:xfrm>
           <a:prstGeom prst="rect">
             <a:avLst/>
@@ -17563,14 +19184,14 @@
       </p:sp>
       <p:sp>
         <p:nvSpPr>
-          <p:cNvPr id="250" name="CustomShape 2"/>
+          <p:cNvPr id="289" name="CustomShape 2"/>
           <p:cNvSpPr/>
           <p:nvPr/>
         </p:nvSpPr>
         <p:spPr>
           <a:xfrm>
             <a:off x="838080" y="1825560"/>
-            <a:ext cx="5972400" cy="4349880"/>
+            <a:ext cx="5972040" cy="4349520"/>
           </a:xfrm>
           <a:prstGeom prst="rect">
             <a:avLst/>
@@ -17591,7 +19212,7 @@
             <a:normAutofit/>
           </a:bodyPr>
           <a:p>
-            <a:pPr marL="228600" indent="-226800">
+            <a:pPr marL="228600" indent="-226440">
               <a:lnSpc>
                 <a:spcPct val="90000"/>
               </a:lnSpc>
@@ -17619,7 +19240,7 @@
             </a:endParaRPr>
           </a:p>
           <a:p>
-            <a:pPr lvl="1" marL="685800" indent="-226800">
+            <a:pPr lvl="1" marL="685800" indent="-226440">
               <a:lnSpc>
                 <a:spcPct val="90000"/>
               </a:lnSpc>
@@ -17647,7 +19268,7 @@
             </a:endParaRPr>
           </a:p>
           <a:p>
-            <a:pPr marL="228600" indent="-226800">
+            <a:pPr marL="228600" indent="-226440">
               <a:lnSpc>
                 <a:spcPct val="90000"/>
               </a:lnSpc>
@@ -17675,7 +19296,7 @@
             </a:endParaRPr>
           </a:p>
           <a:p>
-            <a:pPr lvl="1" marL="685800" indent="-226800">
+            <a:pPr lvl="1" marL="685800" indent="-226440">
               <a:lnSpc>
                 <a:spcPct val="90000"/>
               </a:lnSpc>
@@ -17703,7 +19324,7 @@
             </a:endParaRPr>
           </a:p>
           <a:p>
-            <a:pPr lvl="1" marL="685800" indent="-226800">
+            <a:pPr lvl="1" marL="685800" indent="-226440">
               <a:lnSpc>
                 <a:spcPct val="90000"/>
               </a:lnSpc>
@@ -17731,7 +19352,7 @@
             </a:endParaRPr>
           </a:p>
           <a:p>
-            <a:pPr lvl="1" marL="685800" indent="-226800">
+            <a:pPr lvl="1" marL="685800" indent="-226440">
               <a:lnSpc>
                 <a:spcPct val="90000"/>
               </a:lnSpc>
@@ -17759,7 +19380,7 @@
             </a:endParaRPr>
           </a:p>
           <a:p>
-            <a:pPr marL="228600" indent="-226800">
+            <a:pPr marL="228600" indent="-226440">
               <a:lnSpc>
                 <a:spcPct val="90000"/>
               </a:lnSpc>
@@ -17787,7 +19408,7 @@
             </a:endParaRPr>
           </a:p>
           <a:p>
-            <a:pPr lvl="1" marL="685800" indent="-226800">
+            <a:pPr lvl="1" marL="685800" indent="-226440">
               <a:lnSpc>
                 <a:spcPct val="90000"/>
               </a:lnSpc>
@@ -17815,7 +19436,7 @@
             </a:endParaRPr>
           </a:p>
           <a:p>
-            <a:pPr lvl="1" marL="685800" indent="-226800">
+            <a:pPr lvl="1" marL="685800" indent="-226440">
               <a:lnSpc>
                 <a:spcPct val="90000"/>
               </a:lnSpc>
@@ -17846,7 +19467,7 @@
       </p:sp>
       <p:pic>
         <p:nvPicPr>
-          <p:cNvPr id="251" name="Picture 4" descr=""/>
+          <p:cNvPr id="290" name="Picture 4" descr=""/>
           <p:cNvPicPr/>
           <p:nvPr/>
         </p:nvPicPr>
@@ -17857,7 +19478,7 @@
         <p:spPr>
           <a:xfrm>
             <a:off x="6912000" y="1800000"/>
-            <a:ext cx="4540320" cy="3927960"/>
+            <a:ext cx="4539960" cy="3927600"/>
           </a:xfrm>
           <a:prstGeom prst="rect">
             <a:avLst/>
@@ -17869,14 +19490,14 @@
       </p:pic>
       <p:sp>
         <p:nvSpPr>
-          <p:cNvPr id="252" name="CustomShape 3"/>
+          <p:cNvPr id="291" name="CustomShape 3"/>
           <p:cNvSpPr/>
           <p:nvPr/>
         </p:nvSpPr>
         <p:spPr>
           <a:xfrm>
             <a:off x="0" y="6653880"/>
-            <a:ext cx="1268640" cy="151920"/>
+            <a:ext cx="1268280" cy="151560"/>
           </a:xfrm>
           <a:prstGeom prst="rect">
             <a:avLst/>
@@ -17958,14 +19579,14 @@
       </p:grpSpPr>
       <p:sp>
         <p:nvSpPr>
-          <p:cNvPr id="253" name="CustomShape 1"/>
+          <p:cNvPr id="292" name="CustomShape 1"/>
           <p:cNvSpPr/>
           <p:nvPr/>
         </p:nvSpPr>
         <p:spPr>
           <a:xfrm>
             <a:off x="594000" y="234000"/>
-            <a:ext cx="10514520" cy="1258920"/>
+            <a:ext cx="10514160" cy="1258560"/>
           </a:xfrm>
           <a:prstGeom prst="rect">
             <a:avLst/>
@@ -18009,14 +19630,14 @@
       </p:sp>
       <p:sp>
         <p:nvSpPr>
-          <p:cNvPr id="254" name="CustomShape 2"/>
+          <p:cNvPr id="293" name="CustomShape 2"/>
           <p:cNvSpPr/>
           <p:nvPr/>
         </p:nvSpPr>
         <p:spPr>
           <a:xfrm>
             <a:off x="838080" y="1825560"/>
-            <a:ext cx="10514160" cy="4349880"/>
+            <a:ext cx="10513800" cy="4349520"/>
           </a:xfrm>
           <a:prstGeom prst="rect">
             <a:avLst/>
@@ -18037,7 +19658,7 @@
             <a:normAutofit/>
           </a:bodyPr>
           <a:p>
-            <a:pPr marL="228600" indent="-227160">
+            <a:pPr marL="228600" indent="-226800">
               <a:lnSpc>
                 <a:spcPct val="90000"/>
               </a:lnSpc>
@@ -18065,7 +19686,7 @@
             </a:endParaRPr>
           </a:p>
           <a:p>
-            <a:pPr lvl="1" marL="685800" indent="-227160">
+            <a:pPr lvl="1" marL="685800" indent="-226800">
               <a:lnSpc>
                 <a:spcPct val="90000"/>
               </a:lnSpc>
@@ -18093,7 +19714,7 @@
             </a:endParaRPr>
           </a:p>
           <a:p>
-            <a:pPr lvl="1" marL="685800" indent="-227160">
+            <a:pPr lvl="1" marL="685800" indent="-226800">
               <a:lnSpc>
                 <a:spcPct val="90000"/>
               </a:lnSpc>
@@ -18121,7 +19742,7 @@
             </a:endParaRPr>
           </a:p>
           <a:p>
-            <a:pPr lvl="2" marL="1143000" indent="-227160">
+            <a:pPr lvl="2" marL="1143000" indent="-226800">
               <a:lnSpc>
                 <a:spcPct val="90000"/>
               </a:lnSpc>
@@ -18149,7 +19770,7 @@
             </a:endParaRPr>
           </a:p>
           <a:p>
-            <a:pPr marL="228600" indent="-227160">
+            <a:pPr marL="228600" indent="-226800">
               <a:lnSpc>
                 <a:spcPct val="90000"/>
               </a:lnSpc>
@@ -18177,7 +19798,7 @@
             </a:endParaRPr>
           </a:p>
           <a:p>
-            <a:pPr lvl="1" marL="971640" indent="-513000">
+            <a:pPr lvl="1" marL="971640" indent="-512640">
               <a:lnSpc>
                 <a:spcPct val="90000"/>
               </a:lnSpc>
@@ -18205,7 +19826,7 @@
             </a:endParaRPr>
           </a:p>
           <a:p>
-            <a:pPr lvl="1" marL="971640" indent="-513000">
+            <a:pPr lvl="1" marL="971640" indent="-512640">
               <a:lnSpc>
                 <a:spcPct val="90000"/>
               </a:lnSpc>
@@ -18233,7 +19854,7 @@
             </a:endParaRPr>
           </a:p>
           <a:p>
-            <a:pPr lvl="1" marL="971640" indent="-513000">
+            <a:pPr lvl="1" marL="971640" indent="-512640">
               <a:lnSpc>
                 <a:spcPct val="90000"/>
               </a:lnSpc>
@@ -18261,7 +19882,7 @@
             </a:endParaRPr>
           </a:p>
           <a:p>
-            <a:pPr lvl="1" marL="971640" indent="-513000">
+            <a:pPr lvl="1" marL="971640" indent="-512640">
               <a:lnSpc>
                 <a:spcPct val="90000"/>
               </a:lnSpc>
@@ -18289,7 +19910,7 @@
             </a:endParaRPr>
           </a:p>
           <a:p>
-            <a:pPr lvl="2" marL="1428840" indent="-513000">
+            <a:pPr lvl="2" marL="1428840" indent="-512640">
               <a:lnSpc>
                 <a:spcPct val="90000"/>
               </a:lnSpc>
@@ -18317,7 +19938,7 @@
             </a:endParaRPr>
           </a:p>
           <a:p>
-            <a:pPr lvl="2" marL="1428840" indent="-513000">
+            <a:pPr lvl="2" marL="1428840" indent="-512640">
               <a:lnSpc>
                 <a:spcPct val="90000"/>
               </a:lnSpc>
@@ -18345,7 +19966,7 @@
             </a:endParaRPr>
           </a:p>
           <a:p>
-            <a:pPr marL="228600" indent="-227160">
+            <a:pPr marL="228600" indent="-226800">
               <a:lnSpc>
                 <a:spcPct val="90000"/>
               </a:lnSpc>
@@ -18432,7 +20053,7 @@
       </p:sp>
       <p:pic>
         <p:nvPicPr>
-          <p:cNvPr id="255" name="Picture 5" descr=""/>
+          <p:cNvPr id="294" name="Picture 5" descr=""/>
           <p:cNvPicPr/>
           <p:nvPr/>
         </p:nvPicPr>
@@ -18442,8 +20063,8 @@
         </p:blipFill>
         <p:spPr>
           <a:xfrm>
-            <a:off x="9288000" y="1358280"/>
-            <a:ext cx="2142360" cy="4977720"/>
+            <a:off x="9306720" y="1574280"/>
+            <a:ext cx="1925280" cy="4473720"/>
           </a:xfrm>
           <a:prstGeom prst="rect">
             <a:avLst/>
@@ -18485,14 +20106,14 @@
       </p:grpSpPr>
       <p:sp>
         <p:nvSpPr>
-          <p:cNvPr id="256" name="CustomShape 1"/>
+          <p:cNvPr id="295" name="CustomShape 1"/>
           <p:cNvSpPr/>
           <p:nvPr/>
         </p:nvSpPr>
         <p:spPr>
           <a:xfrm>
             <a:off x="594000" y="234000"/>
-            <a:ext cx="10514520" cy="1258920"/>
+            <a:ext cx="10514160" cy="1258560"/>
           </a:xfrm>
           <a:prstGeom prst="rect">
             <a:avLst/>
@@ -18536,14 +20157,14 @@
       </p:sp>
       <p:sp>
         <p:nvSpPr>
-          <p:cNvPr id="257" name="CustomShape 2"/>
+          <p:cNvPr id="296" name="CustomShape 2"/>
           <p:cNvSpPr/>
           <p:nvPr/>
         </p:nvSpPr>
         <p:spPr>
           <a:xfrm>
             <a:off x="838080" y="1825560"/>
-            <a:ext cx="6780240" cy="4349880"/>
+            <a:ext cx="6779880" cy="4349520"/>
           </a:xfrm>
           <a:prstGeom prst="rect">
             <a:avLst/>
@@ -18564,7 +20185,7 @@
             <a:noAutofit/>
           </a:bodyPr>
           <a:p>
-            <a:pPr marL="228600" indent="-227160">
+            <a:pPr marL="228600" indent="-226800">
               <a:lnSpc>
                 <a:spcPct val="90000"/>
               </a:lnSpc>
@@ -18592,7 +20213,7 @@
             </a:endParaRPr>
           </a:p>
           <a:p>
-            <a:pPr lvl="1" marL="685800" indent="-227160">
+            <a:pPr lvl="1" marL="685800" indent="-226800">
               <a:lnSpc>
                 <a:spcPct val="90000"/>
               </a:lnSpc>
@@ -18653,7 +20274,7 @@
             </a:endParaRPr>
           </a:p>
           <a:p>
-            <a:pPr lvl="1" marL="685800" indent="-227160">
+            <a:pPr lvl="1" marL="685800" indent="-226800">
               <a:lnSpc>
                 <a:spcPct val="90000"/>
               </a:lnSpc>
@@ -18694,7 +20315,7 @@
             </a:endParaRPr>
           </a:p>
           <a:p>
-            <a:pPr marL="228600" indent="-227160">
+            <a:pPr marL="228600" indent="-226800">
               <a:lnSpc>
                 <a:spcPct val="90000"/>
               </a:lnSpc>
@@ -18722,7 +20343,7 @@
             </a:endParaRPr>
           </a:p>
           <a:p>
-            <a:pPr lvl="1" marL="685800" indent="-227160">
+            <a:pPr lvl="1" marL="685800" indent="-226800">
               <a:lnSpc>
                 <a:spcPct val="90000"/>
               </a:lnSpc>
@@ -18750,7 +20371,7 @@
             </a:endParaRPr>
           </a:p>
           <a:p>
-            <a:pPr lvl="1" marL="685800" indent="-227160">
+            <a:pPr lvl="1" marL="685800" indent="-226800">
               <a:lnSpc>
                 <a:spcPct val="90000"/>
               </a:lnSpc>
@@ -18778,7 +20399,7 @@
             </a:endParaRPr>
           </a:p>
           <a:p>
-            <a:pPr lvl="1" marL="685800" indent="-227160">
+            <a:pPr lvl="1" marL="685800" indent="-226800">
               <a:lnSpc>
                 <a:spcPct val="90000"/>
               </a:lnSpc>
@@ -18809,7 +20430,7 @@
       </p:sp>
       <p:pic>
         <p:nvPicPr>
-          <p:cNvPr id="258" name="Picture 8" descr=""/>
+          <p:cNvPr id="297" name="Picture 8" descr=""/>
           <p:cNvPicPr/>
           <p:nvPr/>
         </p:nvPicPr>
@@ -18820,7 +20441,7 @@
         <p:spPr>
           <a:xfrm>
             <a:off x="7272000" y="2160000"/>
-            <a:ext cx="3970440" cy="2913120"/>
+            <a:ext cx="3970080" cy="2912760"/>
           </a:xfrm>
           <a:prstGeom prst="rect">
             <a:avLst/>
@@ -18862,14 +20483,14 @@
       </p:grpSpPr>
       <p:sp>
         <p:nvSpPr>
-          <p:cNvPr id="259" name="CustomShape 1"/>
+          <p:cNvPr id="298" name="CustomShape 1"/>
           <p:cNvSpPr/>
           <p:nvPr/>
         </p:nvSpPr>
         <p:spPr>
           <a:xfrm>
             <a:off x="594000" y="234000"/>
-            <a:ext cx="10514520" cy="1258920"/>
+            <a:ext cx="10514160" cy="1258560"/>
           </a:xfrm>
           <a:prstGeom prst="rect">
             <a:avLst/>
@@ -18913,14 +20534,14 @@
       </p:sp>
       <p:sp>
         <p:nvSpPr>
-          <p:cNvPr id="260" name="CustomShape 2"/>
+          <p:cNvPr id="299" name="CustomShape 2"/>
           <p:cNvSpPr/>
           <p:nvPr/>
         </p:nvSpPr>
         <p:spPr>
           <a:xfrm>
             <a:off x="838080" y="1825560"/>
-            <a:ext cx="10514160" cy="4349880"/>
+            <a:ext cx="10513800" cy="4349520"/>
           </a:xfrm>
           <a:prstGeom prst="rect">
             <a:avLst/>
@@ -18941,7 +20562,7 @@
             <a:normAutofit/>
           </a:bodyPr>
           <a:p>
-            <a:pPr marL="228600" indent="-227160">
+            <a:pPr marL="228600" indent="-226800">
               <a:lnSpc>
                 <a:spcPct val="90000"/>
               </a:lnSpc>
@@ -18969,7 +20590,7 @@
             </a:endParaRPr>
           </a:p>
           <a:p>
-            <a:pPr lvl="1" marL="685800" indent="-227160">
+            <a:pPr lvl="1" marL="685800" indent="-226800">
               <a:lnSpc>
                 <a:spcPct val="90000"/>
               </a:lnSpc>
@@ -18997,7 +20618,7 @@
             </a:endParaRPr>
           </a:p>
           <a:p>
-            <a:pPr marL="228600" indent="-227160">
+            <a:pPr marL="228600" indent="-226800">
               <a:lnSpc>
                 <a:spcPct val="90000"/>
               </a:lnSpc>
@@ -19025,7 +20646,7 @@
             </a:endParaRPr>
           </a:p>
           <a:p>
-            <a:pPr lvl="1" marL="685800" indent="-227160">
+            <a:pPr lvl="1" marL="685800" indent="-226800">
               <a:lnSpc>
                 <a:spcPct val="90000"/>
               </a:lnSpc>
@@ -19053,7 +20674,7 @@
             </a:endParaRPr>
           </a:p>
           <a:p>
-            <a:pPr lvl="1" marL="685800" indent="-227160">
+            <a:pPr lvl="1" marL="685800" indent="-226800">
               <a:lnSpc>
                 <a:spcPct val="90000"/>
               </a:lnSpc>
@@ -19091,7 +20712,7 @@
             </a:endParaRPr>
           </a:p>
           <a:p>
-            <a:pPr lvl="1" marL="685800" indent="-227160">
+            <a:pPr lvl="1" marL="685800" indent="-226800">
               <a:lnSpc>
                 <a:spcPct val="90000"/>
               </a:lnSpc>
@@ -19119,7 +20740,7 @@
             </a:endParaRPr>
           </a:p>
           <a:p>
-            <a:pPr lvl="1" marL="685800" indent="-227160">
+            <a:pPr lvl="1" marL="685800" indent="-226800">
               <a:lnSpc>
                 <a:spcPct val="90000"/>
               </a:lnSpc>
@@ -19147,7 +20768,7 @@
             </a:endParaRPr>
           </a:p>
           <a:p>
-            <a:pPr marL="228600" indent="-227160">
+            <a:pPr marL="228600" indent="-226800">
               <a:lnSpc>
                 <a:spcPct val="90000"/>
               </a:lnSpc>
@@ -19175,7 +20796,7 @@
             </a:endParaRPr>
           </a:p>
           <a:p>
-            <a:pPr lvl="1" marL="685800" indent="-227160">
+            <a:pPr lvl="1" marL="685800" indent="-226800">
               <a:lnSpc>
                 <a:spcPct val="90000"/>
               </a:lnSpc>
@@ -19203,7 +20824,7 @@
             </a:endParaRPr>
           </a:p>
           <a:p>
-            <a:pPr lvl="1" marL="685800" indent="-227160">
+            <a:pPr lvl="1" marL="685800" indent="-226800">
               <a:lnSpc>
                 <a:spcPct val="90000"/>
               </a:lnSpc>
@@ -19231,7 +20852,7 @@
             </a:endParaRPr>
           </a:p>
           <a:p>
-            <a:pPr lvl="1" marL="685800" indent="-227160">
+            <a:pPr lvl="1" marL="685800" indent="-226800">
               <a:lnSpc>
                 <a:spcPct val="90000"/>
               </a:lnSpc>
@@ -19288,7 +20909,7 @@
       </p:sp>
       <p:pic>
         <p:nvPicPr>
-          <p:cNvPr id="261" name="Grafik 3" descr=""/>
+          <p:cNvPr id="300" name="Grafik 3" descr=""/>
           <p:cNvPicPr/>
           <p:nvPr/>
         </p:nvPicPr>
@@ -19299,7 +20920,7 @@
         <p:spPr>
           <a:xfrm>
             <a:off x="8057880" y="2448000"/>
-            <a:ext cx="3294360" cy="2951280"/>
+            <a:ext cx="3294000" cy="2950920"/>
           </a:xfrm>
           <a:prstGeom prst="rect">
             <a:avLst/>
@@ -19341,14 +20962,14 @@
       </p:grpSpPr>
       <p:sp>
         <p:nvSpPr>
-          <p:cNvPr id="262" name="CustomShape 1"/>
+          <p:cNvPr id="301" name="CustomShape 1"/>
           <p:cNvSpPr/>
           <p:nvPr/>
         </p:nvSpPr>
         <p:spPr>
           <a:xfrm>
             <a:off x="594000" y="234000"/>
-            <a:ext cx="10514520" cy="1258920"/>
+            <a:ext cx="10514160" cy="1258560"/>
           </a:xfrm>
           <a:prstGeom prst="rect">
             <a:avLst/>
@@ -19392,14 +21013,14 @@
       </p:sp>
       <p:sp>
         <p:nvSpPr>
-          <p:cNvPr id="263" name="CustomShape 2"/>
+          <p:cNvPr id="302" name="CustomShape 2"/>
           <p:cNvSpPr/>
           <p:nvPr/>
         </p:nvSpPr>
         <p:spPr>
           <a:xfrm>
             <a:off x="838080" y="1429920"/>
-            <a:ext cx="10514160" cy="5061600"/>
+            <a:ext cx="10513800" cy="5061240"/>
           </a:xfrm>
           <a:prstGeom prst="rect">
             <a:avLst/>
@@ -19420,7 +21041,7 @@
             <a:normAutofit/>
           </a:bodyPr>
           <a:p>
-            <a:pPr marL="228600" indent="-227160">
+            <a:pPr marL="228600" indent="-226800">
               <a:lnSpc>
                 <a:spcPct val="90000"/>
               </a:lnSpc>
@@ -19448,7 +21069,7 @@
             </a:endParaRPr>
           </a:p>
           <a:p>
-            <a:pPr marL="228600" indent="-227160">
+            <a:pPr marL="228600" indent="-226800">
               <a:lnSpc>
                 <a:spcPct val="90000"/>
               </a:lnSpc>
@@ -19476,7 +21097,7 @@
             </a:endParaRPr>
           </a:p>
           <a:p>
-            <a:pPr lvl="1" marL="685800" indent="-227160">
+            <a:pPr lvl="1" marL="685800" indent="-226800">
               <a:lnSpc>
                 <a:spcPct val="90000"/>
               </a:lnSpc>
@@ -19504,7 +21125,7 @@
             </a:endParaRPr>
           </a:p>
           <a:p>
-            <a:pPr lvl="1" marL="685800" indent="-227160">
+            <a:pPr lvl="1" marL="685800" indent="-226800">
               <a:lnSpc>
                 <a:spcPct val="90000"/>
               </a:lnSpc>
@@ -19532,7 +21153,7 @@
             </a:endParaRPr>
           </a:p>
           <a:p>
-            <a:pPr lvl="1" marL="685800" indent="-227160">
+            <a:pPr lvl="1" marL="685800" indent="-226800">
               <a:lnSpc>
                 <a:spcPct val="90000"/>
               </a:lnSpc>
@@ -19560,7 +21181,7 @@
             </a:endParaRPr>
           </a:p>
           <a:p>
-            <a:pPr marL="228600" indent="-227160">
+            <a:pPr marL="228600" indent="-226800">
               <a:lnSpc>
                 <a:spcPct val="90000"/>
               </a:lnSpc>
@@ -19588,7 +21209,7 @@
             </a:endParaRPr>
           </a:p>
           <a:p>
-            <a:pPr lvl="1" marL="685800" indent="-227160">
+            <a:pPr lvl="1" marL="685800" indent="-226800">
               <a:lnSpc>
                 <a:spcPct val="90000"/>
               </a:lnSpc>
@@ -19616,7 +21237,7 @@
             </a:endParaRPr>
           </a:p>
           <a:p>
-            <a:pPr lvl="1" marL="685800" indent="-227160">
+            <a:pPr lvl="1" marL="685800" indent="-226800">
               <a:lnSpc>
                 <a:spcPct val="90000"/>
               </a:lnSpc>
@@ -19644,7 +21265,7 @@
             </a:endParaRPr>
           </a:p>
           <a:p>
-            <a:pPr lvl="1" marL="685800" indent="-227160">
+            <a:pPr lvl="1" marL="685800" indent="-226800">
               <a:lnSpc>
                 <a:spcPct val="90000"/>
               </a:lnSpc>
@@ -19672,7 +21293,7 @@
             </a:endParaRPr>
           </a:p>
           <a:p>
-            <a:pPr marL="228600" indent="-227160">
+            <a:pPr marL="228600" indent="-226800">
               <a:lnSpc>
                 <a:spcPct val="90000"/>
               </a:lnSpc>
@@ -19700,7 +21321,7 @@
             </a:endParaRPr>
           </a:p>
           <a:p>
-            <a:pPr lvl="1" marL="685800" indent="-227160">
+            <a:pPr lvl="1" marL="685800" indent="-226800">
               <a:lnSpc>
                 <a:spcPct val="90000"/>
               </a:lnSpc>
@@ -19728,7 +21349,7 @@
             </a:endParaRPr>
           </a:p>
           <a:p>
-            <a:pPr lvl="1" marL="685800" indent="-227160">
+            <a:pPr lvl="1" marL="685800" indent="-226800">
               <a:lnSpc>
                 <a:spcPct val="90000"/>
               </a:lnSpc>
@@ -19772,7 +21393,7 @@
       </p:sp>
       <p:pic>
         <p:nvPicPr>
-          <p:cNvPr id="264" name="Grafik 3" descr=""/>
+          <p:cNvPr id="303" name="Grafik 3" descr=""/>
           <p:cNvPicPr/>
           <p:nvPr/>
         </p:nvPicPr>
@@ -19783,7 +21404,7 @@
         <p:spPr>
           <a:xfrm>
             <a:off x="8568000" y="3619440"/>
-            <a:ext cx="2784240" cy="2715840"/>
+            <a:ext cx="2783880" cy="2715480"/>
           </a:xfrm>
           <a:prstGeom prst="rect">
             <a:avLst/>
@@ -19825,14 +21446,14 @@
       </p:grpSpPr>
       <p:sp>
         <p:nvSpPr>
-          <p:cNvPr id="265" name="CustomShape 1"/>
+          <p:cNvPr id="304" name="CustomShape 1"/>
           <p:cNvSpPr/>
           <p:nvPr/>
         </p:nvSpPr>
         <p:spPr>
           <a:xfrm>
             <a:off x="594000" y="234000"/>
-            <a:ext cx="10514520" cy="1258920"/>
+            <a:ext cx="10514160" cy="1258560"/>
           </a:xfrm>
           <a:prstGeom prst="rect">
             <a:avLst/>
@@ -19876,14 +21497,14 @@
       </p:sp>
       <p:sp>
         <p:nvSpPr>
-          <p:cNvPr id="266" name="CustomShape 2"/>
+          <p:cNvPr id="305" name="CustomShape 2"/>
           <p:cNvSpPr/>
           <p:nvPr/>
         </p:nvSpPr>
         <p:spPr>
           <a:xfrm>
             <a:off x="838080" y="1440000"/>
-            <a:ext cx="10514160" cy="4824000"/>
+            <a:ext cx="10513800" cy="4823640"/>
           </a:xfrm>
           <a:prstGeom prst="rect">
             <a:avLst/>
@@ -19904,7 +21525,7 @@
             <a:normAutofit/>
           </a:bodyPr>
           <a:p>
-            <a:pPr marL="228600" indent="-227160">
+            <a:pPr marL="228600" indent="-226800">
               <a:lnSpc>
                 <a:spcPct val="90000"/>
               </a:lnSpc>
@@ -19932,7 +21553,7 @@
             </a:endParaRPr>
           </a:p>
           <a:p>
-            <a:pPr lvl="1" marL="685800" indent="-227160">
+            <a:pPr lvl="1" marL="685800" indent="-226800">
               <a:lnSpc>
                 <a:spcPct val="90000"/>
               </a:lnSpc>
@@ -19960,7 +21581,7 @@
             </a:endParaRPr>
           </a:p>
           <a:p>
-            <a:pPr lvl="1" marL="685800" indent="-227160">
+            <a:pPr lvl="1" marL="685800" indent="-226800">
               <a:lnSpc>
                 <a:spcPct val="90000"/>
               </a:lnSpc>
@@ -19988,7 +21609,7 @@
             </a:endParaRPr>
           </a:p>
           <a:p>
-            <a:pPr lvl="1" marL="685800" indent="-227160">
+            <a:pPr lvl="1" marL="685800" indent="-226800">
               <a:lnSpc>
                 <a:spcPct val="90000"/>
               </a:lnSpc>
@@ -20016,7 +21637,7 @@
             </a:endParaRPr>
           </a:p>
           <a:p>
-            <a:pPr marL="228600" indent="-227160">
+            <a:pPr marL="228600" indent="-226800">
               <a:lnSpc>
                 <a:spcPct val="90000"/>
               </a:lnSpc>
@@ -20044,7 +21665,7 @@
             </a:endParaRPr>
           </a:p>
           <a:p>
-            <a:pPr lvl="1" marL="685800" indent="-227160">
+            <a:pPr lvl="1" marL="685800" indent="-226800">
               <a:lnSpc>
                 <a:spcPct val="90000"/>
               </a:lnSpc>
@@ -20072,7 +21693,7 @@
             </a:endParaRPr>
           </a:p>
           <a:p>
-            <a:pPr lvl="1" marL="685800" indent="-227160">
+            <a:pPr lvl="1" marL="685800" indent="-226800">
               <a:lnSpc>
                 <a:spcPct val="90000"/>
               </a:lnSpc>
@@ -20100,7 +21721,7 @@
             </a:endParaRPr>
           </a:p>
           <a:p>
-            <a:pPr lvl="2" marL="1143000" indent="-227160">
+            <a:pPr lvl="2" marL="1143000" indent="-226800">
               <a:lnSpc>
                 <a:spcPct val="90000"/>
               </a:lnSpc>
@@ -20128,7 +21749,7 @@
             </a:endParaRPr>
           </a:p>
           <a:p>
-            <a:pPr lvl="1" marL="685800" indent="-227160">
+            <a:pPr lvl="1" marL="685800" indent="-226800">
               <a:lnSpc>
                 <a:spcPct val="90000"/>
               </a:lnSpc>
@@ -20156,7 +21777,7 @@
             </a:endParaRPr>
           </a:p>
           <a:p>
-            <a:pPr marL="228600" indent="-227160">
+            <a:pPr marL="228600" indent="-226800">
               <a:lnSpc>
                 <a:spcPct val="90000"/>
               </a:lnSpc>
@@ -20194,7 +21815,7 @@
             </a:endParaRPr>
           </a:p>
           <a:p>
-            <a:pPr lvl="1" marL="685800" indent="-227160">
+            <a:pPr lvl="1" marL="685800" indent="-226800">
               <a:lnSpc>
                 <a:spcPct val="90000"/>
               </a:lnSpc>
@@ -20222,7 +21843,7 @@
             </a:endParaRPr>
           </a:p>
           <a:p>
-            <a:pPr lvl="1" marL="685800" indent="-227160">
+            <a:pPr lvl="1" marL="685800" indent="-226800">
               <a:lnSpc>
                 <a:spcPct val="90000"/>
               </a:lnSpc>
@@ -20266,7 +21887,7 @@
       </p:sp>
       <p:pic>
         <p:nvPicPr>
-          <p:cNvPr id="267" name="Grafik 3" descr=""/>
+          <p:cNvPr id="306" name="Grafik 3" descr=""/>
           <p:cNvPicPr/>
           <p:nvPr/>
         </p:nvPicPr>
@@ -20277,7 +21898,7 @@
         <p:spPr>
           <a:xfrm>
             <a:off x="8238240" y="2075040"/>
-            <a:ext cx="3065760" cy="3036960"/>
+            <a:ext cx="3065400" cy="3036600"/>
           </a:xfrm>
           <a:prstGeom prst="rect">
             <a:avLst/>
@@ -20319,14 +21940,14 @@
       </p:grpSpPr>
       <p:sp>
         <p:nvSpPr>
-          <p:cNvPr id="163" name="CustomShape 1"/>
+          <p:cNvPr id="202" name="CustomShape 1"/>
           <p:cNvSpPr/>
           <p:nvPr/>
         </p:nvSpPr>
         <p:spPr>
           <a:xfrm>
             <a:off x="594000" y="234000"/>
-            <a:ext cx="10514520" cy="1258920"/>
+            <a:ext cx="10514160" cy="1258560"/>
           </a:xfrm>
           <a:prstGeom prst="rect">
             <a:avLst/>
@@ -20370,14 +21991,14 @@
       </p:sp>
       <p:sp>
         <p:nvSpPr>
-          <p:cNvPr id="164" name="CustomShape 2"/>
+          <p:cNvPr id="203" name="CustomShape 2"/>
           <p:cNvSpPr/>
           <p:nvPr/>
         </p:nvSpPr>
         <p:spPr>
           <a:xfrm>
             <a:off x="838080" y="1780920"/>
-            <a:ext cx="5179680" cy="2520360"/>
+            <a:ext cx="5179320" cy="2520000"/>
           </a:xfrm>
           <a:prstGeom prst="rect">
             <a:avLst/>
@@ -20398,7 +22019,7 @@
             <a:normAutofit/>
           </a:bodyPr>
           <a:p>
-            <a:pPr marL="228600" indent="-226800">
+            <a:pPr marL="228600" indent="-226440">
               <a:lnSpc>
                 <a:spcPct val="90000"/>
               </a:lnSpc>
@@ -20426,7 +22047,7 @@
             </a:endParaRPr>
           </a:p>
           <a:p>
-            <a:pPr lvl="1" marL="685800" indent="-226800">
+            <a:pPr lvl="1" marL="685800" indent="-226440">
               <a:lnSpc>
                 <a:spcPct val="90000"/>
               </a:lnSpc>
@@ -20454,7 +22075,7 @@
             </a:endParaRPr>
           </a:p>
           <a:p>
-            <a:pPr lvl="1" marL="685800" indent="-226800">
+            <a:pPr lvl="1" marL="685800" indent="-226440">
               <a:lnSpc>
                 <a:spcPct val="90000"/>
               </a:lnSpc>
@@ -20482,7 +22103,7 @@
             </a:endParaRPr>
           </a:p>
           <a:p>
-            <a:pPr lvl="1" marL="685800" indent="-226800">
+            <a:pPr lvl="1" marL="685800" indent="-226440">
               <a:lnSpc>
                 <a:spcPct val="90000"/>
               </a:lnSpc>
@@ -20510,7 +22131,7 @@
             </a:endParaRPr>
           </a:p>
           <a:p>
-            <a:pPr lvl="1" marL="685800" indent="-226800">
+            <a:pPr lvl="1" marL="685800" indent="-226440">
               <a:lnSpc>
                 <a:spcPct val="90000"/>
               </a:lnSpc>
@@ -20538,7 +22159,7 @@
             </a:endParaRPr>
           </a:p>
           <a:p>
-            <a:pPr lvl="1" marL="685800" indent="-226800">
+            <a:pPr lvl="1" marL="685800" indent="-226440">
               <a:lnSpc>
                 <a:spcPct val="90000"/>
               </a:lnSpc>
@@ -20582,14 +22203,14 @@
       </p:sp>
       <p:sp>
         <p:nvSpPr>
-          <p:cNvPr id="165" name="CustomShape 3"/>
+          <p:cNvPr id="204" name="CustomShape 3"/>
           <p:cNvSpPr/>
           <p:nvPr/>
         </p:nvSpPr>
         <p:spPr>
           <a:xfrm>
             <a:off x="6172200" y="1780920"/>
-            <a:ext cx="5179680" cy="2350080"/>
+            <a:ext cx="5179320" cy="2349720"/>
           </a:xfrm>
           <a:prstGeom prst="rect">
             <a:avLst/>
@@ -20610,7 +22231,7 @@
             <a:normAutofit/>
           </a:bodyPr>
           <a:p>
-            <a:pPr marL="228600" indent="-226800">
+            <a:pPr marL="228600" indent="-226440">
               <a:lnSpc>
                 <a:spcPct val="90000"/>
               </a:lnSpc>
@@ -20638,7 +22259,7 @@
             </a:endParaRPr>
           </a:p>
           <a:p>
-            <a:pPr lvl="1" marL="685800" indent="-226800">
+            <a:pPr lvl="1" marL="685800" indent="-226440">
               <a:lnSpc>
                 <a:spcPct val="90000"/>
               </a:lnSpc>
@@ -20666,7 +22287,7 @@
             </a:endParaRPr>
           </a:p>
           <a:p>
-            <a:pPr lvl="1" marL="685800" indent="-226800">
+            <a:pPr lvl="1" marL="685800" indent="-226440">
               <a:lnSpc>
                 <a:spcPct val="90000"/>
               </a:lnSpc>
@@ -20694,7 +22315,7 @@
             </a:endParaRPr>
           </a:p>
           <a:p>
-            <a:pPr lvl="1" marL="685800" indent="-226800">
+            <a:pPr lvl="1" marL="685800" indent="-226440">
               <a:lnSpc>
                 <a:spcPct val="90000"/>
               </a:lnSpc>
@@ -20722,7 +22343,7 @@
             </a:endParaRPr>
           </a:p>
           <a:p>
-            <a:pPr lvl="1" marL="685800" indent="-226800">
+            <a:pPr lvl="1" marL="685800" indent="-226440">
               <a:lnSpc>
                 <a:spcPct val="90000"/>
               </a:lnSpc>
@@ -20750,7 +22371,7 @@
             </a:endParaRPr>
           </a:p>
           <a:p>
-            <a:pPr lvl="1" marL="685800" indent="-226800">
+            <a:pPr lvl="1" marL="685800" indent="-226440">
               <a:lnSpc>
                 <a:spcPct val="90000"/>
               </a:lnSpc>
@@ -20791,14 +22412,14 @@
       </p:sp>
       <p:sp>
         <p:nvSpPr>
-          <p:cNvPr id="166" name="CustomShape 4"/>
+          <p:cNvPr id="205" name="CustomShape 4"/>
           <p:cNvSpPr/>
           <p:nvPr/>
         </p:nvSpPr>
         <p:spPr>
           <a:xfrm>
             <a:off x="838080" y="4132800"/>
-            <a:ext cx="9411120" cy="2496960"/>
+            <a:ext cx="9410760" cy="2496960"/>
           </a:xfrm>
           <a:prstGeom prst="rect">
             <a:avLst/>
@@ -20829,7 +22450,7 @@
             </a:endParaRPr>
           </a:p>
           <a:p>
-            <a:pPr marL="457200" indent="-455400">
+            <a:pPr marL="457200" indent="-455040">
               <a:lnSpc>
                 <a:spcPct val="100000"/>
               </a:lnSpc>
@@ -20854,7 +22475,7 @@
             </a:endParaRPr>
           </a:p>
           <a:p>
-            <a:pPr marL="457200" indent="-455400">
+            <a:pPr marL="457200" indent="-455040">
               <a:lnSpc>
                 <a:spcPct val="100000"/>
               </a:lnSpc>
@@ -20879,7 +22500,7 @@
             </a:endParaRPr>
           </a:p>
           <a:p>
-            <a:pPr marL="457200" indent="-455400">
+            <a:pPr marL="457200" indent="-455040">
               <a:lnSpc>
                 <a:spcPct val="100000"/>
               </a:lnSpc>
@@ -20957,14 +22578,14 @@
       </p:grpSpPr>
       <p:sp>
         <p:nvSpPr>
-          <p:cNvPr id="268" name="CustomShape 1"/>
+          <p:cNvPr id="307" name="CustomShape 1"/>
           <p:cNvSpPr/>
           <p:nvPr/>
         </p:nvSpPr>
         <p:spPr>
           <a:xfrm>
             <a:off x="594000" y="234000"/>
-            <a:ext cx="10514520" cy="1258920"/>
+            <a:ext cx="10514160" cy="1258560"/>
           </a:xfrm>
           <a:prstGeom prst="rect">
             <a:avLst/>
@@ -21008,14 +22629,14 @@
       </p:sp>
       <p:sp>
         <p:nvSpPr>
-          <p:cNvPr id="269" name="CustomShape 2"/>
+          <p:cNvPr id="308" name="CustomShape 2"/>
           <p:cNvSpPr/>
           <p:nvPr/>
         </p:nvSpPr>
         <p:spPr>
           <a:xfrm>
             <a:off x="838080" y="1825560"/>
-            <a:ext cx="10514160" cy="4349880"/>
+            <a:ext cx="10513800" cy="4349520"/>
           </a:xfrm>
           <a:prstGeom prst="rect">
             <a:avLst/>
@@ -21036,7 +22657,7 @@
             <a:noAutofit/>
           </a:bodyPr>
           <a:p>
-            <a:pPr marL="228600" indent="-227160">
+            <a:pPr marL="228600" indent="-226800">
               <a:lnSpc>
                 <a:spcPct val="90000"/>
               </a:lnSpc>
@@ -21064,7 +22685,7 @@
             </a:endParaRPr>
           </a:p>
           <a:p>
-            <a:pPr lvl="1" marL="914400" indent="-455760">
+            <a:pPr lvl="1" marL="914400" indent="-455400">
               <a:lnSpc>
                 <a:spcPct val="90000"/>
               </a:lnSpc>
@@ -21092,7 +22713,7 @@
             </a:endParaRPr>
           </a:p>
           <a:p>
-            <a:pPr lvl="1" marL="914400" indent="-455760">
+            <a:pPr lvl="1" marL="914400" indent="-455400">
               <a:lnSpc>
                 <a:spcPct val="90000"/>
               </a:lnSpc>
@@ -21120,7 +22741,7 @@
             </a:endParaRPr>
           </a:p>
           <a:p>
-            <a:pPr lvl="1" marL="914400" indent="-455760">
+            <a:pPr lvl="1" marL="914400" indent="-455400">
               <a:lnSpc>
                 <a:spcPct val="90000"/>
               </a:lnSpc>
@@ -21148,7 +22769,7 @@
             </a:endParaRPr>
           </a:p>
           <a:p>
-            <a:pPr lvl="1" marL="914400" indent="-455760">
+            <a:pPr lvl="1" marL="914400" indent="-455400">
               <a:lnSpc>
                 <a:spcPct val="90000"/>
               </a:lnSpc>
@@ -21176,7 +22797,7 @@
             </a:endParaRPr>
           </a:p>
           <a:p>
-            <a:pPr marL="228600" indent="-227160">
+            <a:pPr marL="228600" indent="-226800">
               <a:lnSpc>
                 <a:spcPct val="90000"/>
               </a:lnSpc>
@@ -21204,7 +22825,7 @@
             </a:endParaRPr>
           </a:p>
           <a:p>
-            <a:pPr lvl="1" marL="685800" indent="-227160">
+            <a:pPr lvl="1" marL="685800" indent="-226800">
               <a:lnSpc>
                 <a:spcPct val="90000"/>
               </a:lnSpc>
@@ -21232,7 +22853,7 @@
             </a:endParaRPr>
           </a:p>
           <a:p>
-            <a:pPr lvl="1" marL="685800" indent="-227160">
+            <a:pPr lvl="1" marL="685800" indent="-226800">
               <a:lnSpc>
                 <a:spcPct val="90000"/>
               </a:lnSpc>
@@ -21260,7 +22881,7 @@
             </a:endParaRPr>
           </a:p>
           <a:p>
-            <a:pPr lvl="1" marL="685800" indent="-227160">
+            <a:pPr lvl="1" marL="685800" indent="-226800">
               <a:lnSpc>
                 <a:spcPct val="90000"/>
               </a:lnSpc>
@@ -21288,7 +22909,7 @@
             </a:endParaRPr>
           </a:p>
           <a:p>
-            <a:pPr lvl="1" marL="685800" indent="-227160">
+            <a:pPr lvl="1" marL="685800" indent="-226800">
               <a:lnSpc>
                 <a:spcPct val="90000"/>
               </a:lnSpc>
@@ -21319,7 +22940,7 @@
       </p:sp>
       <p:pic>
         <p:nvPicPr>
-          <p:cNvPr id="270" name="Grafik 3" descr=""/>
+          <p:cNvPr id="309" name="Grafik 3" descr=""/>
           <p:cNvPicPr/>
           <p:nvPr/>
         </p:nvPicPr>
@@ -21330,7 +22951,7 @@
         <p:spPr>
           <a:xfrm>
             <a:off x="7920720" y="1825560"/>
-            <a:ext cx="3167280" cy="3207960"/>
+            <a:ext cx="3166920" cy="3207600"/>
           </a:xfrm>
           <a:prstGeom prst="rect">
             <a:avLst/>
@@ -21372,14 +22993,14 @@
       </p:grpSpPr>
       <p:sp>
         <p:nvSpPr>
-          <p:cNvPr id="271" name="CustomShape 1"/>
+          <p:cNvPr id="310" name="CustomShape 1"/>
           <p:cNvSpPr/>
           <p:nvPr/>
         </p:nvSpPr>
         <p:spPr>
           <a:xfrm>
             <a:off x="594000" y="234000"/>
-            <a:ext cx="10514520" cy="1258920"/>
+            <a:ext cx="10514160" cy="1258560"/>
           </a:xfrm>
           <a:prstGeom prst="rect">
             <a:avLst/>
@@ -21423,14 +23044,14 @@
       </p:sp>
       <p:sp>
         <p:nvSpPr>
-          <p:cNvPr id="272" name="CustomShape 2"/>
+          <p:cNvPr id="311" name="CustomShape 2"/>
           <p:cNvSpPr/>
           <p:nvPr/>
         </p:nvSpPr>
         <p:spPr>
           <a:xfrm>
             <a:off x="838080" y="1825560"/>
-            <a:ext cx="10513800" cy="4349520"/>
+            <a:ext cx="10513440" cy="4349160"/>
           </a:xfrm>
           <a:prstGeom prst="rect">
             <a:avLst/>
@@ -21451,7 +23072,7 @@
             <a:noAutofit/>
           </a:bodyPr>
           <a:p>
-            <a:pPr marL="228600" indent="-226800">
+            <a:pPr marL="228600" indent="-226440">
               <a:lnSpc>
                 <a:spcPct val="90000"/>
               </a:lnSpc>
@@ -21479,7 +23100,7 @@
             </a:endParaRPr>
           </a:p>
           <a:p>
-            <a:pPr marL="228600" indent="-226800">
+            <a:pPr marL="228600" indent="-226440">
               <a:lnSpc>
                 <a:spcPct val="90000"/>
               </a:lnSpc>
@@ -21507,7 +23128,7 @@
             </a:endParaRPr>
           </a:p>
           <a:p>
-            <a:pPr marL="228600" indent="-226800">
+            <a:pPr marL="228600" indent="-226440">
               <a:lnSpc>
                 <a:spcPct val="90000"/>
               </a:lnSpc>
@@ -21535,7 +23156,7 @@
             </a:endParaRPr>
           </a:p>
           <a:p>
-            <a:pPr marL="228600" indent="-226800">
+            <a:pPr marL="228600" indent="-226440">
               <a:lnSpc>
                 <a:spcPct val="90000"/>
               </a:lnSpc>
@@ -21563,7 +23184,7 @@
             </a:endParaRPr>
           </a:p>
           <a:p>
-            <a:pPr lvl="1" marL="685800" indent="-226800">
+            <a:pPr lvl="1" marL="685800" indent="-226440">
               <a:lnSpc>
                 <a:spcPct val="90000"/>
               </a:lnSpc>
@@ -21591,7 +23212,7 @@
             </a:endParaRPr>
           </a:p>
           <a:p>
-            <a:pPr marL="228600" indent="-226800">
+            <a:pPr marL="228600" indent="-226440">
               <a:lnSpc>
                 <a:spcPct val="90000"/>
               </a:lnSpc>
@@ -21619,7 +23240,7 @@
             </a:endParaRPr>
           </a:p>
           <a:p>
-            <a:pPr marL="228600" indent="-226800">
+            <a:pPr marL="228600" indent="-226440">
               <a:lnSpc>
                 <a:spcPct val="90000"/>
               </a:lnSpc>
@@ -21647,7 +23268,7 @@
             </a:endParaRPr>
           </a:p>
           <a:p>
-            <a:pPr marL="228600" indent="-226800">
+            <a:pPr marL="228600" indent="-226440">
               <a:lnSpc>
                 <a:spcPct val="90000"/>
               </a:lnSpc>
@@ -21675,7 +23296,7 @@
             </a:endParaRPr>
           </a:p>
           <a:p>
-            <a:pPr marL="228600" indent="-226800">
+            <a:pPr marL="228600" indent="-226440">
               <a:lnSpc>
                 <a:spcPct val="90000"/>
               </a:lnSpc>
@@ -21749,14 +23370,14 @@
       </p:grpSpPr>
       <p:sp>
         <p:nvSpPr>
-          <p:cNvPr id="167" name="CustomShape 1"/>
+          <p:cNvPr id="206" name="CustomShape 1"/>
           <p:cNvSpPr/>
           <p:nvPr/>
         </p:nvSpPr>
         <p:spPr>
           <a:xfrm>
             <a:off x="594000" y="234000"/>
-            <a:ext cx="10514520" cy="1258920"/>
+            <a:ext cx="10514160" cy="1258560"/>
           </a:xfrm>
           <a:prstGeom prst="rect">
             <a:avLst/>
@@ -21800,14 +23421,14 @@
       </p:sp>
       <p:sp>
         <p:nvSpPr>
-          <p:cNvPr id="168" name="CustomShape 2"/>
+          <p:cNvPr id="207" name="CustomShape 2"/>
           <p:cNvSpPr/>
           <p:nvPr/>
         </p:nvSpPr>
         <p:spPr>
           <a:xfrm>
             <a:off x="838080" y="1825560"/>
-            <a:ext cx="10513800" cy="4349520"/>
+            <a:ext cx="10513440" cy="4349160"/>
           </a:xfrm>
           <a:prstGeom prst="rect">
             <a:avLst/>
@@ -21828,7 +23449,7 @@
             <a:noAutofit/>
           </a:bodyPr>
           <a:p>
-            <a:pPr marL="228600" indent="-226800">
+            <a:pPr marL="228600" indent="-226440">
               <a:lnSpc>
                 <a:spcPct val="90000"/>
               </a:lnSpc>
@@ -21856,7 +23477,7 @@
             </a:endParaRPr>
           </a:p>
           <a:p>
-            <a:pPr marL="228600" indent="-226800">
+            <a:pPr marL="228600" indent="-226440">
               <a:lnSpc>
                 <a:spcPct val="90000"/>
               </a:lnSpc>
@@ -21884,7 +23505,7 @@
             </a:endParaRPr>
           </a:p>
           <a:p>
-            <a:pPr marL="228600" indent="-226800">
+            <a:pPr marL="228600" indent="-226440">
               <a:lnSpc>
                 <a:spcPct val="90000"/>
               </a:lnSpc>
@@ -21912,7 +23533,7 @@
             </a:endParaRPr>
           </a:p>
           <a:p>
-            <a:pPr lvl="1" marL="432000" indent="-215280">
+            <a:pPr lvl="1" marL="432000" indent="-214920">
               <a:lnSpc>
                 <a:spcPct val="90000"/>
               </a:lnSpc>
@@ -21941,7 +23562,7 @@
             </a:endParaRPr>
           </a:p>
           <a:p>
-            <a:pPr marL="228600" indent="-226800">
+            <a:pPr marL="228600" indent="-226440">
               <a:lnSpc>
                 <a:spcPct val="90000"/>
               </a:lnSpc>
@@ -21969,7 +23590,7 @@
             </a:endParaRPr>
           </a:p>
           <a:p>
-            <a:pPr marL="228600" indent="-226800">
+            <a:pPr marL="228600" indent="-226440">
               <a:lnSpc>
                 <a:spcPct val="90000"/>
               </a:lnSpc>
@@ -21997,7 +23618,7 @@
             </a:endParaRPr>
           </a:p>
           <a:p>
-            <a:pPr marL="228600" indent="-226800">
+            <a:pPr marL="228600" indent="-226440">
               <a:lnSpc>
                 <a:spcPct val="90000"/>
               </a:lnSpc>
@@ -22058,14 +23679,14 @@
       </p:grpSpPr>
       <p:sp>
         <p:nvSpPr>
-          <p:cNvPr id="169" name="CustomShape 1"/>
+          <p:cNvPr id="208" name="CustomShape 1"/>
           <p:cNvSpPr/>
           <p:nvPr/>
         </p:nvSpPr>
         <p:spPr>
           <a:xfrm>
             <a:off x="594000" y="234000"/>
-            <a:ext cx="10442520" cy="1258920"/>
+            <a:ext cx="10442160" cy="1258560"/>
           </a:xfrm>
           <a:prstGeom prst="rect">
             <a:avLst/>
@@ -22112,14 +23733,14 @@
       </p:sp>
       <p:sp>
         <p:nvSpPr>
-          <p:cNvPr id="170" name="CustomShape 2"/>
+          <p:cNvPr id="209" name="CustomShape 2"/>
           <p:cNvSpPr/>
           <p:nvPr/>
         </p:nvSpPr>
         <p:spPr>
           <a:xfrm>
             <a:off x="838080" y="1825560"/>
-            <a:ext cx="10321920" cy="4078440"/>
+            <a:ext cx="10321560" cy="4078080"/>
           </a:xfrm>
           <a:prstGeom prst="rect">
             <a:avLst/>
@@ -22140,7 +23761,7 @@
             <a:normAutofit/>
           </a:bodyPr>
           <a:p>
-            <a:pPr marL="228600" indent="-226800">
+            <a:pPr marL="228600" indent="-226440">
               <a:lnSpc>
                 <a:spcPct val="90000"/>
               </a:lnSpc>
@@ -22168,7 +23789,7 @@
             </a:endParaRPr>
           </a:p>
           <a:p>
-            <a:pPr marL="228600" indent="-226800">
+            <a:pPr marL="228600" indent="-226440">
               <a:lnSpc>
                 <a:spcPct val="90000"/>
               </a:lnSpc>
@@ -22196,7 +23817,7 @@
             </a:endParaRPr>
           </a:p>
           <a:p>
-            <a:pPr lvl="1" marL="685800" indent="-226800">
+            <a:pPr lvl="1" marL="685800" indent="-226440">
               <a:lnSpc>
                 <a:spcPct val="90000"/>
               </a:lnSpc>
@@ -22224,7 +23845,7 @@
             </a:endParaRPr>
           </a:p>
           <a:p>
-            <a:pPr lvl="1" marL="685800" indent="-226800">
+            <a:pPr lvl="1" marL="685800" indent="-226440">
               <a:lnSpc>
                 <a:spcPct val="90000"/>
               </a:lnSpc>
@@ -22252,7 +23873,7 @@
             </a:endParaRPr>
           </a:p>
           <a:p>
-            <a:pPr lvl="1" marL="685800" indent="-226800">
+            <a:pPr lvl="1" marL="685800" indent="-226440">
               <a:lnSpc>
                 <a:spcPct val="90000"/>
               </a:lnSpc>
@@ -22280,7 +23901,7 @@
             </a:endParaRPr>
           </a:p>
           <a:p>
-            <a:pPr lvl="1" marL="685800" indent="-226800">
+            <a:pPr lvl="1" marL="685800" indent="-226440">
               <a:lnSpc>
                 <a:spcPct val="90000"/>
               </a:lnSpc>
@@ -22308,7 +23929,7 @@
             </a:endParaRPr>
           </a:p>
           <a:p>
-            <a:pPr lvl="2" marL="1143000" indent="-226800">
+            <a:pPr lvl="2" marL="1143000" indent="-226440">
               <a:lnSpc>
                 <a:spcPct val="90000"/>
               </a:lnSpc>
@@ -22408,14 +24029,14 @@
       </p:grpSpPr>
       <p:sp>
         <p:nvSpPr>
-          <p:cNvPr id="171" name="CustomShape 1"/>
+          <p:cNvPr id="210" name="CustomShape 1"/>
           <p:cNvSpPr/>
           <p:nvPr/>
         </p:nvSpPr>
         <p:spPr>
           <a:xfrm>
             <a:off x="594000" y="234000"/>
-            <a:ext cx="10442520" cy="1258920"/>
+            <a:ext cx="10442160" cy="1258560"/>
           </a:xfrm>
           <a:prstGeom prst="rect">
             <a:avLst/>
@@ -22462,14 +24083,14 @@
       </p:sp>
       <p:sp>
         <p:nvSpPr>
-          <p:cNvPr id="172" name="CustomShape 2"/>
+          <p:cNvPr id="211" name="CustomShape 2"/>
           <p:cNvSpPr/>
           <p:nvPr/>
         </p:nvSpPr>
         <p:spPr>
           <a:xfrm>
             <a:off x="838080" y="1825560"/>
-            <a:ext cx="10513800" cy="4349520"/>
+            <a:ext cx="10513440" cy="4349160"/>
           </a:xfrm>
           <a:prstGeom prst="rect">
             <a:avLst/>
@@ -22490,7 +24111,7 @@
             <a:normAutofit/>
           </a:bodyPr>
           <a:p>
-            <a:pPr marL="228600" indent="-226800">
+            <a:pPr marL="228600" indent="-226440">
               <a:lnSpc>
                 <a:spcPct val="90000"/>
               </a:lnSpc>
@@ -22518,7 +24139,7 @@
             </a:endParaRPr>
           </a:p>
           <a:p>
-            <a:pPr lvl="1" marL="685800" indent="-226800">
+            <a:pPr lvl="1" marL="685800" indent="-226440">
               <a:lnSpc>
                 <a:spcPct val="90000"/>
               </a:lnSpc>
@@ -22546,7 +24167,7 @@
             </a:endParaRPr>
           </a:p>
           <a:p>
-            <a:pPr marL="228600" indent="-226800">
+            <a:pPr marL="228600" indent="-226440">
               <a:lnSpc>
                 <a:spcPct val="90000"/>
               </a:lnSpc>
@@ -22574,7 +24195,7 @@
             </a:endParaRPr>
           </a:p>
           <a:p>
-            <a:pPr marL="228600" indent="-226800">
+            <a:pPr marL="228600" indent="-226440">
               <a:lnSpc>
                 <a:spcPct val="90000"/>
               </a:lnSpc>
@@ -22644,7 +24265,7 @@
       </p:sp>
       <p:pic>
         <p:nvPicPr>
-          <p:cNvPr id="173" name="Grafik 4" descr=""/>
+          <p:cNvPr id="212" name="Grafik 4" descr=""/>
           <p:cNvPicPr/>
           <p:nvPr/>
         </p:nvPicPr>
@@ -22655,7 +24276,7 @@
         <p:spPr>
           <a:xfrm>
             <a:off x="6608160" y="2825640"/>
-            <a:ext cx="4743720" cy="3294360"/>
+            <a:ext cx="4743360" cy="3294000"/>
           </a:xfrm>
           <a:prstGeom prst="rect">
             <a:avLst/>
@@ -22697,14 +24318,14 @@
       </p:grpSpPr>
       <p:sp>
         <p:nvSpPr>
-          <p:cNvPr id="174" name="CustomShape 1"/>
+          <p:cNvPr id="213" name="CustomShape 1"/>
           <p:cNvSpPr/>
           <p:nvPr/>
         </p:nvSpPr>
         <p:spPr>
           <a:xfrm>
             <a:off x="594000" y="234000"/>
-            <a:ext cx="10514520" cy="1258920"/>
+            <a:ext cx="10514160" cy="1258560"/>
           </a:xfrm>
           <a:prstGeom prst="rect">
             <a:avLst/>
@@ -22748,14 +24369,14 @@
       </p:sp>
       <p:sp>
         <p:nvSpPr>
-          <p:cNvPr id="175" name="CustomShape 2"/>
+          <p:cNvPr id="214" name="CustomShape 2"/>
           <p:cNvSpPr/>
           <p:nvPr/>
         </p:nvSpPr>
         <p:spPr>
           <a:xfrm>
             <a:off x="838080" y="1785600"/>
-            <a:ext cx="10513800" cy="2174400"/>
+            <a:ext cx="10513440" cy="2174040"/>
           </a:xfrm>
           <a:prstGeom prst="rect">
             <a:avLst/>
@@ -22776,7 +24397,7 @@
             <a:normAutofit/>
           </a:bodyPr>
           <a:p>
-            <a:pPr marL="228600" indent="-226800">
+            <a:pPr marL="228600" indent="-226440">
               <a:lnSpc>
                 <a:spcPct val="90000"/>
               </a:lnSpc>
@@ -22804,7 +24425,7 @@
             </a:endParaRPr>
           </a:p>
           <a:p>
-            <a:pPr lvl="1" marL="685800" indent="-226800">
+            <a:pPr lvl="1" marL="685800" indent="-226440">
               <a:lnSpc>
                 <a:spcPct val="90000"/>
               </a:lnSpc>
@@ -22832,7 +24453,7 @@
             </a:endParaRPr>
           </a:p>
           <a:p>
-            <a:pPr lvl="1" marL="685800" indent="-226800">
+            <a:pPr lvl="1" marL="685800" indent="-226440">
               <a:lnSpc>
                 <a:spcPct val="90000"/>
               </a:lnSpc>
@@ -22860,7 +24481,7 @@
             </a:endParaRPr>
           </a:p>
           <a:p>
-            <a:pPr lvl="1" marL="685800" indent="-226800">
+            <a:pPr lvl="1" marL="685800" indent="-226440">
               <a:lnSpc>
                 <a:spcPct val="90000"/>
               </a:lnSpc>
@@ -22888,7 +24509,7 @@
             </a:endParaRPr>
           </a:p>
           <a:p>
-            <a:pPr lvl="1" marL="685800" indent="-226800">
+            <a:pPr lvl="1" marL="685800" indent="-226440">
               <a:lnSpc>
                 <a:spcPct val="90000"/>
               </a:lnSpc>
@@ -22929,7 +24550,7 @@
       </p:sp>
       <p:pic>
         <p:nvPicPr>
-          <p:cNvPr id="176" name="Grafik 4" descr=""/>
+          <p:cNvPr id="215" name="Grafik 4" descr=""/>
           <p:cNvPicPr/>
           <p:nvPr/>
         </p:nvPicPr>
@@ -22940,7 +24561,7 @@
         <p:spPr>
           <a:xfrm>
             <a:off x="8640000" y="1785600"/>
-            <a:ext cx="1798920" cy="4063680"/>
+            <a:ext cx="1798560" cy="4063320"/>
           </a:xfrm>
           <a:prstGeom prst="rect">
             <a:avLst/>
@@ -22982,14 +24603,14 @@
       </p:grpSpPr>
       <p:sp>
         <p:nvSpPr>
-          <p:cNvPr id="177" name="CustomShape 1"/>
+          <p:cNvPr id="216" name="CustomShape 1"/>
           <p:cNvSpPr/>
           <p:nvPr/>
         </p:nvSpPr>
         <p:spPr>
           <a:xfrm>
             <a:off x="594000" y="234000"/>
-            <a:ext cx="10514520" cy="1258920"/>
+            <a:ext cx="10514160" cy="1258560"/>
           </a:xfrm>
           <a:prstGeom prst="rect">
             <a:avLst/>
@@ -23033,14 +24654,14 @@
       </p:sp>
       <p:sp>
         <p:nvSpPr>
-          <p:cNvPr id="178" name="CustomShape 2"/>
+          <p:cNvPr id="217" name="CustomShape 2"/>
           <p:cNvSpPr/>
           <p:nvPr/>
         </p:nvSpPr>
         <p:spPr>
           <a:xfrm>
             <a:off x="838080" y="1512000"/>
-            <a:ext cx="10513800" cy="3758400"/>
+            <a:ext cx="10513440" cy="3758040"/>
           </a:xfrm>
           <a:prstGeom prst="rect">
             <a:avLst/>
@@ -23061,7 +24682,7 @@
             <a:normAutofit/>
           </a:bodyPr>
           <a:p>
-            <a:pPr marL="228600" indent="-226800">
+            <a:pPr marL="228600" indent="-226440">
               <a:lnSpc>
                 <a:spcPct val="90000"/>
               </a:lnSpc>
@@ -23089,7 +24710,7 @@
             </a:endParaRPr>
           </a:p>
           <a:p>
-            <a:pPr lvl="1" marL="914400" indent="-455400">
+            <a:pPr lvl="1" marL="914400" indent="-455040">
               <a:lnSpc>
                 <a:spcPct val="90000"/>
               </a:lnSpc>
@@ -23117,7 +24738,7 @@
             </a:endParaRPr>
           </a:p>
           <a:p>
-            <a:pPr lvl="1" marL="914400" indent="-455400">
+            <a:pPr lvl="1" marL="914400" indent="-455040">
               <a:lnSpc>
                 <a:spcPct val="90000"/>
               </a:lnSpc>
@@ -23145,7 +24766,7 @@
             </a:endParaRPr>
           </a:p>
           <a:p>
-            <a:pPr lvl="1" marL="914400" indent="-455400">
+            <a:pPr lvl="1" marL="914400" indent="-455040">
               <a:lnSpc>
                 <a:spcPct val="90000"/>
               </a:lnSpc>
@@ -23173,7 +24794,7 @@
             </a:endParaRPr>
           </a:p>
           <a:p>
-            <a:pPr lvl="1" marL="914400" indent="-455400">
+            <a:pPr lvl="1" marL="914400" indent="-455040">
               <a:lnSpc>
                 <a:spcPct val="90000"/>
               </a:lnSpc>
@@ -23201,7 +24822,7 @@
             </a:endParaRPr>
           </a:p>
           <a:p>
-            <a:pPr marL="228600" indent="-226800">
+            <a:pPr marL="228600" indent="-226440">
               <a:lnSpc>
                 <a:spcPct val="90000"/>
               </a:lnSpc>
@@ -23229,7 +24850,7 @@
             </a:endParaRPr>
           </a:p>
           <a:p>
-            <a:pPr lvl="1" marL="685800" indent="-226800">
+            <a:pPr lvl="1" marL="685800" indent="-226440">
               <a:lnSpc>
                 <a:spcPct val="90000"/>
               </a:lnSpc>
@@ -23257,7 +24878,7 @@
             </a:endParaRPr>
           </a:p>
           <a:p>
-            <a:pPr lvl="1" marL="685800" indent="-226800">
+            <a:pPr lvl="1" marL="685800" indent="-226440">
               <a:lnSpc>
                 <a:spcPct val="90000"/>
               </a:lnSpc>
@@ -24189,4 +25810,227 @@
     </a:fmtScheme>
   </a:themeElements>
 </a:theme>
+</file>
+
+<file path=ppt/theme/theme5.xml><?xml version="1.0" encoding="utf-8"?>
+<a:theme xmlns:a="http://schemas.openxmlformats.org/drawingml/2006/main" name="Office Theme">
+  <a:themeElements>
+    <a:clrScheme name="Office">
+      <a:dk1>
+        <a:sysClr val="windowText" lastClr="000000"/>
+      </a:dk1>
+      <a:lt1>
+        <a:sysClr val="window" lastClr="FFFFFF"/>
+      </a:lt1>
+      <a:dk2>
+        <a:srgbClr val="44546a"/>
+      </a:dk2>
+      <a:lt2>
+        <a:srgbClr val="e7e6e6"/>
+      </a:lt2>
+      <a:accent1>
+        <a:srgbClr val="4472c4"/>
+      </a:accent1>
+      <a:accent2>
+        <a:srgbClr val="ed7d31"/>
+      </a:accent2>
+      <a:accent3>
+        <a:srgbClr val="a5a5a5"/>
+      </a:accent3>
+      <a:accent4>
+        <a:srgbClr val="ffc000"/>
+      </a:accent4>
+      <a:accent5>
+        <a:srgbClr val="5b9bd5"/>
+      </a:accent5>
+      <a:accent6>
+        <a:srgbClr val="70ad47"/>
+      </a:accent6>
+      <a:hlink>
+        <a:srgbClr val="0563c1"/>
+      </a:hlink>
+      <a:folHlink>
+        <a:srgbClr val="954f72"/>
+      </a:folHlink>
+    </a:clrScheme>
+    <a:fontScheme name="Office">
+      <a:majorFont>
+        <a:latin typeface="Arial"/>
+        <a:ea typeface="DejaVu Sans"/>
+        <a:cs typeface="DejaVu Sans"/>
+      </a:majorFont>
+      <a:minorFont>
+        <a:latin typeface="Arial"/>
+        <a:ea typeface="DejaVu Sans"/>
+        <a:cs typeface="DejaVu Sans"/>
+      </a:minorFont>
+    </a:fontScheme>
+    <a:fmtScheme name="Office">
+      <a:fillStyleLst>
+        <a:solidFill>
+          <a:schemeClr val="phClr"/>
+        </a:solidFill>
+        <a:gradFill rotWithShape="1">
+          <a:gsLst>
+            <a:gs pos="0">
+              <a:schemeClr val="phClr">
+                <a:tint val="50000"/>
+                <a:satMod val="300000"/>
+              </a:schemeClr>
+            </a:gs>
+            <a:gs pos="35000">
+              <a:schemeClr val="phClr">
+                <a:tint val="37000"/>
+                <a:satMod val="300000"/>
+              </a:schemeClr>
+            </a:gs>
+            <a:gs pos="100000">
+              <a:schemeClr val="phClr">
+                <a:tint val="15000"/>
+                <a:satMod val="350000"/>
+              </a:schemeClr>
+            </a:gs>
+          </a:gsLst>
+          <a:lin ang="16200000" scaled="1"/>
+        </a:gradFill>
+        <a:gradFill rotWithShape="1">
+          <a:gsLst>
+            <a:gs pos="0">
+              <a:schemeClr val="phClr">
+                <a:shade val="51000"/>
+                <a:satMod val="130000"/>
+              </a:schemeClr>
+            </a:gs>
+            <a:gs pos="80000">
+              <a:schemeClr val="phClr">
+                <a:shade val="93000"/>
+                <a:satMod val="130000"/>
+              </a:schemeClr>
+            </a:gs>
+            <a:gs pos="100000">
+              <a:schemeClr val="phClr">
+                <a:shade val="94000"/>
+                <a:satMod val="135000"/>
+              </a:schemeClr>
+            </a:gs>
+          </a:gsLst>
+          <a:lin ang="16200000" scaled="0"/>
+        </a:gradFill>
+      </a:fillStyleLst>
+      <a:lnStyleLst>
+        <a:ln w="9525" cap="flat" cmpd="sng" algn="ctr">
+          <a:solidFill>
+            <a:schemeClr val="phClr">
+              <a:shade val="95000"/>
+              <a:satMod val="105000"/>
+            </a:schemeClr>
+          </a:solidFill>
+          <a:prstDash val="solid"/>
+        </a:ln>
+        <a:ln w="25400" cap="flat" cmpd="sng" algn="ctr">
+          <a:solidFill>
+            <a:schemeClr val="phClr"/>
+          </a:solidFill>
+          <a:prstDash val="solid"/>
+        </a:ln>
+        <a:ln w="38100" cap="flat" cmpd="sng" algn="ctr">
+          <a:solidFill>
+            <a:schemeClr val="phClr"/>
+          </a:solidFill>
+          <a:prstDash val="solid"/>
+        </a:ln>
+      </a:lnStyleLst>
+      <a:effectStyleLst>
+        <a:effectStyle>
+          <a:effectLst>
+            <a:outerShdw blurRad="40000" dist="20000" dir="5400000" rotWithShape="0">
+              <a:srgbClr val="000000">
+                <a:alpha val="38000"/>
+              </a:srgbClr>
+            </a:outerShdw>
+          </a:effectLst>
+        </a:effectStyle>
+        <a:effectStyle>
+          <a:effectLst>
+            <a:outerShdw blurRad="40000" dist="23000" dir="5400000" rotWithShape="0">
+              <a:srgbClr val="000000">
+                <a:alpha val="35000"/>
+              </a:srgbClr>
+            </a:outerShdw>
+          </a:effectLst>
+        </a:effectStyle>
+        <a:effectStyle>
+          <a:effectLst>
+            <a:outerShdw blurRad="40000" dist="23000" dir="5400000" rotWithShape="0">
+              <a:srgbClr val="000000">
+                <a:alpha val="35000"/>
+              </a:srgbClr>
+            </a:outerShdw>
+          </a:effectLst>
+          <a:scene3d>
+            <a:camera prst="orthographicFront">
+              <a:rot lat="0" lon="0" rev="0"/>
+            </a:camera>
+            <a:lightRig rig="threePt" dir="t">
+              <a:rot lat="0" lon="0" rev="1200000"/>
+            </a:lightRig>
+          </a:scene3d>
+          <a:sp3d>
+            <a:bevelT w="63500" h="25400"/>
+          </a:sp3d>
+        </a:effectStyle>
+      </a:effectStyleLst>
+      <a:bgFillStyleLst>
+        <a:solidFill>
+          <a:schemeClr val="phClr"/>
+        </a:solidFill>
+        <a:gradFill rotWithShape="1">
+          <a:gsLst>
+            <a:gs pos="0">
+              <a:schemeClr val="phClr">
+                <a:tint val="40000"/>
+                <a:satMod val="350000"/>
+              </a:schemeClr>
+            </a:gs>
+            <a:gs pos="40000">
+              <a:schemeClr val="phClr">
+                <a:tint val="45000"/>
+                <a:shade val="99000"/>
+                <a:satMod val="350000"/>
+              </a:schemeClr>
+            </a:gs>
+            <a:gs pos="100000">
+              <a:schemeClr val="phClr">
+                <a:shade val="20000"/>
+                <a:satMod val="255000"/>
+              </a:schemeClr>
+            </a:gs>
+          </a:gsLst>
+          <a:path path="circle">
+            <a:fillToRect l="50000" t="-80000" r="50000" b="180000"/>
+          </a:path>
+        </a:gradFill>
+        <a:gradFill rotWithShape="1">
+          <a:gsLst>
+            <a:gs pos="0">
+              <a:schemeClr val="phClr">
+                <a:tint val="80000"/>
+                <a:satMod val="300000"/>
+              </a:schemeClr>
+            </a:gs>
+            <a:gs pos="100000">
+              <a:schemeClr val="phClr">
+                <a:shade val="30000"/>
+                <a:satMod val="200000"/>
+              </a:schemeClr>
+            </a:gs>
+          </a:gsLst>
+          <a:path path="circle">
+            <a:fillToRect l="50000" t="50000" r="50000" b="50000"/>
+          </a:path>
+        </a:gradFill>
+      </a:bgFillStyleLst>
+    </a:fmtScheme>
+  </a:themeElements>
+</a:theme>
 </file>
--- a/Machine_Learning_E1_o1.pptx
+++ b/Machine_Learning_E1_o1.pptx
@@ -6866,7 +6866,7 @@
         <p:spPr>
           <a:xfrm>
             <a:off x="720" y="360"/>
-            <a:ext cx="12190320" cy="6856200"/>
+            <a:ext cx="12189960" cy="6855840"/>
           </a:xfrm>
           <a:prstGeom prst="rect">
             <a:avLst/>
@@ -7142,7 +7142,7 @@
         <p:spPr>
           <a:xfrm>
             <a:off x="720" y="360"/>
-            <a:ext cx="12190320" cy="6856200"/>
+            <a:ext cx="12189960" cy="6855840"/>
           </a:xfrm>
           <a:prstGeom prst="rect">
             <a:avLst/>
@@ -7418,7 +7418,7 @@
         <p:spPr>
           <a:xfrm>
             <a:off x="720" y="360"/>
-            <a:ext cx="12190320" cy="6856200"/>
+            <a:ext cx="12189960" cy="6855840"/>
           </a:xfrm>
           <a:prstGeom prst="rect">
             <a:avLst/>
@@ -7440,8 +7440,8 @@
         </p:nvSpPr>
         <p:spPr>
           <a:xfrm>
-            <a:off x="609480" y="273240"/>
-            <a:ext cx="10972080" cy="1145160"/>
+            <a:off x="609480" y="273600"/>
+            <a:ext cx="10972440" cy="1144800"/>
           </a:xfrm>
           <a:prstGeom prst="rect">
             <a:avLst/>
@@ -7449,16 +7449,17 @@
         </p:spPr>
         <p:txBody>
           <a:bodyPr lIns="0" rIns="0" tIns="0" bIns="0" anchor="ctr">
-            <a:spAutoFit/>
-          </a:bodyPr>
-          <a:p>
-            <a:r>
-              <a:rPr b="0" lang="de-AT" sz="1800" spc="-1" strike="noStrike">
+            <a:noAutofit/>
+          </a:bodyPr>
+          <a:p>
+            <a:pPr algn="ctr"/>
+            <a:r>
+              <a:rPr b="0" lang="de-AT" sz="4400" spc="-1" strike="noStrike">
                 <a:latin typeface="Arial"/>
               </a:rPr>
               <a:t>Format des Titeltextes durch Klicken bearbeiten</a:t>
             </a:r>
-            <a:endParaRPr b="0" lang="de-AT" sz="1800" spc="-1" strike="noStrike">
+            <a:endParaRPr b="0" lang="de-AT" sz="4400" spc="-1" strike="noStrike">
               <a:latin typeface="Arial"/>
             </a:endParaRPr>
           </a:p>
@@ -7477,7 +7478,7 @@
         <p:spPr>
           <a:xfrm>
             <a:off x="609480" y="1604520"/>
-            <a:ext cx="10972080" cy="3976920"/>
+            <a:ext cx="10972440" cy="3977280"/>
           </a:xfrm>
           <a:prstGeom prst="rect">
             <a:avLst/>
@@ -7500,12 +7501,12 @@
               <a:buChar char=""/>
             </a:pPr>
             <a:r>
-              <a:rPr b="0" lang="de-AT" sz="1800" spc="-1" strike="noStrike">
+              <a:rPr b="0" lang="de-AT" sz="3200" spc="-1" strike="noStrike">
                 <a:latin typeface="Arial"/>
               </a:rPr>
               <a:t>Format des Gliederungstextes durch Klicken bearbeiten</a:t>
             </a:r>
-            <a:endParaRPr b="0" lang="de-AT" sz="1800" spc="-1" strike="noStrike">
+            <a:endParaRPr b="0" lang="de-AT" sz="3200" spc="-1" strike="noStrike">
               <a:latin typeface="Arial"/>
             </a:endParaRPr>
           </a:p>
@@ -7522,12 +7523,12 @@
               <a:buChar char=""/>
             </a:pPr>
             <a:r>
-              <a:rPr b="0" lang="de-AT" sz="1800" spc="-1" strike="noStrike">
+              <a:rPr b="0" lang="de-AT" sz="2800" spc="-1" strike="noStrike">
                 <a:latin typeface="Arial"/>
               </a:rPr>
               <a:t>Zweite Gliederungsebene</a:t>
             </a:r>
-            <a:endParaRPr b="0" lang="de-AT" sz="1800" spc="-1" strike="noStrike">
+            <a:endParaRPr b="0" lang="de-AT" sz="2800" spc="-1" strike="noStrike">
               <a:latin typeface="Arial"/>
             </a:endParaRPr>
           </a:p>
@@ -7544,12 +7545,12 @@
               <a:buChar char=""/>
             </a:pPr>
             <a:r>
-              <a:rPr b="0" lang="de-AT" sz="1800" spc="-1" strike="noStrike">
+              <a:rPr b="0" lang="de-AT" sz="2400" spc="-1" strike="noStrike">
                 <a:latin typeface="Arial"/>
               </a:rPr>
               <a:t>Dritte Gliederungsebene</a:t>
             </a:r>
-            <a:endParaRPr b="0" lang="de-AT" sz="1800" spc="-1" strike="noStrike">
+            <a:endParaRPr b="0" lang="de-AT" sz="2400" spc="-1" strike="noStrike">
               <a:latin typeface="Arial"/>
             </a:endParaRPr>
           </a:p>
@@ -7566,12 +7567,12 @@
               <a:buChar char=""/>
             </a:pPr>
             <a:r>
-              <a:rPr b="0" lang="de-AT" sz="1800" spc="-1" strike="noStrike">
+              <a:rPr b="0" lang="de-AT" sz="2000" spc="-1" strike="noStrike">
                 <a:latin typeface="Arial"/>
               </a:rPr>
               <a:t>Vierte Gliederungsebene</a:t>
             </a:r>
-            <a:endParaRPr b="0" lang="de-AT" sz="1800" spc="-1" strike="noStrike">
+            <a:endParaRPr b="0" lang="de-AT" sz="2000" spc="-1" strike="noStrike">
               <a:latin typeface="Arial"/>
             </a:endParaRPr>
           </a:p>
@@ -7588,12 +7589,12 @@
               <a:buChar char=""/>
             </a:pPr>
             <a:r>
-              <a:rPr b="0" lang="de-AT" sz="1800" spc="-1" strike="noStrike">
+              <a:rPr b="0" lang="de-AT" sz="2000" spc="-1" strike="noStrike">
                 <a:latin typeface="Arial"/>
               </a:rPr>
               <a:t>Fünfte Gliederungsebene</a:t>
             </a:r>
-            <a:endParaRPr b="0" lang="de-AT" sz="1800" spc="-1" strike="noStrike">
+            <a:endParaRPr b="0" lang="de-AT" sz="2000" spc="-1" strike="noStrike">
               <a:latin typeface="Arial"/>
             </a:endParaRPr>
           </a:p>
@@ -7610,12 +7611,12 @@
               <a:buChar char=""/>
             </a:pPr>
             <a:r>
-              <a:rPr b="0" lang="de-AT" sz="1800" spc="-1" strike="noStrike">
+              <a:rPr b="0" lang="de-AT" sz="2000" spc="-1" strike="noStrike">
                 <a:latin typeface="Arial"/>
               </a:rPr>
               <a:t>Sechste Gliederungsebene</a:t>
             </a:r>
-            <a:endParaRPr b="0" lang="de-AT" sz="1800" spc="-1" strike="noStrike">
+            <a:endParaRPr b="0" lang="de-AT" sz="2000" spc="-1" strike="noStrike">
               <a:latin typeface="Arial"/>
             </a:endParaRPr>
           </a:p>
@@ -7632,12 +7633,12 @@
               <a:buChar char=""/>
             </a:pPr>
             <a:r>
-              <a:rPr b="0" lang="de-AT" sz="1800" spc="-1" strike="noStrike">
+              <a:rPr b="0" lang="de-AT" sz="2000" spc="-1" strike="noStrike">
                 <a:latin typeface="Arial"/>
               </a:rPr>
               <a:t>Siebte Gliederungsebene</a:t>
             </a:r>
-            <a:endParaRPr b="0" lang="de-AT" sz="1800" spc="-1" strike="noStrike">
+            <a:endParaRPr b="0" lang="de-AT" sz="2000" spc="-1" strike="noStrike">
               <a:latin typeface="Arial"/>
             </a:endParaRPr>
           </a:p>
@@ -7693,7 +7694,7 @@
         <p:spPr>
           <a:xfrm>
             <a:off x="720" y="360"/>
-            <a:ext cx="12190320" cy="6856200"/>
+            <a:ext cx="12189960" cy="6855840"/>
           </a:xfrm>
           <a:prstGeom prst="rect">
             <a:avLst/>
@@ -8147,7 +8148,7 @@
         <p:spPr>
           <a:xfrm>
             <a:off x="720" y="360"/>
-            <a:ext cx="12190320" cy="6856200"/>
+            <a:ext cx="12189960" cy="6855840"/>
           </a:xfrm>
           <a:prstGeom prst="rect">
             <a:avLst/>
@@ -8419,7 +8420,7 @@
         <p:spPr>
           <a:xfrm>
             <a:off x="1523880" y="1122480"/>
-            <a:ext cx="9141840" cy="2131560"/>
+            <a:ext cx="9141480" cy="2131200"/>
           </a:xfrm>
           <a:prstGeom prst="rect">
             <a:avLst/>
@@ -8481,7 +8482,7 @@
         <p:spPr>
           <a:xfrm>
             <a:off x="1523880" y="3602160"/>
-            <a:ext cx="9141840" cy="2131560"/>
+            <a:ext cx="9141480" cy="2131200"/>
           </a:xfrm>
           <a:prstGeom prst="rect">
             <a:avLst/>
@@ -8647,7 +8648,7 @@
         <p:spPr>
           <a:xfrm>
             <a:off x="594000" y="234000"/>
-            <a:ext cx="10366560" cy="1258560"/>
+            <a:ext cx="10366200" cy="1258200"/>
           </a:xfrm>
           <a:prstGeom prst="rect">
             <a:avLst/>
@@ -8698,7 +8699,7 @@
         <p:spPr>
           <a:xfrm>
             <a:off x="838080" y="1825560"/>
-            <a:ext cx="10513440" cy="4349160"/>
+            <a:ext cx="10513080" cy="4348800"/>
           </a:xfrm>
           <a:prstGeom prst="rect">
             <a:avLst/>
@@ -8719,7 +8720,7 @@
             <a:noAutofit/>
           </a:bodyPr>
           <a:p>
-            <a:pPr marL="228600" indent="-226440">
+            <a:pPr marL="228600" indent="-226080">
               <a:lnSpc>
                 <a:spcPct val="90000"/>
               </a:lnSpc>
@@ -8747,7 +8748,7 @@
             </a:endParaRPr>
           </a:p>
           <a:p>
-            <a:pPr lvl="1" marL="685800" indent="-226440">
+            <a:pPr lvl="1" marL="685800" indent="-226080">
               <a:lnSpc>
                 <a:spcPct val="90000"/>
               </a:lnSpc>
@@ -8775,7 +8776,7 @@
             </a:endParaRPr>
           </a:p>
           <a:p>
-            <a:pPr lvl="1" marL="685800" indent="-226440">
+            <a:pPr lvl="1" marL="685800" indent="-226080">
               <a:lnSpc>
                 <a:spcPct val="90000"/>
               </a:lnSpc>
@@ -8803,7 +8804,7 @@
             </a:endParaRPr>
           </a:p>
           <a:p>
-            <a:pPr marL="228600" indent="-226440">
+            <a:pPr marL="228600" indent="-226080">
               <a:lnSpc>
                 <a:spcPct val="90000"/>
               </a:lnSpc>
@@ -8831,7 +8832,7 @@
             </a:endParaRPr>
           </a:p>
           <a:p>
-            <a:pPr lvl="1" marL="685800" indent="-226440">
+            <a:pPr lvl="1" marL="685800" indent="-226080">
               <a:lnSpc>
                 <a:spcPct val="90000"/>
               </a:lnSpc>
@@ -8859,7 +8860,7 @@
             </a:endParaRPr>
           </a:p>
           <a:p>
-            <a:pPr lvl="1" marL="685800" indent="-226440">
+            <a:pPr lvl="1" marL="685800" indent="-226080">
               <a:lnSpc>
                 <a:spcPct val="90000"/>
               </a:lnSpc>
@@ -8887,7 +8888,7 @@
             </a:endParaRPr>
           </a:p>
           <a:p>
-            <a:pPr lvl="1" marL="685800" indent="-226440">
+            <a:pPr lvl="1" marL="685800" indent="-226080">
               <a:lnSpc>
                 <a:spcPct val="90000"/>
               </a:lnSpc>
@@ -9004,7 +9005,7 @@
         <p:spPr>
           <a:xfrm>
             <a:off x="594000" y="234000"/>
-            <a:ext cx="10366560" cy="1258560"/>
+            <a:ext cx="10366200" cy="1258200"/>
           </a:xfrm>
           <a:prstGeom prst="rect">
             <a:avLst/>
@@ -9055,7 +9056,7 @@
         <p:spPr>
           <a:xfrm>
             <a:off x="838080" y="1825560"/>
-            <a:ext cx="10513440" cy="4349160"/>
+            <a:ext cx="10513080" cy="4348800"/>
           </a:xfrm>
           <a:prstGeom prst="rect">
             <a:avLst/>
@@ -9076,7 +9077,7 @@
             <a:noAutofit/>
           </a:bodyPr>
           <a:p>
-            <a:pPr marL="228600" indent="-226440">
+            <a:pPr marL="228600" indent="-226080">
               <a:lnSpc>
                 <a:spcPct val="90000"/>
               </a:lnSpc>
@@ -9104,7 +9105,7 @@
             </a:endParaRPr>
           </a:p>
           <a:p>
-            <a:pPr lvl="1" marL="685800" indent="-226440">
+            <a:pPr lvl="1" marL="685800" indent="-226080">
               <a:lnSpc>
                 <a:spcPct val="90000"/>
               </a:lnSpc>
@@ -9132,7 +9133,7 @@
             </a:endParaRPr>
           </a:p>
           <a:p>
-            <a:pPr lvl="1" marL="685800" indent="-226440">
+            <a:pPr lvl="1" marL="685800" indent="-226080">
               <a:lnSpc>
                 <a:spcPct val="90000"/>
               </a:lnSpc>
@@ -9160,7 +9161,7 @@
             </a:endParaRPr>
           </a:p>
           <a:p>
-            <a:pPr lvl="1" marL="685800" indent="-226440">
+            <a:pPr lvl="1" marL="685800" indent="-226080">
               <a:lnSpc>
                 <a:spcPct val="90000"/>
               </a:lnSpc>
@@ -9238,7 +9239,7 @@
         <p:spPr>
           <a:xfrm>
             <a:off x="6142680" y="2232000"/>
-            <a:ext cx="4800960" cy="3167640"/>
+            <a:ext cx="4800600" cy="3167280"/>
           </a:xfrm>
           <a:prstGeom prst="rect">
             <a:avLst/>
@@ -9287,7 +9288,7 @@
         <p:spPr>
           <a:xfrm>
             <a:off x="594000" y="234000"/>
-            <a:ext cx="10514160" cy="1258560"/>
+            <a:ext cx="10513800" cy="1258200"/>
           </a:xfrm>
           <a:prstGeom prst="rect">
             <a:avLst/>
@@ -9338,7 +9339,7 @@
         <p:spPr>
           <a:xfrm>
             <a:off x="838080" y="1825560"/>
-            <a:ext cx="10513440" cy="4349160"/>
+            <a:ext cx="10513080" cy="4348800"/>
           </a:xfrm>
           <a:prstGeom prst="rect">
             <a:avLst/>
@@ -9359,7 +9360,7 @@
             <a:normAutofit/>
           </a:bodyPr>
           <a:p>
-            <a:pPr marL="228600" indent="-226440">
+            <a:pPr marL="228600" indent="-226080">
               <a:lnSpc>
                 <a:spcPct val="90000"/>
               </a:lnSpc>
@@ -9387,7 +9388,7 @@
             </a:endParaRPr>
           </a:p>
           <a:p>
-            <a:pPr marL="228600" indent="-226440">
+            <a:pPr marL="228600" indent="-226080">
               <a:lnSpc>
                 <a:spcPct val="90000"/>
               </a:lnSpc>
@@ -9415,7 +9416,7 @@
             </a:endParaRPr>
           </a:p>
           <a:p>
-            <a:pPr lvl="1" marL="685800" indent="-226440">
+            <a:pPr lvl="1" marL="685800" indent="-226080">
               <a:lnSpc>
                 <a:spcPct val="90000"/>
               </a:lnSpc>
@@ -9443,7 +9444,7 @@
             </a:endParaRPr>
           </a:p>
           <a:p>
-            <a:pPr lvl="1" marL="685800" indent="-226440">
+            <a:pPr lvl="1" marL="685800" indent="-226080">
               <a:lnSpc>
                 <a:spcPct val="90000"/>
               </a:lnSpc>
@@ -9471,7 +9472,7 @@
             </a:endParaRPr>
           </a:p>
           <a:p>
-            <a:pPr marL="228600" indent="-226440">
+            <a:pPr marL="228600" indent="-226080">
               <a:lnSpc>
                 <a:spcPct val="90000"/>
               </a:lnSpc>
@@ -9499,7 +9500,7 @@
             </a:endParaRPr>
           </a:p>
           <a:p>
-            <a:pPr lvl="1" marL="685800" indent="-226440">
+            <a:pPr lvl="1" marL="685800" indent="-226080">
               <a:lnSpc>
                 <a:spcPct val="90000"/>
               </a:lnSpc>
@@ -9527,7 +9528,7 @@
             </a:endParaRPr>
           </a:p>
           <a:p>
-            <a:pPr lvl="1" marL="685800" indent="-226440">
+            <a:pPr lvl="1" marL="685800" indent="-226080">
               <a:lnSpc>
                 <a:spcPct val="90000"/>
               </a:lnSpc>
@@ -9555,7 +9556,7 @@
             </a:endParaRPr>
           </a:p>
           <a:p>
-            <a:pPr lvl="1" marL="685800" indent="-226440">
+            <a:pPr lvl="1" marL="685800" indent="-226080">
               <a:lnSpc>
                 <a:spcPct val="90000"/>
               </a:lnSpc>
@@ -9583,7 +9584,7 @@
             </a:endParaRPr>
           </a:p>
           <a:p>
-            <a:pPr lvl="1" marL="685800" indent="-226440">
+            <a:pPr lvl="1" marL="685800" indent="-226080">
               <a:lnSpc>
                 <a:spcPct val="90000"/>
               </a:lnSpc>
@@ -9605,34 +9606,6 @@
                 <a:ea typeface="DejaVu Sans"/>
               </a:rPr>
               <a:t>Middle values: more stable but worse results (average)</a:t>
-            </a:r>
-            <a:endParaRPr b="0" lang="de-AT" sz="2400" spc="-1" strike="noStrike">
-              <a:latin typeface="Arial"/>
-            </a:endParaRPr>
-          </a:p>
-          <a:p>
-            <a:pPr marL="228600" indent="-226440">
-              <a:lnSpc>
-                <a:spcPct val="90000"/>
-              </a:lnSpc>
-              <a:spcBef>
-                <a:spcPts val="1001"/>
-              </a:spcBef>
-              <a:buClr>
-                <a:srgbClr val="000000"/>
-              </a:buClr>
-              <a:buFont typeface="Arial"/>
-              <a:buChar char="•"/>
-            </a:pPr>
-            <a:r>
-              <a:rPr b="0" lang="de-AT" sz="2400" spc="-1" strike="noStrike">
-                <a:solidFill>
-                  <a:srgbClr val="000000"/>
-                </a:solidFill>
-                <a:latin typeface="Calibri"/>
-                <a:ea typeface="DejaVu Sans"/>
-              </a:rPr>
-              <a:t> </a:t>
             </a:r>
             <a:endParaRPr b="0" lang="de-AT" sz="2400" spc="-1" strike="noStrike">
               <a:latin typeface="Arial"/>
@@ -9699,7 +9672,7 @@
         <p:spPr>
           <a:xfrm>
             <a:off x="594000" y="234000"/>
-            <a:ext cx="10514160" cy="1258560"/>
+            <a:ext cx="10513800" cy="1258200"/>
           </a:xfrm>
           <a:prstGeom prst="rect">
             <a:avLst/>
@@ -9750,7 +9723,7 @@
         <p:spPr>
           <a:xfrm>
             <a:off x="838080" y="1825560"/>
-            <a:ext cx="10105560" cy="3646080"/>
+            <a:ext cx="10105200" cy="3645720"/>
           </a:xfrm>
           <a:prstGeom prst="rect">
             <a:avLst/>
@@ -9771,7 +9744,7 @@
             <a:normAutofit/>
           </a:bodyPr>
           <a:p>
-            <a:pPr marL="228600" indent="-226440">
+            <a:pPr marL="228600" indent="-226080">
               <a:lnSpc>
                 <a:spcPct val="90000"/>
               </a:lnSpc>
@@ -9809,7 +9782,7 @@
             </a:endParaRPr>
           </a:p>
           <a:p>
-            <a:pPr lvl="1" marL="685800" indent="-226440">
+            <a:pPr lvl="1" marL="685800" indent="-226080">
               <a:lnSpc>
                 <a:spcPct val="90000"/>
               </a:lnSpc>
@@ -9837,7 +9810,7 @@
             </a:endParaRPr>
           </a:p>
           <a:p>
-            <a:pPr lvl="1" marL="685800" indent="-226440">
+            <a:pPr lvl="1" marL="685800" indent="-226080">
               <a:lnSpc>
                 <a:spcPct val="90000"/>
               </a:lnSpc>
@@ -9865,7 +9838,7 @@
             </a:endParaRPr>
           </a:p>
           <a:p>
-            <a:pPr lvl="1" marL="685800" indent="-226440">
+            <a:pPr lvl="1" marL="685800" indent="-226080">
               <a:lnSpc>
                 <a:spcPct val="90000"/>
               </a:lnSpc>
@@ -9893,7 +9866,7 @@
             </a:endParaRPr>
           </a:p>
           <a:p>
-            <a:pPr lvl="1" marL="685800" indent="-226440">
+            <a:pPr lvl="1" marL="685800" indent="-226080">
               <a:lnSpc>
                 <a:spcPct val="90000"/>
               </a:lnSpc>
@@ -9955,7 +9928,7 @@
         <p:spPr>
           <a:xfrm>
             <a:off x="7416720" y="2520000"/>
-            <a:ext cx="3166920" cy="2933640"/>
+            <a:ext cx="3166560" cy="2933280"/>
           </a:xfrm>
           <a:prstGeom prst="rect">
             <a:avLst/>
@@ -10004,7 +9977,7 @@
         <p:spPr>
           <a:xfrm>
             <a:off x="594000" y="234000"/>
-            <a:ext cx="10514160" cy="1258560"/>
+            <a:ext cx="10513800" cy="1258200"/>
           </a:xfrm>
           <a:prstGeom prst="rect">
             <a:avLst/>
@@ -10055,7 +10028,7 @@
         <p:spPr>
           <a:xfrm>
             <a:off x="838080" y="1825560"/>
-            <a:ext cx="10513440" cy="4349160"/>
+            <a:ext cx="10513080" cy="4348800"/>
           </a:xfrm>
           <a:prstGeom prst="rect">
             <a:avLst/>
@@ -10076,7 +10049,7 @@
             <a:normAutofit/>
           </a:bodyPr>
           <a:p>
-            <a:pPr marL="228600" indent="-226440">
+            <a:pPr marL="228600" indent="-226080">
               <a:lnSpc>
                 <a:spcPct val="90000"/>
               </a:lnSpc>
@@ -10104,7 +10077,7 @@
             </a:endParaRPr>
           </a:p>
           <a:p>
-            <a:pPr lvl="1" marL="685800" indent="-226440">
+            <a:pPr lvl="1" marL="685800" indent="-226080">
               <a:lnSpc>
                 <a:spcPct val="90000"/>
               </a:lnSpc>
@@ -10132,7 +10105,7 @@
             </a:endParaRPr>
           </a:p>
           <a:p>
-            <a:pPr marL="228600" indent="-226440">
+            <a:pPr marL="228600" indent="-226080">
               <a:lnSpc>
                 <a:spcPct val="90000"/>
               </a:lnSpc>
@@ -10160,7 +10133,7 @@
             </a:endParaRPr>
           </a:p>
           <a:p>
-            <a:pPr lvl="1" marL="685800" indent="-226440">
+            <a:pPr lvl="1" marL="685800" indent="-226080">
               <a:lnSpc>
                 <a:spcPct val="90000"/>
               </a:lnSpc>
@@ -10188,7 +10161,7 @@
             </a:endParaRPr>
           </a:p>
           <a:p>
-            <a:pPr marL="228600" indent="-226440">
+            <a:pPr marL="228600" indent="-226080">
               <a:lnSpc>
                 <a:spcPct val="90000"/>
               </a:lnSpc>
@@ -10216,7 +10189,7 @@
             </a:endParaRPr>
           </a:p>
           <a:p>
-            <a:pPr lvl="1" marL="914400" indent="-455040">
+            <a:pPr lvl="1" marL="914400" indent="-454680">
               <a:lnSpc>
                 <a:spcPct val="90000"/>
               </a:lnSpc>
@@ -10244,7 +10217,7 @@
             </a:endParaRPr>
           </a:p>
           <a:p>
-            <a:pPr lvl="1" marL="914400" indent="-455040">
+            <a:pPr lvl="1" marL="914400" indent="-454680">
               <a:lnSpc>
                 <a:spcPct val="90000"/>
               </a:lnSpc>
@@ -10272,7 +10245,7 @@
             </a:endParaRPr>
           </a:p>
           <a:p>
-            <a:pPr lvl="1" marL="914400" indent="-455040">
+            <a:pPr lvl="1" marL="914400" indent="-454680">
               <a:lnSpc>
                 <a:spcPct val="90000"/>
               </a:lnSpc>
@@ -10300,7 +10273,7 @@
             </a:endParaRPr>
           </a:p>
           <a:p>
-            <a:pPr lvl="1" marL="914400" indent="-455040">
+            <a:pPr lvl="1" marL="914400" indent="-454680">
               <a:lnSpc>
                 <a:spcPct val="90000"/>
               </a:lnSpc>
@@ -10328,7 +10301,7 @@
             </a:endParaRPr>
           </a:p>
           <a:p>
-            <a:pPr marL="228600" indent="-226440">
+            <a:pPr marL="228600" indent="-226080">
               <a:lnSpc>
                 <a:spcPct val="90000"/>
               </a:lnSpc>
@@ -10383,7 +10356,7 @@
         <p:spPr>
           <a:xfrm>
             <a:off x="7741800" y="2896200"/>
-            <a:ext cx="3489120" cy="3222720"/>
+            <a:ext cx="3488760" cy="3222360"/>
           </a:xfrm>
           <a:prstGeom prst="rect">
             <a:avLst/>
@@ -10432,7 +10405,7 @@
         <p:spPr>
           <a:xfrm>
             <a:off x="594000" y="234000"/>
-            <a:ext cx="10514160" cy="1258560"/>
+            <a:ext cx="10513800" cy="1258200"/>
           </a:xfrm>
           <a:prstGeom prst="rect">
             <a:avLst/>
@@ -10483,7 +10456,7 @@
         <p:spPr>
           <a:xfrm>
             <a:off x="838080" y="1825560"/>
-            <a:ext cx="10513440" cy="4349160"/>
+            <a:ext cx="10513080" cy="4348800"/>
           </a:xfrm>
           <a:prstGeom prst="rect">
             <a:avLst/>
@@ -10504,7 +10477,7 @@
             <a:noAutofit/>
           </a:bodyPr>
           <a:p>
-            <a:pPr marL="228600" indent="-226440">
+            <a:pPr marL="228600" indent="-226080">
               <a:lnSpc>
                 <a:spcPct val="90000"/>
               </a:lnSpc>
@@ -10532,7 +10505,7 @@
             </a:endParaRPr>
           </a:p>
           <a:p>
-            <a:pPr lvl="1" marL="685800" indent="-226440">
+            <a:pPr lvl="1" marL="685800" indent="-226080">
               <a:lnSpc>
                 <a:spcPct val="90000"/>
               </a:lnSpc>
@@ -10560,7 +10533,7 @@
             </a:endParaRPr>
           </a:p>
           <a:p>
-            <a:pPr lvl="1" marL="685800" indent="-226440">
+            <a:pPr lvl="1" marL="685800" indent="-226080">
               <a:lnSpc>
                 <a:spcPct val="90000"/>
               </a:lnSpc>
@@ -10588,7 +10561,7 @@
             </a:endParaRPr>
           </a:p>
           <a:p>
-            <a:pPr marL="228600" indent="-226440">
+            <a:pPr marL="228600" indent="-226080">
               <a:lnSpc>
                 <a:spcPct val="90000"/>
               </a:lnSpc>
@@ -10626,7 +10599,7 @@
             </a:endParaRPr>
           </a:p>
           <a:p>
-            <a:pPr lvl="1" marL="914400" indent="-455040">
+            <a:pPr lvl="1" marL="914400" indent="-454680">
               <a:lnSpc>
                 <a:spcPct val="90000"/>
               </a:lnSpc>
@@ -10654,7 +10627,7 @@
             </a:endParaRPr>
           </a:p>
           <a:p>
-            <a:pPr lvl="1" marL="914400" indent="-455040">
+            <a:pPr lvl="1" marL="914400" indent="-454680">
               <a:lnSpc>
                 <a:spcPct val="90000"/>
               </a:lnSpc>
@@ -10682,7 +10655,7 @@
             </a:endParaRPr>
           </a:p>
           <a:p>
-            <a:pPr lvl="1" marL="914400" indent="-455040">
+            <a:pPr lvl="1" marL="914400" indent="-454680">
               <a:lnSpc>
                 <a:spcPct val="90000"/>
               </a:lnSpc>
@@ -10710,7 +10683,7 @@
             </a:endParaRPr>
           </a:p>
           <a:p>
-            <a:pPr lvl="1" marL="914400" indent="-455040">
+            <a:pPr lvl="1" marL="914400" indent="-454680">
               <a:lnSpc>
                 <a:spcPct val="90000"/>
               </a:lnSpc>
@@ -10738,7 +10711,7 @@
             </a:endParaRPr>
           </a:p>
           <a:p>
-            <a:pPr marL="228600" indent="-226440">
+            <a:pPr marL="228600" indent="-226080">
               <a:lnSpc>
                 <a:spcPct val="90000"/>
               </a:lnSpc>
@@ -10766,7 +10739,7 @@
             </a:endParaRPr>
           </a:p>
           <a:p>
-            <a:pPr lvl="1" marL="685800" indent="-226440">
+            <a:pPr lvl="1" marL="685800" indent="-226080">
               <a:lnSpc>
                 <a:spcPct val="90000"/>
               </a:lnSpc>
@@ -10854,7 +10827,7 @@
         <p:spPr>
           <a:xfrm>
             <a:off x="7687080" y="2383200"/>
-            <a:ext cx="3255840" cy="2934000"/>
+            <a:ext cx="3255480" cy="2933640"/>
           </a:xfrm>
           <a:prstGeom prst="rect">
             <a:avLst/>
@@ -10903,7 +10876,7 @@
         <p:spPr>
           <a:xfrm>
             <a:off x="594000" y="234000"/>
-            <a:ext cx="10514160" cy="1258560"/>
+            <a:ext cx="10513800" cy="1258200"/>
           </a:xfrm>
           <a:prstGeom prst="rect">
             <a:avLst/>
@@ -10954,7 +10927,7 @@
         <p:spPr>
           <a:xfrm>
             <a:off x="892440" y="1743840"/>
-            <a:ext cx="10513440" cy="4349160"/>
+            <a:ext cx="10513080" cy="4348800"/>
           </a:xfrm>
           <a:prstGeom prst="rect">
             <a:avLst/>
@@ -10975,7 +10948,7 @@
             <a:noAutofit/>
           </a:bodyPr>
           <a:p>
-            <a:pPr marL="228600" indent="-226440">
+            <a:pPr marL="228600" indent="-226080">
               <a:lnSpc>
                 <a:spcPct val="90000"/>
               </a:lnSpc>
@@ -11003,7 +10976,7 @@
             </a:endParaRPr>
           </a:p>
           <a:p>
-            <a:pPr lvl="1" marL="685800" indent="-226440">
+            <a:pPr lvl="1" marL="685800" indent="-226080">
               <a:lnSpc>
                 <a:spcPct val="90000"/>
               </a:lnSpc>
@@ -11031,7 +11004,7 @@
             </a:endParaRPr>
           </a:p>
           <a:p>
-            <a:pPr lvl="1" marL="685800" indent="-226440">
+            <a:pPr lvl="1" marL="685800" indent="-226080">
               <a:lnSpc>
                 <a:spcPct val="90000"/>
               </a:lnSpc>
@@ -11059,7 +11032,7 @@
             </a:endParaRPr>
           </a:p>
           <a:p>
-            <a:pPr marL="228600" indent="-226440">
+            <a:pPr marL="228600" indent="-226080">
               <a:lnSpc>
                 <a:spcPct val="90000"/>
               </a:lnSpc>
@@ -11087,7 +11060,7 @@
             </a:endParaRPr>
           </a:p>
           <a:p>
-            <a:pPr lvl="1" marL="685800" indent="-226440">
+            <a:pPr lvl="1" marL="685800" indent="-226080">
               <a:lnSpc>
                 <a:spcPct val="90000"/>
               </a:lnSpc>
@@ -11115,7 +11088,7 @@
             </a:endParaRPr>
           </a:p>
           <a:p>
-            <a:pPr lvl="1" marL="685800" indent="-226440">
+            <a:pPr lvl="1" marL="685800" indent="-226080">
               <a:lnSpc>
                 <a:spcPct val="90000"/>
               </a:lnSpc>
@@ -11143,7 +11116,7 @@
             </a:endParaRPr>
           </a:p>
           <a:p>
-            <a:pPr marL="228600" indent="-226440">
+            <a:pPr marL="228600" indent="-226080">
               <a:lnSpc>
                 <a:spcPct val="90000"/>
               </a:lnSpc>
@@ -11181,7 +11154,7 @@
             </a:endParaRPr>
           </a:p>
           <a:p>
-            <a:pPr lvl="1" marL="685800" indent="-226440">
+            <a:pPr lvl="1" marL="685800" indent="-226080">
               <a:lnSpc>
                 <a:spcPct val="90000"/>
               </a:lnSpc>
@@ -11233,7 +11206,7 @@
         <p:spPr>
           <a:xfrm>
             <a:off x="7921800" y="2955600"/>
-            <a:ext cx="2158200" cy="1364400"/>
+            <a:ext cx="2157840" cy="1364040"/>
           </a:xfrm>
           <a:prstGeom prst="rect">
             <a:avLst/>
@@ -11282,7 +11255,7 @@
         <p:spPr>
           <a:xfrm>
             <a:off x="594000" y="234000"/>
-            <a:ext cx="10514160" cy="1258560"/>
+            <a:ext cx="10513800" cy="1258200"/>
           </a:xfrm>
           <a:prstGeom prst="rect">
             <a:avLst/>
@@ -11333,7 +11306,7 @@
         <p:spPr>
           <a:xfrm>
             <a:off x="838080" y="1825560"/>
-            <a:ext cx="10513440" cy="4349160"/>
+            <a:ext cx="10513080" cy="4348800"/>
           </a:xfrm>
           <a:prstGeom prst="rect">
             <a:avLst/>
@@ -11354,7 +11327,7 @@
             <a:noAutofit/>
           </a:bodyPr>
           <a:p>
-            <a:pPr marL="228600" indent="-226440">
+            <a:pPr marL="228600" indent="-226080">
               <a:lnSpc>
                 <a:spcPct val="90000"/>
               </a:lnSpc>
@@ -11382,7 +11355,7 @@
             </a:endParaRPr>
           </a:p>
           <a:p>
-            <a:pPr lvl="1" marL="914400" indent="-455040">
+            <a:pPr lvl="1" marL="914400" indent="-454680">
               <a:lnSpc>
                 <a:spcPct val="90000"/>
               </a:lnSpc>
@@ -11410,7 +11383,7 @@
             </a:endParaRPr>
           </a:p>
           <a:p>
-            <a:pPr lvl="1" marL="914400" indent="-455040">
+            <a:pPr lvl="1" marL="914400" indent="-454680">
               <a:lnSpc>
                 <a:spcPct val="90000"/>
               </a:lnSpc>
@@ -11438,7 +11411,7 @@
             </a:endParaRPr>
           </a:p>
           <a:p>
-            <a:pPr lvl="1" marL="914400" indent="-455040">
+            <a:pPr lvl="1" marL="914400" indent="-454680">
               <a:lnSpc>
                 <a:spcPct val="90000"/>
               </a:lnSpc>
@@ -11466,7 +11439,7 @@
             </a:endParaRPr>
           </a:p>
           <a:p>
-            <a:pPr lvl="1" marL="914400" indent="-455040">
+            <a:pPr lvl="1" marL="914400" indent="-454680">
               <a:lnSpc>
                 <a:spcPct val="90000"/>
               </a:lnSpc>
@@ -11494,7 +11467,7 @@
             </a:endParaRPr>
           </a:p>
           <a:p>
-            <a:pPr marL="228600" indent="-226440">
+            <a:pPr marL="228600" indent="-226080">
               <a:lnSpc>
                 <a:spcPct val="90000"/>
               </a:lnSpc>
@@ -11522,7 +11495,7 @@
             </a:endParaRPr>
           </a:p>
           <a:p>
-            <a:pPr lvl="1" marL="685800" indent="-226440">
+            <a:pPr lvl="1" marL="685800" indent="-226080">
               <a:lnSpc>
                 <a:spcPct val="90000"/>
               </a:lnSpc>
@@ -11550,7 +11523,7 @@
             </a:endParaRPr>
           </a:p>
           <a:p>
-            <a:pPr lvl="1" marL="685800" indent="-226440">
+            <a:pPr lvl="1" marL="685800" indent="-226080">
               <a:lnSpc>
                 <a:spcPct val="90000"/>
               </a:lnSpc>
@@ -11578,7 +11551,7 @@
             </a:endParaRPr>
           </a:p>
           <a:p>
-            <a:pPr lvl="1" marL="685800" indent="-226440">
+            <a:pPr lvl="1" marL="685800" indent="-226080">
               <a:lnSpc>
                 <a:spcPct val="90000"/>
               </a:lnSpc>
@@ -11606,7 +11579,7 @@
             </a:endParaRPr>
           </a:p>
           <a:p>
-            <a:pPr marL="228600" indent="-226440">
+            <a:pPr marL="228600" indent="-226080">
               <a:lnSpc>
                 <a:spcPct val="90000"/>
               </a:lnSpc>
@@ -11648,7 +11621,7 @@
         <p:spPr>
           <a:xfrm>
             <a:off x="7624800" y="1816920"/>
-            <a:ext cx="3631680" cy="3366720"/>
+            <a:ext cx="3631320" cy="3366360"/>
           </a:xfrm>
           <a:prstGeom prst="rect">
             <a:avLst/>
@@ -11697,7 +11670,7 @@
         <p:spPr>
           <a:xfrm>
             <a:off x="576000" y="1800000"/>
-            <a:ext cx="11014200" cy="4754520"/>
+            <a:ext cx="11013840" cy="4754520"/>
           </a:xfrm>
           <a:prstGeom prst="rect">
             <a:avLst/>
@@ -11718,7 +11691,7 @@
             <a:spAutoFit/>
           </a:bodyPr>
           <a:p>
-            <a:pPr marL="228600" indent="-226440">
+            <a:pPr marL="228600" indent="-226080">
               <a:lnSpc>
                 <a:spcPct val="90000"/>
               </a:lnSpc>
@@ -11746,7 +11719,7 @@
             </a:endParaRPr>
           </a:p>
           <a:p>
-            <a:pPr lvl="1" marL="685800" indent="-226440">
+            <a:pPr lvl="1" marL="685800" indent="-226080">
               <a:lnSpc>
                 <a:spcPct val="90000"/>
               </a:lnSpc>
@@ -11774,7 +11747,7 @@
             </a:endParaRPr>
           </a:p>
           <a:p>
-            <a:pPr lvl="1" marL="685800" indent="-226440">
+            <a:pPr lvl="1" marL="685800" indent="-226080">
               <a:lnSpc>
                 <a:spcPct val="90000"/>
               </a:lnSpc>
@@ -11815,7 +11788,7 @@
             </a:endParaRPr>
           </a:p>
           <a:p>
-            <a:pPr marL="228600" indent="-226440">
+            <a:pPr marL="228600" indent="-226080">
               <a:lnSpc>
                 <a:spcPct val="90000"/>
               </a:lnSpc>
@@ -11843,7 +11816,7 @@
             </a:endParaRPr>
           </a:p>
           <a:p>
-            <a:pPr lvl="1" marL="685800" indent="-226440">
+            <a:pPr lvl="1" marL="685800" indent="-226080">
               <a:lnSpc>
                 <a:spcPct val="90000"/>
               </a:lnSpc>
@@ -11871,7 +11844,7 @@
             </a:endParaRPr>
           </a:p>
           <a:p>
-            <a:pPr lvl="1" marL="685800" indent="-226440">
+            <a:pPr lvl="1" marL="685800" indent="-226080">
               <a:lnSpc>
                 <a:spcPct val="90000"/>
               </a:lnSpc>
@@ -11899,7 +11872,7 @@
             </a:endParaRPr>
           </a:p>
           <a:p>
-            <a:pPr lvl="1" marL="685800" indent="-226440">
+            <a:pPr lvl="1" marL="685800" indent="-226080">
               <a:lnSpc>
                 <a:spcPct val="90000"/>
               </a:lnSpc>
@@ -11927,7 +11900,7 @@
             </a:endParaRPr>
           </a:p>
           <a:p>
-            <a:pPr lvl="1" marL="685800" indent="-226440">
+            <a:pPr lvl="1" marL="685800" indent="-226080">
               <a:lnSpc>
                 <a:spcPct val="90000"/>
               </a:lnSpc>
@@ -11955,7 +11928,7 @@
             </a:endParaRPr>
           </a:p>
           <a:p>
-            <a:pPr lvl="1" marL="685800" indent="-226440">
+            <a:pPr lvl="1" marL="685800" indent="-226080">
               <a:lnSpc>
                 <a:spcPct val="90000"/>
               </a:lnSpc>
@@ -11983,7 +11956,7 @@
             </a:endParaRPr>
           </a:p>
           <a:p>
-            <a:pPr lvl="1" marL="685800" indent="-226440">
+            <a:pPr lvl="1" marL="685800" indent="-226080">
               <a:lnSpc>
                 <a:spcPct val="90000"/>
               </a:lnSpc>
@@ -12038,7 +12011,7 @@
         <p:spPr>
           <a:xfrm>
             <a:off x="4279680" y="1478520"/>
-            <a:ext cx="3855240" cy="2162520"/>
+            <a:ext cx="3854880" cy="2162160"/>
           </a:xfrm>
           <a:prstGeom prst="rect">
             <a:avLst/>
@@ -12061,7 +12034,7 @@
         <p:spPr>
           <a:xfrm>
             <a:off x="8079120" y="1478520"/>
-            <a:ext cx="3655800" cy="2162520"/>
+            <a:ext cx="3655440" cy="2162160"/>
           </a:xfrm>
           <a:prstGeom prst="rect">
             <a:avLst/>
@@ -12082,7 +12055,7 @@
             <p:spPr>
               <a:xfrm>
                 <a:off x="3432960" y="1036440"/>
-                <a:ext cx="718200" cy="358200"/>
+                <a:ext cx="717840" cy="357840"/>
               </a:xfrm>
               <a:prstGeom prst="rect">
                 <a:avLst/>
@@ -12109,7 +12082,7 @@
         <p:spPr>
           <a:xfrm>
             <a:off x="594000" y="234000"/>
-            <a:ext cx="10514160" cy="1258560"/>
+            <a:ext cx="10513800" cy="1258200"/>
           </a:xfrm>
           <a:prstGeom prst="rect">
             <a:avLst/>
@@ -12190,7 +12163,7 @@
         <p:spPr>
           <a:xfrm>
             <a:off x="1063080" y="1708200"/>
-            <a:ext cx="8316720" cy="4645080"/>
+            <a:ext cx="8316360" cy="4645080"/>
           </a:xfrm>
           <a:prstGeom prst="rect">
             <a:avLst/>
@@ -12211,7 +12184,7 @@
             <a:spAutoFit/>
           </a:bodyPr>
           <a:p>
-            <a:pPr marL="343440" indent="-341280">
+            <a:pPr marL="343440" indent="-340920">
               <a:lnSpc>
                 <a:spcPct val="90000"/>
               </a:lnSpc>
@@ -12239,7 +12212,7 @@
             </a:endParaRPr>
           </a:p>
           <a:p>
-            <a:pPr marL="343440" indent="-341280">
+            <a:pPr marL="343440" indent="-340920">
               <a:lnSpc>
                 <a:spcPct val="90000"/>
               </a:lnSpc>
@@ -12267,7 +12240,7 @@
             </a:endParaRPr>
           </a:p>
           <a:p>
-            <a:pPr marL="343440" indent="-341280">
+            <a:pPr marL="343440" indent="-340920">
               <a:lnSpc>
                 <a:spcPct val="90000"/>
               </a:lnSpc>
@@ -12308,7 +12281,7 @@
             </a:endParaRPr>
           </a:p>
           <a:p>
-            <a:pPr marL="343440" indent="-341280">
+            <a:pPr marL="343440" indent="-340920">
               <a:lnSpc>
                 <a:spcPct val="90000"/>
               </a:lnSpc>
@@ -12336,7 +12309,7 @@
             </a:endParaRPr>
           </a:p>
           <a:p>
-            <a:pPr lvl="1" marL="914760" indent="-455400">
+            <a:pPr lvl="1" marL="914760" indent="-455040">
               <a:lnSpc>
                 <a:spcPct val="90000"/>
               </a:lnSpc>
@@ -12364,7 +12337,7 @@
             </a:endParaRPr>
           </a:p>
           <a:p>
-            <a:pPr lvl="1" marL="914760" indent="-455400">
+            <a:pPr lvl="1" marL="914760" indent="-455040">
               <a:lnSpc>
                 <a:spcPct val="90000"/>
               </a:lnSpc>
@@ -12392,7 +12365,7 @@
             </a:endParaRPr>
           </a:p>
           <a:p>
-            <a:pPr lvl="1" marL="914760" indent="-455400">
+            <a:pPr lvl="1" marL="914760" indent="-455040">
               <a:lnSpc>
                 <a:spcPct val="90000"/>
               </a:lnSpc>
@@ -12420,7 +12393,7 @@
             </a:endParaRPr>
           </a:p>
           <a:p>
-            <a:pPr lvl="1" marL="914760" indent="-455400">
+            <a:pPr lvl="1" marL="914760" indent="-455040">
               <a:lnSpc>
                 <a:spcPct val="90000"/>
               </a:lnSpc>
@@ -12448,7 +12421,7 @@
             </a:endParaRPr>
           </a:p>
           <a:p>
-            <a:pPr marL="343440" indent="-341280">
+            <a:pPr marL="343440" indent="-340920">
               <a:lnSpc>
                 <a:spcPct val="90000"/>
               </a:lnSpc>
@@ -12476,7 +12449,7 @@
             </a:endParaRPr>
           </a:p>
           <a:p>
-            <a:pPr lvl="1" marL="800640" indent="-341280">
+            <a:pPr lvl="1" marL="800640" indent="-340920">
               <a:lnSpc>
                 <a:spcPct val="90000"/>
               </a:lnSpc>
@@ -12531,7 +12504,7 @@
         <p:spPr>
           <a:xfrm>
             <a:off x="8800200" y="1806840"/>
-            <a:ext cx="2503440" cy="4096800"/>
+            <a:ext cx="2503080" cy="4096440"/>
           </a:xfrm>
           <a:prstGeom prst="rect">
             <a:avLst/>
@@ -12550,7 +12523,7 @@
         <p:spPr>
           <a:xfrm>
             <a:off x="594000" y="234000"/>
-            <a:ext cx="10514160" cy="1258560"/>
+            <a:ext cx="10513800" cy="1258200"/>
           </a:xfrm>
           <a:prstGeom prst="rect">
             <a:avLst/>
@@ -12631,7 +12604,7 @@
         <p:spPr>
           <a:xfrm>
             <a:off x="594000" y="234000"/>
-            <a:ext cx="10514160" cy="1258560"/>
+            <a:ext cx="10513800" cy="1258200"/>
           </a:xfrm>
           <a:prstGeom prst="rect">
             <a:avLst/>
@@ -12682,7 +12655,7 @@
         <p:spPr>
           <a:xfrm>
             <a:off x="838080" y="1656000"/>
-            <a:ext cx="10670400" cy="4518720"/>
+            <a:ext cx="10670040" cy="4518360"/>
           </a:xfrm>
           <a:prstGeom prst="rect">
             <a:avLst/>
@@ -12703,7 +12676,7 @@
             <a:noAutofit/>
           </a:bodyPr>
           <a:p>
-            <a:pPr marL="228600" indent="-226440">
+            <a:pPr marL="228600" indent="-226080">
               <a:lnSpc>
                 <a:spcPct val="90000"/>
               </a:lnSpc>
@@ -12731,7 +12704,7 @@
             </a:endParaRPr>
           </a:p>
           <a:p>
-            <a:pPr lvl="2" marL="648000" indent="-214920">
+            <a:pPr lvl="2" marL="648000" indent="-214560">
               <a:lnSpc>
                 <a:spcPct val="100000"/>
               </a:lnSpc>
@@ -12757,7 +12730,7 @@
             </a:endParaRPr>
           </a:p>
           <a:p>
-            <a:pPr lvl="2" marL="648000" indent="-214920">
+            <a:pPr lvl="2" marL="648000" indent="-214560">
               <a:lnSpc>
                 <a:spcPct val="100000"/>
               </a:lnSpc>
@@ -12795,7 +12768,7 @@
             </a:endParaRPr>
           </a:p>
           <a:p>
-            <a:pPr lvl="2" marL="648000" indent="-214920">
+            <a:pPr lvl="2" marL="648000" indent="-214560">
               <a:lnSpc>
                 <a:spcPct val="90000"/>
               </a:lnSpc>
@@ -12836,7 +12809,7 @@
             </a:endParaRPr>
           </a:p>
           <a:p>
-            <a:pPr lvl="2" marL="648000" indent="-214920">
+            <a:pPr lvl="2" marL="648000" indent="-214560">
               <a:lnSpc>
                 <a:spcPct val="90000"/>
               </a:lnSpc>
@@ -12865,7 +12838,7 @@
             </a:endParaRPr>
           </a:p>
           <a:p>
-            <a:pPr lvl="2" marL="648000" indent="-214920">
+            <a:pPr lvl="2" marL="648000" indent="-214560">
               <a:lnSpc>
                 <a:spcPct val="90000"/>
               </a:lnSpc>
@@ -12896,7 +12869,7 @@
             </a:endParaRPr>
           </a:p>
           <a:p>
-            <a:pPr lvl="2" marL="648000" indent="-214920">
+            <a:pPr lvl="2" marL="648000" indent="-214560">
               <a:lnSpc>
                 <a:spcPct val="90000"/>
               </a:lnSpc>
@@ -12925,7 +12898,7 @@
             </a:endParaRPr>
           </a:p>
           <a:p>
-            <a:pPr lvl="2" marL="648000" indent="-214920">
+            <a:pPr lvl="2" marL="648000" indent="-214560">
               <a:lnSpc>
                 <a:spcPct val="90000"/>
               </a:lnSpc>
@@ -13009,7 +12982,7 @@
         <p:spPr>
           <a:xfrm>
             <a:off x="901800" y="1872000"/>
-            <a:ext cx="6728400" cy="3868920"/>
+            <a:ext cx="6728040" cy="3868920"/>
           </a:xfrm>
           <a:prstGeom prst="rect">
             <a:avLst/>
@@ -13030,7 +13003,7 @@
             <a:spAutoFit/>
           </a:bodyPr>
           <a:p>
-            <a:pPr marL="216000" indent="-214200">
+            <a:pPr marL="216000" indent="-213840">
               <a:lnSpc>
                 <a:spcPct val="100000"/>
               </a:lnSpc>
@@ -13056,7 +13029,7 @@
             </a:endParaRPr>
           </a:p>
           <a:p>
-            <a:pPr lvl="1" marL="432000" indent="-214200">
+            <a:pPr lvl="1" marL="432000" indent="-213840">
               <a:lnSpc>
                 <a:spcPct val="100000"/>
               </a:lnSpc>
@@ -13082,7 +13055,7 @@
             </a:endParaRPr>
           </a:p>
           <a:p>
-            <a:pPr lvl="1" marL="432000" indent="-214200">
+            <a:pPr lvl="1" marL="432000" indent="-213840">
               <a:lnSpc>
                 <a:spcPct val="100000"/>
               </a:lnSpc>
@@ -13128,7 +13101,7 @@
             </a:endParaRPr>
           </a:p>
           <a:p>
-            <a:pPr marL="216000" indent="-214200">
+            <a:pPr marL="216000" indent="-213840">
               <a:lnSpc>
                 <a:spcPct val="100000"/>
               </a:lnSpc>
@@ -13154,7 +13127,7 @@
             </a:endParaRPr>
           </a:p>
           <a:p>
-            <a:pPr lvl="1" marL="432000" indent="-214200">
+            <a:pPr lvl="1" marL="432000" indent="-213840">
               <a:lnSpc>
                 <a:spcPct val="100000"/>
               </a:lnSpc>
@@ -13180,7 +13153,7 @@
             </a:endParaRPr>
           </a:p>
           <a:p>
-            <a:pPr lvl="1" marL="432000" indent="-214200">
+            <a:pPr lvl="1" marL="432000" indent="-213840">
               <a:lnSpc>
                 <a:spcPct val="100000"/>
               </a:lnSpc>
@@ -13206,7 +13179,7 @@
             </a:endParaRPr>
           </a:p>
           <a:p>
-            <a:pPr lvl="1" marL="432000" indent="-214200">
+            <a:pPr lvl="1" marL="432000" indent="-213840">
               <a:lnSpc>
                 <a:spcPct val="100000"/>
               </a:lnSpc>
@@ -13232,7 +13205,7 @@
             </a:endParaRPr>
           </a:p>
           <a:p>
-            <a:pPr lvl="1" marL="432000" indent="-214200">
+            <a:pPr lvl="1" marL="432000" indent="-213840">
               <a:lnSpc>
                 <a:spcPct val="100000"/>
               </a:lnSpc>
@@ -13272,7 +13245,7 @@
         <p:spPr>
           <a:xfrm>
             <a:off x="7029720" y="2203200"/>
-            <a:ext cx="4280760" cy="2836440"/>
+            <a:ext cx="4280400" cy="2836080"/>
           </a:xfrm>
           <a:prstGeom prst="rect">
             <a:avLst/>
@@ -13291,7 +13264,7 @@
         <p:spPr>
           <a:xfrm>
             <a:off x="594000" y="234000"/>
-            <a:ext cx="10514160" cy="1258560"/>
+            <a:ext cx="10513800" cy="1258200"/>
           </a:xfrm>
           <a:prstGeom prst="rect">
             <a:avLst/>
@@ -13372,7 +13345,7 @@
         <p:spPr>
           <a:xfrm>
             <a:off x="1000800" y="1475280"/>
-            <a:ext cx="10513440" cy="4501800"/>
+            <a:ext cx="10513080" cy="4501440"/>
           </a:xfrm>
           <a:prstGeom prst="rect">
             <a:avLst/>
@@ -13393,7 +13366,7 @@
             <a:noAutofit/>
           </a:bodyPr>
           <a:p>
-            <a:pPr marL="228600" indent="-226800">
+            <a:pPr marL="228600" indent="-226440">
               <a:lnSpc>
                 <a:spcPct val="90000"/>
               </a:lnSpc>
@@ -13421,7 +13394,7 @@
             </a:endParaRPr>
           </a:p>
           <a:p>
-            <a:pPr lvl="4" marL="743040" indent="-284040">
+            <a:pPr lvl="4" marL="743040" indent="-283680">
               <a:lnSpc>
                 <a:spcPct val="90000"/>
               </a:lnSpc>
@@ -13449,7 +13422,7 @@
             </a:endParaRPr>
           </a:p>
           <a:p>
-            <a:pPr lvl="3" marL="743040" indent="-284040">
+            <a:pPr lvl="3" marL="743040" indent="-283680">
               <a:lnSpc>
                 <a:spcPct val="90000"/>
               </a:lnSpc>
@@ -13477,7 +13450,7 @@
             </a:endParaRPr>
           </a:p>
           <a:p>
-            <a:pPr marL="228600" indent="-226800">
+            <a:pPr marL="228600" indent="-226440">
               <a:lnSpc>
                 <a:spcPct val="90000"/>
               </a:lnSpc>
@@ -13505,7 +13478,7 @@
             </a:endParaRPr>
           </a:p>
           <a:p>
-            <a:pPr lvl="2" marL="743040" indent="-284040">
+            <a:pPr lvl="2" marL="743040" indent="-283680">
               <a:lnSpc>
                 <a:spcPct val="90000"/>
               </a:lnSpc>
@@ -13533,7 +13506,7 @@
             </a:endParaRPr>
           </a:p>
           <a:p>
-            <a:pPr lvl="2" marL="743040" indent="-284040">
+            <a:pPr lvl="2" marL="743040" indent="-283680">
               <a:lnSpc>
                 <a:spcPct val="90000"/>
               </a:lnSpc>
@@ -13561,7 +13534,7 @@
             </a:endParaRPr>
           </a:p>
           <a:p>
-            <a:pPr lvl="2" marL="743040" indent="-284040">
+            <a:pPr lvl="2" marL="743040" indent="-283680">
               <a:lnSpc>
                 <a:spcPct val="90000"/>
               </a:lnSpc>
@@ -13589,7 +13562,7 @@
             </a:endParaRPr>
           </a:p>
           <a:p>
-            <a:pPr marL="228600" indent="-226800">
+            <a:pPr marL="228600" indent="-226440">
               <a:lnSpc>
                 <a:spcPct val="90000"/>
               </a:lnSpc>
@@ -13627,7 +13600,7 @@
             </a:endParaRPr>
           </a:p>
           <a:p>
-            <a:pPr lvl="2" marL="743040" indent="-284040">
+            <a:pPr lvl="2" marL="743040" indent="-283680">
               <a:lnSpc>
                 <a:spcPct val="90000"/>
               </a:lnSpc>
@@ -13669,7 +13642,7 @@
         <p:spPr>
           <a:xfrm>
             <a:off x="8424000" y="2088000"/>
-            <a:ext cx="3014640" cy="2974680"/>
+            <a:ext cx="3014280" cy="2974320"/>
           </a:xfrm>
           <a:prstGeom prst="rect">
             <a:avLst/>
@@ -13688,7 +13661,7 @@
         <p:spPr>
           <a:xfrm>
             <a:off x="594000" y="234000"/>
-            <a:ext cx="10514160" cy="1258560"/>
+            <a:ext cx="10513800" cy="1258200"/>
           </a:xfrm>
           <a:prstGeom prst="rect">
             <a:avLst/>
@@ -13769,7 +13742,7 @@
         <p:spPr>
           <a:xfrm>
             <a:off x="594000" y="234000"/>
-            <a:ext cx="10514160" cy="1258560"/>
+            <a:ext cx="10513800" cy="1258200"/>
           </a:xfrm>
           <a:prstGeom prst="rect">
             <a:avLst/>
@@ -13824,7 +13797,7 @@
         <p:spPr>
           <a:xfrm>
             <a:off x="8324280" y="1773720"/>
-            <a:ext cx="3096720" cy="3193920"/>
+            <a:ext cx="3096360" cy="3193560"/>
           </a:xfrm>
           <a:prstGeom prst="rect">
             <a:avLst/>
@@ -13843,7 +13816,7 @@
         <p:spPr>
           <a:xfrm>
             <a:off x="955800" y="952200"/>
-            <a:ext cx="10513440" cy="5559840"/>
+            <a:ext cx="10513080" cy="5559480"/>
           </a:xfrm>
           <a:prstGeom prst="rect">
             <a:avLst/>
@@ -13864,7 +13837,7 @@
             <a:noAutofit/>
           </a:bodyPr>
           <a:p>
-            <a:pPr marL="228600" indent="-226800">
+            <a:pPr marL="228600" indent="-226440">
               <a:lnSpc>
                 <a:spcPct val="90000"/>
               </a:lnSpc>
@@ -13892,7 +13865,7 @@
             </a:endParaRPr>
           </a:p>
           <a:p>
-            <a:pPr lvl="1" marL="432000" indent="-214920">
+            <a:pPr lvl="1" marL="432000" indent="-214560">
               <a:lnSpc>
                 <a:spcPct val="90000"/>
               </a:lnSpc>
@@ -13921,7 +13894,7 @@
             </a:endParaRPr>
           </a:p>
           <a:p>
-            <a:pPr lvl="1" marL="432000" indent="-214920">
+            <a:pPr lvl="1" marL="432000" indent="-214560">
               <a:lnSpc>
                 <a:spcPct val="90000"/>
               </a:lnSpc>
@@ -13950,7 +13923,7 @@
             </a:endParaRPr>
           </a:p>
           <a:p>
-            <a:pPr marL="228600" indent="-226800">
+            <a:pPr marL="228600" indent="-226440">
               <a:lnSpc>
                 <a:spcPct val="90000"/>
               </a:lnSpc>
@@ -13978,7 +13951,7 @@
             </a:endParaRPr>
           </a:p>
           <a:p>
-            <a:pPr lvl="1" marL="432000" indent="-214920">
+            <a:pPr lvl="1" marL="432000" indent="-214560">
               <a:lnSpc>
                 <a:spcPct val="90000"/>
               </a:lnSpc>
@@ -14007,7 +13980,7 @@
             </a:endParaRPr>
           </a:p>
           <a:p>
-            <a:pPr lvl="1" marL="432000" indent="-214920">
+            <a:pPr lvl="1" marL="432000" indent="-214560">
               <a:lnSpc>
                 <a:spcPct val="90000"/>
               </a:lnSpc>
@@ -14036,7 +14009,7 @@
             </a:endParaRPr>
           </a:p>
           <a:p>
-            <a:pPr lvl="1" marL="432000" indent="-214920">
+            <a:pPr lvl="1" marL="432000" indent="-214560">
               <a:lnSpc>
                 <a:spcPct val="90000"/>
               </a:lnSpc>
@@ -14065,7 +14038,7 @@
             </a:endParaRPr>
           </a:p>
           <a:p>
-            <a:pPr marL="228600" indent="-226800">
+            <a:pPr marL="228600" indent="-226440">
               <a:lnSpc>
                 <a:spcPct val="90000"/>
               </a:lnSpc>
@@ -14093,7 +14066,7 @@
             </a:endParaRPr>
           </a:p>
           <a:p>
-            <a:pPr lvl="1" marL="432000" indent="-214920">
+            <a:pPr lvl="1" marL="432000" indent="-214560">
               <a:lnSpc>
                 <a:spcPct val="90000"/>
               </a:lnSpc>
@@ -14122,7 +14095,7 @@
             </a:endParaRPr>
           </a:p>
           <a:p>
-            <a:pPr lvl="1" marL="432000" indent="-214920">
+            <a:pPr lvl="1" marL="432000" indent="-214560">
               <a:lnSpc>
                 <a:spcPct val="90000"/>
               </a:lnSpc>
@@ -14191,7 +14164,7 @@
         <p:spPr>
           <a:xfrm>
             <a:off x="594000" y="234000"/>
-            <a:ext cx="10514160" cy="1258560"/>
+            <a:ext cx="10513800" cy="1258200"/>
           </a:xfrm>
           <a:prstGeom prst="rect">
             <a:avLst/>
@@ -14242,7 +14215,7 @@
         <p:spPr>
           <a:xfrm>
             <a:off x="838080" y="1825560"/>
-            <a:ext cx="10513800" cy="4349520"/>
+            <a:ext cx="10513440" cy="4349160"/>
           </a:xfrm>
           <a:prstGeom prst="rect">
             <a:avLst/>
@@ -14263,7 +14236,7 @@
             <a:noAutofit/>
           </a:bodyPr>
           <a:p>
-            <a:pPr marL="228600" indent="-226800">
+            <a:pPr marL="228600" indent="-226440">
               <a:lnSpc>
                 <a:spcPct val="90000"/>
               </a:lnSpc>
@@ -14291,7 +14264,7 @@
             </a:endParaRPr>
           </a:p>
           <a:p>
-            <a:pPr lvl="1" marL="685800" indent="-226800">
+            <a:pPr lvl="1" marL="685800" indent="-226440">
               <a:lnSpc>
                 <a:spcPct val="90000"/>
               </a:lnSpc>
@@ -14319,7 +14292,7 @@
             </a:endParaRPr>
           </a:p>
           <a:p>
-            <a:pPr marL="228600" indent="-226800">
+            <a:pPr marL="228600" indent="-226440">
               <a:lnSpc>
                 <a:spcPct val="90000"/>
               </a:lnSpc>
@@ -14347,7 +14320,7 @@
             </a:endParaRPr>
           </a:p>
           <a:p>
-            <a:pPr lvl="1" marL="685800" indent="-226800">
+            <a:pPr lvl="1" marL="685800" indent="-226440">
               <a:lnSpc>
                 <a:spcPct val="90000"/>
               </a:lnSpc>
@@ -14375,7 +14348,7 @@
             </a:endParaRPr>
           </a:p>
           <a:p>
-            <a:pPr lvl="1" marL="685800" indent="-226800">
+            <a:pPr lvl="1" marL="685800" indent="-226440">
               <a:lnSpc>
                 <a:spcPct val="90000"/>
               </a:lnSpc>
@@ -14403,7 +14376,7 @@
             </a:endParaRPr>
           </a:p>
           <a:p>
-            <a:pPr marL="228600" indent="-226800">
+            <a:pPr marL="228600" indent="-226440">
               <a:lnSpc>
                 <a:spcPct val="90000"/>
               </a:lnSpc>
@@ -14441,7 +14414,7 @@
             </a:endParaRPr>
           </a:p>
           <a:p>
-            <a:pPr lvl="1" marL="685800" indent="-226800">
+            <a:pPr lvl="1" marL="685800" indent="-226440">
               <a:lnSpc>
                 <a:spcPct val="90000"/>
               </a:lnSpc>
@@ -14469,7 +14442,7 @@
             </a:endParaRPr>
           </a:p>
           <a:p>
-            <a:pPr lvl="1" marL="685800" indent="-226800">
+            <a:pPr lvl="1" marL="685800" indent="-226440">
               <a:lnSpc>
                 <a:spcPct val="90000"/>
               </a:lnSpc>
@@ -14511,7 +14484,7 @@
         <p:spPr>
           <a:xfrm>
             <a:off x="8134560" y="1886760"/>
-            <a:ext cx="3089160" cy="3011400"/>
+            <a:ext cx="3088800" cy="3011040"/>
           </a:xfrm>
           <a:prstGeom prst="rect">
             <a:avLst/>
@@ -14560,7 +14533,7 @@
         <p:spPr>
           <a:xfrm>
             <a:off x="594000" y="234000"/>
-            <a:ext cx="10514160" cy="1258560"/>
+            <a:ext cx="10513800" cy="1258200"/>
           </a:xfrm>
           <a:prstGeom prst="rect">
             <a:avLst/>
@@ -14611,7 +14584,7 @@
         <p:spPr>
           <a:xfrm>
             <a:off x="838080" y="1825560"/>
-            <a:ext cx="10513800" cy="4349520"/>
+            <a:ext cx="10513440" cy="4349160"/>
           </a:xfrm>
           <a:prstGeom prst="rect">
             <a:avLst/>
@@ -14632,7 +14605,7 @@
             <a:noAutofit/>
           </a:bodyPr>
           <a:p>
-            <a:pPr marL="228600" indent="-226800">
+            <a:pPr marL="228600" indent="-226440">
               <a:lnSpc>
                 <a:spcPct val="90000"/>
               </a:lnSpc>
@@ -14660,7 +14633,7 @@
             </a:endParaRPr>
           </a:p>
           <a:p>
-            <a:pPr lvl="1" marL="914400" indent="-455400">
+            <a:pPr lvl="1" marL="914400" indent="-455040">
               <a:lnSpc>
                 <a:spcPct val="90000"/>
               </a:lnSpc>
@@ -14688,7 +14661,7 @@
             </a:endParaRPr>
           </a:p>
           <a:p>
-            <a:pPr lvl="1" marL="914400" indent="-455400">
+            <a:pPr lvl="1" marL="914400" indent="-455040">
               <a:lnSpc>
                 <a:spcPct val="90000"/>
               </a:lnSpc>
@@ -14716,7 +14689,7 @@
             </a:endParaRPr>
           </a:p>
           <a:p>
-            <a:pPr lvl="1" marL="914400" indent="-455400">
+            <a:pPr lvl="1" marL="914400" indent="-455040">
               <a:lnSpc>
                 <a:spcPct val="90000"/>
               </a:lnSpc>
@@ -14744,7 +14717,7 @@
             </a:endParaRPr>
           </a:p>
           <a:p>
-            <a:pPr lvl="1" marL="914400" indent="-455400">
+            <a:pPr lvl="1" marL="914400" indent="-455040">
               <a:lnSpc>
                 <a:spcPct val="90000"/>
               </a:lnSpc>
@@ -14772,7 +14745,7 @@
             </a:endParaRPr>
           </a:p>
           <a:p>
-            <a:pPr marL="228600" indent="-226800">
+            <a:pPr marL="228600" indent="-226440">
               <a:lnSpc>
                 <a:spcPct val="90000"/>
               </a:lnSpc>
@@ -14810,7 +14783,7 @@
             </a:endParaRPr>
           </a:p>
           <a:p>
-            <a:pPr lvl="1" marL="685800" indent="-226800">
+            <a:pPr lvl="1" marL="685800" indent="-226440">
               <a:lnSpc>
                 <a:spcPct val="90000"/>
               </a:lnSpc>
@@ -14838,7 +14811,7 @@
             </a:endParaRPr>
           </a:p>
           <a:p>
-            <a:pPr lvl="1" marL="685800" indent="-226800">
+            <a:pPr lvl="1" marL="685800" indent="-226440">
               <a:lnSpc>
                 <a:spcPct val="90000"/>
               </a:lnSpc>
@@ -14866,7 +14839,7 @@
             </a:endParaRPr>
           </a:p>
           <a:p>
-            <a:pPr lvl="1" marL="685800" indent="-226800">
+            <a:pPr lvl="1" marL="685800" indent="-226440">
               <a:lnSpc>
                 <a:spcPct val="90000"/>
               </a:lnSpc>
@@ -14894,7 +14867,7 @@
             </a:endParaRPr>
           </a:p>
           <a:p>
-            <a:pPr lvl="1" marL="685800" indent="-226800">
+            <a:pPr lvl="1" marL="685800" indent="-226440">
               <a:lnSpc>
                 <a:spcPct val="90000"/>
               </a:lnSpc>
@@ -14956,7 +14929,7 @@
         <p:spPr>
           <a:xfrm>
             <a:off x="8323560" y="1944000"/>
-            <a:ext cx="3097440" cy="2990880"/>
+            <a:ext cx="3097080" cy="2990520"/>
           </a:xfrm>
           <a:prstGeom prst="rect">
             <a:avLst/>
@@ -15005,7 +14978,7 @@
         <p:spPr>
           <a:xfrm>
             <a:off x="594000" y="234000"/>
-            <a:ext cx="10514160" cy="1258560"/>
+            <a:ext cx="10513800" cy="1258200"/>
           </a:xfrm>
           <a:prstGeom prst="rect">
             <a:avLst/>
@@ -15056,7 +15029,7 @@
         <p:spPr>
           <a:xfrm>
             <a:off x="743760" y="1487520"/>
-            <a:ext cx="10022760" cy="4879440"/>
+            <a:ext cx="10022400" cy="4879080"/>
           </a:xfrm>
           <a:prstGeom prst="rect">
             <a:avLst/>
@@ -15077,7 +15050,7 @@
             <a:normAutofit/>
           </a:bodyPr>
           <a:p>
-            <a:pPr marL="457200" indent="-455400">
+            <a:pPr marL="457200" indent="-455040">
               <a:lnSpc>
                 <a:spcPct val="90000"/>
               </a:lnSpc>
@@ -15105,7 +15078,7 @@
             </a:endParaRPr>
           </a:p>
           <a:p>
-            <a:pPr lvl="2" marL="1143000" indent="-226800">
+            <a:pPr lvl="2" marL="1143000" indent="-226440">
               <a:lnSpc>
                 <a:spcPct val="90000"/>
               </a:lnSpc>
@@ -15133,7 +15106,7 @@
             </a:endParaRPr>
           </a:p>
           <a:p>
-            <a:pPr lvl="1" marL="685800" indent="-226800">
+            <a:pPr lvl="1" marL="685800" indent="-226440">
               <a:lnSpc>
                 <a:spcPct val="90000"/>
               </a:lnSpc>
@@ -15161,7 +15134,7 @@
             </a:endParaRPr>
           </a:p>
           <a:p>
-            <a:pPr lvl="1" marL="685800" indent="-226800">
+            <a:pPr lvl="1" marL="685800" indent="-226440">
               <a:lnSpc>
                 <a:spcPct val="90000"/>
               </a:lnSpc>
@@ -15189,7 +15162,7 @@
             </a:endParaRPr>
           </a:p>
           <a:p>
-            <a:pPr lvl="1" marL="685800" indent="-226800">
+            <a:pPr lvl="1" marL="685800" indent="-226440">
               <a:lnSpc>
                 <a:spcPct val="90000"/>
               </a:lnSpc>
@@ -15217,7 +15190,7 @@
             </a:endParaRPr>
           </a:p>
           <a:p>
-            <a:pPr lvl="1" marL="685800" indent="-226800">
+            <a:pPr lvl="1" marL="685800" indent="-226440">
               <a:lnSpc>
                 <a:spcPct val="90000"/>
               </a:lnSpc>
@@ -15255,7 +15228,7 @@
             </a:endParaRPr>
           </a:p>
           <a:p>
-            <a:pPr marL="228600" indent="-226800">
+            <a:pPr marL="228600" indent="-226440">
               <a:lnSpc>
                 <a:spcPct val="90000"/>
               </a:lnSpc>
@@ -15283,7 +15256,7 @@
             </a:endParaRPr>
           </a:p>
           <a:p>
-            <a:pPr lvl="1" marL="685800" indent="-226800">
+            <a:pPr lvl="1" marL="685800" indent="-226440">
               <a:lnSpc>
                 <a:spcPct val="90000"/>
               </a:lnSpc>
@@ -15311,7 +15284,7 @@
             </a:endParaRPr>
           </a:p>
           <a:p>
-            <a:pPr lvl="1" marL="685800" indent="-226800">
+            <a:pPr lvl="1" marL="685800" indent="-226440">
               <a:lnSpc>
                 <a:spcPct val="90000"/>
               </a:lnSpc>
@@ -15339,7 +15312,7 @@
             </a:endParaRPr>
           </a:p>
           <a:p>
-            <a:pPr marL="228600" indent="-226800">
+            <a:pPr marL="228600" indent="-226440">
               <a:lnSpc>
                 <a:spcPct val="90000"/>
               </a:lnSpc>
@@ -15367,7 +15340,7 @@
             </a:endParaRPr>
           </a:p>
           <a:p>
-            <a:pPr marL="228600" indent="-226800">
+            <a:pPr marL="228600" indent="-226440">
               <a:lnSpc>
                 <a:spcPct val="90000"/>
               </a:lnSpc>
@@ -15409,7 +15382,7 @@
         <p:spPr>
           <a:xfrm>
             <a:off x="7210440" y="1948680"/>
-            <a:ext cx="4453200" cy="2586960"/>
+            <a:ext cx="4452840" cy="2586600"/>
           </a:xfrm>
           <a:prstGeom prst="rect">
             <a:avLst/>
@@ -15458,7 +15431,7 @@
         <p:spPr>
           <a:xfrm>
             <a:off x="594000" y="234000"/>
-            <a:ext cx="10514160" cy="1258560"/>
+            <a:ext cx="10513800" cy="1258200"/>
           </a:xfrm>
           <a:prstGeom prst="rect">
             <a:avLst/>
@@ -15509,7 +15482,7 @@
         <p:spPr>
           <a:xfrm>
             <a:off x="792000" y="1584000"/>
-            <a:ext cx="8054280" cy="3715920"/>
+            <a:ext cx="8053920" cy="3715560"/>
           </a:xfrm>
           <a:prstGeom prst="rect">
             <a:avLst/>
@@ -15530,7 +15503,7 @@
             <a:normAutofit/>
           </a:bodyPr>
           <a:p>
-            <a:pPr marL="228600" indent="-226800">
+            <a:pPr marL="228600" indent="-226440">
               <a:lnSpc>
                 <a:spcPct val="90000"/>
               </a:lnSpc>
@@ -15558,7 +15531,7 @@
             </a:endParaRPr>
           </a:p>
           <a:p>
-            <a:pPr lvl="1" marL="685800" indent="-226800">
+            <a:pPr lvl="1" marL="685800" indent="-226440">
               <a:lnSpc>
                 <a:spcPct val="90000"/>
               </a:lnSpc>
@@ -15586,7 +15559,7 @@
             </a:endParaRPr>
           </a:p>
           <a:p>
-            <a:pPr lvl="1" marL="685800" indent="-226800">
+            <a:pPr lvl="1" marL="685800" indent="-226440">
               <a:lnSpc>
                 <a:spcPct val="90000"/>
               </a:lnSpc>
@@ -15614,7 +15587,7 @@
             </a:endParaRPr>
           </a:p>
           <a:p>
-            <a:pPr lvl="1" marL="685800" indent="-226800">
+            <a:pPr lvl="1" marL="685800" indent="-226440">
               <a:lnSpc>
                 <a:spcPct val="90000"/>
               </a:lnSpc>
@@ -15652,7 +15625,7 @@
             </a:endParaRPr>
           </a:p>
           <a:p>
-            <a:pPr marL="228600" indent="-226800">
+            <a:pPr marL="228600" indent="-226440">
               <a:lnSpc>
                 <a:spcPct val="90000"/>
               </a:lnSpc>
@@ -15680,7 +15653,7 @@
             </a:endParaRPr>
           </a:p>
           <a:p>
-            <a:pPr lvl="1" marL="685800" indent="-226800">
+            <a:pPr lvl="1" marL="685800" indent="-226440">
               <a:lnSpc>
                 <a:spcPct val="90000"/>
               </a:lnSpc>
@@ -15708,7 +15681,7 @@
             </a:endParaRPr>
           </a:p>
           <a:p>
-            <a:pPr lvl="1" marL="685800" indent="-226800">
+            <a:pPr lvl="1" marL="685800" indent="-226440">
               <a:lnSpc>
                 <a:spcPct val="90000"/>
               </a:lnSpc>
@@ -15736,7 +15709,7 @@
             </a:endParaRPr>
           </a:p>
           <a:p>
-            <a:pPr lvl="1" marL="685800" indent="-226800">
+            <a:pPr lvl="1" marL="685800" indent="-226440">
               <a:lnSpc>
                 <a:spcPct val="90000"/>
               </a:lnSpc>
@@ -15791,7 +15764,7 @@
         <p:spPr>
           <a:xfrm>
             <a:off x="8352720" y="1987920"/>
-            <a:ext cx="2374920" cy="4131720"/>
+            <a:ext cx="2374560" cy="4131360"/>
           </a:xfrm>
           <a:prstGeom prst="rect">
             <a:avLst/>
@@ -15840,7 +15813,7 @@
         <p:spPr>
           <a:xfrm>
             <a:off x="594000" y="234000"/>
-            <a:ext cx="10514160" cy="1258560"/>
+            <a:ext cx="10513800" cy="1258200"/>
           </a:xfrm>
           <a:prstGeom prst="rect">
             <a:avLst/>
@@ -15891,7 +15864,7 @@
         <p:spPr>
           <a:xfrm>
             <a:off x="789840" y="1611720"/>
-            <a:ext cx="10513800" cy="3571920"/>
+            <a:ext cx="10513440" cy="3571560"/>
           </a:xfrm>
           <a:prstGeom prst="rect">
             <a:avLst/>
@@ -15912,7 +15885,7 @@
             <a:normAutofit/>
           </a:bodyPr>
           <a:p>
-            <a:pPr marL="228600" indent="-226800">
+            <a:pPr marL="228600" indent="-226440">
               <a:lnSpc>
                 <a:spcPct val="90000"/>
               </a:lnSpc>
@@ -15940,7 +15913,7 @@
             </a:endParaRPr>
           </a:p>
           <a:p>
-            <a:pPr lvl="1" marL="914400" indent="-455400">
+            <a:pPr lvl="1" marL="914400" indent="-455040">
               <a:lnSpc>
                 <a:spcPct val="90000"/>
               </a:lnSpc>
@@ -15968,7 +15941,7 @@
             </a:endParaRPr>
           </a:p>
           <a:p>
-            <a:pPr lvl="1" marL="914400" indent="-455400">
+            <a:pPr lvl="1" marL="914400" indent="-455040">
               <a:lnSpc>
                 <a:spcPct val="90000"/>
               </a:lnSpc>
@@ -15996,7 +15969,7 @@
             </a:endParaRPr>
           </a:p>
           <a:p>
-            <a:pPr lvl="1" marL="914400" indent="-455400">
+            <a:pPr lvl="1" marL="914400" indent="-455040">
               <a:lnSpc>
                 <a:spcPct val="90000"/>
               </a:lnSpc>
@@ -16024,7 +15997,7 @@
             </a:endParaRPr>
           </a:p>
           <a:p>
-            <a:pPr lvl="1" marL="914400" indent="-455400">
+            <a:pPr lvl="1" marL="914400" indent="-455040">
               <a:lnSpc>
                 <a:spcPct val="90000"/>
               </a:lnSpc>
@@ -16052,7 +16025,7 @@
             </a:endParaRPr>
           </a:p>
           <a:p>
-            <a:pPr lvl="1" marL="914400" indent="-455400">
+            <a:pPr lvl="1" marL="914400" indent="-455040">
               <a:lnSpc>
                 <a:spcPct val="90000"/>
               </a:lnSpc>
@@ -16080,7 +16053,7 @@
             </a:endParaRPr>
           </a:p>
           <a:p>
-            <a:pPr marL="228600" indent="-226800">
+            <a:pPr marL="228600" indent="-226440">
               <a:lnSpc>
                 <a:spcPct val="90000"/>
               </a:lnSpc>
@@ -16158,7 +16131,7 @@
         <p:spPr>
           <a:xfrm>
             <a:off x="594000" y="234000"/>
-            <a:ext cx="10514160" cy="1258560"/>
+            <a:ext cx="10513800" cy="1258200"/>
           </a:xfrm>
           <a:prstGeom prst="rect">
             <a:avLst/>
@@ -16209,7 +16182,7 @@
         <p:spPr>
           <a:xfrm>
             <a:off x="838080" y="1825560"/>
-            <a:ext cx="10513800" cy="4349520"/>
+            <a:ext cx="10513440" cy="4349160"/>
           </a:xfrm>
           <a:prstGeom prst="rect">
             <a:avLst/>
@@ -16230,7 +16203,7 @@
             <a:noAutofit/>
           </a:bodyPr>
           <a:p>
-            <a:pPr marL="228600" indent="-226800">
+            <a:pPr marL="228600" indent="-226440">
               <a:lnSpc>
                 <a:spcPct val="90000"/>
               </a:lnSpc>
@@ -16258,7 +16231,7 @@
             </a:endParaRPr>
           </a:p>
           <a:p>
-            <a:pPr lvl="1" marL="685800" indent="-226800">
+            <a:pPr lvl="1" marL="685800" indent="-226440">
               <a:lnSpc>
                 <a:spcPct val="90000"/>
               </a:lnSpc>
@@ -16286,7 +16259,7 @@
             </a:endParaRPr>
           </a:p>
           <a:p>
-            <a:pPr lvl="1" marL="685800" indent="-226800">
+            <a:pPr lvl="1" marL="685800" indent="-226440">
               <a:lnSpc>
                 <a:spcPct val="90000"/>
               </a:lnSpc>
@@ -16314,7 +16287,7 @@
             </a:endParaRPr>
           </a:p>
           <a:p>
-            <a:pPr lvl="1" marL="685800" indent="-226800">
+            <a:pPr lvl="1" marL="685800" indent="-226440">
               <a:lnSpc>
                 <a:spcPct val="90000"/>
               </a:lnSpc>
@@ -16355,7 +16328,7 @@
             </a:endParaRPr>
           </a:p>
           <a:p>
-            <a:pPr marL="228600" indent="-226800">
+            <a:pPr marL="228600" indent="-226440">
               <a:lnSpc>
                 <a:spcPct val="90000"/>
               </a:lnSpc>
@@ -16383,7 +16356,7 @@
             </a:endParaRPr>
           </a:p>
           <a:p>
-            <a:pPr lvl="1" marL="685800" indent="-226800">
+            <a:pPr lvl="1" marL="685800" indent="-226440">
               <a:lnSpc>
                 <a:spcPct val="90000"/>
               </a:lnSpc>
@@ -16411,7 +16384,7 @@
             </a:endParaRPr>
           </a:p>
           <a:p>
-            <a:pPr lvl="1" marL="685800" indent="-226800">
+            <a:pPr lvl="1" marL="685800" indent="-226440">
               <a:lnSpc>
                 <a:spcPct val="90000"/>
               </a:lnSpc>
@@ -16439,7 +16412,7 @@
             </a:endParaRPr>
           </a:p>
           <a:p>
-            <a:pPr lvl="1" marL="685800" indent="-226800">
+            <a:pPr lvl="1" marL="685800" indent="-226440">
               <a:lnSpc>
                 <a:spcPct val="90000"/>
               </a:lnSpc>
@@ -16467,7 +16440,7 @@
             </a:endParaRPr>
           </a:p>
           <a:p>
-            <a:pPr lvl="1" marL="685800" indent="-226800">
+            <a:pPr lvl="1" marL="685800" indent="-226440">
               <a:lnSpc>
                 <a:spcPct val="90000"/>
               </a:lnSpc>
@@ -16529,7 +16502,7 @@
         <p:spPr>
           <a:xfrm>
             <a:off x="7128000" y="2376000"/>
-            <a:ext cx="3804840" cy="2786760"/>
+            <a:ext cx="3804480" cy="2786400"/>
           </a:xfrm>
           <a:prstGeom prst="rect">
             <a:avLst/>
@@ -16578,7 +16551,7 @@
         <p:spPr>
           <a:xfrm>
             <a:off x="594000" y="234000"/>
-            <a:ext cx="10514160" cy="1258560"/>
+            <a:ext cx="10513800" cy="1258200"/>
           </a:xfrm>
           <a:prstGeom prst="rect">
             <a:avLst/>
@@ -16629,7 +16602,7 @@
         <p:spPr>
           <a:xfrm>
             <a:off x="838080" y="1825560"/>
-            <a:ext cx="10513800" cy="4349520"/>
+            <a:ext cx="10513440" cy="4349160"/>
           </a:xfrm>
           <a:prstGeom prst="rect">
             <a:avLst/>
@@ -16650,7 +16623,7 @@
             <a:noAutofit/>
           </a:bodyPr>
           <a:p>
-            <a:pPr marL="228600" indent="-226800">
+            <a:pPr marL="228600" indent="-226440">
               <a:lnSpc>
                 <a:spcPct val="90000"/>
               </a:lnSpc>
@@ -16678,7 +16651,7 @@
             </a:endParaRPr>
           </a:p>
           <a:p>
-            <a:pPr lvl="1" marL="685800" indent="-226800">
+            <a:pPr lvl="1" marL="685800" indent="-226440">
               <a:lnSpc>
                 <a:spcPct val="90000"/>
               </a:lnSpc>
@@ -16706,7 +16679,7 @@
             </a:endParaRPr>
           </a:p>
           <a:p>
-            <a:pPr lvl="1" marL="685800" indent="-226800">
+            <a:pPr lvl="1" marL="685800" indent="-226440">
               <a:lnSpc>
                 <a:spcPct val="90000"/>
               </a:lnSpc>
@@ -16734,7 +16707,7 @@
             </a:endParaRPr>
           </a:p>
           <a:p>
-            <a:pPr marL="228600" indent="-226800">
+            <a:pPr marL="228600" indent="-226440">
               <a:lnSpc>
                 <a:spcPct val="90000"/>
               </a:lnSpc>
@@ -16762,7 +16735,7 @@
             </a:endParaRPr>
           </a:p>
           <a:p>
-            <a:pPr lvl="1" marL="685800" indent="-226800">
+            <a:pPr lvl="1" marL="685800" indent="-226440">
               <a:lnSpc>
                 <a:spcPct val="90000"/>
               </a:lnSpc>
@@ -16790,7 +16763,7 @@
             </a:endParaRPr>
           </a:p>
           <a:p>
-            <a:pPr lvl="1" marL="685800" indent="-226800">
+            <a:pPr lvl="1" marL="685800" indent="-226440">
               <a:lnSpc>
                 <a:spcPct val="90000"/>
               </a:lnSpc>
@@ -16838,7 +16811,7 @@
             </a:endParaRPr>
           </a:p>
           <a:p>
-            <a:pPr lvl="1" marL="685800" indent="-226800">
+            <a:pPr lvl="1" marL="685800" indent="-226440">
               <a:lnSpc>
                 <a:spcPct val="90000"/>
               </a:lnSpc>
@@ -16866,7 +16839,7 @@
             </a:endParaRPr>
           </a:p>
           <a:p>
-            <a:pPr marL="228600" indent="-226800">
+            <a:pPr marL="228600" indent="-226440">
               <a:lnSpc>
                 <a:spcPct val="90000"/>
               </a:lnSpc>
@@ -16894,7 +16867,7 @@
             </a:endParaRPr>
           </a:p>
           <a:p>
-            <a:pPr lvl="1" marL="685800" indent="-226800">
+            <a:pPr lvl="1" marL="685800" indent="-226440">
               <a:lnSpc>
                 <a:spcPct val="90000"/>
               </a:lnSpc>
@@ -16922,7 +16895,7 @@
             </a:endParaRPr>
           </a:p>
           <a:p>
-            <a:pPr lvl="1" marL="685800" indent="-226800">
+            <a:pPr lvl="1" marL="685800" indent="-226440">
               <a:lnSpc>
                 <a:spcPct val="90000"/>
               </a:lnSpc>
@@ -16950,7 +16923,7 @@
             </a:endParaRPr>
           </a:p>
           <a:p>
-            <a:pPr lvl="1" marL="685800" indent="-226800">
+            <a:pPr lvl="1" marL="685800" indent="-226440">
               <a:lnSpc>
                 <a:spcPct val="90000"/>
               </a:lnSpc>
@@ -16992,7 +16965,7 @@
         <p:spPr>
           <a:xfrm>
             <a:off x="8496000" y="2376000"/>
-            <a:ext cx="2926440" cy="2995920"/>
+            <a:ext cx="2926080" cy="2995560"/>
           </a:xfrm>
           <a:prstGeom prst="rect">
             <a:avLst/>
@@ -17041,7 +17014,7 @@
         <p:spPr>
           <a:xfrm>
             <a:off x="609480" y="1604520"/>
-            <a:ext cx="10838160" cy="4155120"/>
+            <a:ext cx="10837800" cy="4154760"/>
           </a:xfrm>
           <a:prstGeom prst="rect">
             <a:avLst/>
@@ -17062,7 +17035,7 @@
             <a:normAutofit/>
           </a:bodyPr>
           <a:p>
-            <a:pPr marL="432000" indent="-323640">
+            <a:pPr marL="432000" indent="-323280">
               <a:lnSpc>
                 <a:spcPct val="90000"/>
               </a:lnSpc>
@@ -17091,7 +17064,7 @@
             </a:endParaRPr>
           </a:p>
           <a:p>
-            <a:pPr lvl="1" marL="864000" indent="-323640">
+            <a:pPr lvl="1" marL="864000" indent="-323280">
               <a:lnSpc>
                 <a:spcPct val="90000"/>
               </a:lnSpc>
@@ -17120,7 +17093,7 @@
             </a:endParaRPr>
           </a:p>
           <a:p>
-            <a:pPr lvl="1" marL="864000" indent="-323640">
+            <a:pPr lvl="1" marL="864000" indent="-323280">
               <a:lnSpc>
                 <a:spcPct val="90000"/>
               </a:lnSpc>
@@ -17149,7 +17122,7 @@
             </a:endParaRPr>
           </a:p>
           <a:p>
-            <a:pPr lvl="1" marL="864000" indent="-323640">
+            <a:pPr lvl="1" marL="864000" indent="-323280">
               <a:lnSpc>
                 <a:spcPct val="90000"/>
               </a:lnSpc>
@@ -17178,7 +17151,7 @@
             </a:endParaRPr>
           </a:p>
           <a:p>
-            <a:pPr lvl="1" marL="864000" indent="-323640">
+            <a:pPr lvl="1" marL="864000" indent="-323280">
               <a:lnSpc>
                 <a:spcPct val="100000"/>
               </a:lnSpc>
@@ -17217,7 +17190,7 @@
         <p:spPr>
           <a:xfrm>
             <a:off x="594000" y="234000"/>
-            <a:ext cx="10514160" cy="1258560"/>
+            <a:ext cx="10513800" cy="1258200"/>
           </a:xfrm>
           <a:prstGeom prst="rect">
             <a:avLst/>
@@ -17298,7 +17271,7 @@
         <p:spPr>
           <a:xfrm>
             <a:off x="594000" y="234000"/>
-            <a:ext cx="10514160" cy="1258560"/>
+            <a:ext cx="10513800" cy="1258200"/>
           </a:xfrm>
           <a:prstGeom prst="rect">
             <a:avLst/>
@@ -17349,7 +17322,7 @@
         <p:spPr>
           <a:xfrm>
             <a:off x="838080" y="1825560"/>
-            <a:ext cx="10513800" cy="4349520"/>
+            <a:ext cx="10513440" cy="4349160"/>
           </a:xfrm>
           <a:prstGeom prst="rect">
             <a:avLst/>
@@ -17370,7 +17343,7 @@
             <a:normAutofit/>
           </a:bodyPr>
           <a:p>
-            <a:pPr marL="228600" indent="-226800">
+            <a:pPr marL="228600" indent="-226440">
               <a:lnSpc>
                 <a:spcPct val="90000"/>
               </a:lnSpc>
@@ -17398,7 +17371,7 @@
             </a:endParaRPr>
           </a:p>
           <a:p>
-            <a:pPr lvl="1" marL="685800" indent="-226800">
+            <a:pPr lvl="1" marL="685800" indent="-226440">
               <a:lnSpc>
                 <a:spcPct val="90000"/>
               </a:lnSpc>
@@ -17426,7 +17399,7 @@
             </a:endParaRPr>
           </a:p>
           <a:p>
-            <a:pPr lvl="1" marL="685800" indent="-226800">
+            <a:pPr lvl="1" marL="685800" indent="-226440">
               <a:lnSpc>
                 <a:spcPct val="90000"/>
               </a:lnSpc>
@@ -17454,7 +17427,7 @@
             </a:endParaRPr>
           </a:p>
           <a:p>
-            <a:pPr lvl="1" marL="685800" indent="-226800">
+            <a:pPr lvl="1" marL="685800" indent="-226440">
               <a:lnSpc>
                 <a:spcPct val="90000"/>
               </a:lnSpc>
@@ -17482,7 +17455,7 @@
             </a:endParaRPr>
           </a:p>
           <a:p>
-            <a:pPr lvl="1" marL="685800" indent="-226800">
+            <a:pPr lvl="1" marL="685800" indent="-226440">
               <a:lnSpc>
                 <a:spcPct val="90000"/>
               </a:lnSpc>
@@ -17510,7 +17483,7 @@
             </a:endParaRPr>
           </a:p>
           <a:p>
-            <a:pPr lvl="2" marL="1143000" indent="-226800">
+            <a:pPr lvl="2" marL="1143000" indent="-226440">
               <a:lnSpc>
                 <a:spcPct val="90000"/>
               </a:lnSpc>
@@ -17538,7 +17511,7 @@
             </a:endParaRPr>
           </a:p>
           <a:p>
-            <a:pPr lvl="2" marL="1143000" indent="-226800">
+            <a:pPr lvl="2" marL="1143000" indent="-226440">
               <a:lnSpc>
                 <a:spcPct val="90000"/>
               </a:lnSpc>
@@ -17566,7 +17539,7 @@
             </a:endParaRPr>
           </a:p>
           <a:p>
-            <a:pPr lvl="2" marL="1143000" indent="-226800">
+            <a:pPr lvl="2" marL="1143000" indent="-226440">
               <a:lnSpc>
                 <a:spcPct val="90000"/>
               </a:lnSpc>
@@ -17604,7 +17577,7 @@
             </a:endParaRPr>
           </a:p>
           <a:p>
-            <a:pPr marL="228600" indent="-226800">
+            <a:pPr marL="228600" indent="-226440">
               <a:lnSpc>
                 <a:spcPct val="90000"/>
               </a:lnSpc>
@@ -17642,7 +17615,7 @@
             </a:endParaRPr>
           </a:p>
           <a:p>
-            <a:pPr lvl="1" marL="685800" indent="-226800">
+            <a:pPr lvl="1" marL="685800" indent="-226440">
               <a:lnSpc>
                 <a:spcPct val="90000"/>
               </a:lnSpc>
@@ -17710,7 +17683,7 @@
         <p:spPr>
           <a:xfrm>
             <a:off x="594000" y="234000"/>
-            <a:ext cx="10514160" cy="1258560"/>
+            <a:ext cx="10513800" cy="1258200"/>
           </a:xfrm>
           <a:prstGeom prst="rect">
             <a:avLst/>
@@ -17761,7 +17734,7 @@
         <p:spPr>
           <a:xfrm>
             <a:off x="792720" y="1435320"/>
-            <a:ext cx="10513800" cy="5158440"/>
+            <a:ext cx="10513440" cy="5158080"/>
           </a:xfrm>
           <a:prstGeom prst="rect">
             <a:avLst/>
@@ -17782,7 +17755,7 @@
             <a:normAutofit/>
           </a:bodyPr>
           <a:p>
-            <a:pPr marL="228600" indent="-226800">
+            <a:pPr marL="228600" indent="-226440">
               <a:lnSpc>
                 <a:spcPct val="90000"/>
               </a:lnSpc>
@@ -17820,7 +17793,7 @@
             </a:endParaRPr>
           </a:p>
           <a:p>
-            <a:pPr lvl="1" marL="685800" indent="-226800">
+            <a:pPr lvl="1" marL="685800" indent="-226440">
               <a:lnSpc>
                 <a:spcPct val="90000"/>
               </a:lnSpc>
@@ -17848,7 +17821,7 @@
             </a:endParaRPr>
           </a:p>
           <a:p>
-            <a:pPr lvl="1" marL="685800" indent="-226800">
+            <a:pPr lvl="1" marL="685800" indent="-226440">
               <a:lnSpc>
                 <a:spcPct val="90000"/>
               </a:lnSpc>
@@ -17886,7 +17859,7 @@
             </a:endParaRPr>
           </a:p>
           <a:p>
-            <a:pPr marL="228600" indent="-226800">
+            <a:pPr marL="228600" indent="-226440">
               <a:lnSpc>
                 <a:spcPct val="90000"/>
               </a:lnSpc>
@@ -17924,7 +17897,7 @@
             </a:endParaRPr>
           </a:p>
           <a:p>
-            <a:pPr lvl="1" marL="914400" indent="-455400">
+            <a:pPr lvl="1" marL="914400" indent="-455040">
               <a:lnSpc>
                 <a:spcPct val="90000"/>
               </a:lnSpc>
@@ -17952,7 +17925,7 @@
             </a:endParaRPr>
           </a:p>
           <a:p>
-            <a:pPr lvl="1" marL="914400" indent="-455400">
+            <a:pPr lvl="1" marL="914400" indent="-455040">
               <a:lnSpc>
                 <a:spcPct val="90000"/>
               </a:lnSpc>
@@ -17980,7 +17953,7 @@
             </a:endParaRPr>
           </a:p>
           <a:p>
-            <a:pPr lvl="1" marL="914400" indent="-455400">
+            <a:pPr lvl="1" marL="914400" indent="-455040">
               <a:lnSpc>
                 <a:spcPct val="90000"/>
               </a:lnSpc>
@@ -18008,7 +17981,7 @@
             </a:endParaRPr>
           </a:p>
           <a:p>
-            <a:pPr lvl="1" marL="914400" indent="-455400">
+            <a:pPr lvl="1" marL="914400" indent="-455040">
               <a:lnSpc>
                 <a:spcPct val="90000"/>
               </a:lnSpc>
@@ -18036,7 +18009,7 @@
             </a:endParaRPr>
           </a:p>
           <a:p>
-            <a:pPr marL="228600" indent="-226800">
+            <a:pPr marL="228600" indent="-226440">
               <a:lnSpc>
                 <a:spcPct val="90000"/>
               </a:lnSpc>
@@ -18064,7 +18037,7 @@
             </a:endParaRPr>
           </a:p>
           <a:p>
-            <a:pPr lvl="1" marL="685800" indent="-226800">
+            <a:pPr lvl="1" marL="685800" indent="-226440">
               <a:lnSpc>
                 <a:spcPct val="90000"/>
               </a:lnSpc>
@@ -18092,7 +18065,7 @@
             </a:endParaRPr>
           </a:p>
           <a:p>
-            <a:pPr lvl="1" marL="685800" indent="-226800">
+            <a:pPr lvl="1" marL="685800" indent="-226440">
               <a:lnSpc>
                 <a:spcPct val="90000"/>
               </a:lnSpc>
@@ -18120,7 +18093,7 @@
             </a:endParaRPr>
           </a:p>
           <a:p>
-            <a:pPr lvl="1" marL="685800" indent="-226800">
+            <a:pPr lvl="1" marL="685800" indent="-226440">
               <a:lnSpc>
                 <a:spcPct val="90000"/>
               </a:lnSpc>
@@ -18172,7 +18145,7 @@
         <p:spPr>
           <a:xfrm>
             <a:off x="7416000" y="2160000"/>
-            <a:ext cx="3093840" cy="3112920"/>
+            <a:ext cx="3093480" cy="3112560"/>
           </a:xfrm>
           <a:prstGeom prst="rect">
             <a:avLst/>
@@ -18221,7 +18194,7 @@
         <p:spPr>
           <a:xfrm>
             <a:off x="594000" y="234000"/>
-            <a:ext cx="10514160" cy="1258560"/>
+            <a:ext cx="10513800" cy="1258200"/>
           </a:xfrm>
           <a:prstGeom prst="rect">
             <a:avLst/>
@@ -18272,7 +18245,7 @@
         <p:spPr>
           <a:xfrm>
             <a:off x="789840" y="1388880"/>
-            <a:ext cx="10513800" cy="4586760"/>
+            <a:ext cx="10513440" cy="4586400"/>
           </a:xfrm>
           <a:prstGeom prst="rect">
             <a:avLst/>
@@ -18293,7 +18266,7 @@
             <a:noAutofit/>
           </a:bodyPr>
           <a:p>
-            <a:pPr marL="228600" indent="-226800">
+            <a:pPr marL="228600" indent="-226440">
               <a:lnSpc>
                 <a:spcPct val="90000"/>
               </a:lnSpc>
@@ -18321,7 +18294,7 @@
             </a:endParaRPr>
           </a:p>
           <a:p>
-            <a:pPr lvl="1" marL="685800" indent="-226800">
+            <a:pPr lvl="1" marL="685800" indent="-226440">
               <a:lnSpc>
                 <a:spcPct val="90000"/>
               </a:lnSpc>
@@ -18349,7 +18322,7 @@
             </a:endParaRPr>
           </a:p>
           <a:p>
-            <a:pPr lvl="1" marL="685800" indent="-226800">
+            <a:pPr lvl="1" marL="685800" indent="-226440">
               <a:lnSpc>
                 <a:spcPct val="90000"/>
               </a:lnSpc>
@@ -18390,7 +18363,7 @@
             </a:endParaRPr>
           </a:p>
           <a:p>
-            <a:pPr marL="228600" indent="-226800">
+            <a:pPr marL="228600" indent="-226440">
               <a:lnSpc>
                 <a:spcPct val="90000"/>
               </a:lnSpc>
@@ -18418,7 +18391,7 @@
             </a:endParaRPr>
           </a:p>
           <a:p>
-            <a:pPr lvl="1" marL="685800" indent="-226800">
+            <a:pPr lvl="1" marL="685800" indent="-226440">
               <a:lnSpc>
                 <a:spcPct val="90000"/>
               </a:lnSpc>
@@ -18446,7 +18419,7 @@
             </a:endParaRPr>
           </a:p>
           <a:p>
-            <a:pPr lvl="1" marL="685800" indent="-226800">
+            <a:pPr lvl="1" marL="685800" indent="-226440">
               <a:lnSpc>
                 <a:spcPct val="90000"/>
               </a:lnSpc>
@@ -18474,7 +18447,7 @@
             </a:endParaRPr>
           </a:p>
           <a:p>
-            <a:pPr lvl="1" marL="685800" indent="-226800">
+            <a:pPr lvl="1" marL="685800" indent="-226440">
               <a:lnSpc>
                 <a:spcPct val="90000"/>
               </a:lnSpc>
@@ -18502,7 +18475,7 @@
             </a:endParaRPr>
           </a:p>
           <a:p>
-            <a:pPr lvl="1" marL="685800" indent="-226800">
+            <a:pPr lvl="1" marL="685800" indent="-226440">
               <a:lnSpc>
                 <a:spcPct val="90000"/>
               </a:lnSpc>
@@ -18530,7 +18503,7 @@
             </a:endParaRPr>
           </a:p>
           <a:p>
-            <a:pPr marL="228600" indent="-226800">
+            <a:pPr marL="228600" indent="-226440">
               <a:lnSpc>
                 <a:spcPct val="90000"/>
               </a:lnSpc>
@@ -18568,7 +18541,7 @@
             </a:endParaRPr>
           </a:p>
           <a:p>
-            <a:pPr lvl="1" marL="685800" indent="-226800">
+            <a:pPr lvl="1" marL="685800" indent="-226440">
               <a:lnSpc>
                 <a:spcPct val="90000"/>
               </a:lnSpc>
@@ -18596,7 +18569,7 @@
             </a:endParaRPr>
           </a:p>
           <a:p>
-            <a:pPr lvl="1" marL="685800" indent="-226800">
+            <a:pPr lvl="1" marL="685800" indent="-226440">
               <a:lnSpc>
                 <a:spcPct val="90000"/>
               </a:lnSpc>
@@ -18638,7 +18611,7 @@
         <p:spPr>
           <a:xfrm>
             <a:off x="8049960" y="2160000"/>
-            <a:ext cx="2893680" cy="2960640"/>
+            <a:ext cx="2893320" cy="2960280"/>
           </a:xfrm>
           <a:prstGeom prst="rect">
             <a:avLst/>
@@ -18687,7 +18660,7 @@
         <p:spPr>
           <a:xfrm>
             <a:off x="594000" y="234000"/>
-            <a:ext cx="10514160" cy="1258560"/>
+            <a:ext cx="10513800" cy="1258200"/>
           </a:xfrm>
           <a:prstGeom prst="rect">
             <a:avLst/>
@@ -18738,7 +18711,7 @@
         <p:spPr>
           <a:xfrm>
             <a:off x="838080" y="1825560"/>
-            <a:ext cx="10513800" cy="4349520"/>
+            <a:ext cx="10513440" cy="4349160"/>
           </a:xfrm>
           <a:prstGeom prst="rect">
             <a:avLst/>
@@ -18759,7 +18732,7 @@
             <a:noAutofit/>
           </a:bodyPr>
           <a:p>
-            <a:pPr marL="228600" indent="-226800">
+            <a:pPr marL="228600" indent="-226440">
               <a:lnSpc>
                 <a:spcPct val="90000"/>
               </a:lnSpc>
@@ -18787,7 +18760,7 @@
             </a:endParaRPr>
           </a:p>
           <a:p>
-            <a:pPr lvl="1" marL="914400" indent="-455400">
+            <a:pPr lvl="1" marL="914400" indent="-455040">
               <a:lnSpc>
                 <a:spcPct val="90000"/>
               </a:lnSpc>
@@ -18815,7 +18788,7 @@
             </a:endParaRPr>
           </a:p>
           <a:p>
-            <a:pPr lvl="1" marL="914400" indent="-455400">
+            <a:pPr lvl="1" marL="914400" indent="-455040">
               <a:lnSpc>
                 <a:spcPct val="90000"/>
               </a:lnSpc>
@@ -18843,7 +18816,7 @@
             </a:endParaRPr>
           </a:p>
           <a:p>
-            <a:pPr lvl="1" marL="914400" indent="-455400">
+            <a:pPr lvl="1" marL="914400" indent="-455040">
               <a:lnSpc>
                 <a:spcPct val="90000"/>
               </a:lnSpc>
@@ -18871,7 +18844,7 @@
             </a:endParaRPr>
           </a:p>
           <a:p>
-            <a:pPr lvl="1" marL="914400" indent="-455400">
+            <a:pPr lvl="1" marL="914400" indent="-455040">
               <a:lnSpc>
                 <a:spcPct val="90000"/>
               </a:lnSpc>
@@ -18899,7 +18872,7 @@
             </a:endParaRPr>
           </a:p>
           <a:p>
-            <a:pPr lvl="1" marL="914400" indent="-455400">
+            <a:pPr lvl="1" marL="914400" indent="-455040">
               <a:lnSpc>
                 <a:spcPct val="90000"/>
               </a:lnSpc>
@@ -18927,7 +18900,7 @@
             </a:endParaRPr>
           </a:p>
           <a:p>
-            <a:pPr marL="228600" indent="-226800">
+            <a:pPr marL="228600" indent="-226440">
               <a:lnSpc>
                 <a:spcPct val="90000"/>
               </a:lnSpc>
@@ -18955,7 +18928,7 @@
             </a:endParaRPr>
           </a:p>
           <a:p>
-            <a:pPr lvl="1" marL="685800" indent="-226800">
+            <a:pPr lvl="1" marL="685800" indent="-226440">
               <a:lnSpc>
                 <a:spcPct val="90000"/>
               </a:lnSpc>
@@ -18983,7 +18956,7 @@
             </a:endParaRPr>
           </a:p>
           <a:p>
-            <a:pPr lvl="1" marL="685800" indent="-226800">
+            <a:pPr lvl="1" marL="685800" indent="-226440">
               <a:lnSpc>
                 <a:spcPct val="90000"/>
               </a:lnSpc>
@@ -19011,7 +18984,7 @@
             </a:endParaRPr>
           </a:p>
           <a:p>
-            <a:pPr lvl="1" marL="685800" indent="-226800">
+            <a:pPr lvl="1" marL="685800" indent="-226440">
               <a:lnSpc>
                 <a:spcPct val="90000"/>
               </a:lnSpc>
@@ -19039,7 +19012,7 @@
             </a:endParaRPr>
           </a:p>
           <a:p>
-            <a:pPr lvl="1" marL="685800" indent="-226800">
+            <a:pPr lvl="1" marL="685800" indent="-226440">
               <a:lnSpc>
                 <a:spcPct val="90000"/>
               </a:lnSpc>
@@ -19091,7 +19064,7 @@
         <p:spPr>
           <a:xfrm>
             <a:off x="8203320" y="2304000"/>
-            <a:ext cx="2884320" cy="2989080"/>
+            <a:ext cx="2883960" cy="2988720"/>
           </a:xfrm>
           <a:prstGeom prst="rect">
             <a:avLst/>
@@ -19140,7 +19113,7 @@
         <p:spPr>
           <a:xfrm>
             <a:off x="594000" y="234000"/>
-            <a:ext cx="10514160" cy="1258560"/>
+            <a:ext cx="10513800" cy="1258200"/>
           </a:xfrm>
           <a:prstGeom prst="rect">
             <a:avLst/>
@@ -19191,7 +19164,7 @@
         <p:spPr>
           <a:xfrm>
             <a:off x="838080" y="1825560"/>
-            <a:ext cx="5972040" cy="4349520"/>
+            <a:ext cx="5971680" cy="4349160"/>
           </a:xfrm>
           <a:prstGeom prst="rect">
             <a:avLst/>
@@ -19212,7 +19185,7 @@
             <a:normAutofit/>
           </a:bodyPr>
           <a:p>
-            <a:pPr marL="228600" indent="-226440">
+            <a:pPr marL="228600" indent="-226080">
               <a:lnSpc>
                 <a:spcPct val="90000"/>
               </a:lnSpc>
@@ -19240,7 +19213,7 @@
             </a:endParaRPr>
           </a:p>
           <a:p>
-            <a:pPr lvl="1" marL="685800" indent="-226440">
+            <a:pPr lvl="1" marL="685800" indent="-226080">
               <a:lnSpc>
                 <a:spcPct val="90000"/>
               </a:lnSpc>
@@ -19268,7 +19241,7 @@
             </a:endParaRPr>
           </a:p>
           <a:p>
-            <a:pPr marL="228600" indent="-226440">
+            <a:pPr marL="228600" indent="-226080">
               <a:lnSpc>
                 <a:spcPct val="90000"/>
               </a:lnSpc>
@@ -19296,7 +19269,7 @@
             </a:endParaRPr>
           </a:p>
           <a:p>
-            <a:pPr lvl="1" marL="685800" indent="-226440">
+            <a:pPr lvl="1" marL="685800" indent="-226080">
               <a:lnSpc>
                 <a:spcPct val="90000"/>
               </a:lnSpc>
@@ -19324,7 +19297,7 @@
             </a:endParaRPr>
           </a:p>
           <a:p>
-            <a:pPr lvl="1" marL="685800" indent="-226440">
+            <a:pPr lvl="1" marL="685800" indent="-226080">
               <a:lnSpc>
                 <a:spcPct val="90000"/>
               </a:lnSpc>
@@ -19352,7 +19325,7 @@
             </a:endParaRPr>
           </a:p>
           <a:p>
-            <a:pPr lvl="1" marL="685800" indent="-226440">
+            <a:pPr lvl="1" marL="685800" indent="-226080">
               <a:lnSpc>
                 <a:spcPct val="90000"/>
               </a:lnSpc>
@@ -19380,7 +19353,7 @@
             </a:endParaRPr>
           </a:p>
           <a:p>
-            <a:pPr marL="228600" indent="-226440">
+            <a:pPr marL="228600" indent="-226080">
               <a:lnSpc>
                 <a:spcPct val="90000"/>
               </a:lnSpc>
@@ -19408,7 +19381,7 @@
             </a:endParaRPr>
           </a:p>
           <a:p>
-            <a:pPr lvl="1" marL="685800" indent="-226440">
+            <a:pPr lvl="1" marL="685800" indent="-226080">
               <a:lnSpc>
                 <a:spcPct val="90000"/>
               </a:lnSpc>
@@ -19436,7 +19409,7 @@
             </a:endParaRPr>
           </a:p>
           <a:p>
-            <a:pPr lvl="1" marL="685800" indent="-226440">
+            <a:pPr lvl="1" marL="685800" indent="-226080">
               <a:lnSpc>
                 <a:spcPct val="90000"/>
               </a:lnSpc>
@@ -19478,7 +19451,7 @@
         <p:spPr>
           <a:xfrm>
             <a:off x="6912000" y="1800000"/>
-            <a:ext cx="4539960" cy="3927600"/>
+            <a:ext cx="4539600" cy="3927240"/>
           </a:xfrm>
           <a:prstGeom prst="rect">
             <a:avLst/>
@@ -19497,7 +19470,7 @@
         <p:spPr>
           <a:xfrm>
             <a:off x="0" y="6653880"/>
-            <a:ext cx="1268280" cy="151560"/>
+            <a:ext cx="1267920" cy="151560"/>
           </a:xfrm>
           <a:prstGeom prst="rect">
             <a:avLst/>
@@ -19586,7 +19559,7 @@
         <p:spPr>
           <a:xfrm>
             <a:off x="594000" y="234000"/>
-            <a:ext cx="10514160" cy="1258560"/>
+            <a:ext cx="10513800" cy="1258200"/>
           </a:xfrm>
           <a:prstGeom prst="rect">
             <a:avLst/>
@@ -19637,7 +19610,7 @@
         <p:spPr>
           <a:xfrm>
             <a:off x="838080" y="1825560"/>
-            <a:ext cx="10513800" cy="4349520"/>
+            <a:ext cx="10513440" cy="4349160"/>
           </a:xfrm>
           <a:prstGeom prst="rect">
             <a:avLst/>
@@ -19658,7 +19631,7 @@
             <a:normAutofit/>
           </a:bodyPr>
           <a:p>
-            <a:pPr marL="228600" indent="-226800">
+            <a:pPr marL="228600" indent="-226440">
               <a:lnSpc>
                 <a:spcPct val="90000"/>
               </a:lnSpc>
@@ -19686,7 +19659,7 @@
             </a:endParaRPr>
           </a:p>
           <a:p>
-            <a:pPr lvl="1" marL="685800" indent="-226800">
+            <a:pPr lvl="1" marL="685800" indent="-226440">
               <a:lnSpc>
                 <a:spcPct val="90000"/>
               </a:lnSpc>
@@ -19714,7 +19687,7 @@
             </a:endParaRPr>
           </a:p>
           <a:p>
-            <a:pPr lvl="1" marL="685800" indent="-226800">
+            <a:pPr lvl="1" marL="685800" indent="-226440">
               <a:lnSpc>
                 <a:spcPct val="90000"/>
               </a:lnSpc>
@@ -19742,7 +19715,7 @@
             </a:endParaRPr>
           </a:p>
           <a:p>
-            <a:pPr lvl="2" marL="1143000" indent="-226800">
+            <a:pPr lvl="2" marL="1143000" indent="-226440">
               <a:lnSpc>
                 <a:spcPct val="90000"/>
               </a:lnSpc>
@@ -19770,7 +19743,7 @@
             </a:endParaRPr>
           </a:p>
           <a:p>
-            <a:pPr marL="228600" indent="-226800">
+            <a:pPr marL="228600" indent="-226440">
               <a:lnSpc>
                 <a:spcPct val="90000"/>
               </a:lnSpc>
@@ -19798,7 +19771,7 @@
             </a:endParaRPr>
           </a:p>
           <a:p>
-            <a:pPr lvl="1" marL="971640" indent="-512640">
+            <a:pPr lvl="1" marL="971640" indent="-512280">
               <a:lnSpc>
                 <a:spcPct val="90000"/>
               </a:lnSpc>
@@ -19826,7 +19799,7 @@
             </a:endParaRPr>
           </a:p>
           <a:p>
-            <a:pPr lvl="1" marL="971640" indent="-512640">
+            <a:pPr lvl="1" marL="971640" indent="-512280">
               <a:lnSpc>
                 <a:spcPct val="90000"/>
               </a:lnSpc>
@@ -19854,7 +19827,7 @@
             </a:endParaRPr>
           </a:p>
           <a:p>
-            <a:pPr lvl="1" marL="971640" indent="-512640">
+            <a:pPr lvl="1" marL="971640" indent="-512280">
               <a:lnSpc>
                 <a:spcPct val="90000"/>
               </a:lnSpc>
@@ -19882,7 +19855,7 @@
             </a:endParaRPr>
           </a:p>
           <a:p>
-            <a:pPr lvl="1" marL="971640" indent="-512640">
+            <a:pPr lvl="1" marL="971640" indent="-512280">
               <a:lnSpc>
                 <a:spcPct val="90000"/>
               </a:lnSpc>
@@ -19910,7 +19883,7 @@
             </a:endParaRPr>
           </a:p>
           <a:p>
-            <a:pPr lvl="2" marL="1428840" indent="-512640">
+            <a:pPr lvl="2" marL="1428840" indent="-512280">
               <a:lnSpc>
                 <a:spcPct val="90000"/>
               </a:lnSpc>
@@ -19938,7 +19911,7 @@
             </a:endParaRPr>
           </a:p>
           <a:p>
-            <a:pPr lvl="2" marL="1428840" indent="-512640">
+            <a:pPr lvl="2" marL="1428840" indent="-512280">
               <a:lnSpc>
                 <a:spcPct val="90000"/>
               </a:lnSpc>
@@ -19966,7 +19939,7 @@
             </a:endParaRPr>
           </a:p>
           <a:p>
-            <a:pPr marL="228600" indent="-226800">
+            <a:pPr marL="228600" indent="-226440">
               <a:lnSpc>
                 <a:spcPct val="90000"/>
               </a:lnSpc>
@@ -20064,7 +20037,7 @@
         <p:spPr>
           <a:xfrm>
             <a:off x="9306720" y="1574280"/>
-            <a:ext cx="1925280" cy="4473720"/>
+            <a:ext cx="1924920" cy="4473360"/>
           </a:xfrm>
           <a:prstGeom prst="rect">
             <a:avLst/>
@@ -20113,7 +20086,7 @@
         <p:spPr>
           <a:xfrm>
             <a:off x="594000" y="234000"/>
-            <a:ext cx="10514160" cy="1258560"/>
+            <a:ext cx="10513800" cy="1258200"/>
           </a:xfrm>
           <a:prstGeom prst="rect">
             <a:avLst/>
@@ -20164,7 +20137,7 @@
         <p:spPr>
           <a:xfrm>
             <a:off x="838080" y="1825560"/>
-            <a:ext cx="6779880" cy="4349520"/>
+            <a:ext cx="6779520" cy="4349160"/>
           </a:xfrm>
           <a:prstGeom prst="rect">
             <a:avLst/>
@@ -20185,7 +20158,7 @@
             <a:noAutofit/>
           </a:bodyPr>
           <a:p>
-            <a:pPr marL="228600" indent="-226800">
+            <a:pPr marL="228600" indent="-226440">
               <a:lnSpc>
                 <a:spcPct val="90000"/>
               </a:lnSpc>
@@ -20213,7 +20186,7 @@
             </a:endParaRPr>
           </a:p>
           <a:p>
-            <a:pPr lvl="1" marL="685800" indent="-226800">
+            <a:pPr lvl="1" marL="685800" indent="-226440">
               <a:lnSpc>
                 <a:spcPct val="90000"/>
               </a:lnSpc>
@@ -20274,7 +20247,7 @@
             </a:endParaRPr>
           </a:p>
           <a:p>
-            <a:pPr lvl="1" marL="685800" indent="-226800">
+            <a:pPr lvl="1" marL="685800" indent="-226440">
               <a:lnSpc>
                 <a:spcPct val="90000"/>
               </a:lnSpc>
@@ -20315,7 +20288,7 @@
             </a:endParaRPr>
           </a:p>
           <a:p>
-            <a:pPr marL="228600" indent="-226800">
+            <a:pPr marL="228600" indent="-226440">
               <a:lnSpc>
                 <a:spcPct val="90000"/>
               </a:lnSpc>
@@ -20343,7 +20316,7 @@
             </a:endParaRPr>
           </a:p>
           <a:p>
-            <a:pPr lvl="1" marL="685800" indent="-226800">
+            <a:pPr lvl="1" marL="685800" indent="-226440">
               <a:lnSpc>
                 <a:spcPct val="90000"/>
               </a:lnSpc>
@@ -20371,7 +20344,7 @@
             </a:endParaRPr>
           </a:p>
           <a:p>
-            <a:pPr lvl="1" marL="685800" indent="-226800">
+            <a:pPr lvl="1" marL="685800" indent="-226440">
               <a:lnSpc>
                 <a:spcPct val="90000"/>
               </a:lnSpc>
@@ -20399,7 +20372,7 @@
             </a:endParaRPr>
           </a:p>
           <a:p>
-            <a:pPr lvl="1" marL="685800" indent="-226800">
+            <a:pPr lvl="1" marL="685800" indent="-226440">
               <a:lnSpc>
                 <a:spcPct val="90000"/>
               </a:lnSpc>
@@ -20441,7 +20414,7 @@
         <p:spPr>
           <a:xfrm>
             <a:off x="7272000" y="2160000"/>
-            <a:ext cx="3970080" cy="2912760"/>
+            <a:ext cx="3969720" cy="2912400"/>
           </a:xfrm>
           <a:prstGeom prst="rect">
             <a:avLst/>
@@ -20490,7 +20463,7 @@
         <p:spPr>
           <a:xfrm>
             <a:off x="594000" y="234000"/>
-            <a:ext cx="10514160" cy="1258560"/>
+            <a:ext cx="10513800" cy="1258200"/>
           </a:xfrm>
           <a:prstGeom prst="rect">
             <a:avLst/>
@@ -20541,7 +20514,7 @@
         <p:spPr>
           <a:xfrm>
             <a:off x="838080" y="1825560"/>
-            <a:ext cx="10513800" cy="4349520"/>
+            <a:ext cx="10513440" cy="4349160"/>
           </a:xfrm>
           <a:prstGeom prst="rect">
             <a:avLst/>
@@ -20562,7 +20535,7 @@
             <a:normAutofit/>
           </a:bodyPr>
           <a:p>
-            <a:pPr marL="228600" indent="-226800">
+            <a:pPr marL="228600" indent="-226440">
               <a:lnSpc>
                 <a:spcPct val="90000"/>
               </a:lnSpc>
@@ -20590,7 +20563,7 @@
             </a:endParaRPr>
           </a:p>
           <a:p>
-            <a:pPr lvl="1" marL="685800" indent="-226800">
+            <a:pPr lvl="1" marL="685800" indent="-226440">
               <a:lnSpc>
                 <a:spcPct val="90000"/>
               </a:lnSpc>
@@ -20618,7 +20591,7 @@
             </a:endParaRPr>
           </a:p>
           <a:p>
-            <a:pPr marL="228600" indent="-226800">
+            <a:pPr marL="228600" indent="-226440">
               <a:lnSpc>
                 <a:spcPct val="90000"/>
               </a:lnSpc>
@@ -20646,7 +20619,7 @@
             </a:endParaRPr>
           </a:p>
           <a:p>
-            <a:pPr lvl="1" marL="685800" indent="-226800">
+            <a:pPr lvl="1" marL="685800" indent="-226440">
               <a:lnSpc>
                 <a:spcPct val="90000"/>
               </a:lnSpc>
@@ -20674,7 +20647,7 @@
             </a:endParaRPr>
           </a:p>
           <a:p>
-            <a:pPr lvl="1" marL="685800" indent="-226800">
+            <a:pPr lvl="1" marL="685800" indent="-226440">
               <a:lnSpc>
                 <a:spcPct val="90000"/>
               </a:lnSpc>
@@ -20712,7 +20685,7 @@
             </a:endParaRPr>
           </a:p>
           <a:p>
-            <a:pPr lvl="1" marL="685800" indent="-226800">
+            <a:pPr lvl="1" marL="685800" indent="-226440">
               <a:lnSpc>
                 <a:spcPct val="90000"/>
               </a:lnSpc>
@@ -20740,7 +20713,7 @@
             </a:endParaRPr>
           </a:p>
           <a:p>
-            <a:pPr lvl="1" marL="685800" indent="-226800">
+            <a:pPr lvl="1" marL="685800" indent="-226440">
               <a:lnSpc>
                 <a:spcPct val="90000"/>
               </a:lnSpc>
@@ -20768,7 +20741,7 @@
             </a:endParaRPr>
           </a:p>
           <a:p>
-            <a:pPr marL="228600" indent="-226800">
+            <a:pPr marL="228600" indent="-226440">
               <a:lnSpc>
                 <a:spcPct val="90000"/>
               </a:lnSpc>
@@ -20796,7 +20769,7 @@
             </a:endParaRPr>
           </a:p>
           <a:p>
-            <a:pPr lvl="1" marL="685800" indent="-226800">
+            <a:pPr lvl="1" marL="685800" indent="-226440">
               <a:lnSpc>
                 <a:spcPct val="90000"/>
               </a:lnSpc>
@@ -20824,7 +20797,7 @@
             </a:endParaRPr>
           </a:p>
           <a:p>
-            <a:pPr lvl="1" marL="685800" indent="-226800">
+            <a:pPr lvl="1" marL="685800" indent="-226440">
               <a:lnSpc>
                 <a:spcPct val="90000"/>
               </a:lnSpc>
@@ -20852,7 +20825,7 @@
             </a:endParaRPr>
           </a:p>
           <a:p>
-            <a:pPr lvl="1" marL="685800" indent="-226800">
+            <a:pPr lvl="1" marL="685800" indent="-226440">
               <a:lnSpc>
                 <a:spcPct val="90000"/>
               </a:lnSpc>
@@ -20920,7 +20893,7 @@
         <p:spPr>
           <a:xfrm>
             <a:off x="8057880" y="2448000"/>
-            <a:ext cx="3294000" cy="2950920"/>
+            <a:ext cx="3293640" cy="2950560"/>
           </a:xfrm>
           <a:prstGeom prst="rect">
             <a:avLst/>
@@ -20969,7 +20942,7 @@
         <p:spPr>
           <a:xfrm>
             <a:off x="594000" y="234000"/>
-            <a:ext cx="10514160" cy="1258560"/>
+            <a:ext cx="10513800" cy="1258200"/>
           </a:xfrm>
           <a:prstGeom prst="rect">
             <a:avLst/>
@@ -21020,7 +20993,7 @@
         <p:spPr>
           <a:xfrm>
             <a:off x="838080" y="1429920"/>
-            <a:ext cx="10513800" cy="5061240"/>
+            <a:ext cx="10513440" cy="5060880"/>
           </a:xfrm>
           <a:prstGeom prst="rect">
             <a:avLst/>
@@ -21041,7 +21014,7 @@
             <a:normAutofit/>
           </a:bodyPr>
           <a:p>
-            <a:pPr marL="228600" indent="-226800">
+            <a:pPr marL="228600" indent="-226440">
               <a:lnSpc>
                 <a:spcPct val="90000"/>
               </a:lnSpc>
@@ -21069,7 +21042,7 @@
             </a:endParaRPr>
           </a:p>
           <a:p>
-            <a:pPr marL="228600" indent="-226800">
+            <a:pPr marL="228600" indent="-226440">
               <a:lnSpc>
                 <a:spcPct val="90000"/>
               </a:lnSpc>
@@ -21097,7 +21070,7 @@
             </a:endParaRPr>
           </a:p>
           <a:p>
-            <a:pPr lvl="1" marL="685800" indent="-226800">
+            <a:pPr lvl="1" marL="685800" indent="-226440">
               <a:lnSpc>
                 <a:spcPct val="90000"/>
               </a:lnSpc>
@@ -21125,7 +21098,7 @@
             </a:endParaRPr>
           </a:p>
           <a:p>
-            <a:pPr lvl="1" marL="685800" indent="-226800">
+            <a:pPr lvl="1" marL="685800" indent="-226440">
               <a:lnSpc>
                 <a:spcPct val="90000"/>
               </a:lnSpc>
@@ -21153,7 +21126,7 @@
             </a:endParaRPr>
           </a:p>
           <a:p>
-            <a:pPr lvl="1" marL="685800" indent="-226800">
+            <a:pPr lvl="1" marL="685800" indent="-226440">
               <a:lnSpc>
                 <a:spcPct val="90000"/>
               </a:lnSpc>
@@ -21181,7 +21154,7 @@
             </a:endParaRPr>
           </a:p>
           <a:p>
-            <a:pPr marL="228600" indent="-226800">
+            <a:pPr marL="228600" indent="-226440">
               <a:lnSpc>
                 <a:spcPct val="90000"/>
               </a:lnSpc>
@@ -21209,7 +21182,7 @@
             </a:endParaRPr>
           </a:p>
           <a:p>
-            <a:pPr lvl="1" marL="685800" indent="-226800">
+            <a:pPr lvl="1" marL="685800" indent="-226440">
               <a:lnSpc>
                 <a:spcPct val="90000"/>
               </a:lnSpc>
@@ -21237,7 +21210,7 @@
             </a:endParaRPr>
           </a:p>
           <a:p>
-            <a:pPr lvl="1" marL="685800" indent="-226800">
+            <a:pPr lvl="1" marL="685800" indent="-226440">
               <a:lnSpc>
                 <a:spcPct val="90000"/>
               </a:lnSpc>
@@ -21265,7 +21238,7 @@
             </a:endParaRPr>
           </a:p>
           <a:p>
-            <a:pPr lvl="1" marL="685800" indent="-226800">
+            <a:pPr lvl="1" marL="685800" indent="-226440">
               <a:lnSpc>
                 <a:spcPct val="90000"/>
               </a:lnSpc>
@@ -21293,7 +21266,7 @@
             </a:endParaRPr>
           </a:p>
           <a:p>
-            <a:pPr marL="228600" indent="-226800">
+            <a:pPr marL="228600" indent="-226440">
               <a:lnSpc>
                 <a:spcPct val="90000"/>
               </a:lnSpc>
@@ -21321,7 +21294,7 @@
             </a:endParaRPr>
           </a:p>
           <a:p>
-            <a:pPr lvl="1" marL="685800" indent="-226800">
+            <a:pPr lvl="1" marL="685800" indent="-226440">
               <a:lnSpc>
                 <a:spcPct val="90000"/>
               </a:lnSpc>
@@ -21349,7 +21322,7 @@
             </a:endParaRPr>
           </a:p>
           <a:p>
-            <a:pPr lvl="1" marL="685800" indent="-226800">
+            <a:pPr lvl="1" marL="685800" indent="-226440">
               <a:lnSpc>
                 <a:spcPct val="90000"/>
               </a:lnSpc>
@@ -21404,7 +21377,7 @@
         <p:spPr>
           <a:xfrm>
             <a:off x="8568000" y="3619440"/>
-            <a:ext cx="2783880" cy="2715480"/>
+            <a:ext cx="2783520" cy="2715120"/>
           </a:xfrm>
           <a:prstGeom prst="rect">
             <a:avLst/>
@@ -21453,7 +21426,7 @@
         <p:spPr>
           <a:xfrm>
             <a:off x="594000" y="234000"/>
-            <a:ext cx="10514160" cy="1258560"/>
+            <a:ext cx="10513800" cy="1258200"/>
           </a:xfrm>
           <a:prstGeom prst="rect">
             <a:avLst/>
@@ -21504,7 +21477,7 @@
         <p:spPr>
           <a:xfrm>
             <a:off x="838080" y="1440000"/>
-            <a:ext cx="10513800" cy="4823640"/>
+            <a:ext cx="10513440" cy="4823280"/>
           </a:xfrm>
           <a:prstGeom prst="rect">
             <a:avLst/>
@@ -21525,7 +21498,7 @@
             <a:normAutofit/>
           </a:bodyPr>
           <a:p>
-            <a:pPr marL="228600" indent="-226800">
+            <a:pPr marL="228600" indent="-226440">
               <a:lnSpc>
                 <a:spcPct val="90000"/>
               </a:lnSpc>
@@ -21553,7 +21526,7 @@
             </a:endParaRPr>
           </a:p>
           <a:p>
-            <a:pPr lvl="1" marL="685800" indent="-226800">
+            <a:pPr lvl="1" marL="685800" indent="-226440">
               <a:lnSpc>
                 <a:spcPct val="90000"/>
               </a:lnSpc>
@@ -21581,7 +21554,7 @@
             </a:endParaRPr>
           </a:p>
           <a:p>
-            <a:pPr lvl="1" marL="685800" indent="-226800">
+            <a:pPr lvl="1" marL="685800" indent="-226440">
               <a:lnSpc>
                 <a:spcPct val="90000"/>
               </a:lnSpc>
@@ -21609,7 +21582,7 @@
             </a:endParaRPr>
           </a:p>
           <a:p>
-            <a:pPr lvl="1" marL="685800" indent="-226800">
+            <a:pPr lvl="1" marL="685800" indent="-226440">
               <a:lnSpc>
                 <a:spcPct val="90000"/>
               </a:lnSpc>
@@ -21637,7 +21610,7 @@
             </a:endParaRPr>
           </a:p>
           <a:p>
-            <a:pPr marL="228600" indent="-226800">
+            <a:pPr marL="228600" indent="-226440">
               <a:lnSpc>
                 <a:spcPct val="90000"/>
               </a:lnSpc>
@@ -21665,7 +21638,7 @@
             </a:endParaRPr>
           </a:p>
           <a:p>
-            <a:pPr lvl="1" marL="685800" indent="-226800">
+            <a:pPr lvl="1" marL="685800" indent="-226440">
               <a:lnSpc>
                 <a:spcPct val="90000"/>
               </a:lnSpc>
@@ -21693,7 +21666,7 @@
             </a:endParaRPr>
           </a:p>
           <a:p>
-            <a:pPr lvl="1" marL="685800" indent="-226800">
+            <a:pPr lvl="1" marL="685800" indent="-226440">
               <a:lnSpc>
                 <a:spcPct val="90000"/>
               </a:lnSpc>
@@ -21721,7 +21694,7 @@
             </a:endParaRPr>
           </a:p>
           <a:p>
-            <a:pPr lvl="2" marL="1143000" indent="-226800">
+            <a:pPr lvl="2" marL="1143000" indent="-226440">
               <a:lnSpc>
                 <a:spcPct val="90000"/>
               </a:lnSpc>
@@ -21749,7 +21722,7 @@
             </a:endParaRPr>
           </a:p>
           <a:p>
-            <a:pPr lvl="1" marL="685800" indent="-226800">
+            <a:pPr lvl="1" marL="685800" indent="-226440">
               <a:lnSpc>
                 <a:spcPct val="90000"/>
               </a:lnSpc>
@@ -21777,7 +21750,7 @@
             </a:endParaRPr>
           </a:p>
           <a:p>
-            <a:pPr marL="228600" indent="-226800">
+            <a:pPr marL="228600" indent="-226440">
               <a:lnSpc>
                 <a:spcPct val="90000"/>
               </a:lnSpc>
@@ -21815,7 +21788,7 @@
             </a:endParaRPr>
           </a:p>
           <a:p>
-            <a:pPr lvl="1" marL="685800" indent="-226800">
+            <a:pPr lvl="1" marL="685800" indent="-226440">
               <a:lnSpc>
                 <a:spcPct val="90000"/>
               </a:lnSpc>
@@ -21843,7 +21816,7 @@
             </a:endParaRPr>
           </a:p>
           <a:p>
-            <a:pPr lvl="1" marL="685800" indent="-226800">
+            <a:pPr lvl="1" marL="685800" indent="-226440">
               <a:lnSpc>
                 <a:spcPct val="90000"/>
               </a:lnSpc>
@@ -21898,7 +21871,7 @@
         <p:spPr>
           <a:xfrm>
             <a:off x="8238240" y="2075040"/>
-            <a:ext cx="3065400" cy="3036600"/>
+            <a:ext cx="3065040" cy="3036240"/>
           </a:xfrm>
           <a:prstGeom prst="rect">
             <a:avLst/>
@@ -21947,7 +21920,7 @@
         <p:spPr>
           <a:xfrm>
             <a:off x="594000" y="234000"/>
-            <a:ext cx="10514160" cy="1258560"/>
+            <a:ext cx="10513800" cy="1258200"/>
           </a:xfrm>
           <a:prstGeom prst="rect">
             <a:avLst/>
@@ -21998,7 +21971,7 @@
         <p:spPr>
           <a:xfrm>
             <a:off x="838080" y="1780920"/>
-            <a:ext cx="5179320" cy="2520000"/>
+            <a:ext cx="5178960" cy="2519640"/>
           </a:xfrm>
           <a:prstGeom prst="rect">
             <a:avLst/>
@@ -22019,7 +21992,7 @@
             <a:normAutofit/>
           </a:bodyPr>
           <a:p>
-            <a:pPr marL="228600" indent="-226440">
+            <a:pPr marL="228600" indent="-226080">
               <a:lnSpc>
                 <a:spcPct val="90000"/>
               </a:lnSpc>
@@ -22047,7 +22020,7 @@
             </a:endParaRPr>
           </a:p>
           <a:p>
-            <a:pPr lvl="1" marL="685800" indent="-226440">
+            <a:pPr lvl="1" marL="685800" indent="-226080">
               <a:lnSpc>
                 <a:spcPct val="90000"/>
               </a:lnSpc>
@@ -22075,7 +22048,7 @@
             </a:endParaRPr>
           </a:p>
           <a:p>
-            <a:pPr lvl="1" marL="685800" indent="-226440">
+            <a:pPr lvl="1" marL="685800" indent="-226080">
               <a:lnSpc>
                 <a:spcPct val="90000"/>
               </a:lnSpc>
@@ -22103,7 +22076,7 @@
             </a:endParaRPr>
           </a:p>
           <a:p>
-            <a:pPr lvl="1" marL="685800" indent="-226440">
+            <a:pPr lvl="1" marL="685800" indent="-226080">
               <a:lnSpc>
                 <a:spcPct val="90000"/>
               </a:lnSpc>
@@ -22131,7 +22104,7 @@
             </a:endParaRPr>
           </a:p>
           <a:p>
-            <a:pPr lvl="1" marL="685800" indent="-226440">
+            <a:pPr lvl="1" marL="685800" indent="-226080">
               <a:lnSpc>
                 <a:spcPct val="90000"/>
               </a:lnSpc>
@@ -22159,7 +22132,7 @@
             </a:endParaRPr>
           </a:p>
           <a:p>
-            <a:pPr lvl="1" marL="685800" indent="-226440">
+            <a:pPr lvl="1" marL="685800" indent="-226080">
               <a:lnSpc>
                 <a:spcPct val="90000"/>
               </a:lnSpc>
@@ -22210,7 +22183,7 @@
         <p:spPr>
           <a:xfrm>
             <a:off x="6172200" y="1780920"/>
-            <a:ext cx="5179320" cy="2349720"/>
+            <a:ext cx="5178960" cy="2349360"/>
           </a:xfrm>
           <a:prstGeom prst="rect">
             <a:avLst/>
@@ -22231,7 +22204,7 @@
             <a:normAutofit/>
           </a:bodyPr>
           <a:p>
-            <a:pPr marL="228600" indent="-226440">
+            <a:pPr marL="228600" indent="-226080">
               <a:lnSpc>
                 <a:spcPct val="90000"/>
               </a:lnSpc>
@@ -22259,7 +22232,7 @@
             </a:endParaRPr>
           </a:p>
           <a:p>
-            <a:pPr lvl="1" marL="685800" indent="-226440">
+            <a:pPr lvl="1" marL="685800" indent="-226080">
               <a:lnSpc>
                 <a:spcPct val="90000"/>
               </a:lnSpc>
@@ -22287,7 +22260,7 @@
             </a:endParaRPr>
           </a:p>
           <a:p>
-            <a:pPr lvl="1" marL="685800" indent="-226440">
+            <a:pPr lvl="1" marL="685800" indent="-226080">
               <a:lnSpc>
                 <a:spcPct val="90000"/>
               </a:lnSpc>
@@ -22315,7 +22288,7 @@
             </a:endParaRPr>
           </a:p>
           <a:p>
-            <a:pPr lvl="1" marL="685800" indent="-226440">
+            <a:pPr lvl="1" marL="685800" indent="-226080">
               <a:lnSpc>
                 <a:spcPct val="90000"/>
               </a:lnSpc>
@@ -22343,7 +22316,7 @@
             </a:endParaRPr>
           </a:p>
           <a:p>
-            <a:pPr lvl="1" marL="685800" indent="-226440">
+            <a:pPr lvl="1" marL="685800" indent="-226080">
               <a:lnSpc>
                 <a:spcPct val="90000"/>
               </a:lnSpc>
@@ -22371,7 +22344,7 @@
             </a:endParaRPr>
           </a:p>
           <a:p>
-            <a:pPr lvl="1" marL="685800" indent="-226440">
+            <a:pPr lvl="1" marL="685800" indent="-226080">
               <a:lnSpc>
                 <a:spcPct val="90000"/>
               </a:lnSpc>
@@ -22419,7 +22392,7 @@
         <p:spPr>
           <a:xfrm>
             <a:off x="838080" y="4132800"/>
-            <a:ext cx="9410760" cy="2496960"/>
+            <a:ext cx="9410400" cy="2496960"/>
           </a:xfrm>
           <a:prstGeom prst="rect">
             <a:avLst/>
@@ -22450,7 +22423,7 @@
             </a:endParaRPr>
           </a:p>
           <a:p>
-            <a:pPr marL="457200" indent="-455040">
+            <a:pPr marL="457200" indent="-454680">
               <a:lnSpc>
                 <a:spcPct val="100000"/>
               </a:lnSpc>
@@ -22475,7 +22448,7 @@
             </a:endParaRPr>
           </a:p>
           <a:p>
-            <a:pPr marL="457200" indent="-455040">
+            <a:pPr marL="457200" indent="-454680">
               <a:lnSpc>
                 <a:spcPct val="100000"/>
               </a:lnSpc>
@@ -22500,7 +22473,7 @@
             </a:endParaRPr>
           </a:p>
           <a:p>
-            <a:pPr marL="457200" indent="-455040">
+            <a:pPr marL="457200" indent="-454680">
               <a:lnSpc>
                 <a:spcPct val="100000"/>
               </a:lnSpc>
@@ -22585,7 +22558,7 @@
         <p:spPr>
           <a:xfrm>
             <a:off x="594000" y="234000"/>
-            <a:ext cx="10514160" cy="1258560"/>
+            <a:ext cx="10513800" cy="1258200"/>
           </a:xfrm>
           <a:prstGeom prst="rect">
             <a:avLst/>
@@ -22636,7 +22609,7 @@
         <p:spPr>
           <a:xfrm>
             <a:off x="838080" y="1825560"/>
-            <a:ext cx="10513800" cy="4349520"/>
+            <a:ext cx="10513440" cy="4349160"/>
           </a:xfrm>
           <a:prstGeom prst="rect">
             <a:avLst/>
@@ -22657,7 +22630,7 @@
             <a:noAutofit/>
           </a:bodyPr>
           <a:p>
-            <a:pPr marL="228600" indent="-226800">
+            <a:pPr marL="228600" indent="-226440">
               <a:lnSpc>
                 <a:spcPct val="90000"/>
               </a:lnSpc>
@@ -22685,7 +22658,7 @@
             </a:endParaRPr>
           </a:p>
           <a:p>
-            <a:pPr lvl="1" marL="914400" indent="-455400">
+            <a:pPr lvl="1" marL="914400" indent="-455040">
               <a:lnSpc>
                 <a:spcPct val="90000"/>
               </a:lnSpc>
@@ -22713,7 +22686,7 @@
             </a:endParaRPr>
           </a:p>
           <a:p>
-            <a:pPr lvl="1" marL="914400" indent="-455400">
+            <a:pPr lvl="1" marL="914400" indent="-455040">
               <a:lnSpc>
                 <a:spcPct val="90000"/>
               </a:lnSpc>
@@ -22741,7 +22714,7 @@
             </a:endParaRPr>
           </a:p>
           <a:p>
-            <a:pPr lvl="1" marL="914400" indent="-455400">
+            <a:pPr lvl="1" marL="914400" indent="-455040">
               <a:lnSpc>
                 <a:spcPct val="90000"/>
               </a:lnSpc>
@@ -22769,7 +22742,7 @@
             </a:endParaRPr>
           </a:p>
           <a:p>
-            <a:pPr lvl="1" marL="914400" indent="-455400">
+            <a:pPr lvl="1" marL="914400" indent="-455040">
               <a:lnSpc>
                 <a:spcPct val="90000"/>
               </a:lnSpc>
@@ -22797,7 +22770,7 @@
             </a:endParaRPr>
           </a:p>
           <a:p>
-            <a:pPr marL="228600" indent="-226800">
+            <a:pPr marL="228600" indent="-226440">
               <a:lnSpc>
                 <a:spcPct val="90000"/>
               </a:lnSpc>
@@ -22825,7 +22798,7 @@
             </a:endParaRPr>
           </a:p>
           <a:p>
-            <a:pPr lvl="1" marL="685800" indent="-226800">
+            <a:pPr lvl="1" marL="685800" indent="-226440">
               <a:lnSpc>
                 <a:spcPct val="90000"/>
               </a:lnSpc>
@@ -22853,7 +22826,7 @@
             </a:endParaRPr>
           </a:p>
           <a:p>
-            <a:pPr lvl="1" marL="685800" indent="-226800">
+            <a:pPr lvl="1" marL="685800" indent="-226440">
               <a:lnSpc>
                 <a:spcPct val="90000"/>
               </a:lnSpc>
@@ -22881,7 +22854,7 @@
             </a:endParaRPr>
           </a:p>
           <a:p>
-            <a:pPr lvl="1" marL="685800" indent="-226800">
+            <a:pPr lvl="1" marL="685800" indent="-226440">
               <a:lnSpc>
                 <a:spcPct val="90000"/>
               </a:lnSpc>
@@ -22909,7 +22882,7 @@
             </a:endParaRPr>
           </a:p>
           <a:p>
-            <a:pPr lvl="1" marL="685800" indent="-226800">
+            <a:pPr lvl="1" marL="685800" indent="-226440">
               <a:lnSpc>
                 <a:spcPct val="90000"/>
               </a:lnSpc>
@@ -22951,7 +22924,7 @@
         <p:spPr>
           <a:xfrm>
             <a:off x="7920720" y="1825560"/>
-            <a:ext cx="3166920" cy="3207600"/>
+            <a:ext cx="3166560" cy="3207240"/>
           </a:xfrm>
           <a:prstGeom prst="rect">
             <a:avLst/>
@@ -23000,7 +22973,7 @@
         <p:spPr>
           <a:xfrm>
             <a:off x="594000" y="234000"/>
-            <a:ext cx="10514160" cy="1258560"/>
+            <a:ext cx="10513800" cy="1258200"/>
           </a:xfrm>
           <a:prstGeom prst="rect">
             <a:avLst/>
@@ -23051,7 +23024,7 @@
         <p:spPr>
           <a:xfrm>
             <a:off x="838080" y="1825560"/>
-            <a:ext cx="10513440" cy="4349160"/>
+            <a:ext cx="10513080" cy="4348800"/>
           </a:xfrm>
           <a:prstGeom prst="rect">
             <a:avLst/>
@@ -23072,7 +23045,7 @@
             <a:noAutofit/>
           </a:bodyPr>
           <a:p>
-            <a:pPr marL="228600" indent="-226440">
+            <a:pPr marL="228600" indent="-226080">
               <a:lnSpc>
                 <a:spcPct val="90000"/>
               </a:lnSpc>
@@ -23100,7 +23073,7 @@
             </a:endParaRPr>
           </a:p>
           <a:p>
-            <a:pPr marL="228600" indent="-226440">
+            <a:pPr marL="228600" indent="-226080">
               <a:lnSpc>
                 <a:spcPct val="90000"/>
               </a:lnSpc>
@@ -23128,7 +23101,7 @@
             </a:endParaRPr>
           </a:p>
           <a:p>
-            <a:pPr marL="228600" indent="-226440">
+            <a:pPr marL="228600" indent="-226080">
               <a:lnSpc>
                 <a:spcPct val="90000"/>
               </a:lnSpc>
@@ -23156,7 +23129,7 @@
             </a:endParaRPr>
           </a:p>
           <a:p>
-            <a:pPr marL="228600" indent="-226440">
+            <a:pPr marL="228600" indent="-226080">
               <a:lnSpc>
                 <a:spcPct val="90000"/>
               </a:lnSpc>
@@ -23184,7 +23157,7 @@
             </a:endParaRPr>
           </a:p>
           <a:p>
-            <a:pPr lvl="1" marL="685800" indent="-226440">
+            <a:pPr lvl="1" marL="685800" indent="-226080">
               <a:lnSpc>
                 <a:spcPct val="90000"/>
               </a:lnSpc>
@@ -23212,7 +23185,7 @@
             </a:endParaRPr>
           </a:p>
           <a:p>
-            <a:pPr marL="228600" indent="-226440">
+            <a:pPr marL="228600" indent="-226080">
               <a:lnSpc>
                 <a:spcPct val="90000"/>
               </a:lnSpc>
@@ -23240,7 +23213,7 @@
             </a:endParaRPr>
           </a:p>
           <a:p>
-            <a:pPr marL="228600" indent="-226440">
+            <a:pPr marL="228600" indent="-226080">
               <a:lnSpc>
                 <a:spcPct val="90000"/>
               </a:lnSpc>
@@ -23268,7 +23241,7 @@
             </a:endParaRPr>
           </a:p>
           <a:p>
-            <a:pPr marL="228600" indent="-226440">
+            <a:pPr marL="228600" indent="-226080">
               <a:lnSpc>
                 <a:spcPct val="90000"/>
               </a:lnSpc>
@@ -23296,7 +23269,7 @@
             </a:endParaRPr>
           </a:p>
           <a:p>
-            <a:pPr marL="228600" indent="-226440">
+            <a:pPr marL="228600" indent="-226080">
               <a:lnSpc>
                 <a:spcPct val="90000"/>
               </a:lnSpc>
@@ -23377,7 +23350,7 @@
         <p:spPr>
           <a:xfrm>
             <a:off x="594000" y="234000"/>
-            <a:ext cx="10514160" cy="1258560"/>
+            <a:ext cx="10513800" cy="1258200"/>
           </a:xfrm>
           <a:prstGeom prst="rect">
             <a:avLst/>
@@ -23428,7 +23401,7 @@
         <p:spPr>
           <a:xfrm>
             <a:off x="838080" y="1825560"/>
-            <a:ext cx="10513440" cy="4349160"/>
+            <a:ext cx="10513080" cy="4348800"/>
           </a:xfrm>
           <a:prstGeom prst="rect">
             <a:avLst/>
@@ -23449,7 +23422,7 @@
             <a:noAutofit/>
           </a:bodyPr>
           <a:p>
-            <a:pPr marL="228600" indent="-226440">
+            <a:pPr marL="228600" indent="-226080">
               <a:lnSpc>
                 <a:spcPct val="90000"/>
               </a:lnSpc>
@@ -23477,7 +23450,7 @@
             </a:endParaRPr>
           </a:p>
           <a:p>
-            <a:pPr marL="228600" indent="-226440">
+            <a:pPr marL="228600" indent="-226080">
               <a:lnSpc>
                 <a:spcPct val="90000"/>
               </a:lnSpc>
@@ -23505,7 +23478,7 @@
             </a:endParaRPr>
           </a:p>
           <a:p>
-            <a:pPr marL="228600" indent="-226440">
+            <a:pPr marL="228600" indent="-226080">
               <a:lnSpc>
                 <a:spcPct val="90000"/>
               </a:lnSpc>
@@ -23533,7 +23506,7 @@
             </a:endParaRPr>
           </a:p>
           <a:p>
-            <a:pPr lvl="1" marL="432000" indent="-214920">
+            <a:pPr lvl="1" marL="432000" indent="-214560">
               <a:lnSpc>
                 <a:spcPct val="90000"/>
               </a:lnSpc>
@@ -23562,7 +23535,7 @@
             </a:endParaRPr>
           </a:p>
           <a:p>
-            <a:pPr marL="228600" indent="-226440">
+            <a:pPr marL="228600" indent="-226080">
               <a:lnSpc>
                 <a:spcPct val="90000"/>
               </a:lnSpc>
@@ -23590,7 +23563,7 @@
             </a:endParaRPr>
           </a:p>
           <a:p>
-            <a:pPr marL="228600" indent="-226440">
+            <a:pPr marL="228600" indent="-226080">
               <a:lnSpc>
                 <a:spcPct val="90000"/>
               </a:lnSpc>
@@ -23618,7 +23591,7 @@
             </a:endParaRPr>
           </a:p>
           <a:p>
-            <a:pPr marL="228600" indent="-226440">
+            <a:pPr marL="228600" indent="-226080">
               <a:lnSpc>
                 <a:spcPct val="90000"/>
               </a:lnSpc>
@@ -23686,7 +23659,7 @@
         <p:spPr>
           <a:xfrm>
             <a:off x="594000" y="234000"/>
-            <a:ext cx="10442160" cy="1258560"/>
+            <a:ext cx="10441800" cy="1258200"/>
           </a:xfrm>
           <a:prstGeom prst="rect">
             <a:avLst/>
@@ -23740,7 +23713,7 @@
         <p:spPr>
           <a:xfrm>
             <a:off x="838080" y="1825560"/>
-            <a:ext cx="10321560" cy="4078080"/>
+            <a:ext cx="10321200" cy="4077720"/>
           </a:xfrm>
           <a:prstGeom prst="rect">
             <a:avLst/>
@@ -23761,7 +23734,7 @@
             <a:normAutofit/>
           </a:bodyPr>
           <a:p>
-            <a:pPr marL="228600" indent="-226440">
+            <a:pPr marL="228600" indent="-226080">
               <a:lnSpc>
                 <a:spcPct val="90000"/>
               </a:lnSpc>
@@ -23789,7 +23762,7 @@
             </a:endParaRPr>
           </a:p>
           <a:p>
-            <a:pPr marL="228600" indent="-226440">
+            <a:pPr marL="228600" indent="-226080">
               <a:lnSpc>
                 <a:spcPct val="90000"/>
               </a:lnSpc>
@@ -23817,7 +23790,7 @@
             </a:endParaRPr>
           </a:p>
           <a:p>
-            <a:pPr lvl="1" marL="685800" indent="-226440">
+            <a:pPr lvl="1" marL="685800" indent="-226080">
               <a:lnSpc>
                 <a:spcPct val="90000"/>
               </a:lnSpc>
@@ -23845,7 +23818,7 @@
             </a:endParaRPr>
           </a:p>
           <a:p>
-            <a:pPr lvl="1" marL="685800" indent="-226440">
+            <a:pPr lvl="1" marL="685800" indent="-226080">
               <a:lnSpc>
                 <a:spcPct val="90000"/>
               </a:lnSpc>
@@ -23873,7 +23846,7 @@
             </a:endParaRPr>
           </a:p>
           <a:p>
-            <a:pPr lvl="1" marL="685800" indent="-226440">
+            <a:pPr lvl="1" marL="685800" indent="-226080">
               <a:lnSpc>
                 <a:spcPct val="90000"/>
               </a:lnSpc>
@@ -23901,7 +23874,7 @@
             </a:endParaRPr>
           </a:p>
           <a:p>
-            <a:pPr lvl="1" marL="685800" indent="-226440">
+            <a:pPr lvl="1" marL="685800" indent="-226080">
               <a:lnSpc>
                 <a:spcPct val="90000"/>
               </a:lnSpc>
@@ -23929,7 +23902,7 @@
             </a:endParaRPr>
           </a:p>
           <a:p>
-            <a:pPr lvl="2" marL="1143000" indent="-226440">
+            <a:pPr lvl="2" marL="1143000" indent="-226080">
               <a:lnSpc>
                 <a:spcPct val="90000"/>
               </a:lnSpc>
@@ -24036,7 +24009,7 @@
         <p:spPr>
           <a:xfrm>
             <a:off x="594000" y="234000"/>
-            <a:ext cx="10442160" cy="1258560"/>
+            <a:ext cx="10441800" cy="1258200"/>
           </a:xfrm>
           <a:prstGeom prst="rect">
             <a:avLst/>
@@ -24090,7 +24063,7 @@
         <p:spPr>
           <a:xfrm>
             <a:off x="838080" y="1825560"/>
-            <a:ext cx="10513440" cy="4349160"/>
+            <a:ext cx="10513080" cy="4348800"/>
           </a:xfrm>
           <a:prstGeom prst="rect">
             <a:avLst/>
@@ -24111,7 +24084,7 @@
             <a:normAutofit/>
           </a:bodyPr>
           <a:p>
-            <a:pPr marL="228600" indent="-226440">
+            <a:pPr marL="228600" indent="-226080">
               <a:lnSpc>
                 <a:spcPct val="90000"/>
               </a:lnSpc>
@@ -24139,7 +24112,7 @@
             </a:endParaRPr>
           </a:p>
           <a:p>
-            <a:pPr lvl="1" marL="685800" indent="-226440">
+            <a:pPr lvl="1" marL="685800" indent="-226080">
               <a:lnSpc>
                 <a:spcPct val="90000"/>
               </a:lnSpc>
@@ -24167,7 +24140,7 @@
             </a:endParaRPr>
           </a:p>
           <a:p>
-            <a:pPr marL="228600" indent="-226440">
+            <a:pPr marL="228600" indent="-226080">
               <a:lnSpc>
                 <a:spcPct val="90000"/>
               </a:lnSpc>
@@ -24195,7 +24168,7 @@
             </a:endParaRPr>
           </a:p>
           <a:p>
-            <a:pPr marL="228600" indent="-226440">
+            <a:pPr marL="228600" indent="-226080">
               <a:lnSpc>
                 <a:spcPct val="90000"/>
               </a:lnSpc>
@@ -24276,7 +24249,7 @@
         <p:spPr>
           <a:xfrm>
             <a:off x="6608160" y="2825640"/>
-            <a:ext cx="4743360" cy="3294000"/>
+            <a:ext cx="4743000" cy="3293640"/>
           </a:xfrm>
           <a:prstGeom prst="rect">
             <a:avLst/>
@@ -24325,7 +24298,7 @@
         <p:spPr>
           <a:xfrm>
             <a:off x="594000" y="234000"/>
-            <a:ext cx="10514160" cy="1258560"/>
+            <a:ext cx="10513800" cy="1258200"/>
           </a:xfrm>
           <a:prstGeom prst="rect">
             <a:avLst/>
@@ -24376,7 +24349,7 @@
         <p:spPr>
           <a:xfrm>
             <a:off x="838080" y="1785600"/>
-            <a:ext cx="10513440" cy="2174040"/>
+            <a:ext cx="10513080" cy="2173680"/>
           </a:xfrm>
           <a:prstGeom prst="rect">
             <a:avLst/>
@@ -24397,7 +24370,7 @@
             <a:normAutofit/>
           </a:bodyPr>
           <a:p>
-            <a:pPr marL="228600" indent="-226440">
+            <a:pPr marL="228600" indent="-226080">
               <a:lnSpc>
                 <a:spcPct val="90000"/>
               </a:lnSpc>
@@ -24425,7 +24398,7 @@
             </a:endParaRPr>
           </a:p>
           <a:p>
-            <a:pPr lvl="1" marL="685800" indent="-226440">
+            <a:pPr lvl="1" marL="685800" indent="-226080">
               <a:lnSpc>
                 <a:spcPct val="90000"/>
               </a:lnSpc>
@@ -24453,7 +24426,7 @@
             </a:endParaRPr>
           </a:p>
           <a:p>
-            <a:pPr lvl="1" marL="685800" indent="-226440">
+            <a:pPr lvl="1" marL="685800" indent="-226080">
               <a:lnSpc>
                 <a:spcPct val="90000"/>
               </a:lnSpc>
@@ -24481,7 +24454,7 @@
             </a:endParaRPr>
           </a:p>
           <a:p>
-            <a:pPr lvl="1" marL="685800" indent="-226440">
+            <a:pPr lvl="1" marL="685800" indent="-226080">
               <a:lnSpc>
                 <a:spcPct val="90000"/>
               </a:lnSpc>
@@ -24509,7 +24482,7 @@
             </a:endParaRPr>
           </a:p>
           <a:p>
-            <a:pPr lvl="1" marL="685800" indent="-226440">
+            <a:pPr lvl="1" marL="685800" indent="-226080">
               <a:lnSpc>
                 <a:spcPct val="90000"/>
               </a:lnSpc>
@@ -24561,7 +24534,7 @@
         <p:spPr>
           <a:xfrm>
             <a:off x="8640000" y="1785600"/>
-            <a:ext cx="1798560" cy="4063320"/>
+            <a:ext cx="1798200" cy="4062960"/>
           </a:xfrm>
           <a:prstGeom prst="rect">
             <a:avLst/>
@@ -24610,7 +24583,7 @@
         <p:spPr>
           <a:xfrm>
             <a:off x="594000" y="234000"/>
-            <a:ext cx="10514160" cy="1258560"/>
+            <a:ext cx="10513800" cy="1258200"/>
           </a:xfrm>
           <a:prstGeom prst="rect">
             <a:avLst/>
@@ -24661,7 +24634,7 @@
         <p:spPr>
           <a:xfrm>
             <a:off x="838080" y="1512000"/>
-            <a:ext cx="10513440" cy="3758040"/>
+            <a:ext cx="10513080" cy="3757680"/>
           </a:xfrm>
           <a:prstGeom prst="rect">
             <a:avLst/>
@@ -24682,7 +24655,7 @@
             <a:normAutofit/>
           </a:bodyPr>
           <a:p>
-            <a:pPr marL="228600" indent="-226440">
+            <a:pPr marL="228600" indent="-226080">
               <a:lnSpc>
                 <a:spcPct val="90000"/>
               </a:lnSpc>
@@ -24710,7 +24683,7 @@
             </a:endParaRPr>
           </a:p>
           <a:p>
-            <a:pPr lvl="1" marL="914400" indent="-455040">
+            <a:pPr lvl="1" marL="914400" indent="-454680">
               <a:lnSpc>
                 <a:spcPct val="90000"/>
               </a:lnSpc>
@@ -24738,7 +24711,7 @@
             </a:endParaRPr>
           </a:p>
           <a:p>
-            <a:pPr lvl="1" marL="914400" indent="-455040">
+            <a:pPr lvl="1" marL="914400" indent="-454680">
               <a:lnSpc>
                 <a:spcPct val="90000"/>
               </a:lnSpc>
@@ -24766,7 +24739,7 @@
             </a:endParaRPr>
           </a:p>
           <a:p>
-            <a:pPr lvl="1" marL="914400" indent="-455040">
+            <a:pPr lvl="1" marL="914400" indent="-454680">
               <a:lnSpc>
                 <a:spcPct val="90000"/>
               </a:lnSpc>
@@ -24794,7 +24767,7 @@
             </a:endParaRPr>
           </a:p>
           <a:p>
-            <a:pPr lvl="1" marL="914400" indent="-455040">
+            <a:pPr lvl="1" marL="914400" indent="-454680">
               <a:lnSpc>
                 <a:spcPct val="90000"/>
               </a:lnSpc>
@@ -24822,7 +24795,7 @@
             </a:endParaRPr>
           </a:p>
           <a:p>
-            <a:pPr marL="228600" indent="-226440">
+            <a:pPr marL="228600" indent="-226080">
               <a:lnSpc>
                 <a:spcPct val="90000"/>
               </a:lnSpc>
@@ -24850,7 +24823,7 @@
             </a:endParaRPr>
           </a:p>
           <a:p>
-            <a:pPr lvl="1" marL="685800" indent="-226440">
+            <a:pPr lvl="1" marL="685800" indent="-226080">
               <a:lnSpc>
                 <a:spcPct val="90000"/>
               </a:lnSpc>
@@ -24878,7 +24851,7 @@
             </a:endParaRPr>
           </a:p>
           <a:p>
-            <a:pPr lvl="1" marL="685800" indent="-226440">
+            <a:pPr lvl="1" marL="685800" indent="-226080">
               <a:lnSpc>
                 <a:spcPct val="90000"/>
               </a:lnSpc>
